--- a/src/docs/Grad_OOD_Final_Project_Slidehow.pptx
+++ b/src/docs/Grad_OOD_Final_Project_Slidehow.pptx
@@ -4,6 +4,9 @@
   <p:sldMasterIdLst>
     <p:sldMasterId id="2147483840" r:id="rId1"/>
   </p:sldMasterIdLst>
+  <p:notesMasterIdLst>
+    <p:notesMasterId r:id="rId12"/>
+  </p:notesMasterIdLst>
   <p:sldIdLst>
     <p:sldId id="256" r:id="rId2"/>
     <p:sldId id="257" r:id="rId3"/>
@@ -13,7 +16,8 @@
     <p:sldId id="261" r:id="rId7"/>
     <p:sldId id="262" r:id="rId8"/>
     <p:sldId id="263" r:id="rId9"/>
-    <p:sldId id="264" r:id="rId10"/>
+    <p:sldId id="265" r:id="rId10"/>
+    <p:sldId id="264" r:id="rId11"/>
   </p:sldIdLst>
   <p:sldSz cx="12192000" cy="6858000"/>
   <p:notesSz cx="6858000" cy="9144000"/>
@@ -913,11 +917,758 @@
 </dgm:colorsDef>
 </file>
 
+<file path=ppt/diagrams/colors2.xml><?xml version="1.0" encoding="utf-8"?>
+<dgm:colorsDef xmlns:dgm="http://schemas.openxmlformats.org/drawingml/2006/diagram" xmlns:a="http://schemas.openxmlformats.org/drawingml/2006/main" uniqueId="urn:microsoft.com/office/officeart/2005/8/colors/accent1_2">
+  <dgm:title val=""/>
+  <dgm:desc val=""/>
+  <dgm:catLst>
+    <dgm:cat type="accent1" pri="11200"/>
+  </dgm:catLst>
+  <dgm:styleLbl name="node0">
+    <dgm:fillClrLst meth="repeat">
+      <a:schemeClr val="accent1"/>
+    </dgm:fillClrLst>
+    <dgm:linClrLst meth="repeat">
+      <a:schemeClr val="lt1"/>
+    </dgm:linClrLst>
+    <dgm:effectClrLst/>
+    <dgm:txLinClrLst/>
+    <dgm:txFillClrLst/>
+    <dgm:txEffectClrLst/>
+  </dgm:styleLbl>
+  <dgm:styleLbl name="alignNode1">
+    <dgm:fillClrLst meth="repeat">
+      <a:schemeClr val="accent1"/>
+    </dgm:fillClrLst>
+    <dgm:linClrLst meth="repeat">
+      <a:schemeClr val="accent1"/>
+    </dgm:linClrLst>
+    <dgm:effectClrLst/>
+    <dgm:txLinClrLst/>
+    <dgm:txFillClrLst/>
+    <dgm:txEffectClrLst/>
+  </dgm:styleLbl>
+  <dgm:styleLbl name="node1">
+    <dgm:fillClrLst meth="repeat">
+      <a:schemeClr val="accent1"/>
+    </dgm:fillClrLst>
+    <dgm:linClrLst meth="repeat">
+      <a:schemeClr val="lt1"/>
+    </dgm:linClrLst>
+    <dgm:effectClrLst/>
+    <dgm:txLinClrLst/>
+    <dgm:txFillClrLst/>
+    <dgm:txEffectClrLst/>
+  </dgm:styleLbl>
+  <dgm:styleLbl name="lnNode1">
+    <dgm:fillClrLst meth="repeat">
+      <a:schemeClr val="accent1"/>
+    </dgm:fillClrLst>
+    <dgm:linClrLst meth="repeat">
+      <a:schemeClr val="lt1"/>
+    </dgm:linClrLst>
+    <dgm:effectClrLst/>
+    <dgm:txLinClrLst/>
+    <dgm:txFillClrLst/>
+    <dgm:txEffectClrLst/>
+  </dgm:styleLbl>
+  <dgm:styleLbl name="vennNode1">
+    <dgm:fillClrLst meth="repeat">
+      <a:schemeClr val="accent1">
+        <a:alpha val="50000"/>
+      </a:schemeClr>
+    </dgm:fillClrLst>
+    <dgm:linClrLst meth="repeat">
+      <a:schemeClr val="lt1"/>
+    </dgm:linClrLst>
+    <dgm:effectClrLst/>
+    <dgm:txLinClrLst/>
+    <dgm:txFillClrLst/>
+    <dgm:txEffectClrLst/>
+  </dgm:styleLbl>
+  <dgm:styleLbl name="node2">
+    <dgm:fillClrLst meth="repeat">
+      <a:schemeClr val="accent1"/>
+    </dgm:fillClrLst>
+    <dgm:linClrLst meth="repeat">
+      <a:schemeClr val="lt1"/>
+    </dgm:linClrLst>
+    <dgm:effectClrLst/>
+    <dgm:txLinClrLst/>
+    <dgm:txFillClrLst/>
+    <dgm:txEffectClrLst/>
+  </dgm:styleLbl>
+  <dgm:styleLbl name="node3">
+    <dgm:fillClrLst meth="repeat">
+      <a:schemeClr val="accent1"/>
+    </dgm:fillClrLst>
+    <dgm:linClrLst meth="repeat">
+      <a:schemeClr val="lt1"/>
+    </dgm:linClrLst>
+    <dgm:effectClrLst/>
+    <dgm:txLinClrLst/>
+    <dgm:txFillClrLst/>
+    <dgm:txEffectClrLst/>
+  </dgm:styleLbl>
+  <dgm:styleLbl name="node4">
+    <dgm:fillClrLst meth="repeat">
+      <a:schemeClr val="accent1"/>
+    </dgm:fillClrLst>
+    <dgm:linClrLst meth="repeat">
+      <a:schemeClr val="lt1"/>
+    </dgm:linClrLst>
+    <dgm:effectClrLst/>
+    <dgm:txLinClrLst/>
+    <dgm:txFillClrLst/>
+    <dgm:txEffectClrLst/>
+  </dgm:styleLbl>
+  <dgm:styleLbl name="fgImgPlace1">
+    <dgm:fillClrLst meth="repeat">
+      <a:schemeClr val="accent1">
+        <a:tint val="50000"/>
+      </a:schemeClr>
+    </dgm:fillClrLst>
+    <dgm:linClrLst meth="repeat">
+      <a:schemeClr val="lt1"/>
+    </dgm:linClrLst>
+    <dgm:effectClrLst/>
+    <dgm:txLinClrLst/>
+    <dgm:txFillClrLst meth="repeat">
+      <a:schemeClr val="lt1"/>
+    </dgm:txFillClrLst>
+    <dgm:txEffectClrLst/>
+  </dgm:styleLbl>
+  <dgm:styleLbl name="alignImgPlace1">
+    <dgm:fillClrLst meth="repeat">
+      <a:schemeClr val="accent1">
+        <a:tint val="50000"/>
+      </a:schemeClr>
+    </dgm:fillClrLst>
+    <dgm:linClrLst meth="repeat">
+      <a:schemeClr val="lt1"/>
+    </dgm:linClrLst>
+    <dgm:effectClrLst/>
+    <dgm:txLinClrLst/>
+    <dgm:txFillClrLst meth="repeat">
+      <a:schemeClr val="lt1"/>
+    </dgm:txFillClrLst>
+    <dgm:txEffectClrLst/>
+  </dgm:styleLbl>
+  <dgm:styleLbl name="bgImgPlace1">
+    <dgm:fillClrLst meth="repeat">
+      <a:schemeClr val="accent1">
+        <a:tint val="50000"/>
+      </a:schemeClr>
+    </dgm:fillClrLst>
+    <dgm:linClrLst meth="repeat">
+      <a:schemeClr val="lt1"/>
+    </dgm:linClrLst>
+    <dgm:effectClrLst/>
+    <dgm:txLinClrLst/>
+    <dgm:txFillClrLst meth="repeat">
+      <a:schemeClr val="lt1"/>
+    </dgm:txFillClrLst>
+    <dgm:txEffectClrLst/>
+  </dgm:styleLbl>
+  <dgm:styleLbl name="sibTrans2D1">
+    <dgm:fillClrLst meth="repeat">
+      <a:schemeClr val="accent1">
+        <a:tint val="60000"/>
+      </a:schemeClr>
+    </dgm:fillClrLst>
+    <dgm:linClrLst meth="repeat">
+      <a:schemeClr val="accent1">
+        <a:tint val="60000"/>
+      </a:schemeClr>
+    </dgm:linClrLst>
+    <dgm:effectClrLst/>
+    <dgm:txLinClrLst/>
+    <dgm:txFillClrLst/>
+    <dgm:txEffectClrLst/>
+  </dgm:styleLbl>
+  <dgm:styleLbl name="fgSibTrans2D1">
+    <dgm:fillClrLst meth="repeat">
+      <a:schemeClr val="accent1">
+        <a:tint val="60000"/>
+      </a:schemeClr>
+    </dgm:fillClrLst>
+    <dgm:linClrLst meth="repeat">
+      <a:schemeClr val="accent1">
+        <a:tint val="60000"/>
+      </a:schemeClr>
+    </dgm:linClrLst>
+    <dgm:effectClrLst/>
+    <dgm:txLinClrLst/>
+    <dgm:txFillClrLst/>
+    <dgm:txEffectClrLst/>
+  </dgm:styleLbl>
+  <dgm:styleLbl name="bgSibTrans2D1">
+    <dgm:fillClrLst meth="repeat">
+      <a:schemeClr val="accent1">
+        <a:tint val="60000"/>
+      </a:schemeClr>
+    </dgm:fillClrLst>
+    <dgm:linClrLst meth="repeat">
+      <a:schemeClr val="accent1">
+        <a:tint val="60000"/>
+      </a:schemeClr>
+    </dgm:linClrLst>
+    <dgm:effectClrLst/>
+    <dgm:txLinClrLst/>
+    <dgm:txFillClrLst/>
+    <dgm:txEffectClrLst/>
+  </dgm:styleLbl>
+  <dgm:styleLbl name="sibTrans1D1">
+    <dgm:fillClrLst meth="repeat">
+      <a:schemeClr val="accent1"/>
+    </dgm:fillClrLst>
+    <dgm:linClrLst meth="repeat">
+      <a:schemeClr val="accent1"/>
+    </dgm:linClrLst>
+    <dgm:effectClrLst/>
+    <dgm:txLinClrLst/>
+    <dgm:txFillClrLst meth="repeat">
+      <a:schemeClr val="tx1"/>
+    </dgm:txFillClrLst>
+    <dgm:txEffectClrLst/>
+  </dgm:styleLbl>
+  <dgm:styleLbl name="callout">
+    <dgm:fillClrLst meth="repeat">
+      <a:schemeClr val="accent1"/>
+    </dgm:fillClrLst>
+    <dgm:linClrLst meth="repeat">
+      <a:schemeClr val="accent1">
+        <a:tint val="50000"/>
+      </a:schemeClr>
+    </dgm:linClrLst>
+    <dgm:effectClrLst/>
+    <dgm:txLinClrLst/>
+    <dgm:txFillClrLst meth="repeat">
+      <a:schemeClr val="tx1"/>
+    </dgm:txFillClrLst>
+    <dgm:txEffectClrLst/>
+  </dgm:styleLbl>
+  <dgm:styleLbl name="asst0">
+    <dgm:fillClrLst meth="repeat">
+      <a:schemeClr val="accent1"/>
+    </dgm:fillClrLst>
+    <dgm:linClrLst meth="repeat">
+      <a:schemeClr val="lt1"/>
+    </dgm:linClrLst>
+    <dgm:effectClrLst/>
+    <dgm:txLinClrLst/>
+    <dgm:txFillClrLst/>
+    <dgm:txEffectClrLst/>
+  </dgm:styleLbl>
+  <dgm:styleLbl name="asst1">
+    <dgm:fillClrLst meth="repeat">
+      <a:schemeClr val="accent1"/>
+    </dgm:fillClrLst>
+    <dgm:linClrLst meth="repeat">
+      <a:schemeClr val="lt1"/>
+    </dgm:linClrLst>
+    <dgm:effectClrLst/>
+    <dgm:txLinClrLst/>
+    <dgm:txFillClrLst/>
+    <dgm:txEffectClrLst/>
+  </dgm:styleLbl>
+  <dgm:styleLbl name="asst2">
+    <dgm:fillClrLst meth="repeat">
+      <a:schemeClr val="accent1"/>
+    </dgm:fillClrLst>
+    <dgm:linClrLst meth="repeat">
+      <a:schemeClr val="lt1"/>
+    </dgm:linClrLst>
+    <dgm:effectClrLst/>
+    <dgm:txLinClrLst/>
+    <dgm:txFillClrLst/>
+    <dgm:txEffectClrLst/>
+  </dgm:styleLbl>
+  <dgm:styleLbl name="asst3">
+    <dgm:fillClrLst meth="repeat">
+      <a:schemeClr val="accent1"/>
+    </dgm:fillClrLst>
+    <dgm:linClrLst meth="repeat">
+      <a:schemeClr val="lt1"/>
+    </dgm:linClrLst>
+    <dgm:effectClrLst/>
+    <dgm:txLinClrLst/>
+    <dgm:txFillClrLst/>
+    <dgm:txEffectClrLst/>
+  </dgm:styleLbl>
+  <dgm:styleLbl name="asst4">
+    <dgm:fillClrLst meth="repeat">
+      <a:schemeClr val="accent1"/>
+    </dgm:fillClrLst>
+    <dgm:linClrLst meth="repeat">
+      <a:schemeClr val="lt1"/>
+    </dgm:linClrLst>
+    <dgm:effectClrLst/>
+    <dgm:txLinClrLst/>
+    <dgm:txFillClrLst/>
+    <dgm:txEffectClrLst/>
+  </dgm:styleLbl>
+  <dgm:styleLbl name="parChTrans2D1">
+    <dgm:fillClrLst meth="repeat">
+      <a:schemeClr val="accent1">
+        <a:tint val="60000"/>
+      </a:schemeClr>
+    </dgm:fillClrLst>
+    <dgm:linClrLst meth="repeat">
+      <a:schemeClr val="accent1">
+        <a:tint val="60000"/>
+      </a:schemeClr>
+    </dgm:linClrLst>
+    <dgm:effectClrLst/>
+    <dgm:txLinClrLst/>
+    <dgm:txFillClrLst meth="repeat">
+      <a:schemeClr val="lt1"/>
+    </dgm:txFillClrLst>
+    <dgm:txEffectClrLst/>
+  </dgm:styleLbl>
+  <dgm:styleLbl name="parChTrans2D2">
+    <dgm:fillClrLst meth="repeat">
+      <a:schemeClr val="accent1"/>
+    </dgm:fillClrLst>
+    <dgm:linClrLst meth="repeat">
+      <a:schemeClr val="accent1"/>
+    </dgm:linClrLst>
+    <dgm:effectClrLst/>
+    <dgm:txLinClrLst/>
+    <dgm:txFillClrLst meth="repeat">
+      <a:schemeClr val="lt1"/>
+    </dgm:txFillClrLst>
+    <dgm:txEffectClrLst/>
+  </dgm:styleLbl>
+  <dgm:styleLbl name="parChTrans2D3">
+    <dgm:fillClrLst meth="repeat">
+      <a:schemeClr val="accent1"/>
+    </dgm:fillClrLst>
+    <dgm:linClrLst meth="repeat">
+      <a:schemeClr val="accent1"/>
+    </dgm:linClrLst>
+    <dgm:effectClrLst/>
+    <dgm:txLinClrLst/>
+    <dgm:txFillClrLst meth="repeat">
+      <a:schemeClr val="lt1"/>
+    </dgm:txFillClrLst>
+    <dgm:txEffectClrLst/>
+  </dgm:styleLbl>
+  <dgm:styleLbl name="parChTrans2D4">
+    <dgm:fillClrLst meth="repeat">
+      <a:schemeClr val="accent1"/>
+    </dgm:fillClrLst>
+    <dgm:linClrLst meth="repeat">
+      <a:schemeClr val="accent1"/>
+    </dgm:linClrLst>
+    <dgm:effectClrLst/>
+    <dgm:txLinClrLst/>
+    <dgm:txFillClrLst meth="repeat">
+      <a:schemeClr val="lt1"/>
+    </dgm:txFillClrLst>
+    <dgm:txEffectClrLst/>
+  </dgm:styleLbl>
+  <dgm:styleLbl name="parChTrans1D1">
+    <dgm:fillClrLst meth="repeat">
+      <a:schemeClr val="accent1"/>
+    </dgm:fillClrLst>
+    <dgm:linClrLst meth="repeat">
+      <a:schemeClr val="accent1">
+        <a:shade val="60000"/>
+      </a:schemeClr>
+    </dgm:linClrLst>
+    <dgm:effectClrLst/>
+    <dgm:txLinClrLst/>
+    <dgm:txFillClrLst meth="repeat">
+      <a:schemeClr val="tx1"/>
+    </dgm:txFillClrLst>
+    <dgm:txEffectClrLst/>
+  </dgm:styleLbl>
+  <dgm:styleLbl name="parChTrans1D2">
+    <dgm:fillClrLst meth="repeat">
+      <a:schemeClr val="accent1"/>
+    </dgm:fillClrLst>
+    <dgm:linClrLst meth="repeat">
+      <a:schemeClr val="accent1">
+        <a:shade val="60000"/>
+      </a:schemeClr>
+    </dgm:linClrLst>
+    <dgm:effectClrLst/>
+    <dgm:txLinClrLst/>
+    <dgm:txFillClrLst meth="repeat">
+      <a:schemeClr val="tx1"/>
+    </dgm:txFillClrLst>
+    <dgm:txEffectClrLst/>
+  </dgm:styleLbl>
+  <dgm:styleLbl name="parChTrans1D3">
+    <dgm:fillClrLst meth="repeat">
+      <a:schemeClr val="accent1"/>
+    </dgm:fillClrLst>
+    <dgm:linClrLst meth="repeat">
+      <a:schemeClr val="accent1">
+        <a:shade val="80000"/>
+      </a:schemeClr>
+    </dgm:linClrLst>
+    <dgm:effectClrLst/>
+    <dgm:txLinClrLst/>
+    <dgm:txFillClrLst meth="repeat">
+      <a:schemeClr val="tx1"/>
+    </dgm:txFillClrLst>
+    <dgm:txEffectClrLst/>
+  </dgm:styleLbl>
+  <dgm:styleLbl name="parChTrans1D4">
+    <dgm:fillClrLst meth="repeat">
+      <a:schemeClr val="accent1"/>
+    </dgm:fillClrLst>
+    <dgm:linClrLst meth="repeat">
+      <a:schemeClr val="accent1">
+        <a:shade val="80000"/>
+      </a:schemeClr>
+    </dgm:linClrLst>
+    <dgm:effectClrLst/>
+    <dgm:txLinClrLst/>
+    <dgm:txFillClrLst meth="repeat">
+      <a:schemeClr val="tx1"/>
+    </dgm:txFillClrLst>
+    <dgm:txEffectClrLst/>
+  </dgm:styleLbl>
+  <dgm:styleLbl name="fgAcc1">
+    <dgm:fillClrLst meth="repeat">
+      <a:schemeClr val="lt1">
+        <a:alpha val="90000"/>
+      </a:schemeClr>
+    </dgm:fillClrLst>
+    <dgm:linClrLst meth="repeat">
+      <a:schemeClr val="accent1"/>
+    </dgm:linClrLst>
+    <dgm:effectClrLst/>
+    <dgm:txLinClrLst/>
+    <dgm:txFillClrLst meth="repeat">
+      <a:schemeClr val="dk1"/>
+    </dgm:txFillClrLst>
+    <dgm:txEffectClrLst/>
+  </dgm:styleLbl>
+  <dgm:styleLbl name="conFgAcc1">
+    <dgm:fillClrLst meth="repeat">
+      <a:schemeClr val="lt1">
+        <a:alpha val="90000"/>
+      </a:schemeClr>
+    </dgm:fillClrLst>
+    <dgm:linClrLst meth="repeat">
+      <a:schemeClr val="accent1"/>
+    </dgm:linClrLst>
+    <dgm:effectClrLst/>
+    <dgm:txLinClrLst/>
+    <dgm:txFillClrLst meth="repeat">
+      <a:schemeClr val="dk1"/>
+    </dgm:txFillClrLst>
+    <dgm:txEffectClrLst/>
+  </dgm:styleLbl>
+  <dgm:styleLbl name="alignAcc1">
+    <dgm:fillClrLst meth="repeat">
+      <a:schemeClr val="lt1">
+        <a:alpha val="90000"/>
+      </a:schemeClr>
+    </dgm:fillClrLst>
+    <dgm:linClrLst meth="repeat">
+      <a:schemeClr val="accent1"/>
+    </dgm:linClrLst>
+    <dgm:effectClrLst/>
+    <dgm:txLinClrLst/>
+    <dgm:txFillClrLst meth="repeat">
+      <a:schemeClr val="dk1"/>
+    </dgm:txFillClrLst>
+    <dgm:txEffectClrLst/>
+  </dgm:styleLbl>
+  <dgm:styleLbl name="trAlignAcc1">
+    <dgm:fillClrLst meth="repeat">
+      <a:schemeClr val="lt1">
+        <a:alpha val="40000"/>
+      </a:schemeClr>
+    </dgm:fillClrLst>
+    <dgm:linClrLst meth="repeat">
+      <a:schemeClr val="accent1"/>
+    </dgm:linClrLst>
+    <dgm:effectClrLst/>
+    <dgm:txLinClrLst/>
+    <dgm:txFillClrLst meth="repeat">
+      <a:schemeClr val="dk1"/>
+    </dgm:txFillClrLst>
+    <dgm:txEffectClrLst/>
+  </dgm:styleLbl>
+  <dgm:styleLbl name="bgAcc1">
+    <dgm:fillClrLst meth="repeat">
+      <a:schemeClr val="lt1">
+        <a:alpha val="90000"/>
+      </a:schemeClr>
+    </dgm:fillClrLst>
+    <dgm:linClrLst meth="repeat">
+      <a:schemeClr val="accent1"/>
+    </dgm:linClrLst>
+    <dgm:effectClrLst/>
+    <dgm:txLinClrLst/>
+    <dgm:txFillClrLst meth="repeat">
+      <a:schemeClr val="dk1"/>
+    </dgm:txFillClrLst>
+    <dgm:txEffectClrLst/>
+  </dgm:styleLbl>
+  <dgm:styleLbl name="solidFgAcc1">
+    <dgm:fillClrLst meth="repeat">
+      <a:schemeClr val="lt1"/>
+    </dgm:fillClrLst>
+    <dgm:linClrLst meth="repeat">
+      <a:schemeClr val="accent1"/>
+    </dgm:linClrLst>
+    <dgm:effectClrLst/>
+    <dgm:txLinClrLst/>
+    <dgm:txFillClrLst meth="repeat">
+      <a:schemeClr val="dk1"/>
+    </dgm:txFillClrLst>
+    <dgm:txEffectClrLst/>
+  </dgm:styleLbl>
+  <dgm:styleLbl name="solidAlignAcc1">
+    <dgm:fillClrLst meth="repeat">
+      <a:schemeClr val="lt1"/>
+    </dgm:fillClrLst>
+    <dgm:linClrLst meth="repeat">
+      <a:schemeClr val="accent1"/>
+    </dgm:linClrLst>
+    <dgm:effectClrLst/>
+    <dgm:txLinClrLst/>
+    <dgm:txFillClrLst meth="repeat">
+      <a:schemeClr val="dk1"/>
+    </dgm:txFillClrLst>
+    <dgm:txEffectClrLst/>
+  </dgm:styleLbl>
+  <dgm:styleLbl name="solidBgAcc1">
+    <dgm:fillClrLst meth="repeat">
+      <a:schemeClr val="lt1"/>
+    </dgm:fillClrLst>
+    <dgm:linClrLst meth="repeat">
+      <a:schemeClr val="accent1"/>
+    </dgm:linClrLst>
+    <dgm:effectClrLst/>
+    <dgm:txLinClrLst/>
+    <dgm:txFillClrLst meth="repeat">
+      <a:schemeClr val="dk1"/>
+    </dgm:txFillClrLst>
+    <dgm:txEffectClrLst/>
+  </dgm:styleLbl>
+  <dgm:styleLbl name="fgAccFollowNode1">
+    <dgm:fillClrLst meth="repeat">
+      <a:schemeClr val="accent1">
+        <a:alpha val="90000"/>
+        <a:tint val="40000"/>
+      </a:schemeClr>
+    </dgm:fillClrLst>
+    <dgm:linClrLst meth="repeat">
+      <a:schemeClr val="accent1">
+        <a:alpha val="90000"/>
+        <a:tint val="40000"/>
+      </a:schemeClr>
+    </dgm:linClrLst>
+    <dgm:effectClrLst/>
+    <dgm:txLinClrLst/>
+    <dgm:txFillClrLst meth="repeat">
+      <a:schemeClr val="dk1"/>
+    </dgm:txFillClrLst>
+    <dgm:txEffectClrLst/>
+  </dgm:styleLbl>
+  <dgm:styleLbl name="alignAccFollowNode1">
+    <dgm:fillClrLst meth="repeat">
+      <a:schemeClr val="accent1">
+        <a:alpha val="90000"/>
+        <a:tint val="40000"/>
+      </a:schemeClr>
+    </dgm:fillClrLst>
+    <dgm:linClrLst meth="repeat">
+      <a:schemeClr val="accent1">
+        <a:alpha val="90000"/>
+        <a:tint val="40000"/>
+      </a:schemeClr>
+    </dgm:linClrLst>
+    <dgm:effectClrLst/>
+    <dgm:txLinClrLst/>
+    <dgm:txFillClrLst meth="repeat">
+      <a:schemeClr val="dk1"/>
+    </dgm:txFillClrLst>
+    <dgm:txEffectClrLst/>
+  </dgm:styleLbl>
+  <dgm:styleLbl name="bgAccFollowNode1">
+    <dgm:fillClrLst meth="repeat">
+      <a:schemeClr val="accent1">
+        <a:alpha val="90000"/>
+        <a:tint val="40000"/>
+      </a:schemeClr>
+    </dgm:fillClrLst>
+    <dgm:linClrLst meth="repeat">
+      <a:schemeClr val="accent1">
+        <a:alpha val="90000"/>
+        <a:tint val="40000"/>
+      </a:schemeClr>
+    </dgm:linClrLst>
+    <dgm:effectClrLst/>
+    <dgm:txLinClrLst/>
+    <dgm:txFillClrLst meth="repeat">
+      <a:schemeClr val="dk1"/>
+    </dgm:txFillClrLst>
+    <dgm:txEffectClrLst/>
+  </dgm:styleLbl>
+  <dgm:styleLbl name="fgAcc0">
+    <dgm:fillClrLst meth="repeat">
+      <a:schemeClr val="lt1">
+        <a:alpha val="90000"/>
+      </a:schemeClr>
+    </dgm:fillClrLst>
+    <dgm:linClrLst meth="repeat">
+      <a:schemeClr val="accent1"/>
+    </dgm:linClrLst>
+    <dgm:effectClrLst/>
+    <dgm:txLinClrLst/>
+    <dgm:txFillClrLst meth="repeat">
+      <a:schemeClr val="dk1"/>
+    </dgm:txFillClrLst>
+    <dgm:txEffectClrLst/>
+  </dgm:styleLbl>
+  <dgm:styleLbl name="fgAcc2">
+    <dgm:fillClrLst meth="repeat">
+      <a:schemeClr val="lt1">
+        <a:alpha val="90000"/>
+      </a:schemeClr>
+    </dgm:fillClrLst>
+    <dgm:linClrLst meth="repeat">
+      <a:schemeClr val="accent1"/>
+    </dgm:linClrLst>
+    <dgm:effectClrLst/>
+    <dgm:txLinClrLst/>
+    <dgm:txFillClrLst meth="repeat">
+      <a:schemeClr val="dk1"/>
+    </dgm:txFillClrLst>
+    <dgm:txEffectClrLst/>
+  </dgm:styleLbl>
+  <dgm:styleLbl name="fgAcc3">
+    <dgm:fillClrLst meth="repeat">
+      <a:schemeClr val="lt1">
+        <a:alpha val="90000"/>
+      </a:schemeClr>
+    </dgm:fillClrLst>
+    <dgm:linClrLst meth="repeat">
+      <a:schemeClr val="accent1"/>
+    </dgm:linClrLst>
+    <dgm:effectClrLst/>
+    <dgm:txLinClrLst/>
+    <dgm:txFillClrLst meth="repeat">
+      <a:schemeClr val="dk1"/>
+    </dgm:txFillClrLst>
+    <dgm:txEffectClrLst/>
+  </dgm:styleLbl>
+  <dgm:styleLbl name="fgAcc4">
+    <dgm:fillClrLst meth="repeat">
+      <a:schemeClr val="lt1">
+        <a:alpha val="90000"/>
+      </a:schemeClr>
+    </dgm:fillClrLst>
+    <dgm:linClrLst meth="repeat">
+      <a:schemeClr val="accent1"/>
+    </dgm:linClrLst>
+    <dgm:effectClrLst/>
+    <dgm:txLinClrLst/>
+    <dgm:txFillClrLst meth="repeat">
+      <a:schemeClr val="dk1"/>
+    </dgm:txFillClrLst>
+    <dgm:txEffectClrLst/>
+  </dgm:styleLbl>
+  <dgm:styleLbl name="bgShp">
+    <dgm:fillClrLst meth="repeat">
+      <a:schemeClr val="accent1">
+        <a:tint val="40000"/>
+      </a:schemeClr>
+    </dgm:fillClrLst>
+    <dgm:linClrLst meth="repeat">
+      <a:schemeClr val="accent1"/>
+    </dgm:linClrLst>
+    <dgm:effectClrLst/>
+    <dgm:txLinClrLst/>
+    <dgm:txFillClrLst meth="repeat">
+      <a:schemeClr val="dk1"/>
+    </dgm:txFillClrLst>
+    <dgm:txEffectClrLst/>
+  </dgm:styleLbl>
+  <dgm:styleLbl name="dkBgShp">
+    <dgm:fillClrLst meth="repeat">
+      <a:schemeClr val="accent1">
+        <a:shade val="80000"/>
+      </a:schemeClr>
+    </dgm:fillClrLst>
+    <dgm:linClrLst meth="repeat">
+      <a:schemeClr val="accent1"/>
+    </dgm:linClrLst>
+    <dgm:effectClrLst/>
+    <dgm:txLinClrLst/>
+    <dgm:txFillClrLst meth="repeat">
+      <a:schemeClr val="lt1"/>
+    </dgm:txFillClrLst>
+    <dgm:txEffectClrLst/>
+  </dgm:styleLbl>
+  <dgm:styleLbl name="trBgShp">
+    <dgm:fillClrLst meth="repeat">
+      <a:schemeClr val="accent1">
+        <a:tint val="50000"/>
+        <a:alpha val="40000"/>
+      </a:schemeClr>
+    </dgm:fillClrLst>
+    <dgm:linClrLst meth="repeat">
+      <a:schemeClr val="accent1"/>
+    </dgm:linClrLst>
+    <dgm:effectClrLst/>
+    <dgm:txLinClrLst/>
+    <dgm:txFillClrLst meth="repeat">
+      <a:schemeClr val="lt1"/>
+    </dgm:txFillClrLst>
+    <dgm:txEffectClrLst/>
+  </dgm:styleLbl>
+  <dgm:styleLbl name="fgShp">
+    <dgm:fillClrLst meth="repeat">
+      <a:schemeClr val="accent1">
+        <a:tint val="60000"/>
+      </a:schemeClr>
+    </dgm:fillClrLst>
+    <dgm:linClrLst meth="repeat">
+      <a:schemeClr val="lt1"/>
+    </dgm:linClrLst>
+    <dgm:effectClrLst/>
+    <dgm:txLinClrLst/>
+    <dgm:txFillClrLst meth="repeat">
+      <a:schemeClr val="dk1"/>
+    </dgm:txFillClrLst>
+    <dgm:txEffectClrLst/>
+  </dgm:styleLbl>
+  <dgm:styleLbl name="revTx">
+    <dgm:fillClrLst meth="repeat">
+      <a:schemeClr val="lt1">
+        <a:alpha val="0"/>
+      </a:schemeClr>
+    </dgm:fillClrLst>
+    <dgm:linClrLst meth="repeat">
+      <a:schemeClr val="dk1">
+        <a:alpha val="0"/>
+      </a:schemeClr>
+    </dgm:linClrLst>
+    <dgm:effectClrLst/>
+    <dgm:txLinClrLst/>
+    <dgm:txFillClrLst meth="repeat">
+      <a:schemeClr val="tx1"/>
+    </dgm:txFillClrLst>
+    <dgm:txEffectClrLst/>
+  </dgm:styleLbl>
+</dgm:colorsDef>
+</file>
+
 <file path=ppt/diagrams/data1.xml><?xml version="1.0" encoding="utf-8"?>
 <dgm:dataModel xmlns:dgm="http://schemas.openxmlformats.org/drawingml/2006/diagram" xmlns:a="http://schemas.openxmlformats.org/drawingml/2006/main">
   <dgm:ptLst>
     <dgm:pt modelId="{FF89EA2C-A0C6-4DBD-A884-F6602DF0A37E}" type="doc">
-      <dgm:prSet loTypeId="urn:microsoft.com/office/officeart/2005/8/layout/vList2" loCatId="list" qsTypeId="urn:microsoft.com/office/officeart/2005/8/quickstyle/simple1" qsCatId="simple" csTypeId="urn:microsoft.com/office/officeart/2005/8/colors/colorful2" csCatId="colorful"/>
+      <dgm:prSet loTypeId="urn:microsoft.com/office/officeart/2005/8/layout/vList2" loCatId="list" qsTypeId="urn:microsoft.com/office/officeart/2005/8/quickstyle/simple1" qsCatId="simple" csTypeId="urn:microsoft.com/office/officeart/2005/8/colors/colorful2" csCatId="colorful" phldr="1"/>
       <dgm:spPr/>
       <dgm:t>
         <a:bodyPr/>
@@ -935,7 +1686,7 @@
         <a:lstStyle/>
         <a:p>
           <a:r>
-            <a:rPr lang="en-US"/>
+            <a:rPr lang="en-US" dirty="0"/>
             <a:t>Inheritance =&gt; Service and Model layer</a:t>
           </a:r>
         </a:p>
@@ -1007,9 +1758,14 @@
         <a:lstStyle/>
         <a:p>
           <a:r>
-            <a:rPr lang="en-US"/>
-            <a:t>Encapsulation =&gt; Private and protected fields for all classes</a:t>
+            <a:rPr lang="en-US" dirty="0"/>
+            <a:t>Encapsulation =&gt; Private and protected fields for all classes, </a:t>
           </a:r>
+          <a:r>
+            <a:rPr lang="en-CA" b="0" dirty="0"/>
+            <a:t>DTOs encapsulate data transfer logic</a:t>
+          </a:r>
+          <a:endParaRPr lang="en-US" dirty="0"/>
         </a:p>
       </dgm:t>
     </dgm:pt>
@@ -1043,8 +1799,8 @@
         <a:lstStyle/>
         <a:p>
           <a:r>
-            <a:rPr lang="en-US"/>
-            <a:t>Abstraction =&gt; Abstract classes for common methods</a:t>
+            <a:rPr lang="en-US" dirty="0"/>
+            <a:t>Abstraction =&gt; Abstract classes and interfaces for common methods</a:t>
           </a:r>
         </a:p>
       </dgm:t>
@@ -1071,6 +1827,122 @@
         </a:p>
       </dgm:t>
     </dgm:pt>
+    <dgm:pt modelId="{EF0BD8DE-70FD-664C-8D7D-0DC4C71BE33C}">
+      <dgm:prSet/>
+      <dgm:spPr/>
+      <dgm:t>
+        <a:bodyPr/>
+        <a:lstStyle/>
+        <a:p>
+          <a:r>
+            <a:rPr lang="en-CA" b="0" dirty="0"/>
+            <a:t>`</a:t>
+          </a:r>
+          <a:r>
+            <a:rPr lang="en-CA" b="0" dirty="0" err="1"/>
+            <a:t>BusinessPerson</a:t>
+          </a:r>
+          <a:r>
+            <a:rPr lang="en-CA" b="0" dirty="0"/>
+            <a:t>` abstract parent for `Employee` and `Employer`</a:t>
+          </a:r>
+          <a:endParaRPr lang="en-US" dirty="0"/>
+        </a:p>
+      </dgm:t>
+    </dgm:pt>
+    <dgm:pt modelId="{3D6A84CB-C39C-AC4B-A358-0A9AA14A569E}" type="parTrans" cxnId="{AD11E58D-06C1-7B4C-8075-9E2B2854C325}">
+      <dgm:prSet/>
+      <dgm:spPr/>
+    </dgm:pt>
+    <dgm:pt modelId="{7134A39C-6E64-9142-8A53-3A0A05823649}" type="sibTrans" cxnId="{AD11E58D-06C1-7B4C-8075-9E2B2854C325}">
+      <dgm:prSet/>
+      <dgm:spPr/>
+    </dgm:pt>
+    <dgm:pt modelId="{091E4160-19B4-4344-A7BD-3BB4306BD25F}">
+      <dgm:prSet/>
+      <dgm:spPr/>
+      <dgm:t>
+        <a:bodyPr/>
+        <a:lstStyle/>
+        <a:p>
+          <a:r>
+            <a:rPr lang="en-CA" b="0" dirty="0"/>
+            <a:t>`Company` implements `Business` interface</a:t>
+          </a:r>
+          <a:endParaRPr lang="en-US" dirty="0"/>
+        </a:p>
+      </dgm:t>
+    </dgm:pt>
+    <dgm:pt modelId="{BFBB6813-0F93-CE48-9838-2BB50489EA90}" type="parTrans" cxnId="{EE284A43-A2E4-C64C-8031-5BE0A24B23C2}">
+      <dgm:prSet/>
+      <dgm:spPr/>
+    </dgm:pt>
+    <dgm:pt modelId="{E519AA1F-9C59-AA49-A584-DC6972356319}" type="sibTrans" cxnId="{EE284A43-A2E4-C64C-8031-5BE0A24B23C2}">
+      <dgm:prSet/>
+      <dgm:spPr/>
+    </dgm:pt>
+    <dgm:pt modelId="{9DD14C13-0EE0-1647-91D3-629949336F6D}">
+      <dgm:prSet/>
+      <dgm:spPr/>
+      <dgm:t>
+        <a:bodyPr/>
+        <a:lstStyle/>
+        <a:p>
+          <a:r>
+            <a:rPr lang="en-CA" b="0" dirty="0"/>
+            <a:t>`</a:t>
+          </a:r>
+          <a:r>
+            <a:rPr lang="en-CA" b="0" dirty="0" err="1"/>
+            <a:t>TaxCalculationStrategy</a:t>
+          </a:r>
+          <a:r>
+            <a:rPr lang="en-CA" b="0" dirty="0"/>
+            <a:t>` interface</a:t>
+          </a:r>
+          <a:endParaRPr lang="en-US" dirty="0"/>
+        </a:p>
+      </dgm:t>
+    </dgm:pt>
+    <dgm:pt modelId="{949F5D09-7FFD-8543-9437-B974ED87AF4D}" type="parTrans" cxnId="{4F5B6F23-EC13-804A-996C-D1F3C697AFEF}">
+      <dgm:prSet/>
+      <dgm:spPr/>
+    </dgm:pt>
+    <dgm:pt modelId="{05E67C7B-AE61-514E-8CF1-CCC8C9A805AA}" type="sibTrans" cxnId="{4F5B6F23-EC13-804A-996C-D1F3C697AFEF}">
+      <dgm:prSet/>
+      <dgm:spPr/>
+    </dgm:pt>
+    <dgm:pt modelId="{BBE85103-E531-2042-B237-D1A439BD4602}">
+      <dgm:prSet/>
+      <dgm:spPr/>
+      <dgm:t>
+        <a:bodyPr/>
+        <a:lstStyle/>
+        <a:p>
+          <a:r>
+            <a:rPr lang="en-CA" b="0" dirty="0"/>
+            <a:t>`</a:t>
+          </a:r>
+          <a:r>
+            <a:rPr lang="en-CA" b="0" dirty="0" err="1"/>
+            <a:t>BusinessPerson</a:t>
+          </a:r>
+          <a:r>
+            <a:rPr lang="en-CA" b="0" dirty="0"/>
+            <a:t>` polymorphic behavior</a:t>
+          </a:r>
+          <a:endParaRPr lang="en-US" dirty="0"/>
+        </a:p>
+      </dgm:t>
+    </dgm:pt>
+    <dgm:pt modelId="{9B8979E5-673B-2C42-9694-AA1FECCD511C}" type="parTrans" cxnId="{1ADABD68-CFDC-2E41-9B60-D5474E3746DF}">
+      <dgm:prSet/>
+      <dgm:spPr/>
+    </dgm:pt>
+    <dgm:pt modelId="{54115664-EFA8-C944-85FD-C50CF6201C60}" type="sibTrans" cxnId="{1ADABD68-CFDC-2E41-9B60-D5474E3746DF}">
+      <dgm:prSet/>
+      <dgm:spPr/>
+    </dgm:pt>
     <dgm:pt modelId="{812497F0-8092-8942-A97B-C49AC7E76AB8}" type="pres">
       <dgm:prSet presAssocID="{FF89EA2C-A0C6-4DBD-A884-F6602DF0A37E}" presName="linear" presStyleCnt="0">
         <dgm:presLayoutVars>
@@ -1089,8 +1961,12 @@
       </dgm:prSet>
       <dgm:spPr/>
     </dgm:pt>
-    <dgm:pt modelId="{C115D214-96E4-0A4F-BE85-7DD3DC5E8A7D}" type="pres">
-      <dgm:prSet presAssocID="{D5D67E6B-ED0A-4474-B1F3-7E592A994EA3}" presName="spacer" presStyleCnt="0"/>
+    <dgm:pt modelId="{807D9731-41D7-AD4B-B5C4-0FD1547F62AB}" type="pres">
+      <dgm:prSet presAssocID="{382DA95B-B902-4F8B-8016-8C86BA8F3334}" presName="childText" presStyleLbl="revTx" presStyleIdx="0" presStyleCnt="2">
+        <dgm:presLayoutVars>
+          <dgm:bulletEnabled val="1"/>
+        </dgm:presLayoutVars>
+      </dgm:prSet>
       <dgm:spPr/>
     </dgm:pt>
     <dgm:pt modelId="{931BFBA3-F794-E14F-A127-693B9557540E}" type="pres">
@@ -1102,8 +1978,12 @@
       </dgm:prSet>
       <dgm:spPr/>
     </dgm:pt>
-    <dgm:pt modelId="{8B4BAC8E-0DC4-6F45-8258-A1AD2A4CBFBD}" type="pres">
-      <dgm:prSet presAssocID="{94740EDE-E82B-4833-B646-27CBA0E2D43B}" presName="spacer" presStyleCnt="0"/>
+    <dgm:pt modelId="{E4B3478E-7735-F64C-8D14-5929AC937B48}" type="pres">
+      <dgm:prSet presAssocID="{ADEC573B-6606-49C0-BC10-90E9BA3DBF8F}" presName="childText" presStyleLbl="revTx" presStyleIdx="1" presStyleCnt="2">
+        <dgm:presLayoutVars>
+          <dgm:bulletEnabled val="1"/>
+        </dgm:presLayoutVars>
+      </dgm:prSet>
       <dgm:spPr/>
     </dgm:pt>
     <dgm:pt modelId="{EC10453E-4CE3-FC42-ADB4-4AF8A8A0872A}" type="pres">
@@ -1132,17 +2012,25 @@
   <dgm:cxnLst>
     <dgm:cxn modelId="{5566D40F-9683-C340-B7F8-4BB969EE2053}" type="presOf" srcId="{382DA95B-B902-4F8B-8016-8C86BA8F3334}" destId="{0772518A-1759-6A44-A1FE-EB61B1EED155}" srcOrd="0" destOrd="0" presId="urn:microsoft.com/office/officeart/2005/8/layout/vList2"/>
     <dgm:cxn modelId="{13039A21-847B-45F1-8254-BB62BB341487}" srcId="{FF89EA2C-A0C6-4DBD-A884-F6602DF0A37E}" destId="{ADEC573B-6606-49C0-BC10-90E9BA3DBF8F}" srcOrd="1" destOrd="0" parTransId="{6C34C25D-CFC3-4A42-AB17-A10296013836}" sibTransId="{94740EDE-E82B-4833-B646-27CBA0E2D43B}"/>
+    <dgm:cxn modelId="{4F5B6F23-EC13-804A-996C-D1F3C697AFEF}" srcId="{ADEC573B-6606-49C0-BC10-90E9BA3DBF8F}" destId="{9DD14C13-0EE0-1647-91D3-629949336F6D}" srcOrd="0" destOrd="0" parTransId="{949F5D09-7FFD-8543-9437-B974ED87AF4D}" sibTransId="{05E67C7B-AE61-514E-8CF1-CCC8C9A805AA}"/>
+    <dgm:cxn modelId="{2966272C-8A5F-DD4A-BAA4-EFDE56B685D3}" type="presOf" srcId="{BBE85103-E531-2042-B237-D1A439BD4602}" destId="{E4B3478E-7735-F64C-8D14-5929AC937B48}" srcOrd="0" destOrd="1" presId="urn:microsoft.com/office/officeart/2005/8/layout/vList2"/>
     <dgm:cxn modelId="{09F7F140-F7AA-E743-A4F8-08DCBF4DF3F1}" type="presOf" srcId="{FF89EA2C-A0C6-4DBD-A884-F6602DF0A37E}" destId="{812497F0-8092-8942-A97B-C49AC7E76AB8}" srcOrd="0" destOrd="0" presId="urn:microsoft.com/office/officeart/2005/8/layout/vList2"/>
+    <dgm:cxn modelId="{EE284A43-A2E4-C64C-8031-5BE0A24B23C2}" srcId="{382DA95B-B902-4F8B-8016-8C86BA8F3334}" destId="{091E4160-19B4-4344-A7BD-3BB4306BD25F}" srcOrd="1" destOrd="0" parTransId="{BFBB6813-0F93-CE48-9838-2BB50489EA90}" sibTransId="{E519AA1F-9C59-AA49-A584-DC6972356319}"/>
     <dgm:cxn modelId="{4CED1448-598D-5849-B268-BADE6F787ED6}" type="presOf" srcId="{69872F59-81E4-4264-A076-39D0C5235DEE}" destId="{49B3C79F-47A3-AE43-820B-6C9ED76C5634}" srcOrd="0" destOrd="0" presId="urn:microsoft.com/office/officeart/2005/8/layout/vList2"/>
     <dgm:cxn modelId="{EA80F34E-228B-6441-88A2-0FD36877E052}" type="presOf" srcId="{ADEC573B-6606-49C0-BC10-90E9BA3DBF8F}" destId="{931BFBA3-F794-E14F-A127-693B9557540E}" srcOrd="0" destOrd="0" presId="urn:microsoft.com/office/officeart/2005/8/layout/vList2"/>
     <dgm:cxn modelId="{60783053-4893-45B8-B4E9-0D11A12B62C4}" srcId="{FF89EA2C-A0C6-4DBD-A884-F6602DF0A37E}" destId="{F85BF38B-0B7F-42A8-970C-15125C303FDE}" srcOrd="2" destOrd="0" parTransId="{35A67A66-A071-4CB9-98ED-ABB324DB6A05}" sibTransId="{9969E6AA-8CCE-4ACE-BF1E-BB93D4E84954}"/>
     <dgm:cxn modelId="{D7F7B960-64F2-B44A-B37A-A051D37DB904}" type="presOf" srcId="{F85BF38B-0B7F-42A8-970C-15125C303FDE}" destId="{EC10453E-4CE3-FC42-ADB4-4AF8A8A0872A}" srcOrd="0" destOrd="0" presId="urn:microsoft.com/office/officeart/2005/8/layout/vList2"/>
+    <dgm:cxn modelId="{1ADABD68-CFDC-2E41-9B60-D5474E3746DF}" srcId="{ADEC573B-6606-49C0-BC10-90E9BA3DBF8F}" destId="{BBE85103-E531-2042-B237-D1A439BD4602}" srcOrd="1" destOrd="0" parTransId="{9B8979E5-673B-2C42-9694-AA1FECCD511C}" sibTransId="{54115664-EFA8-C944-85FD-C50CF6201C60}"/>
+    <dgm:cxn modelId="{AD11E58D-06C1-7B4C-8075-9E2B2854C325}" srcId="{382DA95B-B902-4F8B-8016-8C86BA8F3334}" destId="{EF0BD8DE-70FD-664C-8D7D-0DC4C71BE33C}" srcOrd="0" destOrd="0" parTransId="{3D6A84CB-C39C-AC4B-A358-0A9AA14A569E}" sibTransId="{7134A39C-6E64-9142-8A53-3A0A05823649}"/>
+    <dgm:cxn modelId="{28E6EF98-EF2D-E546-BA5D-A3EA9303247E}" type="presOf" srcId="{091E4160-19B4-4344-A7BD-3BB4306BD25F}" destId="{807D9731-41D7-AD4B-B5C4-0FD1547F62AB}" srcOrd="0" destOrd="1" presId="urn:microsoft.com/office/officeart/2005/8/layout/vList2"/>
     <dgm:cxn modelId="{1613CF9D-890F-49C2-A0C6-1AFC8009AA24}" srcId="{FF89EA2C-A0C6-4DBD-A884-F6602DF0A37E}" destId="{382DA95B-B902-4F8B-8016-8C86BA8F3334}" srcOrd="0" destOrd="0" parTransId="{884A53BC-151F-4067-BA67-9A09F0D835FB}" sibTransId="{D5D67E6B-ED0A-4474-B1F3-7E592A994EA3}"/>
+    <dgm:cxn modelId="{107917A8-3C1B-A241-A971-89BE5F26601C}" type="presOf" srcId="{9DD14C13-0EE0-1647-91D3-629949336F6D}" destId="{E4B3478E-7735-F64C-8D14-5929AC937B48}" srcOrd="0" destOrd="0" presId="urn:microsoft.com/office/officeart/2005/8/layout/vList2"/>
     <dgm:cxn modelId="{DEF3BBA8-3FC0-499F-9A56-931FC14E32EF}" srcId="{FF89EA2C-A0C6-4DBD-A884-F6602DF0A37E}" destId="{69872F59-81E4-4264-A076-39D0C5235DEE}" srcOrd="3" destOrd="0" parTransId="{799353ED-D52C-440A-A372-D883B60F153D}" sibTransId="{98E23FDC-6F53-4894-98A0-7449105AEE3C}"/>
+    <dgm:cxn modelId="{EE624EE6-D748-1E4D-A211-60DC1CCF8447}" type="presOf" srcId="{EF0BD8DE-70FD-664C-8D7D-0DC4C71BE33C}" destId="{807D9731-41D7-AD4B-B5C4-0FD1547F62AB}" srcOrd="0" destOrd="0" presId="urn:microsoft.com/office/officeart/2005/8/layout/vList2"/>
     <dgm:cxn modelId="{5A63AA1E-FB01-EC42-AE6F-28032A5B4A9A}" type="presParOf" srcId="{812497F0-8092-8942-A97B-C49AC7E76AB8}" destId="{0772518A-1759-6A44-A1FE-EB61B1EED155}" srcOrd="0" destOrd="0" presId="urn:microsoft.com/office/officeart/2005/8/layout/vList2"/>
-    <dgm:cxn modelId="{096216D4-DFD3-5246-ACC9-E62CC593A223}" type="presParOf" srcId="{812497F0-8092-8942-A97B-C49AC7E76AB8}" destId="{C115D214-96E4-0A4F-BE85-7DD3DC5E8A7D}" srcOrd="1" destOrd="0" presId="urn:microsoft.com/office/officeart/2005/8/layout/vList2"/>
+    <dgm:cxn modelId="{4A7338B3-5872-F34B-B272-399B5DB28D1E}" type="presParOf" srcId="{812497F0-8092-8942-A97B-C49AC7E76AB8}" destId="{807D9731-41D7-AD4B-B5C4-0FD1547F62AB}" srcOrd="1" destOrd="0" presId="urn:microsoft.com/office/officeart/2005/8/layout/vList2"/>
     <dgm:cxn modelId="{E14C344A-40EC-D84A-BA77-0DB2CDDD7E27}" type="presParOf" srcId="{812497F0-8092-8942-A97B-C49AC7E76AB8}" destId="{931BFBA3-F794-E14F-A127-693B9557540E}" srcOrd="2" destOrd="0" presId="urn:microsoft.com/office/officeart/2005/8/layout/vList2"/>
-    <dgm:cxn modelId="{4011203C-FE5F-DE4C-8AEE-B93575744B91}" type="presParOf" srcId="{812497F0-8092-8942-A97B-C49AC7E76AB8}" destId="{8B4BAC8E-0DC4-6F45-8258-A1AD2A4CBFBD}" srcOrd="3" destOrd="0" presId="urn:microsoft.com/office/officeart/2005/8/layout/vList2"/>
+    <dgm:cxn modelId="{286F4418-0219-0248-9D88-44F5042114E1}" type="presParOf" srcId="{812497F0-8092-8942-A97B-C49AC7E76AB8}" destId="{E4B3478E-7735-F64C-8D14-5929AC937B48}" srcOrd="3" destOrd="0" presId="urn:microsoft.com/office/officeart/2005/8/layout/vList2"/>
     <dgm:cxn modelId="{352AE5B9-4C1A-0243-812E-5A8E9E31245B}" type="presParOf" srcId="{812497F0-8092-8942-A97B-C49AC7E76AB8}" destId="{EC10453E-4CE3-FC42-ADB4-4AF8A8A0872A}" srcOrd="4" destOrd="0" presId="urn:microsoft.com/office/officeart/2005/8/layout/vList2"/>
     <dgm:cxn modelId="{B829BE1C-A7F7-5B48-AB43-0A1F612C0748}" type="presParOf" srcId="{812497F0-8092-8942-A97B-C49AC7E76AB8}" destId="{E71EB57A-0CDA-504F-8B35-CA6D94C41A43}" srcOrd="5" destOrd="0" presId="urn:microsoft.com/office/officeart/2005/8/layout/vList2"/>
     <dgm:cxn modelId="{7916CAB0-F0DE-FC40-BE00-49534798377C}" type="presParOf" srcId="{812497F0-8092-8942-A97B-C49AC7E76AB8}" destId="{49B3C79F-47A3-AE43-820B-6C9ED76C5634}" srcOrd="6" destOrd="0" presId="urn:microsoft.com/office/officeart/2005/8/layout/vList2"/>
@@ -1152,6 +2040,1216 @@
   <dgm:extLst>
     <a:ext uri="http://schemas.microsoft.com/office/drawing/2008/diagram">
       <dsp:dataModelExt xmlns:dsp="http://schemas.microsoft.com/office/drawing/2008/diagram" relId="rId10" minVer="http://schemas.openxmlformats.org/drawingml/2006/diagram"/>
+    </a:ext>
+  </dgm:extLst>
+</dgm:dataModel>
+</file>
+
+<file path=ppt/diagrams/data2.xml><?xml version="1.0" encoding="utf-8"?>
+<dgm:dataModel xmlns:dgm="http://schemas.openxmlformats.org/drawingml/2006/diagram" xmlns:a="http://schemas.openxmlformats.org/drawingml/2006/main">
+  <dgm:ptLst>
+    <dgm:pt modelId="{968B694B-A736-D04E-B3F1-5BB4EE334342}" type="doc">
+      <dgm:prSet loTypeId="urn:microsoft.com/office/officeart/2008/layout/SquareAccentList" loCatId="" qsTypeId="urn:microsoft.com/office/officeart/2005/8/quickstyle/simple1" qsCatId="simple" csTypeId="urn:microsoft.com/office/officeart/2005/8/colors/accent1_2" csCatId="accent1" phldr="1"/>
+      <dgm:spPr/>
+      <dgm:t>
+        <a:bodyPr/>
+        <a:lstStyle/>
+        <a:p>
+          <a:endParaRPr lang="en-US"/>
+        </a:p>
+      </dgm:t>
+    </dgm:pt>
+    <dgm:pt modelId="{C1BF5D5A-DA2D-2548-A2CB-6D3F3CC1DC95}">
+      <dgm:prSet phldrT="[Text]" custT="1"/>
+      <dgm:spPr/>
+      <dgm:t>
+        <a:bodyPr/>
+        <a:lstStyle/>
+        <a:p>
+          <a:r>
+            <a:rPr lang="en-CA" sz="1800" b="0" i="0" u="none" dirty="0"/>
+            <a:t>Milestone 1: </a:t>
+          </a:r>
+        </a:p>
+        <a:p>
+          <a:r>
+            <a:rPr lang="en-CA" sz="1800" b="0" i="0" u="none" dirty="0"/>
+            <a:t>Foundation &amp; Architecture</a:t>
+          </a:r>
+          <a:endParaRPr lang="en-US" sz="1800" b="0" dirty="0"/>
+        </a:p>
+      </dgm:t>
+    </dgm:pt>
+    <dgm:pt modelId="{4D2EE764-7052-FE4A-8A53-04748F7402C6}" type="parTrans" cxnId="{8364B443-18A9-394C-9A22-E5DF98AA2CA3}">
+      <dgm:prSet/>
+      <dgm:spPr/>
+      <dgm:t>
+        <a:bodyPr/>
+        <a:lstStyle/>
+        <a:p>
+          <a:endParaRPr lang="en-US" sz="4000"/>
+        </a:p>
+      </dgm:t>
+    </dgm:pt>
+    <dgm:pt modelId="{71C64158-5B77-FE42-AA01-8A4CE5E67302}" type="sibTrans" cxnId="{8364B443-18A9-394C-9A22-E5DF98AA2CA3}">
+      <dgm:prSet/>
+      <dgm:spPr/>
+      <dgm:t>
+        <a:bodyPr/>
+        <a:lstStyle/>
+        <a:p>
+          <a:endParaRPr lang="en-US" sz="4000"/>
+        </a:p>
+      </dgm:t>
+    </dgm:pt>
+    <dgm:pt modelId="{C405B231-E6E0-0549-B0BE-CAD1962945D7}">
+      <dgm:prSet phldrT="[Text]" custT="1"/>
+      <dgm:spPr/>
+      <dgm:t>
+        <a:bodyPr/>
+        <a:lstStyle/>
+        <a:p>
+          <a:r>
+            <a:rPr lang="en-CA" sz="1400" b="0" i="0" u="none" dirty="0"/>
+            <a:t>Spring Boot MVC architecture + MySQL database integration</a:t>
+          </a:r>
+          <a:endParaRPr lang="en-US" sz="1400" dirty="0"/>
+        </a:p>
+      </dgm:t>
+    </dgm:pt>
+    <dgm:pt modelId="{50B64F79-75E3-234A-B941-A20D185385D9}" type="parTrans" cxnId="{96A4D22D-0C54-844D-A7F8-DC91BE5677B8}">
+      <dgm:prSet/>
+      <dgm:spPr/>
+      <dgm:t>
+        <a:bodyPr/>
+        <a:lstStyle/>
+        <a:p>
+          <a:endParaRPr lang="en-US" sz="4000"/>
+        </a:p>
+      </dgm:t>
+    </dgm:pt>
+    <dgm:pt modelId="{430BAE4B-EEF0-AE4B-973A-80ECCE7FAD8D}" type="sibTrans" cxnId="{96A4D22D-0C54-844D-A7F8-DC91BE5677B8}">
+      <dgm:prSet/>
+      <dgm:spPr/>
+      <dgm:t>
+        <a:bodyPr/>
+        <a:lstStyle/>
+        <a:p>
+          <a:endParaRPr lang="en-US" sz="4000"/>
+        </a:p>
+      </dgm:t>
+    </dgm:pt>
+    <dgm:pt modelId="{2DAA0A38-E761-6947-B610-F64C246F394D}">
+      <dgm:prSet phldrT="[Text]" custT="1"/>
+      <dgm:spPr/>
+      <dgm:t>
+        <a:bodyPr/>
+        <a:lstStyle/>
+        <a:p>
+          <a:r>
+            <a:rPr lang="en-CA" sz="1400" b="0" i="0" u="none" dirty="0"/>
+            <a:t>Core domain models + Design patterns implementation</a:t>
+          </a:r>
+          <a:endParaRPr lang="en-US" sz="1400" dirty="0"/>
+        </a:p>
+      </dgm:t>
+    </dgm:pt>
+    <dgm:pt modelId="{CF3E52C1-8A90-EF4D-BF6A-9E8239620150}" type="parTrans" cxnId="{AB10FE97-6AE0-204C-9926-CE7D0957B143}">
+      <dgm:prSet/>
+      <dgm:spPr/>
+      <dgm:t>
+        <a:bodyPr/>
+        <a:lstStyle/>
+        <a:p>
+          <a:endParaRPr lang="en-US" sz="4000"/>
+        </a:p>
+      </dgm:t>
+    </dgm:pt>
+    <dgm:pt modelId="{21148542-356A-D34A-81E5-C7A450B1F596}" type="sibTrans" cxnId="{AB10FE97-6AE0-204C-9926-CE7D0957B143}">
+      <dgm:prSet/>
+      <dgm:spPr/>
+      <dgm:t>
+        <a:bodyPr/>
+        <a:lstStyle/>
+        <a:p>
+          <a:endParaRPr lang="en-US" sz="4000"/>
+        </a:p>
+      </dgm:t>
+    </dgm:pt>
+    <dgm:pt modelId="{03527383-1220-244B-A4B4-C040C4B3AF77}">
+      <dgm:prSet phldrT="[Text]" custT="1"/>
+      <dgm:spPr/>
+      <dgm:t>
+        <a:bodyPr/>
+        <a:lstStyle/>
+        <a:p>
+          <a:r>
+            <a:rPr lang="en-CA" sz="1400" b="0" i="0" u="none" dirty="0"/>
+            <a:t>CSV-based database seeding with functional interfaces</a:t>
+          </a:r>
+          <a:endParaRPr lang="en-US" sz="1400" dirty="0"/>
+        </a:p>
+      </dgm:t>
+    </dgm:pt>
+    <dgm:pt modelId="{D6541CB8-F2AF-9B40-997F-C905117E3550}" type="parTrans" cxnId="{8CB4005C-2DAE-E748-B6E1-194DE1E0B1B0}">
+      <dgm:prSet/>
+      <dgm:spPr/>
+      <dgm:t>
+        <a:bodyPr/>
+        <a:lstStyle/>
+        <a:p>
+          <a:endParaRPr lang="en-US" sz="4000"/>
+        </a:p>
+      </dgm:t>
+    </dgm:pt>
+    <dgm:pt modelId="{1A9ED68B-99CE-5740-AC3B-F60B7CC46D65}" type="sibTrans" cxnId="{8CB4005C-2DAE-E748-B6E1-194DE1E0B1B0}">
+      <dgm:prSet/>
+      <dgm:spPr/>
+      <dgm:t>
+        <a:bodyPr/>
+        <a:lstStyle/>
+        <a:p>
+          <a:endParaRPr lang="en-US" sz="4000"/>
+        </a:p>
+      </dgm:t>
+    </dgm:pt>
+    <dgm:pt modelId="{DFD812AE-C3B8-0246-A3FA-AF271D6B575A}">
+      <dgm:prSet phldrT="[Text]" custT="1"/>
+      <dgm:spPr/>
+      <dgm:t>
+        <a:bodyPr/>
+        <a:lstStyle/>
+        <a:p>
+          <a:r>
+            <a:rPr lang="en-CA" sz="1800" b="0" i="0" u="none" dirty="0"/>
+            <a:t>Milestone 2: </a:t>
+          </a:r>
+        </a:p>
+        <a:p>
+          <a:r>
+            <a:rPr lang="en-CA" sz="1800" b="0" i="0" u="none" dirty="0"/>
+            <a:t>Business Logic &amp; API Development</a:t>
+          </a:r>
+          <a:endParaRPr lang="en-US" sz="1800" dirty="0"/>
+        </a:p>
+      </dgm:t>
+    </dgm:pt>
+    <dgm:pt modelId="{BA07F453-51CF-864A-8D03-DF07917DD95D}" type="parTrans" cxnId="{F680737C-A97B-5C4F-92F8-A0EA4BE9A63E}">
+      <dgm:prSet/>
+      <dgm:spPr/>
+      <dgm:t>
+        <a:bodyPr/>
+        <a:lstStyle/>
+        <a:p>
+          <a:endParaRPr lang="en-US" sz="4000"/>
+        </a:p>
+      </dgm:t>
+    </dgm:pt>
+    <dgm:pt modelId="{B2DA15BC-8F70-9244-8A6C-57AC305C91E6}" type="sibTrans" cxnId="{F680737C-A97B-5C4F-92F8-A0EA4BE9A63E}">
+      <dgm:prSet/>
+      <dgm:spPr/>
+      <dgm:t>
+        <a:bodyPr/>
+        <a:lstStyle/>
+        <a:p>
+          <a:endParaRPr lang="en-US" sz="4000"/>
+        </a:p>
+      </dgm:t>
+    </dgm:pt>
+    <dgm:pt modelId="{086150B3-2FF1-CC4E-A9F3-FBE0F623CB43}">
+      <dgm:prSet phldrT="[Text]" custT="1"/>
+      <dgm:spPr/>
+      <dgm:t>
+        <a:bodyPr/>
+        <a:lstStyle/>
+        <a:p>
+          <a:r>
+            <a:rPr lang="en-CA" sz="1400" b="0" i="0" u="none" dirty="0"/>
+            <a:t>Complete REST API controllers and services for all entities</a:t>
+          </a:r>
+          <a:endParaRPr lang="en-US" sz="1400" dirty="0"/>
+        </a:p>
+      </dgm:t>
+    </dgm:pt>
+    <dgm:pt modelId="{D4FA6E17-C513-E940-815C-B5785D980B2C}" type="parTrans" cxnId="{FA898138-93B4-D34C-B902-0477FF4E101F}">
+      <dgm:prSet/>
+      <dgm:spPr/>
+      <dgm:t>
+        <a:bodyPr/>
+        <a:lstStyle/>
+        <a:p>
+          <a:endParaRPr lang="en-US" sz="4000"/>
+        </a:p>
+      </dgm:t>
+    </dgm:pt>
+    <dgm:pt modelId="{99FFFFB9-3E50-6749-BE20-9C7FCC65CE4D}" type="sibTrans" cxnId="{FA898138-93B4-D34C-B902-0477FF4E101F}">
+      <dgm:prSet/>
+      <dgm:spPr/>
+      <dgm:t>
+        <a:bodyPr/>
+        <a:lstStyle/>
+        <a:p>
+          <a:endParaRPr lang="en-US" sz="4000"/>
+        </a:p>
+      </dgm:t>
+    </dgm:pt>
+    <dgm:pt modelId="{EBF3C175-A00F-F247-B586-A5ECE0B7727C}">
+      <dgm:prSet phldrT="[Text]" custT="1"/>
+      <dgm:spPr/>
+      <dgm:t>
+        <a:bodyPr/>
+        <a:lstStyle/>
+        <a:p>
+          <a:r>
+            <a:rPr lang="en-CA" sz="1400" b="0" i="0" u="none" dirty="0"/>
+            <a:t>Implemented DTO pattern for request/response separation and validation</a:t>
+          </a:r>
+          <a:endParaRPr lang="en-US" sz="1400" dirty="0"/>
+        </a:p>
+      </dgm:t>
+    </dgm:pt>
+    <dgm:pt modelId="{0C1164B5-EA3D-2145-9105-288BDED5D36A}" type="parTrans" cxnId="{BD423461-AF90-0247-8F2C-BFCE203F49F5}">
+      <dgm:prSet/>
+      <dgm:spPr/>
+      <dgm:t>
+        <a:bodyPr/>
+        <a:lstStyle/>
+        <a:p>
+          <a:endParaRPr lang="en-US" sz="4000"/>
+        </a:p>
+      </dgm:t>
+    </dgm:pt>
+    <dgm:pt modelId="{90E8148D-6F4F-CE46-9194-1939EB7E9AB9}" type="sibTrans" cxnId="{BD423461-AF90-0247-8F2C-BFCE203F49F5}">
+      <dgm:prSet/>
+      <dgm:spPr/>
+      <dgm:t>
+        <a:bodyPr/>
+        <a:lstStyle/>
+        <a:p>
+          <a:endParaRPr lang="en-US" sz="4000"/>
+        </a:p>
+      </dgm:t>
+    </dgm:pt>
+    <dgm:pt modelId="{C44EA910-AB08-DD42-9F61-CA8B193CEEAF}">
+      <dgm:prSet phldrT="[Text]" custT="1"/>
+      <dgm:spPr/>
+      <dgm:t>
+        <a:bodyPr/>
+        <a:lstStyle/>
+        <a:p>
+          <a:r>
+            <a:rPr lang="en-CA" sz="1400" b="0" i="0" u="none" dirty="0"/>
+            <a:t>Established global exception handling and custom exception classes</a:t>
+          </a:r>
+          <a:endParaRPr lang="en-US" sz="1400" dirty="0"/>
+        </a:p>
+      </dgm:t>
+    </dgm:pt>
+    <dgm:pt modelId="{60C5D666-B1E1-A047-94F2-C85858BB8C79}" type="parTrans" cxnId="{0E0AF49A-D78E-9246-8149-CBB74F10DF58}">
+      <dgm:prSet/>
+      <dgm:spPr/>
+      <dgm:t>
+        <a:bodyPr/>
+        <a:lstStyle/>
+        <a:p>
+          <a:endParaRPr lang="en-US" sz="4000"/>
+        </a:p>
+      </dgm:t>
+    </dgm:pt>
+    <dgm:pt modelId="{E34A5EB6-EBEF-F040-ADA3-61529F64B5AA}" type="sibTrans" cxnId="{0E0AF49A-D78E-9246-8149-CBB74F10DF58}">
+      <dgm:prSet/>
+      <dgm:spPr/>
+      <dgm:t>
+        <a:bodyPr/>
+        <a:lstStyle/>
+        <a:p>
+          <a:endParaRPr lang="en-US" sz="4000"/>
+        </a:p>
+      </dgm:t>
+    </dgm:pt>
+    <dgm:pt modelId="{B665EA68-14DB-9A40-9159-4F62335763CA}">
+      <dgm:prSet custT="1"/>
+      <dgm:spPr/>
+      <dgm:t>
+        <a:bodyPr/>
+        <a:lstStyle/>
+        <a:p>
+          <a:r>
+            <a:rPr lang="en-CA" sz="1800" b="0" i="0" u="none" dirty="0"/>
+            <a:t>Milestone 3: </a:t>
+          </a:r>
+        </a:p>
+        <a:p>
+          <a:r>
+            <a:rPr lang="en-CA" sz="1800" b="0" i="0" u="none" dirty="0"/>
+            <a:t>Frontend Integration &amp; Core Features</a:t>
+          </a:r>
+          <a:endParaRPr lang="en-US" sz="1800" dirty="0"/>
+        </a:p>
+      </dgm:t>
+    </dgm:pt>
+    <dgm:pt modelId="{99892818-9ACD-0848-9CED-3910FCD052AD}" type="parTrans" cxnId="{F1FBA6D8-D576-084A-A50C-5CEFC0F86B19}">
+      <dgm:prSet/>
+      <dgm:spPr/>
+      <dgm:t>
+        <a:bodyPr/>
+        <a:lstStyle/>
+        <a:p>
+          <a:endParaRPr lang="en-US" sz="4000"/>
+        </a:p>
+      </dgm:t>
+    </dgm:pt>
+    <dgm:pt modelId="{030FBC96-0E0E-0749-87B8-C5E57268313B}" type="sibTrans" cxnId="{F1FBA6D8-D576-084A-A50C-5CEFC0F86B19}">
+      <dgm:prSet/>
+      <dgm:spPr/>
+      <dgm:t>
+        <a:bodyPr/>
+        <a:lstStyle/>
+        <a:p>
+          <a:endParaRPr lang="en-US" sz="4000"/>
+        </a:p>
+      </dgm:t>
+    </dgm:pt>
+    <dgm:pt modelId="{5884ECF6-88FC-C349-A11A-89FF7C6F43AF}">
+      <dgm:prSet custT="1"/>
+      <dgm:spPr/>
+      <dgm:t>
+        <a:bodyPr/>
+        <a:lstStyle/>
+        <a:p>
+          <a:r>
+            <a:rPr lang="en-CA" sz="1400" b="0" i="0" u="none" dirty="0"/>
+            <a:t>Integrated JWT authentication and backend endpoints  with React frontend</a:t>
+          </a:r>
+          <a:endParaRPr lang="en-US" sz="1400" dirty="0"/>
+        </a:p>
+      </dgm:t>
+    </dgm:pt>
+    <dgm:pt modelId="{00515A1E-78D1-CA4A-B793-F29C7F41ECB7}" type="parTrans" cxnId="{EC399100-1501-4847-971C-5BAEF56D8975}">
+      <dgm:prSet/>
+      <dgm:spPr/>
+      <dgm:t>
+        <a:bodyPr/>
+        <a:lstStyle/>
+        <a:p>
+          <a:endParaRPr lang="en-US" sz="4000"/>
+        </a:p>
+      </dgm:t>
+    </dgm:pt>
+    <dgm:pt modelId="{FC4131E8-8FB6-3B43-9EB6-17425EE52CBA}" type="sibTrans" cxnId="{EC399100-1501-4847-971C-5BAEF56D8975}">
+      <dgm:prSet/>
+      <dgm:spPr/>
+      <dgm:t>
+        <a:bodyPr/>
+        <a:lstStyle/>
+        <a:p>
+          <a:endParaRPr lang="en-US" sz="4000"/>
+        </a:p>
+      </dgm:t>
+    </dgm:pt>
+    <dgm:pt modelId="{7864F0FB-C3EC-5B4D-963B-7DD6D81499C2}">
+      <dgm:prSet custT="1"/>
+      <dgm:spPr/>
+      <dgm:t>
+        <a:bodyPr/>
+        <a:lstStyle/>
+        <a:p>
+          <a:r>
+            <a:rPr lang="en-CA" sz="1400" b="0" i="0" u="none" dirty="0"/>
+            <a:t>Built responsive layouts with role-based navigation (Employer/Employee views)</a:t>
+          </a:r>
+          <a:endParaRPr lang="en-US" sz="1400" dirty="0"/>
+        </a:p>
+      </dgm:t>
+    </dgm:pt>
+    <dgm:pt modelId="{0ABA5F56-B0C1-4548-934C-F363D8C91C53}" type="parTrans" cxnId="{BA3EE8A8-7B56-464A-956B-943E7E1E5BFD}">
+      <dgm:prSet/>
+      <dgm:spPr/>
+      <dgm:t>
+        <a:bodyPr/>
+        <a:lstStyle/>
+        <a:p>
+          <a:endParaRPr lang="en-US" sz="4000"/>
+        </a:p>
+      </dgm:t>
+    </dgm:pt>
+    <dgm:pt modelId="{09CA5B68-8CD0-E445-B18A-00E966619C1B}" type="sibTrans" cxnId="{BA3EE8A8-7B56-464A-956B-943E7E1E5BFD}">
+      <dgm:prSet/>
+      <dgm:spPr/>
+      <dgm:t>
+        <a:bodyPr/>
+        <a:lstStyle/>
+        <a:p>
+          <a:endParaRPr lang="en-US" sz="4000"/>
+        </a:p>
+      </dgm:t>
+    </dgm:pt>
+    <dgm:pt modelId="{C6E84C6B-36CE-2E46-B5EC-96279B955F9A}">
+      <dgm:prSet custT="1"/>
+      <dgm:spPr/>
+      <dgm:t>
+        <a:bodyPr/>
+        <a:lstStyle/>
+        <a:p>
+          <a:r>
+            <a:rPr lang="en-CA" sz="1400" b="0" i="0" u="none" dirty="0"/>
+            <a:t>Established reusable component library (Card, Badge, Button) and custom hooks</a:t>
+          </a:r>
+          <a:endParaRPr lang="en-US" sz="1400" dirty="0"/>
+        </a:p>
+      </dgm:t>
+    </dgm:pt>
+    <dgm:pt modelId="{AFB2CFB3-82B5-294C-B960-52CF55D6A474}" type="parTrans" cxnId="{8301FC0E-EA41-D647-817E-FAF3B721C581}">
+      <dgm:prSet/>
+      <dgm:spPr/>
+      <dgm:t>
+        <a:bodyPr/>
+        <a:lstStyle/>
+        <a:p>
+          <a:endParaRPr lang="en-US" sz="4000"/>
+        </a:p>
+      </dgm:t>
+    </dgm:pt>
+    <dgm:pt modelId="{F6C0436D-50FA-A04C-AF36-12A9517F3AA3}" type="sibTrans" cxnId="{8301FC0E-EA41-D647-817E-FAF3B721C581}">
+      <dgm:prSet/>
+      <dgm:spPr/>
+      <dgm:t>
+        <a:bodyPr/>
+        <a:lstStyle/>
+        <a:p>
+          <a:endParaRPr lang="en-US" sz="4000"/>
+        </a:p>
+      </dgm:t>
+    </dgm:pt>
+    <dgm:pt modelId="{8DD67404-36E8-5649-943A-7CB9F7DAFEBC}">
+      <dgm:prSet custT="1"/>
+      <dgm:spPr/>
+      <dgm:t>
+        <a:bodyPr/>
+        <a:lstStyle/>
+        <a:p>
+          <a:r>
+            <a:rPr lang="en-CA" sz="1800" b="0" i="0" u="none" dirty="0"/>
+            <a:t>Milestone 4:</a:t>
+          </a:r>
+        </a:p>
+        <a:p>
+          <a:r>
+            <a:rPr lang="en-CA" sz="1800" b="0" i="0" u="none" dirty="0"/>
+            <a:t>Advanced Features &amp; Polish</a:t>
+          </a:r>
+          <a:endParaRPr lang="en-US" sz="1800" dirty="0"/>
+        </a:p>
+      </dgm:t>
+    </dgm:pt>
+    <dgm:pt modelId="{AD7EA7C9-8C4B-3143-A9BE-ABE0AFBE6FB4}" type="parTrans" cxnId="{CA647BD7-EEF6-154E-A00A-D3A97CB8E317}">
+      <dgm:prSet/>
+      <dgm:spPr/>
+      <dgm:t>
+        <a:bodyPr/>
+        <a:lstStyle/>
+        <a:p>
+          <a:endParaRPr lang="en-US" sz="4000"/>
+        </a:p>
+      </dgm:t>
+    </dgm:pt>
+    <dgm:pt modelId="{47E9413C-86E8-C841-9DEC-5D52B3F2399E}" type="sibTrans" cxnId="{CA647BD7-EEF6-154E-A00A-D3A97CB8E317}">
+      <dgm:prSet/>
+      <dgm:spPr/>
+      <dgm:t>
+        <a:bodyPr/>
+        <a:lstStyle/>
+        <a:p>
+          <a:endParaRPr lang="en-US" sz="4000"/>
+        </a:p>
+      </dgm:t>
+    </dgm:pt>
+    <dgm:pt modelId="{6621B835-7073-1141-8E48-0C565018EDD9}">
+      <dgm:prSet custT="1"/>
+      <dgm:spPr/>
+      <dgm:t>
+        <a:bodyPr/>
+        <a:lstStyle/>
+        <a:p>
+          <a:r>
+            <a:rPr lang="en-CA" sz="1400" b="0" i="0" u="none" dirty="0"/>
+            <a:t>Enhanced dashboards with real-time statistics and interactive visualizations</a:t>
+          </a:r>
+          <a:endParaRPr lang="en-US" sz="1400" dirty="0"/>
+        </a:p>
+      </dgm:t>
+    </dgm:pt>
+    <dgm:pt modelId="{2D2B5803-C0B9-9848-BE0E-AEF419D2933F}" type="parTrans" cxnId="{CE12B720-7F0E-F24C-B35E-15D4E0544140}">
+      <dgm:prSet/>
+      <dgm:spPr/>
+      <dgm:t>
+        <a:bodyPr/>
+        <a:lstStyle/>
+        <a:p>
+          <a:endParaRPr lang="en-US" sz="4000"/>
+        </a:p>
+      </dgm:t>
+    </dgm:pt>
+    <dgm:pt modelId="{57ADB49B-892F-BB4D-84A5-38166A907F11}" type="sibTrans" cxnId="{CE12B720-7F0E-F24C-B35E-15D4E0544140}">
+      <dgm:prSet/>
+      <dgm:spPr/>
+      <dgm:t>
+        <a:bodyPr/>
+        <a:lstStyle/>
+        <a:p>
+          <a:endParaRPr lang="en-US" sz="4000"/>
+        </a:p>
+      </dgm:t>
+    </dgm:pt>
+    <dgm:pt modelId="{DAF6CA98-A566-F24C-BFC0-06FFCF6DF42B}">
+      <dgm:prSet custT="1"/>
+      <dgm:spPr/>
+      <dgm:t>
+        <a:bodyPr/>
+        <a:lstStyle/>
+        <a:p>
+          <a:r>
+            <a:rPr lang="en-CA" sz="1400" b="0" i="0" u="none" dirty="0"/>
+            <a:t>Developed interactive company hierarchy tree with search and department grouping</a:t>
+          </a:r>
+          <a:endParaRPr lang="en-US" sz="1400" dirty="0"/>
+        </a:p>
+      </dgm:t>
+    </dgm:pt>
+    <dgm:pt modelId="{722D8977-84E7-E94C-A4F9-BE4AAB651345}" type="parTrans" cxnId="{1ED4EF9E-89E0-C447-9947-37C83CFC1BA5}">
+      <dgm:prSet/>
+      <dgm:spPr/>
+      <dgm:t>
+        <a:bodyPr/>
+        <a:lstStyle/>
+        <a:p>
+          <a:endParaRPr lang="en-US" sz="4000"/>
+        </a:p>
+      </dgm:t>
+    </dgm:pt>
+    <dgm:pt modelId="{C3A11764-7F81-4F4F-A460-968472122A35}" type="sibTrans" cxnId="{1ED4EF9E-89E0-C447-9947-37C83CFC1BA5}">
+      <dgm:prSet/>
+      <dgm:spPr/>
+      <dgm:t>
+        <a:bodyPr/>
+        <a:lstStyle/>
+        <a:p>
+          <a:endParaRPr lang="en-US" sz="4000"/>
+        </a:p>
+      </dgm:t>
+    </dgm:pt>
+    <dgm:pt modelId="{4AF76F69-CA67-7843-9D19-5900419CB1D8}">
+      <dgm:prSet custT="1"/>
+      <dgm:spPr/>
+      <dgm:t>
+        <a:bodyPr/>
+        <a:lstStyle/>
+        <a:p>
+          <a:r>
+            <a:rPr lang="en-US" sz="1400" dirty="0"/>
+            <a:t>Robust testing for Service classes</a:t>
+          </a:r>
+        </a:p>
+      </dgm:t>
+    </dgm:pt>
+    <dgm:pt modelId="{B5DB56FF-CA64-8D49-842B-4BE68E581A30}" type="parTrans" cxnId="{0E5E068F-D541-224B-A3AB-93284700202E}">
+      <dgm:prSet/>
+      <dgm:spPr/>
+      <dgm:t>
+        <a:bodyPr/>
+        <a:lstStyle/>
+        <a:p>
+          <a:endParaRPr lang="en-US" sz="4000"/>
+        </a:p>
+      </dgm:t>
+    </dgm:pt>
+    <dgm:pt modelId="{B15B6C2D-C7D5-814E-89A2-8EB3780CF4B3}" type="sibTrans" cxnId="{0E5E068F-D541-224B-A3AB-93284700202E}">
+      <dgm:prSet/>
+      <dgm:spPr/>
+      <dgm:t>
+        <a:bodyPr/>
+        <a:lstStyle/>
+        <a:p>
+          <a:endParaRPr lang="en-US" sz="4000"/>
+        </a:p>
+      </dgm:t>
+    </dgm:pt>
+    <dgm:pt modelId="{332222CD-8DAB-DE43-940C-2774DC9940BE}" type="pres">
+      <dgm:prSet presAssocID="{968B694B-A736-D04E-B3F1-5BB4EE334342}" presName="layout" presStyleCnt="0">
+        <dgm:presLayoutVars>
+          <dgm:chMax/>
+          <dgm:chPref/>
+          <dgm:dir/>
+          <dgm:resizeHandles/>
+        </dgm:presLayoutVars>
+      </dgm:prSet>
+      <dgm:spPr/>
+    </dgm:pt>
+    <dgm:pt modelId="{9796C76B-9EAD-C248-ADAF-8CEC8CC9355B}" type="pres">
+      <dgm:prSet presAssocID="{C1BF5D5A-DA2D-2548-A2CB-6D3F3CC1DC95}" presName="root" presStyleCnt="0">
+        <dgm:presLayoutVars>
+          <dgm:chMax/>
+          <dgm:chPref/>
+        </dgm:presLayoutVars>
+      </dgm:prSet>
+      <dgm:spPr/>
+    </dgm:pt>
+    <dgm:pt modelId="{1C109920-F4D0-4B4F-8600-AB7E44E8EF6C}" type="pres">
+      <dgm:prSet presAssocID="{C1BF5D5A-DA2D-2548-A2CB-6D3F3CC1DC95}" presName="rootComposite" presStyleCnt="0">
+        <dgm:presLayoutVars/>
+      </dgm:prSet>
+      <dgm:spPr/>
+    </dgm:pt>
+    <dgm:pt modelId="{62F77996-FD34-6449-A099-659EF30E98B6}" type="pres">
+      <dgm:prSet presAssocID="{C1BF5D5A-DA2D-2548-A2CB-6D3F3CC1DC95}" presName="ParentAccent" presStyleLbl="alignNode1" presStyleIdx="0" presStyleCnt="4" custFlipVert="1" custScaleY="14952" custLinFactNeighborX="112" custLinFactNeighborY="74321"/>
+      <dgm:spPr/>
+    </dgm:pt>
+    <dgm:pt modelId="{15E4C166-9805-4146-AC5A-F02C1704E3C6}" type="pres">
+      <dgm:prSet presAssocID="{C1BF5D5A-DA2D-2548-A2CB-6D3F3CC1DC95}" presName="ParentSmallAccent" presStyleLbl="fgAcc1" presStyleIdx="0" presStyleCnt="4" custLinFactX="600000" custLinFactY="-100000" custLinFactNeighborX="662745" custLinFactNeighborY="-109701"/>
+      <dgm:spPr>
+        <a:noFill/>
+        <a:ln>
+          <a:noFill/>
+        </a:ln>
+      </dgm:spPr>
+    </dgm:pt>
+    <dgm:pt modelId="{14A7B955-4DD6-944B-A2A7-199379A3E207}" type="pres">
+      <dgm:prSet presAssocID="{C1BF5D5A-DA2D-2548-A2CB-6D3F3CC1DC95}" presName="Parent" presStyleLbl="revTx" presStyleIdx="0" presStyleCnt="16">
+        <dgm:presLayoutVars>
+          <dgm:chMax/>
+          <dgm:chPref val="4"/>
+          <dgm:bulletEnabled val="1"/>
+        </dgm:presLayoutVars>
+      </dgm:prSet>
+      <dgm:spPr/>
+    </dgm:pt>
+    <dgm:pt modelId="{82916E26-6EB5-CE4D-A4B8-3187638F0582}" type="pres">
+      <dgm:prSet presAssocID="{C1BF5D5A-DA2D-2548-A2CB-6D3F3CC1DC95}" presName="childShape" presStyleCnt="0">
+        <dgm:presLayoutVars>
+          <dgm:chMax val="0"/>
+          <dgm:chPref val="0"/>
+        </dgm:presLayoutVars>
+      </dgm:prSet>
+      <dgm:spPr/>
+    </dgm:pt>
+    <dgm:pt modelId="{2578F940-7DF3-AA4D-B145-1DBAF5F68D7D}" type="pres">
+      <dgm:prSet presAssocID="{C405B231-E6E0-0549-B0BE-CAD1962945D7}" presName="childComposite" presStyleCnt="0">
+        <dgm:presLayoutVars>
+          <dgm:chMax val="0"/>
+          <dgm:chPref val="0"/>
+        </dgm:presLayoutVars>
+      </dgm:prSet>
+      <dgm:spPr/>
+    </dgm:pt>
+    <dgm:pt modelId="{382B6DB3-67B9-7642-A1D5-44104B9EBCA7}" type="pres">
+      <dgm:prSet presAssocID="{C405B231-E6E0-0549-B0BE-CAD1962945D7}" presName="ChildAccent" presStyleLbl="solidFgAcc1" presStyleIdx="0" presStyleCnt="12"/>
+      <dgm:spPr/>
+    </dgm:pt>
+    <dgm:pt modelId="{4914E794-E69E-984F-B156-F3F595FBDA97}" type="pres">
+      <dgm:prSet presAssocID="{C405B231-E6E0-0549-B0BE-CAD1962945D7}" presName="Child" presStyleLbl="revTx" presStyleIdx="1" presStyleCnt="16" custScaleY="238757">
+        <dgm:presLayoutVars>
+          <dgm:chMax val="0"/>
+          <dgm:chPref val="0"/>
+          <dgm:bulletEnabled val="1"/>
+        </dgm:presLayoutVars>
+      </dgm:prSet>
+      <dgm:spPr/>
+    </dgm:pt>
+    <dgm:pt modelId="{E623B081-8AB1-384D-8633-5BFA40A07543}" type="pres">
+      <dgm:prSet presAssocID="{2DAA0A38-E761-6947-B610-F64C246F394D}" presName="childComposite" presStyleCnt="0">
+        <dgm:presLayoutVars>
+          <dgm:chMax val="0"/>
+          <dgm:chPref val="0"/>
+        </dgm:presLayoutVars>
+      </dgm:prSet>
+      <dgm:spPr/>
+    </dgm:pt>
+    <dgm:pt modelId="{EE015DF7-5E86-1148-BB8E-F1328E80243C}" type="pres">
+      <dgm:prSet presAssocID="{2DAA0A38-E761-6947-B610-F64C246F394D}" presName="ChildAccent" presStyleLbl="solidFgAcc1" presStyleIdx="1" presStyleCnt="12"/>
+      <dgm:spPr/>
+    </dgm:pt>
+    <dgm:pt modelId="{3771DE76-0DAF-3A4F-A448-B508F963B314}" type="pres">
+      <dgm:prSet presAssocID="{2DAA0A38-E761-6947-B610-F64C246F394D}" presName="Child" presStyleLbl="revTx" presStyleIdx="2" presStyleCnt="16" custScaleY="238757">
+        <dgm:presLayoutVars>
+          <dgm:chMax val="0"/>
+          <dgm:chPref val="0"/>
+          <dgm:bulletEnabled val="1"/>
+        </dgm:presLayoutVars>
+      </dgm:prSet>
+      <dgm:spPr/>
+    </dgm:pt>
+    <dgm:pt modelId="{532BC922-C661-2C48-864A-A87EC0E98591}" type="pres">
+      <dgm:prSet presAssocID="{03527383-1220-244B-A4B4-C040C4B3AF77}" presName="childComposite" presStyleCnt="0">
+        <dgm:presLayoutVars>
+          <dgm:chMax val="0"/>
+          <dgm:chPref val="0"/>
+        </dgm:presLayoutVars>
+      </dgm:prSet>
+      <dgm:spPr/>
+    </dgm:pt>
+    <dgm:pt modelId="{87CDCD78-41D4-C649-83AD-ADF4A21E0480}" type="pres">
+      <dgm:prSet presAssocID="{03527383-1220-244B-A4B4-C040C4B3AF77}" presName="ChildAccent" presStyleLbl="solidFgAcc1" presStyleIdx="2" presStyleCnt="12"/>
+      <dgm:spPr/>
+    </dgm:pt>
+    <dgm:pt modelId="{A50D16D6-321B-2449-B723-B40E216E0078}" type="pres">
+      <dgm:prSet presAssocID="{03527383-1220-244B-A4B4-C040C4B3AF77}" presName="Child" presStyleLbl="revTx" presStyleIdx="3" presStyleCnt="16" custScaleX="99995" custScaleY="238757">
+        <dgm:presLayoutVars>
+          <dgm:chMax val="0"/>
+          <dgm:chPref val="0"/>
+          <dgm:bulletEnabled val="1"/>
+        </dgm:presLayoutVars>
+      </dgm:prSet>
+      <dgm:spPr/>
+    </dgm:pt>
+    <dgm:pt modelId="{231D6DC7-45B5-FF46-A4E5-472F37C3E39A}" type="pres">
+      <dgm:prSet presAssocID="{DFD812AE-C3B8-0246-A3FA-AF271D6B575A}" presName="root" presStyleCnt="0">
+        <dgm:presLayoutVars>
+          <dgm:chMax/>
+          <dgm:chPref/>
+        </dgm:presLayoutVars>
+      </dgm:prSet>
+      <dgm:spPr/>
+    </dgm:pt>
+    <dgm:pt modelId="{73930195-9019-DD43-B6BF-D32F398FDF91}" type="pres">
+      <dgm:prSet presAssocID="{DFD812AE-C3B8-0246-A3FA-AF271D6B575A}" presName="rootComposite" presStyleCnt="0">
+        <dgm:presLayoutVars/>
+      </dgm:prSet>
+      <dgm:spPr/>
+    </dgm:pt>
+    <dgm:pt modelId="{4033D801-DA1F-2A41-9316-FFD7DA4BA8CF}" type="pres">
+      <dgm:prSet presAssocID="{DFD812AE-C3B8-0246-A3FA-AF271D6B575A}" presName="ParentAccent" presStyleLbl="alignNode1" presStyleIdx="1" presStyleCnt="4" custFlipVert="1" custScaleY="14952" custLinFactNeighborX="112" custLinFactNeighborY="74321"/>
+      <dgm:spPr/>
+    </dgm:pt>
+    <dgm:pt modelId="{68A88DFC-1490-3146-BD9D-6FA1D1E559FB}" type="pres">
+      <dgm:prSet presAssocID="{DFD812AE-C3B8-0246-A3FA-AF271D6B575A}" presName="ParentSmallAccent" presStyleLbl="fgAcc1" presStyleIdx="1" presStyleCnt="4" custLinFactX="600000" custLinFactY="-100000" custLinFactNeighborX="662745" custLinFactNeighborY="-109701"/>
+      <dgm:spPr>
+        <a:noFill/>
+        <a:ln>
+          <a:noFill/>
+        </a:ln>
+      </dgm:spPr>
+    </dgm:pt>
+    <dgm:pt modelId="{4C425286-3B5B-1B42-AA2F-71A52DE70BA9}" type="pres">
+      <dgm:prSet presAssocID="{DFD812AE-C3B8-0246-A3FA-AF271D6B575A}" presName="Parent" presStyleLbl="revTx" presStyleIdx="4" presStyleCnt="16">
+        <dgm:presLayoutVars>
+          <dgm:chMax/>
+          <dgm:chPref val="4"/>
+          <dgm:bulletEnabled val="1"/>
+        </dgm:presLayoutVars>
+      </dgm:prSet>
+      <dgm:spPr/>
+    </dgm:pt>
+    <dgm:pt modelId="{9D3DA729-3D09-E446-A67E-5FE099C5748D}" type="pres">
+      <dgm:prSet presAssocID="{DFD812AE-C3B8-0246-A3FA-AF271D6B575A}" presName="childShape" presStyleCnt="0">
+        <dgm:presLayoutVars>
+          <dgm:chMax val="0"/>
+          <dgm:chPref val="0"/>
+        </dgm:presLayoutVars>
+      </dgm:prSet>
+      <dgm:spPr/>
+    </dgm:pt>
+    <dgm:pt modelId="{B44BEA8E-66EA-794B-B4FB-F90EB40140B5}" type="pres">
+      <dgm:prSet presAssocID="{086150B3-2FF1-CC4E-A9F3-FBE0F623CB43}" presName="childComposite" presStyleCnt="0">
+        <dgm:presLayoutVars>
+          <dgm:chMax val="0"/>
+          <dgm:chPref val="0"/>
+        </dgm:presLayoutVars>
+      </dgm:prSet>
+      <dgm:spPr/>
+    </dgm:pt>
+    <dgm:pt modelId="{A1C3D80A-2230-E84F-B83B-0C8C25265F4E}" type="pres">
+      <dgm:prSet presAssocID="{086150B3-2FF1-CC4E-A9F3-FBE0F623CB43}" presName="ChildAccent" presStyleLbl="solidFgAcc1" presStyleIdx="3" presStyleCnt="12"/>
+      <dgm:spPr/>
+    </dgm:pt>
+    <dgm:pt modelId="{4641C0AF-11BA-D94D-96B3-36B1A6D5B0F2}" type="pres">
+      <dgm:prSet presAssocID="{086150B3-2FF1-CC4E-A9F3-FBE0F623CB43}" presName="Child" presStyleLbl="revTx" presStyleIdx="5" presStyleCnt="16" custScaleY="237211">
+        <dgm:presLayoutVars>
+          <dgm:chMax val="0"/>
+          <dgm:chPref val="0"/>
+          <dgm:bulletEnabled val="1"/>
+        </dgm:presLayoutVars>
+      </dgm:prSet>
+      <dgm:spPr/>
+    </dgm:pt>
+    <dgm:pt modelId="{6DBB1A7E-1ACC-A649-A9F3-5CFDC55140D9}" type="pres">
+      <dgm:prSet presAssocID="{EBF3C175-A00F-F247-B586-A5ECE0B7727C}" presName="childComposite" presStyleCnt="0">
+        <dgm:presLayoutVars>
+          <dgm:chMax val="0"/>
+          <dgm:chPref val="0"/>
+        </dgm:presLayoutVars>
+      </dgm:prSet>
+      <dgm:spPr/>
+    </dgm:pt>
+    <dgm:pt modelId="{F6D175E4-D95F-2B45-BF8F-FB12911817A3}" type="pres">
+      <dgm:prSet presAssocID="{EBF3C175-A00F-F247-B586-A5ECE0B7727C}" presName="ChildAccent" presStyleLbl="solidFgAcc1" presStyleIdx="4" presStyleCnt="12"/>
+      <dgm:spPr/>
+    </dgm:pt>
+    <dgm:pt modelId="{6BC39EEB-87A3-6742-92FF-CEC4C0D36CB9}" type="pres">
+      <dgm:prSet presAssocID="{EBF3C175-A00F-F247-B586-A5ECE0B7727C}" presName="Child" presStyleLbl="revTx" presStyleIdx="6" presStyleCnt="16" custScaleY="237211">
+        <dgm:presLayoutVars>
+          <dgm:chMax val="0"/>
+          <dgm:chPref val="0"/>
+          <dgm:bulletEnabled val="1"/>
+        </dgm:presLayoutVars>
+      </dgm:prSet>
+      <dgm:spPr/>
+    </dgm:pt>
+    <dgm:pt modelId="{475F157B-BEFC-E647-9ED3-286B061BF18F}" type="pres">
+      <dgm:prSet presAssocID="{C44EA910-AB08-DD42-9F61-CA8B193CEEAF}" presName="childComposite" presStyleCnt="0">
+        <dgm:presLayoutVars>
+          <dgm:chMax val="0"/>
+          <dgm:chPref val="0"/>
+        </dgm:presLayoutVars>
+      </dgm:prSet>
+      <dgm:spPr/>
+    </dgm:pt>
+    <dgm:pt modelId="{A555F3E9-9DF7-6B45-89ED-8AD79D4EEDB8}" type="pres">
+      <dgm:prSet presAssocID="{C44EA910-AB08-DD42-9F61-CA8B193CEEAF}" presName="ChildAccent" presStyleLbl="solidFgAcc1" presStyleIdx="5" presStyleCnt="12"/>
+      <dgm:spPr/>
+    </dgm:pt>
+    <dgm:pt modelId="{8A4A78D2-0214-E448-9721-C8166B6EDDD5}" type="pres">
+      <dgm:prSet presAssocID="{C44EA910-AB08-DD42-9F61-CA8B193CEEAF}" presName="Child" presStyleLbl="revTx" presStyleIdx="7" presStyleCnt="16" custScaleY="237211">
+        <dgm:presLayoutVars>
+          <dgm:chMax val="0"/>
+          <dgm:chPref val="0"/>
+          <dgm:bulletEnabled val="1"/>
+        </dgm:presLayoutVars>
+      </dgm:prSet>
+      <dgm:spPr/>
+    </dgm:pt>
+    <dgm:pt modelId="{36074BED-E843-6746-A1EA-7AB1C6FC8411}" type="pres">
+      <dgm:prSet presAssocID="{B665EA68-14DB-9A40-9159-4F62335763CA}" presName="root" presStyleCnt="0">
+        <dgm:presLayoutVars>
+          <dgm:chMax/>
+          <dgm:chPref/>
+        </dgm:presLayoutVars>
+      </dgm:prSet>
+      <dgm:spPr/>
+    </dgm:pt>
+    <dgm:pt modelId="{8E30E108-4871-F946-9DC2-7A575B4ECE7D}" type="pres">
+      <dgm:prSet presAssocID="{B665EA68-14DB-9A40-9159-4F62335763CA}" presName="rootComposite" presStyleCnt="0">
+        <dgm:presLayoutVars/>
+      </dgm:prSet>
+      <dgm:spPr/>
+    </dgm:pt>
+    <dgm:pt modelId="{7EEC05C6-E111-0E43-B1F1-E1F0480DF73D}" type="pres">
+      <dgm:prSet presAssocID="{B665EA68-14DB-9A40-9159-4F62335763CA}" presName="ParentAccent" presStyleLbl="alignNode1" presStyleIdx="2" presStyleCnt="4" custFlipVert="1" custScaleY="14952" custLinFactNeighborX="112" custLinFactNeighborY="74321"/>
+      <dgm:spPr/>
+    </dgm:pt>
+    <dgm:pt modelId="{1852FA24-0E0F-9E4A-A0B3-39C9B0248D24}" type="pres">
+      <dgm:prSet presAssocID="{B665EA68-14DB-9A40-9159-4F62335763CA}" presName="ParentSmallAccent" presStyleLbl="fgAcc1" presStyleIdx="2" presStyleCnt="4" custLinFactX="600000" custLinFactY="-100000" custLinFactNeighborX="662745" custLinFactNeighborY="-109701"/>
+      <dgm:spPr>
+        <a:noFill/>
+        <a:ln>
+          <a:noFill/>
+        </a:ln>
+      </dgm:spPr>
+    </dgm:pt>
+    <dgm:pt modelId="{3FBF60B1-DB64-D845-B558-55CF1A5F754A}" type="pres">
+      <dgm:prSet presAssocID="{B665EA68-14DB-9A40-9159-4F62335763CA}" presName="Parent" presStyleLbl="revTx" presStyleIdx="8" presStyleCnt="16">
+        <dgm:presLayoutVars>
+          <dgm:chMax/>
+          <dgm:chPref val="4"/>
+          <dgm:bulletEnabled val="1"/>
+        </dgm:presLayoutVars>
+      </dgm:prSet>
+      <dgm:spPr/>
+    </dgm:pt>
+    <dgm:pt modelId="{BAF45C7E-22C7-0243-9852-9F6C36635250}" type="pres">
+      <dgm:prSet presAssocID="{B665EA68-14DB-9A40-9159-4F62335763CA}" presName="childShape" presStyleCnt="0">
+        <dgm:presLayoutVars>
+          <dgm:chMax val="0"/>
+          <dgm:chPref val="0"/>
+        </dgm:presLayoutVars>
+      </dgm:prSet>
+      <dgm:spPr/>
+    </dgm:pt>
+    <dgm:pt modelId="{4F17FE21-92AB-ED41-B61C-FCD8E4A9AEE2}" type="pres">
+      <dgm:prSet presAssocID="{5884ECF6-88FC-C349-A11A-89FF7C6F43AF}" presName="childComposite" presStyleCnt="0">
+        <dgm:presLayoutVars>
+          <dgm:chMax val="0"/>
+          <dgm:chPref val="0"/>
+        </dgm:presLayoutVars>
+      </dgm:prSet>
+      <dgm:spPr/>
+    </dgm:pt>
+    <dgm:pt modelId="{25F2F0C9-DBB1-6943-AF56-05F87BBF480C}" type="pres">
+      <dgm:prSet presAssocID="{5884ECF6-88FC-C349-A11A-89FF7C6F43AF}" presName="ChildAccent" presStyleLbl="solidFgAcc1" presStyleIdx="6" presStyleCnt="12"/>
+      <dgm:spPr/>
+    </dgm:pt>
+    <dgm:pt modelId="{85428028-20CF-9D4A-9274-2A9EA28A1A76}" type="pres">
+      <dgm:prSet presAssocID="{5884ECF6-88FC-C349-A11A-89FF7C6F43AF}" presName="Child" presStyleLbl="revTx" presStyleIdx="9" presStyleCnt="16" custScaleY="237211">
+        <dgm:presLayoutVars>
+          <dgm:chMax val="0"/>
+          <dgm:chPref val="0"/>
+          <dgm:bulletEnabled val="1"/>
+        </dgm:presLayoutVars>
+      </dgm:prSet>
+      <dgm:spPr/>
+    </dgm:pt>
+    <dgm:pt modelId="{2AD52D83-2A44-7342-86B3-55B0A4F57EB7}" type="pres">
+      <dgm:prSet presAssocID="{7864F0FB-C3EC-5B4D-963B-7DD6D81499C2}" presName="childComposite" presStyleCnt="0">
+        <dgm:presLayoutVars>
+          <dgm:chMax val="0"/>
+          <dgm:chPref val="0"/>
+        </dgm:presLayoutVars>
+      </dgm:prSet>
+      <dgm:spPr/>
+    </dgm:pt>
+    <dgm:pt modelId="{3BDF4809-F0B1-4149-90E3-FFF1DEADCBF8}" type="pres">
+      <dgm:prSet presAssocID="{7864F0FB-C3EC-5B4D-963B-7DD6D81499C2}" presName="ChildAccent" presStyleLbl="solidFgAcc1" presStyleIdx="7" presStyleCnt="12"/>
+      <dgm:spPr/>
+    </dgm:pt>
+    <dgm:pt modelId="{3545379C-0634-F04D-9784-0A00141EE881}" type="pres">
+      <dgm:prSet presAssocID="{7864F0FB-C3EC-5B4D-963B-7DD6D81499C2}" presName="Child" presStyleLbl="revTx" presStyleIdx="10" presStyleCnt="16" custScaleY="237211">
+        <dgm:presLayoutVars>
+          <dgm:chMax val="0"/>
+          <dgm:chPref val="0"/>
+          <dgm:bulletEnabled val="1"/>
+        </dgm:presLayoutVars>
+      </dgm:prSet>
+      <dgm:spPr/>
+    </dgm:pt>
+    <dgm:pt modelId="{BBCF9C06-620E-0F49-B802-4D78F43AEFF5}" type="pres">
+      <dgm:prSet presAssocID="{C6E84C6B-36CE-2E46-B5EC-96279B955F9A}" presName="childComposite" presStyleCnt="0">
+        <dgm:presLayoutVars>
+          <dgm:chMax val="0"/>
+          <dgm:chPref val="0"/>
+        </dgm:presLayoutVars>
+      </dgm:prSet>
+      <dgm:spPr/>
+    </dgm:pt>
+    <dgm:pt modelId="{2F245FEF-5268-3843-ADA6-2DB4D7096259}" type="pres">
+      <dgm:prSet presAssocID="{C6E84C6B-36CE-2E46-B5EC-96279B955F9A}" presName="ChildAccent" presStyleLbl="solidFgAcc1" presStyleIdx="8" presStyleCnt="12"/>
+      <dgm:spPr/>
+    </dgm:pt>
+    <dgm:pt modelId="{269CB9FA-8C20-EA48-A861-58CCB56B8F4E}" type="pres">
+      <dgm:prSet presAssocID="{C6E84C6B-36CE-2E46-B5EC-96279B955F9A}" presName="Child" presStyleLbl="revTx" presStyleIdx="11" presStyleCnt="16" custScaleY="237203">
+        <dgm:presLayoutVars>
+          <dgm:chMax val="0"/>
+          <dgm:chPref val="0"/>
+          <dgm:bulletEnabled val="1"/>
+        </dgm:presLayoutVars>
+      </dgm:prSet>
+      <dgm:spPr/>
+    </dgm:pt>
+    <dgm:pt modelId="{4EBFCDF9-886B-9A4A-9B84-6D83926804F5}" type="pres">
+      <dgm:prSet presAssocID="{8DD67404-36E8-5649-943A-7CB9F7DAFEBC}" presName="root" presStyleCnt="0">
+        <dgm:presLayoutVars>
+          <dgm:chMax/>
+          <dgm:chPref/>
+        </dgm:presLayoutVars>
+      </dgm:prSet>
+      <dgm:spPr/>
+    </dgm:pt>
+    <dgm:pt modelId="{551576F0-22D8-7A47-A1C8-EECCADD1A60D}" type="pres">
+      <dgm:prSet presAssocID="{8DD67404-36E8-5649-943A-7CB9F7DAFEBC}" presName="rootComposite" presStyleCnt="0">
+        <dgm:presLayoutVars/>
+      </dgm:prSet>
+      <dgm:spPr/>
+    </dgm:pt>
+    <dgm:pt modelId="{FCEDA940-577E-9E46-9588-B9714525B1D3}" type="pres">
+      <dgm:prSet presAssocID="{8DD67404-36E8-5649-943A-7CB9F7DAFEBC}" presName="ParentAccent" presStyleLbl="alignNode1" presStyleIdx="3" presStyleCnt="4" custFlipVert="1" custScaleY="14952" custLinFactNeighborX="112" custLinFactNeighborY="74321"/>
+      <dgm:spPr/>
+    </dgm:pt>
+    <dgm:pt modelId="{6B05C14A-3B7D-7147-8BC0-4DF1A1C42235}" type="pres">
+      <dgm:prSet presAssocID="{8DD67404-36E8-5649-943A-7CB9F7DAFEBC}" presName="ParentSmallAccent" presStyleLbl="fgAcc1" presStyleIdx="3" presStyleCnt="4" custLinFactX="600000" custLinFactY="-100000" custLinFactNeighborX="662745" custLinFactNeighborY="-109701"/>
+      <dgm:spPr>
+        <a:noFill/>
+        <a:ln>
+          <a:noFill/>
+        </a:ln>
+      </dgm:spPr>
+    </dgm:pt>
+    <dgm:pt modelId="{293913E1-D279-6B48-B2EA-B30207BF146F}" type="pres">
+      <dgm:prSet presAssocID="{8DD67404-36E8-5649-943A-7CB9F7DAFEBC}" presName="Parent" presStyleLbl="revTx" presStyleIdx="12" presStyleCnt="16">
+        <dgm:presLayoutVars>
+          <dgm:chMax/>
+          <dgm:chPref val="4"/>
+          <dgm:bulletEnabled val="1"/>
+        </dgm:presLayoutVars>
+      </dgm:prSet>
+      <dgm:spPr/>
+    </dgm:pt>
+    <dgm:pt modelId="{8B2874AC-FD45-024D-A0E7-B2C445AC9136}" type="pres">
+      <dgm:prSet presAssocID="{8DD67404-36E8-5649-943A-7CB9F7DAFEBC}" presName="childShape" presStyleCnt="0">
+        <dgm:presLayoutVars>
+          <dgm:chMax val="0"/>
+          <dgm:chPref val="0"/>
+        </dgm:presLayoutVars>
+      </dgm:prSet>
+      <dgm:spPr/>
+    </dgm:pt>
+    <dgm:pt modelId="{3DCC83FE-941C-1A4D-8A26-7AF1CF505DD8}" type="pres">
+      <dgm:prSet presAssocID="{6621B835-7073-1141-8E48-0C565018EDD9}" presName="childComposite" presStyleCnt="0">
+        <dgm:presLayoutVars>
+          <dgm:chMax val="0"/>
+          <dgm:chPref val="0"/>
+        </dgm:presLayoutVars>
+      </dgm:prSet>
+      <dgm:spPr/>
+    </dgm:pt>
+    <dgm:pt modelId="{650EAB57-DB6E-2E45-830E-A1054F37F5CD}" type="pres">
+      <dgm:prSet presAssocID="{6621B835-7073-1141-8E48-0C565018EDD9}" presName="ChildAccent" presStyleLbl="solidFgAcc1" presStyleIdx="9" presStyleCnt="12"/>
+      <dgm:spPr/>
+    </dgm:pt>
+    <dgm:pt modelId="{82C1BD92-1065-284C-84FA-0B66572711A5}" type="pres">
+      <dgm:prSet presAssocID="{6621B835-7073-1141-8E48-0C565018EDD9}" presName="Child" presStyleLbl="revTx" presStyleIdx="13" presStyleCnt="16" custScaleY="237211">
+        <dgm:presLayoutVars>
+          <dgm:chMax val="0"/>
+          <dgm:chPref val="0"/>
+          <dgm:bulletEnabled val="1"/>
+        </dgm:presLayoutVars>
+      </dgm:prSet>
+      <dgm:spPr/>
+    </dgm:pt>
+    <dgm:pt modelId="{F756B633-61E0-5349-9E3B-DD15256E383D}" type="pres">
+      <dgm:prSet presAssocID="{DAF6CA98-A566-F24C-BFC0-06FFCF6DF42B}" presName="childComposite" presStyleCnt="0">
+        <dgm:presLayoutVars>
+          <dgm:chMax val="0"/>
+          <dgm:chPref val="0"/>
+        </dgm:presLayoutVars>
+      </dgm:prSet>
+      <dgm:spPr/>
+    </dgm:pt>
+    <dgm:pt modelId="{62D84D53-81F4-A844-9104-EF15A2697B61}" type="pres">
+      <dgm:prSet presAssocID="{DAF6CA98-A566-F24C-BFC0-06FFCF6DF42B}" presName="ChildAccent" presStyleLbl="solidFgAcc1" presStyleIdx="10" presStyleCnt="12"/>
+      <dgm:spPr/>
+    </dgm:pt>
+    <dgm:pt modelId="{94ACD19A-7C27-974E-BF50-B424DA827679}" type="pres">
+      <dgm:prSet presAssocID="{DAF6CA98-A566-F24C-BFC0-06FFCF6DF42B}" presName="Child" presStyleLbl="revTx" presStyleIdx="14" presStyleCnt="16" custScaleY="237211">
+        <dgm:presLayoutVars>
+          <dgm:chMax val="0"/>
+          <dgm:chPref val="0"/>
+          <dgm:bulletEnabled val="1"/>
+        </dgm:presLayoutVars>
+      </dgm:prSet>
+      <dgm:spPr/>
+    </dgm:pt>
+    <dgm:pt modelId="{C74E062A-88B4-1E4F-AEA4-052A96FA3144}" type="pres">
+      <dgm:prSet presAssocID="{4AF76F69-CA67-7843-9D19-5900419CB1D8}" presName="childComposite" presStyleCnt="0">
+        <dgm:presLayoutVars>
+          <dgm:chMax val="0"/>
+          <dgm:chPref val="0"/>
+        </dgm:presLayoutVars>
+      </dgm:prSet>
+      <dgm:spPr/>
+    </dgm:pt>
+    <dgm:pt modelId="{F7C25027-8464-5642-AD05-FC6F45327F5A}" type="pres">
+      <dgm:prSet presAssocID="{4AF76F69-CA67-7843-9D19-5900419CB1D8}" presName="ChildAccent" presStyleLbl="solidFgAcc1" presStyleIdx="11" presStyleCnt="12"/>
+      <dgm:spPr/>
+    </dgm:pt>
+    <dgm:pt modelId="{B1D092E4-E218-7640-A274-B1163A85FCB7}" type="pres">
+      <dgm:prSet presAssocID="{4AF76F69-CA67-7843-9D19-5900419CB1D8}" presName="Child" presStyleLbl="revTx" presStyleIdx="15" presStyleCnt="16" custScaleY="237211">
+        <dgm:presLayoutVars>
+          <dgm:chMax val="0"/>
+          <dgm:chPref val="0"/>
+          <dgm:bulletEnabled val="1"/>
+        </dgm:presLayoutVars>
+      </dgm:prSet>
+      <dgm:spPr/>
+    </dgm:pt>
+  </dgm:ptLst>
+  <dgm:cxnLst>
+    <dgm:cxn modelId="{EC399100-1501-4847-971C-5BAEF56D8975}" srcId="{B665EA68-14DB-9A40-9159-4F62335763CA}" destId="{5884ECF6-88FC-C349-A11A-89FF7C6F43AF}" srcOrd="0" destOrd="0" parTransId="{00515A1E-78D1-CA4A-B793-F29C7F41ECB7}" sibTransId="{FC4131E8-8FB6-3B43-9EB6-17425EE52CBA}"/>
+    <dgm:cxn modelId="{8301FC0E-EA41-D647-817E-FAF3B721C581}" srcId="{B665EA68-14DB-9A40-9159-4F62335763CA}" destId="{C6E84C6B-36CE-2E46-B5EC-96279B955F9A}" srcOrd="2" destOrd="0" parTransId="{AFB2CFB3-82B5-294C-B960-52CF55D6A474}" sibTransId="{F6C0436D-50FA-A04C-AF36-12A9517F3AA3}"/>
+    <dgm:cxn modelId="{CE12B720-7F0E-F24C-B35E-15D4E0544140}" srcId="{8DD67404-36E8-5649-943A-7CB9F7DAFEBC}" destId="{6621B835-7073-1141-8E48-0C565018EDD9}" srcOrd="0" destOrd="0" parTransId="{2D2B5803-C0B9-9848-BE0E-AEF419D2933F}" sibTransId="{57ADB49B-892F-BB4D-84A5-38166A907F11}"/>
+    <dgm:cxn modelId="{E8694A28-E045-8641-AD50-8FA4DDDBDADE}" type="presOf" srcId="{B665EA68-14DB-9A40-9159-4F62335763CA}" destId="{3FBF60B1-DB64-D845-B558-55CF1A5F754A}" srcOrd="0" destOrd="0" presId="urn:microsoft.com/office/officeart/2008/layout/SquareAccentList"/>
+    <dgm:cxn modelId="{96A4D22D-0C54-844D-A7F8-DC91BE5677B8}" srcId="{C1BF5D5A-DA2D-2548-A2CB-6D3F3CC1DC95}" destId="{C405B231-E6E0-0549-B0BE-CAD1962945D7}" srcOrd="0" destOrd="0" parTransId="{50B64F79-75E3-234A-B941-A20D185385D9}" sibTransId="{430BAE4B-EEF0-AE4B-973A-80ECCE7FAD8D}"/>
+    <dgm:cxn modelId="{FA898138-93B4-D34C-B902-0477FF4E101F}" srcId="{DFD812AE-C3B8-0246-A3FA-AF271D6B575A}" destId="{086150B3-2FF1-CC4E-A9F3-FBE0F623CB43}" srcOrd="0" destOrd="0" parTransId="{D4FA6E17-C513-E940-815C-B5785D980B2C}" sibTransId="{99FFFFB9-3E50-6749-BE20-9C7FCC65CE4D}"/>
+    <dgm:cxn modelId="{8364B443-18A9-394C-9A22-E5DF98AA2CA3}" srcId="{968B694B-A736-D04E-B3F1-5BB4EE334342}" destId="{C1BF5D5A-DA2D-2548-A2CB-6D3F3CC1DC95}" srcOrd="0" destOrd="0" parTransId="{4D2EE764-7052-FE4A-8A53-04748F7402C6}" sibTransId="{71C64158-5B77-FE42-AA01-8A4CE5E67302}"/>
+    <dgm:cxn modelId="{922E2C4C-11D1-7547-A101-14A8F12A392D}" type="presOf" srcId="{DAF6CA98-A566-F24C-BFC0-06FFCF6DF42B}" destId="{94ACD19A-7C27-974E-BF50-B424DA827679}" srcOrd="0" destOrd="0" presId="urn:microsoft.com/office/officeart/2008/layout/SquareAccentList"/>
+    <dgm:cxn modelId="{BA391A57-2108-7F47-B4E4-FF41689C096C}" type="presOf" srcId="{C405B231-E6E0-0549-B0BE-CAD1962945D7}" destId="{4914E794-E69E-984F-B156-F3F595FBDA97}" srcOrd="0" destOrd="0" presId="urn:microsoft.com/office/officeart/2008/layout/SquareAccentList"/>
+    <dgm:cxn modelId="{8CB4005C-2DAE-E748-B6E1-194DE1E0B1B0}" srcId="{C1BF5D5A-DA2D-2548-A2CB-6D3F3CC1DC95}" destId="{03527383-1220-244B-A4B4-C040C4B3AF77}" srcOrd="2" destOrd="0" parTransId="{D6541CB8-F2AF-9B40-997F-C905117E3550}" sibTransId="{1A9ED68B-99CE-5740-AC3B-F60B7CC46D65}"/>
+    <dgm:cxn modelId="{BD423461-AF90-0247-8F2C-BFCE203F49F5}" srcId="{DFD812AE-C3B8-0246-A3FA-AF271D6B575A}" destId="{EBF3C175-A00F-F247-B586-A5ECE0B7727C}" srcOrd="1" destOrd="0" parTransId="{0C1164B5-EA3D-2145-9105-288BDED5D36A}" sibTransId="{90E8148D-6F4F-CE46-9194-1939EB7E9AB9}"/>
+    <dgm:cxn modelId="{B7AD3B67-43BF-9745-B40B-8ADAB9650FD8}" type="presOf" srcId="{4AF76F69-CA67-7843-9D19-5900419CB1D8}" destId="{B1D092E4-E218-7640-A274-B1163A85FCB7}" srcOrd="0" destOrd="0" presId="urn:microsoft.com/office/officeart/2008/layout/SquareAccentList"/>
+    <dgm:cxn modelId="{F680737C-A97B-5C4F-92F8-A0EA4BE9A63E}" srcId="{968B694B-A736-D04E-B3F1-5BB4EE334342}" destId="{DFD812AE-C3B8-0246-A3FA-AF271D6B575A}" srcOrd="1" destOrd="0" parTransId="{BA07F453-51CF-864A-8D03-DF07917DD95D}" sibTransId="{B2DA15BC-8F70-9244-8A6C-57AC305C91E6}"/>
+    <dgm:cxn modelId="{1043D681-B9B6-FA4C-BED4-1ECB11558BAA}" type="presOf" srcId="{03527383-1220-244B-A4B4-C040C4B3AF77}" destId="{A50D16D6-321B-2449-B723-B40E216E0078}" srcOrd="0" destOrd="0" presId="urn:microsoft.com/office/officeart/2008/layout/SquareAccentList"/>
+    <dgm:cxn modelId="{A036988C-6DF6-864E-8F5F-0447ECF7D234}" type="presOf" srcId="{C1BF5D5A-DA2D-2548-A2CB-6D3F3CC1DC95}" destId="{14A7B955-4DD6-944B-A2A7-199379A3E207}" srcOrd="0" destOrd="0" presId="urn:microsoft.com/office/officeart/2008/layout/SquareAccentList"/>
+    <dgm:cxn modelId="{4FC1958D-A638-2840-B36C-770E55CABE4E}" type="presOf" srcId="{7864F0FB-C3EC-5B4D-963B-7DD6D81499C2}" destId="{3545379C-0634-F04D-9784-0A00141EE881}" srcOrd="0" destOrd="0" presId="urn:microsoft.com/office/officeart/2008/layout/SquareAccentList"/>
+    <dgm:cxn modelId="{4BB7158E-B04D-BB44-95E4-C8F83B719EC2}" type="presOf" srcId="{C44EA910-AB08-DD42-9F61-CA8B193CEEAF}" destId="{8A4A78D2-0214-E448-9721-C8166B6EDDD5}" srcOrd="0" destOrd="0" presId="urn:microsoft.com/office/officeart/2008/layout/SquareAccentList"/>
+    <dgm:cxn modelId="{0E5E068F-D541-224B-A3AB-93284700202E}" srcId="{8DD67404-36E8-5649-943A-7CB9F7DAFEBC}" destId="{4AF76F69-CA67-7843-9D19-5900419CB1D8}" srcOrd="2" destOrd="0" parTransId="{B5DB56FF-CA64-8D49-842B-4BE68E581A30}" sibTransId="{B15B6C2D-C7D5-814E-89A2-8EB3780CF4B3}"/>
+    <dgm:cxn modelId="{4E093992-DEF7-DB4A-A29A-93A962D83507}" type="presOf" srcId="{C6E84C6B-36CE-2E46-B5EC-96279B955F9A}" destId="{269CB9FA-8C20-EA48-A861-58CCB56B8F4E}" srcOrd="0" destOrd="0" presId="urn:microsoft.com/office/officeart/2008/layout/SquareAccentList"/>
+    <dgm:cxn modelId="{AB10FE97-6AE0-204C-9926-CE7D0957B143}" srcId="{C1BF5D5A-DA2D-2548-A2CB-6D3F3CC1DC95}" destId="{2DAA0A38-E761-6947-B610-F64C246F394D}" srcOrd="1" destOrd="0" parTransId="{CF3E52C1-8A90-EF4D-BF6A-9E8239620150}" sibTransId="{21148542-356A-D34A-81E5-C7A450B1F596}"/>
+    <dgm:cxn modelId="{0E0AF49A-D78E-9246-8149-CBB74F10DF58}" srcId="{DFD812AE-C3B8-0246-A3FA-AF271D6B575A}" destId="{C44EA910-AB08-DD42-9F61-CA8B193CEEAF}" srcOrd="2" destOrd="0" parTransId="{60C5D666-B1E1-A047-94F2-C85858BB8C79}" sibTransId="{E34A5EB6-EBEF-F040-ADA3-61529F64B5AA}"/>
+    <dgm:cxn modelId="{FF92E19E-4BEA-624C-8752-649BA225AB0F}" type="presOf" srcId="{5884ECF6-88FC-C349-A11A-89FF7C6F43AF}" destId="{85428028-20CF-9D4A-9274-2A9EA28A1A76}" srcOrd="0" destOrd="0" presId="urn:microsoft.com/office/officeart/2008/layout/SquareAccentList"/>
+    <dgm:cxn modelId="{1ED4EF9E-89E0-C447-9947-37C83CFC1BA5}" srcId="{8DD67404-36E8-5649-943A-7CB9F7DAFEBC}" destId="{DAF6CA98-A566-F24C-BFC0-06FFCF6DF42B}" srcOrd="1" destOrd="0" parTransId="{722D8977-84E7-E94C-A4F9-BE4AAB651345}" sibTransId="{C3A11764-7F81-4F4F-A460-968472122A35}"/>
+    <dgm:cxn modelId="{0B55A7A8-4BDE-9F4E-B6E2-DD6DCD16EBBA}" type="presOf" srcId="{8DD67404-36E8-5649-943A-7CB9F7DAFEBC}" destId="{293913E1-D279-6B48-B2EA-B30207BF146F}" srcOrd="0" destOrd="0" presId="urn:microsoft.com/office/officeart/2008/layout/SquareAccentList"/>
+    <dgm:cxn modelId="{BA3EE8A8-7B56-464A-956B-943E7E1E5BFD}" srcId="{B665EA68-14DB-9A40-9159-4F62335763CA}" destId="{7864F0FB-C3EC-5B4D-963B-7DD6D81499C2}" srcOrd="1" destOrd="0" parTransId="{0ABA5F56-B0C1-4548-934C-F363D8C91C53}" sibTransId="{09CA5B68-8CD0-E445-B18A-00E966619C1B}"/>
+    <dgm:cxn modelId="{B40C9FAF-40DF-AC43-AB20-8F2241C8257D}" type="presOf" srcId="{968B694B-A736-D04E-B3F1-5BB4EE334342}" destId="{332222CD-8DAB-DE43-940C-2774DC9940BE}" srcOrd="0" destOrd="0" presId="urn:microsoft.com/office/officeart/2008/layout/SquareAccentList"/>
+    <dgm:cxn modelId="{BEA844B0-ED1E-ED47-8EBF-F2EA7A5C882C}" type="presOf" srcId="{086150B3-2FF1-CC4E-A9F3-FBE0F623CB43}" destId="{4641C0AF-11BA-D94D-96B3-36B1A6D5B0F2}" srcOrd="0" destOrd="0" presId="urn:microsoft.com/office/officeart/2008/layout/SquareAccentList"/>
+    <dgm:cxn modelId="{AA7299B5-7A94-E345-8C46-32F2DBEBF8C3}" type="presOf" srcId="{2DAA0A38-E761-6947-B610-F64C246F394D}" destId="{3771DE76-0DAF-3A4F-A448-B508F963B314}" srcOrd="0" destOrd="0" presId="urn:microsoft.com/office/officeart/2008/layout/SquareAccentList"/>
+    <dgm:cxn modelId="{33E80BB6-FBC4-F945-A407-93BEFE2E3C31}" type="presOf" srcId="{DFD812AE-C3B8-0246-A3FA-AF271D6B575A}" destId="{4C425286-3B5B-1B42-AA2F-71A52DE70BA9}" srcOrd="0" destOrd="0" presId="urn:microsoft.com/office/officeart/2008/layout/SquareAccentList"/>
+    <dgm:cxn modelId="{B41FF0C3-E45D-F041-811F-33CEEBF36CC2}" type="presOf" srcId="{EBF3C175-A00F-F247-B586-A5ECE0B7727C}" destId="{6BC39EEB-87A3-6742-92FF-CEC4C0D36CB9}" srcOrd="0" destOrd="0" presId="urn:microsoft.com/office/officeart/2008/layout/SquareAccentList"/>
+    <dgm:cxn modelId="{1D2A80D2-64D1-AF47-AE1B-4D237CC2396E}" type="presOf" srcId="{6621B835-7073-1141-8E48-0C565018EDD9}" destId="{82C1BD92-1065-284C-84FA-0B66572711A5}" srcOrd="0" destOrd="0" presId="urn:microsoft.com/office/officeart/2008/layout/SquareAccentList"/>
+    <dgm:cxn modelId="{CA647BD7-EEF6-154E-A00A-D3A97CB8E317}" srcId="{968B694B-A736-D04E-B3F1-5BB4EE334342}" destId="{8DD67404-36E8-5649-943A-7CB9F7DAFEBC}" srcOrd="3" destOrd="0" parTransId="{AD7EA7C9-8C4B-3143-A9BE-ABE0AFBE6FB4}" sibTransId="{47E9413C-86E8-C841-9DEC-5D52B3F2399E}"/>
+    <dgm:cxn modelId="{F1FBA6D8-D576-084A-A50C-5CEFC0F86B19}" srcId="{968B694B-A736-D04E-B3F1-5BB4EE334342}" destId="{B665EA68-14DB-9A40-9159-4F62335763CA}" srcOrd="2" destOrd="0" parTransId="{99892818-9ACD-0848-9CED-3910FCD052AD}" sibTransId="{030FBC96-0E0E-0749-87B8-C5E57268313B}"/>
+    <dgm:cxn modelId="{4AE859C5-FF76-E246-8F51-BF04DDF30077}" type="presParOf" srcId="{332222CD-8DAB-DE43-940C-2774DC9940BE}" destId="{9796C76B-9EAD-C248-ADAF-8CEC8CC9355B}" srcOrd="0" destOrd="0" presId="urn:microsoft.com/office/officeart/2008/layout/SquareAccentList"/>
+    <dgm:cxn modelId="{06A9E845-741B-ED40-B206-60769FB20EAF}" type="presParOf" srcId="{9796C76B-9EAD-C248-ADAF-8CEC8CC9355B}" destId="{1C109920-F4D0-4B4F-8600-AB7E44E8EF6C}" srcOrd="0" destOrd="0" presId="urn:microsoft.com/office/officeart/2008/layout/SquareAccentList"/>
+    <dgm:cxn modelId="{56F3E307-B96D-D047-92C9-DBE23420068F}" type="presParOf" srcId="{1C109920-F4D0-4B4F-8600-AB7E44E8EF6C}" destId="{62F77996-FD34-6449-A099-659EF30E98B6}" srcOrd="0" destOrd="0" presId="urn:microsoft.com/office/officeart/2008/layout/SquareAccentList"/>
+    <dgm:cxn modelId="{357C30B3-E2F0-274F-B5FE-B1FCE22A9BCA}" type="presParOf" srcId="{1C109920-F4D0-4B4F-8600-AB7E44E8EF6C}" destId="{15E4C166-9805-4146-AC5A-F02C1704E3C6}" srcOrd="1" destOrd="0" presId="urn:microsoft.com/office/officeart/2008/layout/SquareAccentList"/>
+    <dgm:cxn modelId="{0A7C4697-2BA5-CD43-9B20-21D8B73866A3}" type="presParOf" srcId="{1C109920-F4D0-4B4F-8600-AB7E44E8EF6C}" destId="{14A7B955-4DD6-944B-A2A7-199379A3E207}" srcOrd="2" destOrd="0" presId="urn:microsoft.com/office/officeart/2008/layout/SquareAccentList"/>
+    <dgm:cxn modelId="{0AB56D0B-A0B4-F44A-8AC6-86A6E42C295C}" type="presParOf" srcId="{9796C76B-9EAD-C248-ADAF-8CEC8CC9355B}" destId="{82916E26-6EB5-CE4D-A4B8-3187638F0582}" srcOrd="1" destOrd="0" presId="urn:microsoft.com/office/officeart/2008/layout/SquareAccentList"/>
+    <dgm:cxn modelId="{403AF3FA-EFB8-1240-9E44-0B6D42FA8004}" type="presParOf" srcId="{82916E26-6EB5-CE4D-A4B8-3187638F0582}" destId="{2578F940-7DF3-AA4D-B145-1DBAF5F68D7D}" srcOrd="0" destOrd="0" presId="urn:microsoft.com/office/officeart/2008/layout/SquareAccentList"/>
+    <dgm:cxn modelId="{F9F45D1C-4A48-2342-AE2E-EEC9F9CC8419}" type="presParOf" srcId="{2578F940-7DF3-AA4D-B145-1DBAF5F68D7D}" destId="{382B6DB3-67B9-7642-A1D5-44104B9EBCA7}" srcOrd="0" destOrd="0" presId="urn:microsoft.com/office/officeart/2008/layout/SquareAccentList"/>
+    <dgm:cxn modelId="{460D1A5D-8A0E-534F-9EB6-6915AB434FDB}" type="presParOf" srcId="{2578F940-7DF3-AA4D-B145-1DBAF5F68D7D}" destId="{4914E794-E69E-984F-B156-F3F595FBDA97}" srcOrd="1" destOrd="0" presId="urn:microsoft.com/office/officeart/2008/layout/SquareAccentList"/>
+    <dgm:cxn modelId="{D211A414-26D5-A045-AD1A-36E29D25E06A}" type="presParOf" srcId="{82916E26-6EB5-CE4D-A4B8-3187638F0582}" destId="{E623B081-8AB1-384D-8633-5BFA40A07543}" srcOrd="1" destOrd="0" presId="urn:microsoft.com/office/officeart/2008/layout/SquareAccentList"/>
+    <dgm:cxn modelId="{A72BBE86-7A99-7D45-9E2A-6DCDFEFE309A}" type="presParOf" srcId="{E623B081-8AB1-384D-8633-5BFA40A07543}" destId="{EE015DF7-5E86-1148-BB8E-F1328E80243C}" srcOrd="0" destOrd="0" presId="urn:microsoft.com/office/officeart/2008/layout/SquareAccentList"/>
+    <dgm:cxn modelId="{946CC8C2-03E7-6D4C-887F-85E5F3F79CFB}" type="presParOf" srcId="{E623B081-8AB1-384D-8633-5BFA40A07543}" destId="{3771DE76-0DAF-3A4F-A448-B508F963B314}" srcOrd="1" destOrd="0" presId="urn:microsoft.com/office/officeart/2008/layout/SquareAccentList"/>
+    <dgm:cxn modelId="{32614BC8-B687-E547-8FFB-94C8BA3FC196}" type="presParOf" srcId="{82916E26-6EB5-CE4D-A4B8-3187638F0582}" destId="{532BC922-C661-2C48-864A-A87EC0E98591}" srcOrd="2" destOrd="0" presId="urn:microsoft.com/office/officeart/2008/layout/SquareAccentList"/>
+    <dgm:cxn modelId="{9E8669E8-D1D9-474E-BE1B-CD44BDC50638}" type="presParOf" srcId="{532BC922-C661-2C48-864A-A87EC0E98591}" destId="{87CDCD78-41D4-C649-83AD-ADF4A21E0480}" srcOrd="0" destOrd="0" presId="urn:microsoft.com/office/officeart/2008/layout/SquareAccentList"/>
+    <dgm:cxn modelId="{9F52F32D-C100-6947-A1DD-6BE5482EC447}" type="presParOf" srcId="{532BC922-C661-2C48-864A-A87EC0E98591}" destId="{A50D16D6-321B-2449-B723-B40E216E0078}" srcOrd="1" destOrd="0" presId="urn:microsoft.com/office/officeart/2008/layout/SquareAccentList"/>
+    <dgm:cxn modelId="{5824FF15-95F1-104F-9171-C54F72B08B03}" type="presParOf" srcId="{332222CD-8DAB-DE43-940C-2774DC9940BE}" destId="{231D6DC7-45B5-FF46-A4E5-472F37C3E39A}" srcOrd="1" destOrd="0" presId="urn:microsoft.com/office/officeart/2008/layout/SquareAccentList"/>
+    <dgm:cxn modelId="{69E9CF75-7152-8B48-92BF-D086B21694A0}" type="presParOf" srcId="{231D6DC7-45B5-FF46-A4E5-472F37C3E39A}" destId="{73930195-9019-DD43-B6BF-D32F398FDF91}" srcOrd="0" destOrd="0" presId="urn:microsoft.com/office/officeart/2008/layout/SquareAccentList"/>
+    <dgm:cxn modelId="{39B1190B-7675-C045-A624-430CBDD3B5C8}" type="presParOf" srcId="{73930195-9019-DD43-B6BF-D32F398FDF91}" destId="{4033D801-DA1F-2A41-9316-FFD7DA4BA8CF}" srcOrd="0" destOrd="0" presId="urn:microsoft.com/office/officeart/2008/layout/SquareAccentList"/>
+    <dgm:cxn modelId="{ADBEC8A2-6734-304E-A2D2-55ED545E365E}" type="presParOf" srcId="{73930195-9019-DD43-B6BF-D32F398FDF91}" destId="{68A88DFC-1490-3146-BD9D-6FA1D1E559FB}" srcOrd="1" destOrd="0" presId="urn:microsoft.com/office/officeart/2008/layout/SquareAccentList"/>
+    <dgm:cxn modelId="{910CB7A8-94CA-E04D-BAE4-82BCE8168DB0}" type="presParOf" srcId="{73930195-9019-DD43-B6BF-D32F398FDF91}" destId="{4C425286-3B5B-1B42-AA2F-71A52DE70BA9}" srcOrd="2" destOrd="0" presId="urn:microsoft.com/office/officeart/2008/layout/SquareAccentList"/>
+    <dgm:cxn modelId="{8C5CF3F5-DC5B-404C-A904-39AE6A637742}" type="presParOf" srcId="{231D6DC7-45B5-FF46-A4E5-472F37C3E39A}" destId="{9D3DA729-3D09-E446-A67E-5FE099C5748D}" srcOrd="1" destOrd="0" presId="urn:microsoft.com/office/officeart/2008/layout/SquareAccentList"/>
+    <dgm:cxn modelId="{7199C3CF-64C6-6A46-8366-F15F5706AF6E}" type="presParOf" srcId="{9D3DA729-3D09-E446-A67E-5FE099C5748D}" destId="{B44BEA8E-66EA-794B-B4FB-F90EB40140B5}" srcOrd="0" destOrd="0" presId="urn:microsoft.com/office/officeart/2008/layout/SquareAccentList"/>
+    <dgm:cxn modelId="{3A87C505-2B3A-3546-9AAB-22D415ABCE8C}" type="presParOf" srcId="{B44BEA8E-66EA-794B-B4FB-F90EB40140B5}" destId="{A1C3D80A-2230-E84F-B83B-0C8C25265F4E}" srcOrd="0" destOrd="0" presId="urn:microsoft.com/office/officeart/2008/layout/SquareAccentList"/>
+    <dgm:cxn modelId="{911DF026-677B-DC4A-80F9-2987F3F0252E}" type="presParOf" srcId="{B44BEA8E-66EA-794B-B4FB-F90EB40140B5}" destId="{4641C0AF-11BA-D94D-96B3-36B1A6D5B0F2}" srcOrd="1" destOrd="0" presId="urn:microsoft.com/office/officeart/2008/layout/SquareAccentList"/>
+    <dgm:cxn modelId="{A30355A9-3AF9-594C-A04D-65A2CF00CEDA}" type="presParOf" srcId="{9D3DA729-3D09-E446-A67E-5FE099C5748D}" destId="{6DBB1A7E-1ACC-A649-A9F3-5CFDC55140D9}" srcOrd="1" destOrd="0" presId="urn:microsoft.com/office/officeart/2008/layout/SquareAccentList"/>
+    <dgm:cxn modelId="{6B0F2D95-6C57-AD41-B549-795492567C7C}" type="presParOf" srcId="{6DBB1A7E-1ACC-A649-A9F3-5CFDC55140D9}" destId="{F6D175E4-D95F-2B45-BF8F-FB12911817A3}" srcOrd="0" destOrd="0" presId="urn:microsoft.com/office/officeart/2008/layout/SquareAccentList"/>
+    <dgm:cxn modelId="{2965262B-72CF-9247-97E4-FD52BFE6C985}" type="presParOf" srcId="{6DBB1A7E-1ACC-A649-A9F3-5CFDC55140D9}" destId="{6BC39EEB-87A3-6742-92FF-CEC4C0D36CB9}" srcOrd="1" destOrd="0" presId="urn:microsoft.com/office/officeart/2008/layout/SquareAccentList"/>
+    <dgm:cxn modelId="{68FD3EB8-36D7-7646-BBE9-F98F34F8A03E}" type="presParOf" srcId="{9D3DA729-3D09-E446-A67E-5FE099C5748D}" destId="{475F157B-BEFC-E647-9ED3-286B061BF18F}" srcOrd="2" destOrd="0" presId="urn:microsoft.com/office/officeart/2008/layout/SquareAccentList"/>
+    <dgm:cxn modelId="{B32F8174-9C78-5946-B575-1B4C68418F23}" type="presParOf" srcId="{475F157B-BEFC-E647-9ED3-286B061BF18F}" destId="{A555F3E9-9DF7-6B45-89ED-8AD79D4EEDB8}" srcOrd="0" destOrd="0" presId="urn:microsoft.com/office/officeart/2008/layout/SquareAccentList"/>
+    <dgm:cxn modelId="{CBBA24A5-4BA4-DE4C-9610-0FF198B877F3}" type="presParOf" srcId="{475F157B-BEFC-E647-9ED3-286B061BF18F}" destId="{8A4A78D2-0214-E448-9721-C8166B6EDDD5}" srcOrd="1" destOrd="0" presId="urn:microsoft.com/office/officeart/2008/layout/SquareAccentList"/>
+    <dgm:cxn modelId="{61D34F36-BC7B-0841-A6BF-393A36C69DC9}" type="presParOf" srcId="{332222CD-8DAB-DE43-940C-2774DC9940BE}" destId="{36074BED-E843-6746-A1EA-7AB1C6FC8411}" srcOrd="2" destOrd="0" presId="urn:microsoft.com/office/officeart/2008/layout/SquareAccentList"/>
+    <dgm:cxn modelId="{34CFA4B0-1409-384A-83A8-22011B13C3C7}" type="presParOf" srcId="{36074BED-E843-6746-A1EA-7AB1C6FC8411}" destId="{8E30E108-4871-F946-9DC2-7A575B4ECE7D}" srcOrd="0" destOrd="0" presId="urn:microsoft.com/office/officeart/2008/layout/SquareAccentList"/>
+    <dgm:cxn modelId="{B9DED9E9-87AE-AB42-8D7A-0076E8762974}" type="presParOf" srcId="{8E30E108-4871-F946-9DC2-7A575B4ECE7D}" destId="{7EEC05C6-E111-0E43-B1F1-E1F0480DF73D}" srcOrd="0" destOrd="0" presId="urn:microsoft.com/office/officeart/2008/layout/SquareAccentList"/>
+    <dgm:cxn modelId="{A9116AEA-E79E-814E-8F88-318F3C5FA717}" type="presParOf" srcId="{8E30E108-4871-F946-9DC2-7A575B4ECE7D}" destId="{1852FA24-0E0F-9E4A-A0B3-39C9B0248D24}" srcOrd="1" destOrd="0" presId="urn:microsoft.com/office/officeart/2008/layout/SquareAccentList"/>
+    <dgm:cxn modelId="{A0D3621F-A06C-5943-8510-60BFDCE5C320}" type="presParOf" srcId="{8E30E108-4871-F946-9DC2-7A575B4ECE7D}" destId="{3FBF60B1-DB64-D845-B558-55CF1A5F754A}" srcOrd="2" destOrd="0" presId="urn:microsoft.com/office/officeart/2008/layout/SquareAccentList"/>
+    <dgm:cxn modelId="{32C1C0B2-A981-EE4D-A301-D5B4C8ACCEE3}" type="presParOf" srcId="{36074BED-E843-6746-A1EA-7AB1C6FC8411}" destId="{BAF45C7E-22C7-0243-9852-9F6C36635250}" srcOrd="1" destOrd="0" presId="urn:microsoft.com/office/officeart/2008/layout/SquareAccentList"/>
+    <dgm:cxn modelId="{94F69F0F-9C41-9949-B55F-4AE41701CCEB}" type="presParOf" srcId="{BAF45C7E-22C7-0243-9852-9F6C36635250}" destId="{4F17FE21-92AB-ED41-B61C-FCD8E4A9AEE2}" srcOrd="0" destOrd="0" presId="urn:microsoft.com/office/officeart/2008/layout/SquareAccentList"/>
+    <dgm:cxn modelId="{48F1C107-0BCA-F246-947D-1F5035B4D31E}" type="presParOf" srcId="{4F17FE21-92AB-ED41-B61C-FCD8E4A9AEE2}" destId="{25F2F0C9-DBB1-6943-AF56-05F87BBF480C}" srcOrd="0" destOrd="0" presId="urn:microsoft.com/office/officeart/2008/layout/SquareAccentList"/>
+    <dgm:cxn modelId="{6C702027-76B7-1540-B605-1BDBA2155549}" type="presParOf" srcId="{4F17FE21-92AB-ED41-B61C-FCD8E4A9AEE2}" destId="{85428028-20CF-9D4A-9274-2A9EA28A1A76}" srcOrd="1" destOrd="0" presId="urn:microsoft.com/office/officeart/2008/layout/SquareAccentList"/>
+    <dgm:cxn modelId="{B52DBF87-C692-874D-826F-16E8237FD4AA}" type="presParOf" srcId="{BAF45C7E-22C7-0243-9852-9F6C36635250}" destId="{2AD52D83-2A44-7342-86B3-55B0A4F57EB7}" srcOrd="1" destOrd="0" presId="urn:microsoft.com/office/officeart/2008/layout/SquareAccentList"/>
+    <dgm:cxn modelId="{37380B62-B2D8-D34F-9B1F-6D834CD4B332}" type="presParOf" srcId="{2AD52D83-2A44-7342-86B3-55B0A4F57EB7}" destId="{3BDF4809-F0B1-4149-90E3-FFF1DEADCBF8}" srcOrd="0" destOrd="0" presId="urn:microsoft.com/office/officeart/2008/layout/SquareAccentList"/>
+    <dgm:cxn modelId="{0886A712-E127-4647-BED1-D4CD3475C17C}" type="presParOf" srcId="{2AD52D83-2A44-7342-86B3-55B0A4F57EB7}" destId="{3545379C-0634-F04D-9784-0A00141EE881}" srcOrd="1" destOrd="0" presId="urn:microsoft.com/office/officeart/2008/layout/SquareAccentList"/>
+    <dgm:cxn modelId="{4E051AAD-7EFB-ED40-AE5E-5DCE26665F60}" type="presParOf" srcId="{BAF45C7E-22C7-0243-9852-9F6C36635250}" destId="{BBCF9C06-620E-0F49-B802-4D78F43AEFF5}" srcOrd="2" destOrd="0" presId="urn:microsoft.com/office/officeart/2008/layout/SquareAccentList"/>
+    <dgm:cxn modelId="{8624A6AC-5ECE-D945-9008-4FA697B32257}" type="presParOf" srcId="{BBCF9C06-620E-0F49-B802-4D78F43AEFF5}" destId="{2F245FEF-5268-3843-ADA6-2DB4D7096259}" srcOrd="0" destOrd="0" presId="urn:microsoft.com/office/officeart/2008/layout/SquareAccentList"/>
+    <dgm:cxn modelId="{6A8538A2-786A-AE47-BEBF-F0B47B00F288}" type="presParOf" srcId="{BBCF9C06-620E-0F49-B802-4D78F43AEFF5}" destId="{269CB9FA-8C20-EA48-A861-58CCB56B8F4E}" srcOrd="1" destOrd="0" presId="urn:microsoft.com/office/officeart/2008/layout/SquareAccentList"/>
+    <dgm:cxn modelId="{1D8FEF83-EB27-184A-90E8-391A2965AA60}" type="presParOf" srcId="{332222CD-8DAB-DE43-940C-2774DC9940BE}" destId="{4EBFCDF9-886B-9A4A-9B84-6D83926804F5}" srcOrd="3" destOrd="0" presId="urn:microsoft.com/office/officeart/2008/layout/SquareAccentList"/>
+    <dgm:cxn modelId="{295D8D35-CF5C-014A-965D-B549B9E9F3FA}" type="presParOf" srcId="{4EBFCDF9-886B-9A4A-9B84-6D83926804F5}" destId="{551576F0-22D8-7A47-A1C8-EECCADD1A60D}" srcOrd="0" destOrd="0" presId="urn:microsoft.com/office/officeart/2008/layout/SquareAccentList"/>
+    <dgm:cxn modelId="{BABAD9BB-73A5-EE48-907C-66A9204F8E95}" type="presParOf" srcId="{551576F0-22D8-7A47-A1C8-EECCADD1A60D}" destId="{FCEDA940-577E-9E46-9588-B9714525B1D3}" srcOrd="0" destOrd="0" presId="urn:microsoft.com/office/officeart/2008/layout/SquareAccentList"/>
+    <dgm:cxn modelId="{2FBFF9BE-1A7C-4340-99DE-4ECC7EBDAADC}" type="presParOf" srcId="{551576F0-22D8-7A47-A1C8-EECCADD1A60D}" destId="{6B05C14A-3B7D-7147-8BC0-4DF1A1C42235}" srcOrd="1" destOrd="0" presId="urn:microsoft.com/office/officeart/2008/layout/SquareAccentList"/>
+    <dgm:cxn modelId="{316D7658-B6E7-6041-981F-BE7BFE73754D}" type="presParOf" srcId="{551576F0-22D8-7A47-A1C8-EECCADD1A60D}" destId="{293913E1-D279-6B48-B2EA-B30207BF146F}" srcOrd="2" destOrd="0" presId="urn:microsoft.com/office/officeart/2008/layout/SquareAccentList"/>
+    <dgm:cxn modelId="{E7BD3C12-4460-7149-9747-C470894B5CAC}" type="presParOf" srcId="{4EBFCDF9-886B-9A4A-9B84-6D83926804F5}" destId="{8B2874AC-FD45-024D-A0E7-B2C445AC9136}" srcOrd="1" destOrd="0" presId="urn:microsoft.com/office/officeart/2008/layout/SquareAccentList"/>
+    <dgm:cxn modelId="{530D9B45-0742-4D47-B99D-6AB1C33750F1}" type="presParOf" srcId="{8B2874AC-FD45-024D-A0E7-B2C445AC9136}" destId="{3DCC83FE-941C-1A4D-8A26-7AF1CF505DD8}" srcOrd="0" destOrd="0" presId="urn:microsoft.com/office/officeart/2008/layout/SquareAccentList"/>
+    <dgm:cxn modelId="{A691272B-0952-6D43-AA04-BB29A7D83076}" type="presParOf" srcId="{3DCC83FE-941C-1A4D-8A26-7AF1CF505DD8}" destId="{650EAB57-DB6E-2E45-830E-A1054F37F5CD}" srcOrd="0" destOrd="0" presId="urn:microsoft.com/office/officeart/2008/layout/SquareAccentList"/>
+    <dgm:cxn modelId="{423F7854-1807-9A47-859E-27CB9D9E7339}" type="presParOf" srcId="{3DCC83FE-941C-1A4D-8A26-7AF1CF505DD8}" destId="{82C1BD92-1065-284C-84FA-0B66572711A5}" srcOrd="1" destOrd="0" presId="urn:microsoft.com/office/officeart/2008/layout/SquareAccentList"/>
+    <dgm:cxn modelId="{C56D2696-C54D-334D-B883-58DD8393FA4A}" type="presParOf" srcId="{8B2874AC-FD45-024D-A0E7-B2C445AC9136}" destId="{F756B633-61E0-5349-9E3B-DD15256E383D}" srcOrd="1" destOrd="0" presId="urn:microsoft.com/office/officeart/2008/layout/SquareAccentList"/>
+    <dgm:cxn modelId="{966F8085-610B-6649-B1D0-B6142C22685F}" type="presParOf" srcId="{F756B633-61E0-5349-9E3B-DD15256E383D}" destId="{62D84D53-81F4-A844-9104-EF15A2697B61}" srcOrd="0" destOrd="0" presId="urn:microsoft.com/office/officeart/2008/layout/SquareAccentList"/>
+    <dgm:cxn modelId="{56E83525-CF21-D443-B376-A593C48F9916}" type="presParOf" srcId="{F756B633-61E0-5349-9E3B-DD15256E383D}" destId="{94ACD19A-7C27-974E-BF50-B424DA827679}" srcOrd="1" destOrd="0" presId="urn:microsoft.com/office/officeart/2008/layout/SquareAccentList"/>
+    <dgm:cxn modelId="{20B17D80-4B4E-7947-A401-D03FC8B4D551}" type="presParOf" srcId="{8B2874AC-FD45-024D-A0E7-B2C445AC9136}" destId="{C74E062A-88B4-1E4F-AEA4-052A96FA3144}" srcOrd="2" destOrd="0" presId="urn:microsoft.com/office/officeart/2008/layout/SquareAccentList"/>
+    <dgm:cxn modelId="{F0F6495F-D027-D44F-82BF-7C650AF117BB}" type="presParOf" srcId="{C74E062A-88B4-1E4F-AEA4-052A96FA3144}" destId="{F7C25027-8464-5642-AD05-FC6F45327F5A}" srcOrd="0" destOrd="0" presId="urn:microsoft.com/office/officeart/2008/layout/SquareAccentList"/>
+    <dgm:cxn modelId="{8B29CD93-B553-534B-ABF5-1DD4C855D4F0}" type="presParOf" srcId="{C74E062A-88B4-1E4F-AEA4-052A96FA3144}" destId="{B1D092E4-E218-7640-A274-B1163A85FCB7}" srcOrd="1" destOrd="0" presId="urn:microsoft.com/office/officeart/2008/layout/SquareAccentList"/>
+  </dgm:cxnLst>
+  <dgm:bg/>
+  <dgm:whole/>
+  <dgm:extLst>
+    <a:ext uri="http://schemas.microsoft.com/office/drawing/2008/diagram">
+      <dsp:dataModelExt xmlns:dsp="http://schemas.microsoft.com/office/drawing/2008/diagram" relId="rId6" minVer="http://schemas.openxmlformats.org/drawingml/2006/diagram"/>
     </a:ext>
   </dgm:extLst>
 </dgm:dataModel>
@@ -1172,8 +3270,8 @@
       </dsp:nvSpPr>
       <dsp:spPr>
         <a:xfrm>
-          <a:off x="0" y="501932"/>
-          <a:ext cx="5141912" cy="1042470"/>
+          <a:off x="0" y="15178"/>
+          <a:ext cx="5141912" cy="1028137"/>
         </a:xfrm>
         <a:prstGeom prst="roundRect">
           <a:avLst/>
@@ -1214,12 +3312,12 @@
         </a:fontRef>
       </dsp:style>
       <dsp:txBody>
-        <a:bodyPr spcFirstLastPara="0" vert="horz" wrap="square" lIns="102870" tIns="102870" rIns="102870" bIns="102870" numCol="1" spcCol="1270" anchor="ctr" anchorCtr="0">
+        <a:bodyPr spcFirstLastPara="0" vert="horz" wrap="square" lIns="72390" tIns="72390" rIns="72390" bIns="72390" numCol="1" spcCol="1270" anchor="ctr" anchorCtr="0">
           <a:noAutofit/>
         </a:bodyPr>
         <a:lstStyle/>
         <a:p>
-          <a:pPr marL="0" lvl="0" indent="0" algn="l" defTabSz="1200150">
+          <a:pPr marL="0" lvl="0" indent="0" algn="l" defTabSz="844550">
             <a:lnSpc>
               <a:spcPct val="90000"/>
             </a:lnSpc>
@@ -1232,14 +3330,102 @@
             <a:buNone/>
           </a:pPr>
           <a:r>
-            <a:rPr lang="en-US" sz="2700" kern="1200"/>
+            <a:rPr lang="en-US" sz="1900" kern="1200" dirty="0"/>
             <a:t>Inheritance =&gt; Service and Model layer</a:t>
           </a:r>
         </a:p>
       </dsp:txBody>
       <dsp:txXfrm>
-        <a:off x="50889" y="552821"/>
-        <a:ext cx="5040134" cy="940692"/>
+        <a:off x="50190" y="65368"/>
+        <a:ext cx="5041532" cy="927757"/>
+      </dsp:txXfrm>
+    </dsp:sp>
+    <dsp:sp modelId="{807D9731-41D7-AD4B-B5C4-0FD1547F62AB}">
+      <dsp:nvSpPr>
+        <dsp:cNvPr id="0" name=""/>
+        <dsp:cNvSpPr/>
+      </dsp:nvSpPr>
+      <dsp:spPr>
+        <a:xfrm>
+          <a:off x="0" y="1043316"/>
+          <a:ext cx="5141912" cy="707940"/>
+        </a:xfrm>
+        <a:prstGeom prst="rect">
+          <a:avLst/>
+        </a:prstGeom>
+        <a:noFill/>
+        <a:ln>
+          <a:noFill/>
+        </a:ln>
+        <a:effectLst/>
+      </dsp:spPr>
+      <dsp:style>
+        <a:lnRef idx="0">
+          <a:scrgbClr r="0" g="0" b="0"/>
+        </a:lnRef>
+        <a:fillRef idx="0">
+          <a:scrgbClr r="0" g="0" b="0"/>
+        </a:fillRef>
+        <a:effectRef idx="0">
+          <a:scrgbClr r="0" g="0" b="0"/>
+        </a:effectRef>
+        <a:fontRef idx="minor"/>
+      </dsp:style>
+      <dsp:txBody>
+        <a:bodyPr spcFirstLastPara="0" vert="horz" wrap="square" lIns="163256" tIns="24130" rIns="135128" bIns="24130" numCol="1" spcCol="1270" anchor="t" anchorCtr="0">
+          <a:noAutofit/>
+        </a:bodyPr>
+        <a:lstStyle/>
+        <a:p>
+          <a:pPr marL="114300" lvl="1" indent="-114300" algn="l" defTabSz="666750">
+            <a:lnSpc>
+              <a:spcPct val="90000"/>
+            </a:lnSpc>
+            <a:spcBef>
+              <a:spcPct val="0"/>
+            </a:spcBef>
+            <a:spcAft>
+              <a:spcPct val="20000"/>
+            </a:spcAft>
+            <a:buChar char="•"/>
+          </a:pPr>
+          <a:r>
+            <a:rPr lang="en-CA" sz="1500" b="0" kern="1200" dirty="0"/>
+            <a:t>`</a:t>
+          </a:r>
+          <a:r>
+            <a:rPr lang="en-CA" sz="1500" b="0" kern="1200" dirty="0" err="1"/>
+            <a:t>BusinessPerson</a:t>
+          </a:r>
+          <a:r>
+            <a:rPr lang="en-CA" sz="1500" b="0" kern="1200" dirty="0"/>
+            <a:t>` abstract parent for `Employee` and `Employer`</a:t>
+          </a:r>
+          <a:endParaRPr lang="en-US" sz="1500" kern="1200" dirty="0"/>
+        </a:p>
+        <a:p>
+          <a:pPr marL="114300" lvl="1" indent="-114300" algn="l" defTabSz="666750">
+            <a:lnSpc>
+              <a:spcPct val="90000"/>
+            </a:lnSpc>
+            <a:spcBef>
+              <a:spcPct val="0"/>
+            </a:spcBef>
+            <a:spcAft>
+              <a:spcPct val="20000"/>
+            </a:spcAft>
+            <a:buChar char="•"/>
+          </a:pPr>
+          <a:r>
+            <a:rPr lang="en-CA" sz="1500" b="0" kern="1200" dirty="0"/>
+            <a:t>`Company` implements `Business` interface</a:t>
+          </a:r>
+          <a:endParaRPr lang="en-US" sz="1500" kern="1200" dirty="0"/>
+        </a:p>
+      </dsp:txBody>
+      <dsp:txXfrm>
+        <a:off x="0" y="1043316"/>
+        <a:ext cx="5141912" cy="707940"/>
       </dsp:txXfrm>
     </dsp:sp>
     <dsp:sp modelId="{931BFBA3-F794-E14F-A127-693B9557540E}">
@@ -1249,8 +3435,8 @@
       </dsp:nvSpPr>
       <dsp:spPr>
         <a:xfrm>
-          <a:off x="0" y="1622162"/>
-          <a:ext cx="5141912" cy="1042470"/>
+          <a:off x="0" y="1751256"/>
+          <a:ext cx="5141912" cy="1028137"/>
         </a:xfrm>
         <a:prstGeom prst="roundRect">
           <a:avLst/>
@@ -1291,12 +3477,12 @@
         </a:fontRef>
       </dsp:style>
       <dsp:txBody>
-        <a:bodyPr spcFirstLastPara="0" vert="horz" wrap="square" lIns="102870" tIns="102870" rIns="102870" bIns="102870" numCol="1" spcCol="1270" anchor="ctr" anchorCtr="0">
+        <a:bodyPr spcFirstLastPara="0" vert="horz" wrap="square" lIns="72390" tIns="72390" rIns="72390" bIns="72390" numCol="1" spcCol="1270" anchor="ctr" anchorCtr="0">
           <a:noAutofit/>
         </a:bodyPr>
         <a:lstStyle/>
         <a:p>
-          <a:pPr marL="0" lvl="0" indent="0" algn="l" defTabSz="1200150">
+          <a:pPr marL="0" lvl="0" indent="0" algn="l" defTabSz="844550">
             <a:lnSpc>
               <a:spcPct val="90000"/>
             </a:lnSpc>
@@ -1309,14 +3495,110 @@
             <a:buNone/>
           </a:pPr>
           <a:r>
-            <a:rPr lang="en-US" sz="2700" kern="1200" dirty="0"/>
+            <a:rPr lang="en-US" sz="1900" kern="1200" dirty="0"/>
             <a:t>Polymorphism =&gt; Runtime polymorphism</a:t>
           </a:r>
         </a:p>
       </dsp:txBody>
       <dsp:txXfrm>
-        <a:off x="50889" y="1673051"/>
-        <a:ext cx="5040134" cy="940692"/>
+        <a:off x="50190" y="1801446"/>
+        <a:ext cx="5041532" cy="927757"/>
+      </dsp:txXfrm>
+    </dsp:sp>
+    <dsp:sp modelId="{E4B3478E-7735-F64C-8D14-5929AC937B48}">
+      <dsp:nvSpPr>
+        <dsp:cNvPr id="0" name=""/>
+        <dsp:cNvSpPr/>
+      </dsp:nvSpPr>
+      <dsp:spPr>
+        <a:xfrm>
+          <a:off x="0" y="2779393"/>
+          <a:ext cx="5141912" cy="501457"/>
+        </a:xfrm>
+        <a:prstGeom prst="rect">
+          <a:avLst/>
+        </a:prstGeom>
+        <a:noFill/>
+        <a:ln>
+          <a:noFill/>
+        </a:ln>
+        <a:effectLst/>
+      </dsp:spPr>
+      <dsp:style>
+        <a:lnRef idx="0">
+          <a:scrgbClr r="0" g="0" b="0"/>
+        </a:lnRef>
+        <a:fillRef idx="0">
+          <a:scrgbClr r="0" g="0" b="0"/>
+        </a:fillRef>
+        <a:effectRef idx="0">
+          <a:scrgbClr r="0" g="0" b="0"/>
+        </a:effectRef>
+        <a:fontRef idx="minor"/>
+      </dsp:style>
+      <dsp:txBody>
+        <a:bodyPr spcFirstLastPara="0" vert="horz" wrap="square" lIns="163256" tIns="24130" rIns="135128" bIns="24130" numCol="1" spcCol="1270" anchor="t" anchorCtr="0">
+          <a:noAutofit/>
+        </a:bodyPr>
+        <a:lstStyle/>
+        <a:p>
+          <a:pPr marL="114300" lvl="1" indent="-114300" algn="l" defTabSz="666750">
+            <a:lnSpc>
+              <a:spcPct val="90000"/>
+            </a:lnSpc>
+            <a:spcBef>
+              <a:spcPct val="0"/>
+            </a:spcBef>
+            <a:spcAft>
+              <a:spcPct val="20000"/>
+            </a:spcAft>
+            <a:buChar char="•"/>
+          </a:pPr>
+          <a:r>
+            <a:rPr lang="en-CA" sz="1500" b="0" kern="1200" dirty="0"/>
+            <a:t>`</a:t>
+          </a:r>
+          <a:r>
+            <a:rPr lang="en-CA" sz="1500" b="0" kern="1200" dirty="0" err="1"/>
+            <a:t>TaxCalculationStrategy</a:t>
+          </a:r>
+          <a:r>
+            <a:rPr lang="en-CA" sz="1500" b="0" kern="1200" dirty="0"/>
+            <a:t>` interface</a:t>
+          </a:r>
+          <a:endParaRPr lang="en-US" sz="1500" kern="1200" dirty="0"/>
+        </a:p>
+        <a:p>
+          <a:pPr marL="114300" lvl="1" indent="-114300" algn="l" defTabSz="666750">
+            <a:lnSpc>
+              <a:spcPct val="90000"/>
+            </a:lnSpc>
+            <a:spcBef>
+              <a:spcPct val="0"/>
+            </a:spcBef>
+            <a:spcAft>
+              <a:spcPct val="20000"/>
+            </a:spcAft>
+            <a:buChar char="•"/>
+          </a:pPr>
+          <a:r>
+            <a:rPr lang="en-CA" sz="1500" b="0" kern="1200" dirty="0"/>
+            <a:t>`</a:t>
+          </a:r>
+          <a:r>
+            <a:rPr lang="en-CA" sz="1500" b="0" kern="1200" dirty="0" err="1"/>
+            <a:t>BusinessPerson</a:t>
+          </a:r>
+          <a:r>
+            <a:rPr lang="en-CA" sz="1500" b="0" kern="1200" dirty="0"/>
+            <a:t>` polymorphic behavior</a:t>
+          </a:r>
+          <a:endParaRPr lang="en-US" sz="1500" kern="1200" dirty="0"/>
+        </a:p>
+      </dsp:txBody>
+      <dsp:txXfrm>
+        <a:off x="0" y="2779393"/>
+        <a:ext cx="5141912" cy="501457"/>
       </dsp:txXfrm>
     </dsp:sp>
     <dsp:sp modelId="{EC10453E-4CE3-FC42-ADB4-4AF8A8A0872A}">
@@ -1326,8 +3608,8 @@
       </dsp:nvSpPr>
       <dsp:spPr>
         <a:xfrm>
-          <a:off x="0" y="2742392"/>
-          <a:ext cx="5141912" cy="1042470"/>
+          <a:off x="0" y="3280851"/>
+          <a:ext cx="5141912" cy="1028137"/>
         </a:xfrm>
         <a:prstGeom prst="roundRect">
           <a:avLst/>
@@ -1368,12 +3650,12 @@
         </a:fontRef>
       </dsp:style>
       <dsp:txBody>
-        <a:bodyPr spcFirstLastPara="0" vert="horz" wrap="square" lIns="102870" tIns="102870" rIns="102870" bIns="102870" numCol="1" spcCol="1270" anchor="ctr" anchorCtr="0">
+        <a:bodyPr spcFirstLastPara="0" vert="horz" wrap="square" lIns="72390" tIns="72390" rIns="72390" bIns="72390" numCol="1" spcCol="1270" anchor="ctr" anchorCtr="0">
           <a:noAutofit/>
         </a:bodyPr>
         <a:lstStyle/>
         <a:p>
-          <a:pPr marL="0" lvl="0" indent="0" algn="l" defTabSz="1200150">
+          <a:pPr marL="0" lvl="0" indent="0" algn="l" defTabSz="844550">
             <a:lnSpc>
               <a:spcPct val="90000"/>
             </a:lnSpc>
@@ -1386,14 +3668,19 @@
             <a:buNone/>
           </a:pPr>
           <a:r>
-            <a:rPr lang="en-US" sz="2700" kern="1200"/>
-            <a:t>Encapsulation =&gt; Private and protected fields for all classes</a:t>
+            <a:rPr lang="en-US" sz="1900" kern="1200" dirty="0"/>
+            <a:t>Encapsulation =&gt; Private and protected fields for all classes, </a:t>
           </a:r>
+          <a:r>
+            <a:rPr lang="en-CA" sz="1900" b="0" kern="1200" dirty="0"/>
+            <a:t>DTOs encapsulate data transfer logic</a:t>
+          </a:r>
+          <a:endParaRPr lang="en-US" sz="1900" kern="1200" dirty="0"/>
         </a:p>
       </dsp:txBody>
       <dsp:txXfrm>
-        <a:off x="50889" y="2793281"/>
-        <a:ext cx="5040134" cy="940692"/>
+        <a:off x="50190" y="3331041"/>
+        <a:ext cx="5041532" cy="927757"/>
       </dsp:txXfrm>
     </dsp:sp>
     <dsp:sp modelId="{49B3C79F-47A3-AE43-820B-6C9ED76C5634}">
@@ -1403,8 +3690,8 @@
       </dsp:nvSpPr>
       <dsp:spPr>
         <a:xfrm>
-          <a:off x="0" y="3862622"/>
-          <a:ext cx="5141912" cy="1042470"/>
+          <a:off x="0" y="4363708"/>
+          <a:ext cx="5141912" cy="1028137"/>
         </a:xfrm>
         <a:prstGeom prst="roundRect">
           <a:avLst/>
@@ -1445,12 +3732,12 @@
         </a:fontRef>
       </dsp:style>
       <dsp:txBody>
-        <a:bodyPr spcFirstLastPara="0" vert="horz" wrap="square" lIns="102870" tIns="102870" rIns="102870" bIns="102870" numCol="1" spcCol="1270" anchor="ctr" anchorCtr="0">
+        <a:bodyPr spcFirstLastPara="0" vert="horz" wrap="square" lIns="72390" tIns="72390" rIns="72390" bIns="72390" numCol="1" spcCol="1270" anchor="ctr" anchorCtr="0">
           <a:noAutofit/>
         </a:bodyPr>
         <a:lstStyle/>
         <a:p>
-          <a:pPr marL="0" lvl="0" indent="0" algn="l" defTabSz="1200150">
+          <a:pPr marL="0" lvl="0" indent="0" algn="l" defTabSz="844550">
             <a:lnSpc>
               <a:spcPct val="90000"/>
             </a:lnSpc>
@@ -1463,14 +3750,1965 @@
             <a:buNone/>
           </a:pPr>
           <a:r>
-            <a:rPr lang="en-US" sz="2700" kern="1200"/>
-            <a:t>Abstraction =&gt; Abstract classes for common methods</a:t>
+            <a:rPr lang="en-US" sz="1900" kern="1200" dirty="0"/>
+            <a:t>Abstraction =&gt; Abstract classes and interfaces for common methods</a:t>
           </a:r>
         </a:p>
       </dsp:txBody>
       <dsp:txXfrm>
-        <a:off x="50889" y="3913511"/>
-        <a:ext cx="5040134" cy="940692"/>
+        <a:off x="50190" y="4413898"/>
+        <a:ext cx="5041532" cy="927757"/>
+      </dsp:txXfrm>
+    </dsp:sp>
+  </dsp:spTree>
+</dsp:drawing>
+</file>
+
+<file path=ppt/diagrams/drawing2.xml><?xml version="1.0" encoding="utf-8"?>
+<dsp:drawing xmlns:dgm="http://schemas.openxmlformats.org/drawingml/2006/diagram" xmlns:dsp="http://schemas.microsoft.com/office/drawing/2008/diagram" xmlns:a="http://schemas.openxmlformats.org/drawingml/2006/main">
+  <dsp:spTree>
+    <dsp:nvGrpSpPr>
+      <dsp:cNvPr id="0" name=""/>
+      <dsp:cNvGrpSpPr/>
+    </dsp:nvGrpSpPr>
+    <dsp:grpSpPr/>
+    <dsp:sp modelId="{62F77996-FD34-6449-A099-659EF30E98B6}">
+      <dsp:nvSpPr>
+        <dsp:cNvPr id="0" name=""/>
+        <dsp:cNvSpPr/>
+      </dsp:nvSpPr>
+      <dsp:spPr>
+        <a:xfrm flipV="1">
+          <a:off x="3859" y="858034"/>
+          <a:ext cx="2459901" cy="43271"/>
+        </a:xfrm>
+        <a:prstGeom prst="rect">
+          <a:avLst/>
+        </a:prstGeom>
+        <a:solidFill>
+          <a:schemeClr val="accent1">
+            <a:hueOff val="0"/>
+            <a:satOff val="0"/>
+            <a:lumOff val="0"/>
+            <a:alphaOff val="0"/>
+          </a:schemeClr>
+        </a:solidFill>
+        <a:ln w="12700" cap="flat" cmpd="sng" algn="ctr">
+          <a:solidFill>
+            <a:schemeClr val="accent1">
+              <a:hueOff val="0"/>
+              <a:satOff val="0"/>
+              <a:lumOff val="0"/>
+              <a:alphaOff val="0"/>
+            </a:schemeClr>
+          </a:solidFill>
+          <a:prstDash val="solid"/>
+        </a:ln>
+        <a:effectLst/>
+      </dsp:spPr>
+      <dsp:style>
+        <a:lnRef idx="2">
+          <a:scrgbClr r="0" g="0" b="0"/>
+        </a:lnRef>
+        <a:fillRef idx="1">
+          <a:scrgbClr r="0" g="0" b="0"/>
+        </a:fillRef>
+        <a:effectRef idx="0">
+          <a:scrgbClr r="0" g="0" b="0"/>
+        </a:effectRef>
+        <a:fontRef idx="minor">
+          <a:schemeClr val="lt1"/>
+        </a:fontRef>
+      </dsp:style>
+    </dsp:sp>
+    <dsp:sp modelId="{15E4C166-9805-4146-AC5A-F02C1704E3C6}">
+      <dsp:nvSpPr>
+        <dsp:cNvPr id="0" name=""/>
+        <dsp:cNvSpPr/>
+      </dsp:nvSpPr>
+      <dsp:spPr>
+        <a:xfrm>
+          <a:off x="2283051" y="249613"/>
+          <a:ext cx="180713" cy="180713"/>
+        </a:xfrm>
+        <a:prstGeom prst="rect">
+          <a:avLst/>
+        </a:prstGeom>
+        <a:noFill/>
+        <a:ln w="12700" cap="flat" cmpd="sng" algn="ctr">
+          <a:noFill/>
+          <a:prstDash val="solid"/>
+        </a:ln>
+        <a:effectLst/>
+      </dsp:spPr>
+      <dsp:style>
+        <a:lnRef idx="2">
+          <a:scrgbClr r="0" g="0" b="0"/>
+        </a:lnRef>
+        <a:fillRef idx="1">
+          <a:scrgbClr r="0" g="0" b="0"/>
+        </a:fillRef>
+        <a:effectRef idx="0">
+          <a:scrgbClr r="0" g="0" b="0"/>
+        </a:effectRef>
+        <a:fontRef idx="minor"/>
+      </dsp:style>
+    </dsp:sp>
+    <dsp:sp modelId="{14A7B955-4DD6-944B-A2A7-199379A3E207}">
+      <dsp:nvSpPr>
+        <dsp:cNvPr id="0" name=""/>
+        <dsp:cNvSpPr/>
+      </dsp:nvSpPr>
+      <dsp:spPr>
+        <a:xfrm>
+          <a:off x="1104" y="0"/>
+          <a:ext cx="2459901" cy="519884"/>
+        </a:xfrm>
+        <a:prstGeom prst="rect">
+          <a:avLst/>
+        </a:prstGeom>
+        <a:noFill/>
+        <a:ln>
+          <a:noFill/>
+        </a:ln>
+        <a:effectLst/>
+      </dsp:spPr>
+      <dsp:style>
+        <a:lnRef idx="0">
+          <a:scrgbClr r="0" g="0" b="0"/>
+        </a:lnRef>
+        <a:fillRef idx="0">
+          <a:scrgbClr r="0" g="0" b="0"/>
+        </a:fillRef>
+        <a:effectRef idx="0">
+          <a:scrgbClr r="0" g="0" b="0"/>
+        </a:effectRef>
+        <a:fontRef idx="minor"/>
+      </dsp:style>
+      <dsp:txBody>
+        <a:bodyPr spcFirstLastPara="0" vert="horz" wrap="square" lIns="34290" tIns="22860" rIns="34290" bIns="22860" numCol="1" spcCol="1270" anchor="ctr" anchorCtr="0">
+          <a:noAutofit/>
+        </a:bodyPr>
+        <a:lstStyle/>
+        <a:p>
+          <a:pPr marL="0" lvl="0" indent="0" algn="l" defTabSz="800100">
+            <a:lnSpc>
+              <a:spcPct val="90000"/>
+            </a:lnSpc>
+            <a:spcBef>
+              <a:spcPct val="0"/>
+            </a:spcBef>
+            <a:spcAft>
+              <a:spcPct val="35000"/>
+            </a:spcAft>
+            <a:buNone/>
+          </a:pPr>
+          <a:r>
+            <a:rPr lang="en-CA" sz="1800" b="0" i="0" u="none" kern="1200" dirty="0"/>
+            <a:t>Milestone 1: </a:t>
+          </a:r>
+        </a:p>
+        <a:p>
+          <a:pPr marL="0" lvl="0" indent="0" algn="l" defTabSz="800100">
+            <a:lnSpc>
+              <a:spcPct val="90000"/>
+            </a:lnSpc>
+            <a:spcBef>
+              <a:spcPct val="0"/>
+            </a:spcBef>
+            <a:spcAft>
+              <a:spcPct val="35000"/>
+            </a:spcAft>
+            <a:buNone/>
+          </a:pPr>
+          <a:r>
+            <a:rPr lang="en-CA" sz="1800" b="0" i="0" u="none" kern="1200" dirty="0"/>
+            <a:t>Foundation &amp; Architecture</a:t>
+          </a:r>
+          <a:endParaRPr lang="en-US" sz="1800" b="0" kern="1200" dirty="0"/>
+        </a:p>
+      </dsp:txBody>
+      <dsp:txXfrm>
+        <a:off x="1104" y="0"/>
+        <a:ext cx="2459901" cy="519884"/>
+      </dsp:txXfrm>
+    </dsp:sp>
+    <dsp:sp modelId="{382B6DB3-67B9-7642-A1D5-44104B9EBCA7}">
+      <dsp:nvSpPr>
+        <dsp:cNvPr id="0" name=""/>
+        <dsp:cNvSpPr/>
+      </dsp:nvSpPr>
+      <dsp:spPr>
+        <a:xfrm>
+          <a:off x="1104" y="1342053"/>
+          <a:ext cx="180708" cy="180708"/>
+        </a:xfrm>
+        <a:prstGeom prst="rect">
+          <a:avLst/>
+        </a:prstGeom>
+        <a:solidFill>
+          <a:schemeClr val="lt1">
+            <a:hueOff val="0"/>
+            <a:satOff val="0"/>
+            <a:lumOff val="0"/>
+            <a:alphaOff val="0"/>
+          </a:schemeClr>
+        </a:solidFill>
+        <a:ln w="12700" cap="flat" cmpd="sng" algn="ctr">
+          <a:solidFill>
+            <a:schemeClr val="accent1">
+              <a:hueOff val="0"/>
+              <a:satOff val="0"/>
+              <a:lumOff val="0"/>
+              <a:alphaOff val="0"/>
+            </a:schemeClr>
+          </a:solidFill>
+          <a:prstDash val="solid"/>
+        </a:ln>
+        <a:effectLst/>
+      </dsp:spPr>
+      <dsp:style>
+        <a:lnRef idx="2">
+          <a:scrgbClr r="0" g="0" b="0"/>
+        </a:lnRef>
+        <a:fillRef idx="1">
+          <a:scrgbClr r="0" g="0" b="0"/>
+        </a:fillRef>
+        <a:effectRef idx="0">
+          <a:scrgbClr r="0" g="0" b="0"/>
+        </a:effectRef>
+        <a:fontRef idx="minor"/>
+      </dsp:style>
+    </dsp:sp>
+    <dsp:sp modelId="{4914E794-E69E-984F-B156-F3F595FBDA97}">
+      <dsp:nvSpPr>
+        <dsp:cNvPr id="0" name=""/>
+        <dsp:cNvSpPr/>
+      </dsp:nvSpPr>
+      <dsp:spPr>
+        <a:xfrm>
+          <a:off x="173297" y="929546"/>
+          <a:ext cx="2287708" cy="1005722"/>
+        </a:xfrm>
+        <a:prstGeom prst="rect">
+          <a:avLst/>
+        </a:prstGeom>
+        <a:noFill/>
+        <a:ln>
+          <a:noFill/>
+        </a:ln>
+        <a:effectLst/>
+      </dsp:spPr>
+      <dsp:style>
+        <a:lnRef idx="0">
+          <a:scrgbClr r="0" g="0" b="0"/>
+        </a:lnRef>
+        <a:fillRef idx="0">
+          <a:scrgbClr r="0" g="0" b="0"/>
+        </a:fillRef>
+        <a:effectRef idx="0">
+          <a:scrgbClr r="0" g="0" b="0"/>
+        </a:effectRef>
+        <a:fontRef idx="minor"/>
+      </dsp:style>
+      <dsp:txBody>
+        <a:bodyPr spcFirstLastPara="0" vert="horz" wrap="square" lIns="99568" tIns="99568" rIns="99568" bIns="99568" numCol="1" spcCol="1270" anchor="ctr" anchorCtr="0">
+          <a:noAutofit/>
+        </a:bodyPr>
+        <a:lstStyle/>
+        <a:p>
+          <a:pPr marL="0" lvl="0" indent="0" algn="l" defTabSz="622300">
+            <a:lnSpc>
+              <a:spcPct val="90000"/>
+            </a:lnSpc>
+            <a:spcBef>
+              <a:spcPct val="0"/>
+            </a:spcBef>
+            <a:spcAft>
+              <a:spcPct val="35000"/>
+            </a:spcAft>
+            <a:buNone/>
+          </a:pPr>
+          <a:r>
+            <a:rPr lang="en-CA" sz="1400" b="0" i="0" u="none" kern="1200" dirty="0"/>
+            <a:t>Spring Boot MVC architecture + MySQL database integration</a:t>
+          </a:r>
+          <a:endParaRPr lang="en-US" sz="1400" kern="1200" dirty="0"/>
+        </a:p>
+      </dsp:txBody>
+      <dsp:txXfrm>
+        <a:off x="173297" y="929546"/>
+        <a:ext cx="2287708" cy="1005722"/>
+      </dsp:txXfrm>
+    </dsp:sp>
+    <dsp:sp modelId="{EE015DF7-5E86-1148-BB8E-F1328E80243C}">
+      <dsp:nvSpPr>
+        <dsp:cNvPr id="0" name=""/>
+        <dsp:cNvSpPr/>
+      </dsp:nvSpPr>
+      <dsp:spPr>
+        <a:xfrm>
+          <a:off x="1104" y="2347775"/>
+          <a:ext cx="180708" cy="180708"/>
+        </a:xfrm>
+        <a:prstGeom prst="rect">
+          <a:avLst/>
+        </a:prstGeom>
+        <a:solidFill>
+          <a:schemeClr val="lt1">
+            <a:hueOff val="0"/>
+            <a:satOff val="0"/>
+            <a:lumOff val="0"/>
+            <a:alphaOff val="0"/>
+          </a:schemeClr>
+        </a:solidFill>
+        <a:ln w="12700" cap="flat" cmpd="sng" algn="ctr">
+          <a:solidFill>
+            <a:schemeClr val="accent1">
+              <a:hueOff val="0"/>
+              <a:satOff val="0"/>
+              <a:lumOff val="0"/>
+              <a:alphaOff val="0"/>
+            </a:schemeClr>
+          </a:solidFill>
+          <a:prstDash val="solid"/>
+        </a:ln>
+        <a:effectLst/>
+      </dsp:spPr>
+      <dsp:style>
+        <a:lnRef idx="2">
+          <a:scrgbClr r="0" g="0" b="0"/>
+        </a:lnRef>
+        <a:fillRef idx="1">
+          <a:scrgbClr r="0" g="0" b="0"/>
+        </a:fillRef>
+        <a:effectRef idx="0">
+          <a:scrgbClr r="0" g="0" b="0"/>
+        </a:effectRef>
+        <a:fontRef idx="minor"/>
+      </dsp:style>
+    </dsp:sp>
+    <dsp:sp modelId="{3771DE76-0DAF-3A4F-A448-B508F963B314}">
+      <dsp:nvSpPr>
+        <dsp:cNvPr id="0" name=""/>
+        <dsp:cNvSpPr/>
+      </dsp:nvSpPr>
+      <dsp:spPr>
+        <a:xfrm>
+          <a:off x="173297" y="1935268"/>
+          <a:ext cx="2287708" cy="1005722"/>
+        </a:xfrm>
+        <a:prstGeom prst="rect">
+          <a:avLst/>
+        </a:prstGeom>
+        <a:noFill/>
+        <a:ln>
+          <a:noFill/>
+        </a:ln>
+        <a:effectLst/>
+      </dsp:spPr>
+      <dsp:style>
+        <a:lnRef idx="0">
+          <a:scrgbClr r="0" g="0" b="0"/>
+        </a:lnRef>
+        <a:fillRef idx="0">
+          <a:scrgbClr r="0" g="0" b="0"/>
+        </a:fillRef>
+        <a:effectRef idx="0">
+          <a:scrgbClr r="0" g="0" b="0"/>
+        </a:effectRef>
+        <a:fontRef idx="minor"/>
+      </dsp:style>
+      <dsp:txBody>
+        <a:bodyPr spcFirstLastPara="0" vert="horz" wrap="square" lIns="99568" tIns="99568" rIns="99568" bIns="99568" numCol="1" spcCol="1270" anchor="ctr" anchorCtr="0">
+          <a:noAutofit/>
+        </a:bodyPr>
+        <a:lstStyle/>
+        <a:p>
+          <a:pPr marL="0" lvl="0" indent="0" algn="l" defTabSz="622300">
+            <a:lnSpc>
+              <a:spcPct val="90000"/>
+            </a:lnSpc>
+            <a:spcBef>
+              <a:spcPct val="0"/>
+            </a:spcBef>
+            <a:spcAft>
+              <a:spcPct val="35000"/>
+            </a:spcAft>
+            <a:buNone/>
+          </a:pPr>
+          <a:r>
+            <a:rPr lang="en-CA" sz="1400" b="0" i="0" u="none" kern="1200" dirty="0"/>
+            <a:t>Core domain models + Design patterns implementation</a:t>
+          </a:r>
+          <a:endParaRPr lang="en-US" sz="1400" kern="1200" dirty="0"/>
+        </a:p>
+      </dsp:txBody>
+      <dsp:txXfrm>
+        <a:off x="173297" y="1935268"/>
+        <a:ext cx="2287708" cy="1005722"/>
+      </dsp:txXfrm>
+    </dsp:sp>
+    <dsp:sp modelId="{87CDCD78-41D4-C649-83AD-ADF4A21E0480}">
+      <dsp:nvSpPr>
+        <dsp:cNvPr id="0" name=""/>
+        <dsp:cNvSpPr/>
+      </dsp:nvSpPr>
+      <dsp:spPr>
+        <a:xfrm>
+          <a:off x="1161" y="3353498"/>
+          <a:ext cx="180708" cy="180708"/>
+        </a:xfrm>
+        <a:prstGeom prst="rect">
+          <a:avLst/>
+        </a:prstGeom>
+        <a:solidFill>
+          <a:schemeClr val="lt1">
+            <a:hueOff val="0"/>
+            <a:satOff val="0"/>
+            <a:lumOff val="0"/>
+            <a:alphaOff val="0"/>
+          </a:schemeClr>
+        </a:solidFill>
+        <a:ln w="12700" cap="flat" cmpd="sng" algn="ctr">
+          <a:solidFill>
+            <a:schemeClr val="accent1">
+              <a:hueOff val="0"/>
+              <a:satOff val="0"/>
+              <a:lumOff val="0"/>
+              <a:alphaOff val="0"/>
+            </a:schemeClr>
+          </a:solidFill>
+          <a:prstDash val="solid"/>
+        </a:ln>
+        <a:effectLst/>
+      </dsp:spPr>
+      <dsp:style>
+        <a:lnRef idx="2">
+          <a:scrgbClr r="0" g="0" b="0"/>
+        </a:lnRef>
+        <a:fillRef idx="1">
+          <a:scrgbClr r="0" g="0" b="0"/>
+        </a:fillRef>
+        <a:effectRef idx="0">
+          <a:scrgbClr r="0" g="0" b="0"/>
+        </a:effectRef>
+        <a:fontRef idx="minor"/>
+      </dsp:style>
+    </dsp:sp>
+    <dsp:sp modelId="{A50D16D6-321B-2449-B723-B40E216E0078}">
+      <dsp:nvSpPr>
+        <dsp:cNvPr id="0" name=""/>
+        <dsp:cNvSpPr/>
+      </dsp:nvSpPr>
+      <dsp:spPr>
+        <a:xfrm>
+          <a:off x="173411" y="2940991"/>
+          <a:ext cx="2287594" cy="1005722"/>
+        </a:xfrm>
+        <a:prstGeom prst="rect">
+          <a:avLst/>
+        </a:prstGeom>
+        <a:noFill/>
+        <a:ln>
+          <a:noFill/>
+        </a:ln>
+        <a:effectLst/>
+      </dsp:spPr>
+      <dsp:style>
+        <a:lnRef idx="0">
+          <a:scrgbClr r="0" g="0" b="0"/>
+        </a:lnRef>
+        <a:fillRef idx="0">
+          <a:scrgbClr r="0" g="0" b="0"/>
+        </a:fillRef>
+        <a:effectRef idx="0">
+          <a:scrgbClr r="0" g="0" b="0"/>
+        </a:effectRef>
+        <a:fontRef idx="minor"/>
+      </dsp:style>
+      <dsp:txBody>
+        <a:bodyPr spcFirstLastPara="0" vert="horz" wrap="square" lIns="99568" tIns="99568" rIns="99568" bIns="99568" numCol="1" spcCol="1270" anchor="ctr" anchorCtr="0">
+          <a:noAutofit/>
+        </a:bodyPr>
+        <a:lstStyle/>
+        <a:p>
+          <a:pPr marL="0" lvl="0" indent="0" algn="l" defTabSz="622300">
+            <a:lnSpc>
+              <a:spcPct val="90000"/>
+            </a:lnSpc>
+            <a:spcBef>
+              <a:spcPct val="0"/>
+            </a:spcBef>
+            <a:spcAft>
+              <a:spcPct val="35000"/>
+            </a:spcAft>
+            <a:buNone/>
+          </a:pPr>
+          <a:r>
+            <a:rPr lang="en-CA" sz="1400" b="0" i="0" u="none" kern="1200" dirty="0"/>
+            <a:t>CSV-based database seeding with functional interfaces</a:t>
+          </a:r>
+          <a:endParaRPr lang="en-US" sz="1400" kern="1200" dirty="0"/>
+        </a:p>
+      </dsp:txBody>
+      <dsp:txXfrm>
+        <a:off x="173411" y="2940991"/>
+        <a:ext cx="2287594" cy="1005722"/>
+      </dsp:txXfrm>
+    </dsp:sp>
+    <dsp:sp modelId="{4033D801-DA1F-2A41-9316-FFD7DA4BA8CF}">
+      <dsp:nvSpPr>
+        <dsp:cNvPr id="0" name=""/>
+        <dsp:cNvSpPr/>
+      </dsp:nvSpPr>
+      <dsp:spPr>
+        <a:xfrm flipV="1">
+          <a:off x="2586756" y="858034"/>
+          <a:ext cx="2459901" cy="43271"/>
+        </a:xfrm>
+        <a:prstGeom prst="rect">
+          <a:avLst/>
+        </a:prstGeom>
+        <a:solidFill>
+          <a:schemeClr val="accent1">
+            <a:hueOff val="0"/>
+            <a:satOff val="0"/>
+            <a:lumOff val="0"/>
+            <a:alphaOff val="0"/>
+          </a:schemeClr>
+        </a:solidFill>
+        <a:ln w="12700" cap="flat" cmpd="sng" algn="ctr">
+          <a:solidFill>
+            <a:schemeClr val="accent1">
+              <a:hueOff val="0"/>
+              <a:satOff val="0"/>
+              <a:lumOff val="0"/>
+              <a:alphaOff val="0"/>
+            </a:schemeClr>
+          </a:solidFill>
+          <a:prstDash val="solid"/>
+        </a:ln>
+        <a:effectLst/>
+      </dsp:spPr>
+      <dsp:style>
+        <a:lnRef idx="2">
+          <a:scrgbClr r="0" g="0" b="0"/>
+        </a:lnRef>
+        <a:fillRef idx="1">
+          <a:scrgbClr r="0" g="0" b="0"/>
+        </a:fillRef>
+        <a:effectRef idx="0">
+          <a:scrgbClr r="0" g="0" b="0"/>
+        </a:effectRef>
+        <a:fontRef idx="minor">
+          <a:schemeClr val="lt1"/>
+        </a:fontRef>
+      </dsp:style>
+    </dsp:sp>
+    <dsp:sp modelId="{68A88DFC-1490-3146-BD9D-6FA1D1E559FB}">
+      <dsp:nvSpPr>
+        <dsp:cNvPr id="0" name=""/>
+        <dsp:cNvSpPr/>
+      </dsp:nvSpPr>
+      <dsp:spPr>
+        <a:xfrm>
+          <a:off x="4865948" y="249613"/>
+          <a:ext cx="180713" cy="180713"/>
+        </a:xfrm>
+        <a:prstGeom prst="rect">
+          <a:avLst/>
+        </a:prstGeom>
+        <a:noFill/>
+        <a:ln w="12700" cap="flat" cmpd="sng" algn="ctr">
+          <a:noFill/>
+          <a:prstDash val="solid"/>
+        </a:ln>
+        <a:effectLst/>
+      </dsp:spPr>
+      <dsp:style>
+        <a:lnRef idx="2">
+          <a:scrgbClr r="0" g="0" b="0"/>
+        </a:lnRef>
+        <a:fillRef idx="1">
+          <a:scrgbClr r="0" g="0" b="0"/>
+        </a:fillRef>
+        <a:effectRef idx="0">
+          <a:scrgbClr r="0" g="0" b="0"/>
+        </a:effectRef>
+        <a:fontRef idx="minor"/>
+      </dsp:style>
+    </dsp:sp>
+    <dsp:sp modelId="{4C425286-3B5B-1B42-AA2F-71A52DE70BA9}">
+      <dsp:nvSpPr>
+        <dsp:cNvPr id="0" name=""/>
+        <dsp:cNvSpPr/>
+      </dsp:nvSpPr>
+      <dsp:spPr>
+        <a:xfrm>
+          <a:off x="2584000" y="0"/>
+          <a:ext cx="2459901" cy="519884"/>
+        </a:xfrm>
+        <a:prstGeom prst="rect">
+          <a:avLst/>
+        </a:prstGeom>
+        <a:noFill/>
+        <a:ln>
+          <a:noFill/>
+        </a:ln>
+        <a:effectLst/>
+      </dsp:spPr>
+      <dsp:style>
+        <a:lnRef idx="0">
+          <a:scrgbClr r="0" g="0" b="0"/>
+        </a:lnRef>
+        <a:fillRef idx="0">
+          <a:scrgbClr r="0" g="0" b="0"/>
+        </a:fillRef>
+        <a:effectRef idx="0">
+          <a:scrgbClr r="0" g="0" b="0"/>
+        </a:effectRef>
+        <a:fontRef idx="minor"/>
+      </dsp:style>
+      <dsp:txBody>
+        <a:bodyPr spcFirstLastPara="0" vert="horz" wrap="square" lIns="34290" tIns="22860" rIns="34290" bIns="22860" numCol="1" spcCol="1270" anchor="ctr" anchorCtr="0">
+          <a:noAutofit/>
+        </a:bodyPr>
+        <a:lstStyle/>
+        <a:p>
+          <a:pPr marL="0" lvl="0" indent="0" algn="l" defTabSz="800100">
+            <a:lnSpc>
+              <a:spcPct val="90000"/>
+            </a:lnSpc>
+            <a:spcBef>
+              <a:spcPct val="0"/>
+            </a:spcBef>
+            <a:spcAft>
+              <a:spcPct val="35000"/>
+            </a:spcAft>
+            <a:buNone/>
+          </a:pPr>
+          <a:r>
+            <a:rPr lang="en-CA" sz="1800" b="0" i="0" u="none" kern="1200" dirty="0"/>
+            <a:t>Milestone 2: </a:t>
+          </a:r>
+        </a:p>
+        <a:p>
+          <a:pPr marL="0" lvl="0" indent="0" algn="l" defTabSz="800100">
+            <a:lnSpc>
+              <a:spcPct val="90000"/>
+            </a:lnSpc>
+            <a:spcBef>
+              <a:spcPct val="0"/>
+            </a:spcBef>
+            <a:spcAft>
+              <a:spcPct val="35000"/>
+            </a:spcAft>
+            <a:buNone/>
+          </a:pPr>
+          <a:r>
+            <a:rPr lang="en-CA" sz="1800" b="0" i="0" u="none" kern="1200" dirty="0"/>
+            <a:t>Business Logic &amp; API Development</a:t>
+          </a:r>
+          <a:endParaRPr lang="en-US" sz="1800" kern="1200" dirty="0"/>
+        </a:p>
+      </dsp:txBody>
+      <dsp:txXfrm>
+        <a:off x="2584000" y="0"/>
+        <a:ext cx="2459901" cy="519884"/>
+      </dsp:txXfrm>
+    </dsp:sp>
+    <dsp:sp modelId="{A1C3D80A-2230-E84F-B83B-0C8C25265F4E}">
+      <dsp:nvSpPr>
+        <dsp:cNvPr id="0" name=""/>
+        <dsp:cNvSpPr/>
+      </dsp:nvSpPr>
+      <dsp:spPr>
+        <a:xfrm>
+          <a:off x="2584000" y="1338797"/>
+          <a:ext cx="180708" cy="180708"/>
+        </a:xfrm>
+        <a:prstGeom prst="rect">
+          <a:avLst/>
+        </a:prstGeom>
+        <a:solidFill>
+          <a:schemeClr val="lt1">
+            <a:hueOff val="0"/>
+            <a:satOff val="0"/>
+            <a:lumOff val="0"/>
+            <a:alphaOff val="0"/>
+          </a:schemeClr>
+        </a:solidFill>
+        <a:ln w="12700" cap="flat" cmpd="sng" algn="ctr">
+          <a:solidFill>
+            <a:schemeClr val="accent1">
+              <a:hueOff val="0"/>
+              <a:satOff val="0"/>
+              <a:lumOff val="0"/>
+              <a:alphaOff val="0"/>
+            </a:schemeClr>
+          </a:solidFill>
+          <a:prstDash val="solid"/>
+        </a:ln>
+        <a:effectLst/>
+      </dsp:spPr>
+      <dsp:style>
+        <a:lnRef idx="2">
+          <a:scrgbClr r="0" g="0" b="0"/>
+        </a:lnRef>
+        <a:fillRef idx="1">
+          <a:scrgbClr r="0" g="0" b="0"/>
+        </a:fillRef>
+        <a:effectRef idx="0">
+          <a:scrgbClr r="0" g="0" b="0"/>
+        </a:effectRef>
+        <a:fontRef idx="minor"/>
+      </dsp:style>
+    </dsp:sp>
+    <dsp:sp modelId="{4641C0AF-11BA-D94D-96B3-36B1A6D5B0F2}">
+      <dsp:nvSpPr>
+        <dsp:cNvPr id="0" name=""/>
+        <dsp:cNvSpPr/>
+      </dsp:nvSpPr>
+      <dsp:spPr>
+        <a:xfrm>
+          <a:off x="2756194" y="929546"/>
+          <a:ext cx="2287708" cy="999210"/>
+        </a:xfrm>
+        <a:prstGeom prst="rect">
+          <a:avLst/>
+        </a:prstGeom>
+        <a:noFill/>
+        <a:ln>
+          <a:noFill/>
+        </a:ln>
+        <a:effectLst/>
+      </dsp:spPr>
+      <dsp:style>
+        <a:lnRef idx="0">
+          <a:scrgbClr r="0" g="0" b="0"/>
+        </a:lnRef>
+        <a:fillRef idx="0">
+          <a:scrgbClr r="0" g="0" b="0"/>
+        </a:fillRef>
+        <a:effectRef idx="0">
+          <a:scrgbClr r="0" g="0" b="0"/>
+        </a:effectRef>
+        <a:fontRef idx="minor"/>
+      </dsp:style>
+      <dsp:txBody>
+        <a:bodyPr spcFirstLastPara="0" vert="horz" wrap="square" lIns="99568" tIns="99568" rIns="99568" bIns="99568" numCol="1" spcCol="1270" anchor="ctr" anchorCtr="0">
+          <a:noAutofit/>
+        </a:bodyPr>
+        <a:lstStyle/>
+        <a:p>
+          <a:pPr marL="0" lvl="0" indent="0" algn="l" defTabSz="622300">
+            <a:lnSpc>
+              <a:spcPct val="90000"/>
+            </a:lnSpc>
+            <a:spcBef>
+              <a:spcPct val="0"/>
+            </a:spcBef>
+            <a:spcAft>
+              <a:spcPct val="35000"/>
+            </a:spcAft>
+            <a:buNone/>
+          </a:pPr>
+          <a:r>
+            <a:rPr lang="en-CA" sz="1400" b="0" i="0" u="none" kern="1200" dirty="0"/>
+            <a:t>Complete REST API controllers and services for all entities</a:t>
+          </a:r>
+          <a:endParaRPr lang="en-US" sz="1400" kern="1200" dirty="0"/>
+        </a:p>
+      </dsp:txBody>
+      <dsp:txXfrm>
+        <a:off x="2756194" y="929546"/>
+        <a:ext cx="2287708" cy="999210"/>
+      </dsp:txXfrm>
+    </dsp:sp>
+    <dsp:sp modelId="{F6D175E4-D95F-2B45-BF8F-FB12911817A3}">
+      <dsp:nvSpPr>
+        <dsp:cNvPr id="0" name=""/>
+        <dsp:cNvSpPr/>
+      </dsp:nvSpPr>
+      <dsp:spPr>
+        <a:xfrm>
+          <a:off x="2584000" y="2338007"/>
+          <a:ext cx="180708" cy="180708"/>
+        </a:xfrm>
+        <a:prstGeom prst="rect">
+          <a:avLst/>
+        </a:prstGeom>
+        <a:solidFill>
+          <a:schemeClr val="lt1">
+            <a:hueOff val="0"/>
+            <a:satOff val="0"/>
+            <a:lumOff val="0"/>
+            <a:alphaOff val="0"/>
+          </a:schemeClr>
+        </a:solidFill>
+        <a:ln w="12700" cap="flat" cmpd="sng" algn="ctr">
+          <a:solidFill>
+            <a:schemeClr val="accent1">
+              <a:hueOff val="0"/>
+              <a:satOff val="0"/>
+              <a:lumOff val="0"/>
+              <a:alphaOff val="0"/>
+            </a:schemeClr>
+          </a:solidFill>
+          <a:prstDash val="solid"/>
+        </a:ln>
+        <a:effectLst/>
+      </dsp:spPr>
+      <dsp:style>
+        <a:lnRef idx="2">
+          <a:scrgbClr r="0" g="0" b="0"/>
+        </a:lnRef>
+        <a:fillRef idx="1">
+          <a:scrgbClr r="0" g="0" b="0"/>
+        </a:fillRef>
+        <a:effectRef idx="0">
+          <a:scrgbClr r="0" g="0" b="0"/>
+        </a:effectRef>
+        <a:fontRef idx="minor"/>
+      </dsp:style>
+    </dsp:sp>
+    <dsp:sp modelId="{6BC39EEB-87A3-6742-92FF-CEC4C0D36CB9}">
+      <dsp:nvSpPr>
+        <dsp:cNvPr id="0" name=""/>
+        <dsp:cNvSpPr/>
+      </dsp:nvSpPr>
+      <dsp:spPr>
+        <a:xfrm>
+          <a:off x="2756194" y="1928756"/>
+          <a:ext cx="2287708" cy="999210"/>
+        </a:xfrm>
+        <a:prstGeom prst="rect">
+          <a:avLst/>
+        </a:prstGeom>
+        <a:noFill/>
+        <a:ln>
+          <a:noFill/>
+        </a:ln>
+        <a:effectLst/>
+      </dsp:spPr>
+      <dsp:style>
+        <a:lnRef idx="0">
+          <a:scrgbClr r="0" g="0" b="0"/>
+        </a:lnRef>
+        <a:fillRef idx="0">
+          <a:scrgbClr r="0" g="0" b="0"/>
+        </a:fillRef>
+        <a:effectRef idx="0">
+          <a:scrgbClr r="0" g="0" b="0"/>
+        </a:effectRef>
+        <a:fontRef idx="minor"/>
+      </dsp:style>
+      <dsp:txBody>
+        <a:bodyPr spcFirstLastPara="0" vert="horz" wrap="square" lIns="99568" tIns="99568" rIns="99568" bIns="99568" numCol="1" spcCol="1270" anchor="ctr" anchorCtr="0">
+          <a:noAutofit/>
+        </a:bodyPr>
+        <a:lstStyle/>
+        <a:p>
+          <a:pPr marL="0" lvl="0" indent="0" algn="l" defTabSz="622300">
+            <a:lnSpc>
+              <a:spcPct val="90000"/>
+            </a:lnSpc>
+            <a:spcBef>
+              <a:spcPct val="0"/>
+            </a:spcBef>
+            <a:spcAft>
+              <a:spcPct val="35000"/>
+            </a:spcAft>
+            <a:buNone/>
+          </a:pPr>
+          <a:r>
+            <a:rPr lang="en-CA" sz="1400" b="0" i="0" u="none" kern="1200" dirty="0"/>
+            <a:t>Implemented DTO pattern for request/response separation and validation</a:t>
+          </a:r>
+          <a:endParaRPr lang="en-US" sz="1400" kern="1200" dirty="0"/>
+        </a:p>
+      </dsp:txBody>
+      <dsp:txXfrm>
+        <a:off x="2756194" y="1928756"/>
+        <a:ext cx="2287708" cy="999210"/>
+      </dsp:txXfrm>
+    </dsp:sp>
+    <dsp:sp modelId="{A555F3E9-9DF7-6B45-89ED-8AD79D4EEDB8}">
+      <dsp:nvSpPr>
+        <dsp:cNvPr id="0" name=""/>
+        <dsp:cNvSpPr/>
+      </dsp:nvSpPr>
+      <dsp:spPr>
+        <a:xfrm>
+          <a:off x="2584000" y="3337217"/>
+          <a:ext cx="180708" cy="180708"/>
+        </a:xfrm>
+        <a:prstGeom prst="rect">
+          <a:avLst/>
+        </a:prstGeom>
+        <a:solidFill>
+          <a:schemeClr val="lt1">
+            <a:hueOff val="0"/>
+            <a:satOff val="0"/>
+            <a:lumOff val="0"/>
+            <a:alphaOff val="0"/>
+          </a:schemeClr>
+        </a:solidFill>
+        <a:ln w="12700" cap="flat" cmpd="sng" algn="ctr">
+          <a:solidFill>
+            <a:schemeClr val="accent1">
+              <a:hueOff val="0"/>
+              <a:satOff val="0"/>
+              <a:lumOff val="0"/>
+              <a:alphaOff val="0"/>
+            </a:schemeClr>
+          </a:solidFill>
+          <a:prstDash val="solid"/>
+        </a:ln>
+        <a:effectLst/>
+      </dsp:spPr>
+      <dsp:style>
+        <a:lnRef idx="2">
+          <a:scrgbClr r="0" g="0" b="0"/>
+        </a:lnRef>
+        <a:fillRef idx="1">
+          <a:scrgbClr r="0" g="0" b="0"/>
+        </a:fillRef>
+        <a:effectRef idx="0">
+          <a:scrgbClr r="0" g="0" b="0"/>
+        </a:effectRef>
+        <a:fontRef idx="minor"/>
+      </dsp:style>
+    </dsp:sp>
+    <dsp:sp modelId="{8A4A78D2-0214-E448-9721-C8166B6EDDD5}">
+      <dsp:nvSpPr>
+        <dsp:cNvPr id="0" name=""/>
+        <dsp:cNvSpPr/>
+      </dsp:nvSpPr>
+      <dsp:spPr>
+        <a:xfrm>
+          <a:off x="2756194" y="2927966"/>
+          <a:ext cx="2287708" cy="999210"/>
+        </a:xfrm>
+        <a:prstGeom prst="rect">
+          <a:avLst/>
+        </a:prstGeom>
+        <a:noFill/>
+        <a:ln>
+          <a:noFill/>
+        </a:ln>
+        <a:effectLst/>
+      </dsp:spPr>
+      <dsp:style>
+        <a:lnRef idx="0">
+          <a:scrgbClr r="0" g="0" b="0"/>
+        </a:lnRef>
+        <a:fillRef idx="0">
+          <a:scrgbClr r="0" g="0" b="0"/>
+        </a:fillRef>
+        <a:effectRef idx="0">
+          <a:scrgbClr r="0" g="0" b="0"/>
+        </a:effectRef>
+        <a:fontRef idx="minor"/>
+      </dsp:style>
+      <dsp:txBody>
+        <a:bodyPr spcFirstLastPara="0" vert="horz" wrap="square" lIns="99568" tIns="99568" rIns="99568" bIns="99568" numCol="1" spcCol="1270" anchor="ctr" anchorCtr="0">
+          <a:noAutofit/>
+        </a:bodyPr>
+        <a:lstStyle/>
+        <a:p>
+          <a:pPr marL="0" lvl="0" indent="0" algn="l" defTabSz="622300">
+            <a:lnSpc>
+              <a:spcPct val="90000"/>
+            </a:lnSpc>
+            <a:spcBef>
+              <a:spcPct val="0"/>
+            </a:spcBef>
+            <a:spcAft>
+              <a:spcPct val="35000"/>
+            </a:spcAft>
+            <a:buNone/>
+          </a:pPr>
+          <a:r>
+            <a:rPr lang="en-CA" sz="1400" b="0" i="0" u="none" kern="1200" dirty="0"/>
+            <a:t>Established global exception handling and custom exception classes</a:t>
+          </a:r>
+          <a:endParaRPr lang="en-US" sz="1400" kern="1200" dirty="0"/>
+        </a:p>
+      </dsp:txBody>
+      <dsp:txXfrm>
+        <a:off x="2756194" y="2927966"/>
+        <a:ext cx="2287708" cy="999210"/>
+      </dsp:txXfrm>
+    </dsp:sp>
+    <dsp:sp modelId="{7EEC05C6-E111-0E43-B1F1-E1F0480DF73D}">
+      <dsp:nvSpPr>
+        <dsp:cNvPr id="0" name=""/>
+        <dsp:cNvSpPr/>
+      </dsp:nvSpPr>
+      <dsp:spPr>
+        <a:xfrm flipV="1">
+          <a:off x="5169652" y="858034"/>
+          <a:ext cx="2459901" cy="43271"/>
+        </a:xfrm>
+        <a:prstGeom prst="rect">
+          <a:avLst/>
+        </a:prstGeom>
+        <a:solidFill>
+          <a:schemeClr val="accent1">
+            <a:hueOff val="0"/>
+            <a:satOff val="0"/>
+            <a:lumOff val="0"/>
+            <a:alphaOff val="0"/>
+          </a:schemeClr>
+        </a:solidFill>
+        <a:ln w="12700" cap="flat" cmpd="sng" algn="ctr">
+          <a:solidFill>
+            <a:schemeClr val="accent1">
+              <a:hueOff val="0"/>
+              <a:satOff val="0"/>
+              <a:lumOff val="0"/>
+              <a:alphaOff val="0"/>
+            </a:schemeClr>
+          </a:solidFill>
+          <a:prstDash val="solid"/>
+        </a:ln>
+        <a:effectLst/>
+      </dsp:spPr>
+      <dsp:style>
+        <a:lnRef idx="2">
+          <a:scrgbClr r="0" g="0" b="0"/>
+        </a:lnRef>
+        <a:fillRef idx="1">
+          <a:scrgbClr r="0" g="0" b="0"/>
+        </a:fillRef>
+        <a:effectRef idx="0">
+          <a:scrgbClr r="0" g="0" b="0"/>
+        </a:effectRef>
+        <a:fontRef idx="minor">
+          <a:schemeClr val="lt1"/>
+        </a:fontRef>
+      </dsp:style>
+    </dsp:sp>
+    <dsp:sp modelId="{1852FA24-0E0F-9E4A-A0B3-39C9B0248D24}">
+      <dsp:nvSpPr>
+        <dsp:cNvPr id="0" name=""/>
+        <dsp:cNvSpPr/>
+      </dsp:nvSpPr>
+      <dsp:spPr>
+        <a:xfrm>
+          <a:off x="7448845" y="249613"/>
+          <a:ext cx="180713" cy="180713"/>
+        </a:xfrm>
+        <a:prstGeom prst="rect">
+          <a:avLst/>
+        </a:prstGeom>
+        <a:noFill/>
+        <a:ln w="12700" cap="flat" cmpd="sng" algn="ctr">
+          <a:noFill/>
+          <a:prstDash val="solid"/>
+        </a:ln>
+        <a:effectLst/>
+      </dsp:spPr>
+      <dsp:style>
+        <a:lnRef idx="2">
+          <a:scrgbClr r="0" g="0" b="0"/>
+        </a:lnRef>
+        <a:fillRef idx="1">
+          <a:scrgbClr r="0" g="0" b="0"/>
+        </a:fillRef>
+        <a:effectRef idx="0">
+          <a:scrgbClr r="0" g="0" b="0"/>
+        </a:effectRef>
+        <a:fontRef idx="minor"/>
+      </dsp:style>
+    </dsp:sp>
+    <dsp:sp modelId="{3FBF60B1-DB64-D845-B558-55CF1A5F754A}">
+      <dsp:nvSpPr>
+        <dsp:cNvPr id="0" name=""/>
+        <dsp:cNvSpPr/>
+      </dsp:nvSpPr>
+      <dsp:spPr>
+        <a:xfrm>
+          <a:off x="5166897" y="0"/>
+          <a:ext cx="2459901" cy="519884"/>
+        </a:xfrm>
+        <a:prstGeom prst="rect">
+          <a:avLst/>
+        </a:prstGeom>
+        <a:noFill/>
+        <a:ln>
+          <a:noFill/>
+        </a:ln>
+        <a:effectLst/>
+      </dsp:spPr>
+      <dsp:style>
+        <a:lnRef idx="0">
+          <a:scrgbClr r="0" g="0" b="0"/>
+        </a:lnRef>
+        <a:fillRef idx="0">
+          <a:scrgbClr r="0" g="0" b="0"/>
+        </a:fillRef>
+        <a:effectRef idx="0">
+          <a:scrgbClr r="0" g="0" b="0"/>
+        </a:effectRef>
+        <a:fontRef idx="minor"/>
+      </dsp:style>
+      <dsp:txBody>
+        <a:bodyPr spcFirstLastPara="0" vert="horz" wrap="square" lIns="34290" tIns="22860" rIns="34290" bIns="22860" numCol="1" spcCol="1270" anchor="ctr" anchorCtr="0">
+          <a:noAutofit/>
+        </a:bodyPr>
+        <a:lstStyle/>
+        <a:p>
+          <a:pPr marL="0" lvl="0" indent="0" algn="l" defTabSz="800100">
+            <a:lnSpc>
+              <a:spcPct val="90000"/>
+            </a:lnSpc>
+            <a:spcBef>
+              <a:spcPct val="0"/>
+            </a:spcBef>
+            <a:spcAft>
+              <a:spcPct val="35000"/>
+            </a:spcAft>
+            <a:buNone/>
+          </a:pPr>
+          <a:r>
+            <a:rPr lang="en-CA" sz="1800" b="0" i="0" u="none" kern="1200" dirty="0"/>
+            <a:t>Milestone 3: </a:t>
+          </a:r>
+        </a:p>
+        <a:p>
+          <a:pPr marL="0" lvl="0" indent="0" algn="l" defTabSz="800100">
+            <a:lnSpc>
+              <a:spcPct val="90000"/>
+            </a:lnSpc>
+            <a:spcBef>
+              <a:spcPct val="0"/>
+            </a:spcBef>
+            <a:spcAft>
+              <a:spcPct val="35000"/>
+            </a:spcAft>
+            <a:buNone/>
+          </a:pPr>
+          <a:r>
+            <a:rPr lang="en-CA" sz="1800" b="0" i="0" u="none" kern="1200" dirty="0"/>
+            <a:t>Frontend Integration &amp; Core Features</a:t>
+          </a:r>
+          <a:endParaRPr lang="en-US" sz="1800" kern="1200" dirty="0"/>
+        </a:p>
+      </dsp:txBody>
+      <dsp:txXfrm>
+        <a:off x="5166897" y="0"/>
+        <a:ext cx="2459901" cy="519884"/>
+      </dsp:txXfrm>
+    </dsp:sp>
+    <dsp:sp modelId="{25F2F0C9-DBB1-6943-AF56-05F87BBF480C}">
+      <dsp:nvSpPr>
+        <dsp:cNvPr id="0" name=""/>
+        <dsp:cNvSpPr/>
+      </dsp:nvSpPr>
+      <dsp:spPr>
+        <a:xfrm>
+          <a:off x="5166897" y="1338797"/>
+          <a:ext cx="180708" cy="180708"/>
+        </a:xfrm>
+        <a:prstGeom prst="rect">
+          <a:avLst/>
+        </a:prstGeom>
+        <a:solidFill>
+          <a:schemeClr val="lt1">
+            <a:hueOff val="0"/>
+            <a:satOff val="0"/>
+            <a:lumOff val="0"/>
+            <a:alphaOff val="0"/>
+          </a:schemeClr>
+        </a:solidFill>
+        <a:ln w="12700" cap="flat" cmpd="sng" algn="ctr">
+          <a:solidFill>
+            <a:schemeClr val="accent1">
+              <a:hueOff val="0"/>
+              <a:satOff val="0"/>
+              <a:lumOff val="0"/>
+              <a:alphaOff val="0"/>
+            </a:schemeClr>
+          </a:solidFill>
+          <a:prstDash val="solid"/>
+        </a:ln>
+        <a:effectLst/>
+      </dsp:spPr>
+      <dsp:style>
+        <a:lnRef idx="2">
+          <a:scrgbClr r="0" g="0" b="0"/>
+        </a:lnRef>
+        <a:fillRef idx="1">
+          <a:scrgbClr r="0" g="0" b="0"/>
+        </a:fillRef>
+        <a:effectRef idx="0">
+          <a:scrgbClr r="0" g="0" b="0"/>
+        </a:effectRef>
+        <a:fontRef idx="minor"/>
+      </dsp:style>
+    </dsp:sp>
+    <dsp:sp modelId="{85428028-20CF-9D4A-9274-2A9EA28A1A76}">
+      <dsp:nvSpPr>
+        <dsp:cNvPr id="0" name=""/>
+        <dsp:cNvSpPr/>
+      </dsp:nvSpPr>
+      <dsp:spPr>
+        <a:xfrm>
+          <a:off x="5339090" y="929546"/>
+          <a:ext cx="2287708" cy="999210"/>
+        </a:xfrm>
+        <a:prstGeom prst="rect">
+          <a:avLst/>
+        </a:prstGeom>
+        <a:noFill/>
+        <a:ln>
+          <a:noFill/>
+        </a:ln>
+        <a:effectLst/>
+      </dsp:spPr>
+      <dsp:style>
+        <a:lnRef idx="0">
+          <a:scrgbClr r="0" g="0" b="0"/>
+        </a:lnRef>
+        <a:fillRef idx="0">
+          <a:scrgbClr r="0" g="0" b="0"/>
+        </a:fillRef>
+        <a:effectRef idx="0">
+          <a:scrgbClr r="0" g="0" b="0"/>
+        </a:effectRef>
+        <a:fontRef idx="minor"/>
+      </dsp:style>
+      <dsp:txBody>
+        <a:bodyPr spcFirstLastPara="0" vert="horz" wrap="square" lIns="99568" tIns="99568" rIns="99568" bIns="99568" numCol="1" spcCol="1270" anchor="ctr" anchorCtr="0">
+          <a:noAutofit/>
+        </a:bodyPr>
+        <a:lstStyle/>
+        <a:p>
+          <a:pPr marL="0" lvl="0" indent="0" algn="l" defTabSz="622300">
+            <a:lnSpc>
+              <a:spcPct val="90000"/>
+            </a:lnSpc>
+            <a:spcBef>
+              <a:spcPct val="0"/>
+            </a:spcBef>
+            <a:spcAft>
+              <a:spcPct val="35000"/>
+            </a:spcAft>
+            <a:buNone/>
+          </a:pPr>
+          <a:r>
+            <a:rPr lang="en-CA" sz="1400" b="0" i="0" u="none" kern="1200" dirty="0"/>
+            <a:t>Integrated JWT authentication and backend endpoints  with React frontend</a:t>
+          </a:r>
+          <a:endParaRPr lang="en-US" sz="1400" kern="1200" dirty="0"/>
+        </a:p>
+      </dsp:txBody>
+      <dsp:txXfrm>
+        <a:off x="5339090" y="929546"/>
+        <a:ext cx="2287708" cy="999210"/>
+      </dsp:txXfrm>
+    </dsp:sp>
+    <dsp:sp modelId="{3BDF4809-F0B1-4149-90E3-FFF1DEADCBF8}">
+      <dsp:nvSpPr>
+        <dsp:cNvPr id="0" name=""/>
+        <dsp:cNvSpPr/>
+      </dsp:nvSpPr>
+      <dsp:spPr>
+        <a:xfrm>
+          <a:off x="5166897" y="2338007"/>
+          <a:ext cx="180708" cy="180708"/>
+        </a:xfrm>
+        <a:prstGeom prst="rect">
+          <a:avLst/>
+        </a:prstGeom>
+        <a:solidFill>
+          <a:schemeClr val="lt1">
+            <a:hueOff val="0"/>
+            <a:satOff val="0"/>
+            <a:lumOff val="0"/>
+            <a:alphaOff val="0"/>
+          </a:schemeClr>
+        </a:solidFill>
+        <a:ln w="12700" cap="flat" cmpd="sng" algn="ctr">
+          <a:solidFill>
+            <a:schemeClr val="accent1">
+              <a:hueOff val="0"/>
+              <a:satOff val="0"/>
+              <a:lumOff val="0"/>
+              <a:alphaOff val="0"/>
+            </a:schemeClr>
+          </a:solidFill>
+          <a:prstDash val="solid"/>
+        </a:ln>
+        <a:effectLst/>
+      </dsp:spPr>
+      <dsp:style>
+        <a:lnRef idx="2">
+          <a:scrgbClr r="0" g="0" b="0"/>
+        </a:lnRef>
+        <a:fillRef idx="1">
+          <a:scrgbClr r="0" g="0" b="0"/>
+        </a:fillRef>
+        <a:effectRef idx="0">
+          <a:scrgbClr r="0" g="0" b="0"/>
+        </a:effectRef>
+        <a:fontRef idx="minor"/>
+      </dsp:style>
+    </dsp:sp>
+    <dsp:sp modelId="{3545379C-0634-F04D-9784-0A00141EE881}">
+      <dsp:nvSpPr>
+        <dsp:cNvPr id="0" name=""/>
+        <dsp:cNvSpPr/>
+      </dsp:nvSpPr>
+      <dsp:spPr>
+        <a:xfrm>
+          <a:off x="5339090" y="1928756"/>
+          <a:ext cx="2287708" cy="999210"/>
+        </a:xfrm>
+        <a:prstGeom prst="rect">
+          <a:avLst/>
+        </a:prstGeom>
+        <a:noFill/>
+        <a:ln>
+          <a:noFill/>
+        </a:ln>
+        <a:effectLst/>
+      </dsp:spPr>
+      <dsp:style>
+        <a:lnRef idx="0">
+          <a:scrgbClr r="0" g="0" b="0"/>
+        </a:lnRef>
+        <a:fillRef idx="0">
+          <a:scrgbClr r="0" g="0" b="0"/>
+        </a:fillRef>
+        <a:effectRef idx="0">
+          <a:scrgbClr r="0" g="0" b="0"/>
+        </a:effectRef>
+        <a:fontRef idx="minor"/>
+      </dsp:style>
+      <dsp:txBody>
+        <a:bodyPr spcFirstLastPara="0" vert="horz" wrap="square" lIns="99568" tIns="99568" rIns="99568" bIns="99568" numCol="1" spcCol="1270" anchor="ctr" anchorCtr="0">
+          <a:noAutofit/>
+        </a:bodyPr>
+        <a:lstStyle/>
+        <a:p>
+          <a:pPr marL="0" lvl="0" indent="0" algn="l" defTabSz="622300">
+            <a:lnSpc>
+              <a:spcPct val="90000"/>
+            </a:lnSpc>
+            <a:spcBef>
+              <a:spcPct val="0"/>
+            </a:spcBef>
+            <a:spcAft>
+              <a:spcPct val="35000"/>
+            </a:spcAft>
+            <a:buNone/>
+          </a:pPr>
+          <a:r>
+            <a:rPr lang="en-CA" sz="1400" b="0" i="0" u="none" kern="1200" dirty="0"/>
+            <a:t>Built responsive layouts with role-based navigation (Employer/Employee views)</a:t>
+          </a:r>
+          <a:endParaRPr lang="en-US" sz="1400" kern="1200" dirty="0"/>
+        </a:p>
+      </dsp:txBody>
+      <dsp:txXfrm>
+        <a:off x="5339090" y="1928756"/>
+        <a:ext cx="2287708" cy="999210"/>
+      </dsp:txXfrm>
+    </dsp:sp>
+    <dsp:sp modelId="{2F245FEF-5268-3843-ADA6-2DB4D7096259}">
+      <dsp:nvSpPr>
+        <dsp:cNvPr id="0" name=""/>
+        <dsp:cNvSpPr/>
+      </dsp:nvSpPr>
+      <dsp:spPr>
+        <a:xfrm>
+          <a:off x="5166897" y="3337200"/>
+          <a:ext cx="180708" cy="180708"/>
+        </a:xfrm>
+        <a:prstGeom prst="rect">
+          <a:avLst/>
+        </a:prstGeom>
+        <a:solidFill>
+          <a:schemeClr val="lt1">
+            <a:hueOff val="0"/>
+            <a:satOff val="0"/>
+            <a:lumOff val="0"/>
+            <a:alphaOff val="0"/>
+          </a:schemeClr>
+        </a:solidFill>
+        <a:ln w="12700" cap="flat" cmpd="sng" algn="ctr">
+          <a:solidFill>
+            <a:schemeClr val="accent1">
+              <a:hueOff val="0"/>
+              <a:satOff val="0"/>
+              <a:lumOff val="0"/>
+              <a:alphaOff val="0"/>
+            </a:schemeClr>
+          </a:solidFill>
+          <a:prstDash val="solid"/>
+        </a:ln>
+        <a:effectLst/>
+      </dsp:spPr>
+      <dsp:style>
+        <a:lnRef idx="2">
+          <a:scrgbClr r="0" g="0" b="0"/>
+        </a:lnRef>
+        <a:fillRef idx="1">
+          <a:scrgbClr r="0" g="0" b="0"/>
+        </a:fillRef>
+        <a:effectRef idx="0">
+          <a:scrgbClr r="0" g="0" b="0"/>
+        </a:effectRef>
+        <a:fontRef idx="minor"/>
+      </dsp:style>
+    </dsp:sp>
+    <dsp:sp modelId="{269CB9FA-8C20-EA48-A861-58CCB56B8F4E}">
+      <dsp:nvSpPr>
+        <dsp:cNvPr id="0" name=""/>
+        <dsp:cNvSpPr/>
+      </dsp:nvSpPr>
+      <dsp:spPr>
+        <a:xfrm>
+          <a:off x="5339090" y="2927966"/>
+          <a:ext cx="2287708" cy="999176"/>
+        </a:xfrm>
+        <a:prstGeom prst="rect">
+          <a:avLst/>
+        </a:prstGeom>
+        <a:noFill/>
+        <a:ln>
+          <a:noFill/>
+        </a:ln>
+        <a:effectLst/>
+      </dsp:spPr>
+      <dsp:style>
+        <a:lnRef idx="0">
+          <a:scrgbClr r="0" g="0" b="0"/>
+        </a:lnRef>
+        <a:fillRef idx="0">
+          <a:scrgbClr r="0" g="0" b="0"/>
+        </a:fillRef>
+        <a:effectRef idx="0">
+          <a:scrgbClr r="0" g="0" b="0"/>
+        </a:effectRef>
+        <a:fontRef idx="minor"/>
+      </dsp:style>
+      <dsp:txBody>
+        <a:bodyPr spcFirstLastPara="0" vert="horz" wrap="square" lIns="99568" tIns="99568" rIns="99568" bIns="99568" numCol="1" spcCol="1270" anchor="ctr" anchorCtr="0">
+          <a:noAutofit/>
+        </a:bodyPr>
+        <a:lstStyle/>
+        <a:p>
+          <a:pPr marL="0" lvl="0" indent="0" algn="l" defTabSz="622300">
+            <a:lnSpc>
+              <a:spcPct val="90000"/>
+            </a:lnSpc>
+            <a:spcBef>
+              <a:spcPct val="0"/>
+            </a:spcBef>
+            <a:spcAft>
+              <a:spcPct val="35000"/>
+            </a:spcAft>
+            <a:buNone/>
+          </a:pPr>
+          <a:r>
+            <a:rPr lang="en-CA" sz="1400" b="0" i="0" u="none" kern="1200" dirty="0"/>
+            <a:t>Established reusable component library (Card, Badge, Button) and custom hooks</a:t>
+          </a:r>
+          <a:endParaRPr lang="en-US" sz="1400" kern="1200" dirty="0"/>
+        </a:p>
+      </dsp:txBody>
+      <dsp:txXfrm>
+        <a:off x="5339090" y="2927966"/>
+        <a:ext cx="2287708" cy="999176"/>
+      </dsp:txXfrm>
+    </dsp:sp>
+    <dsp:sp modelId="{FCEDA940-577E-9E46-9588-B9714525B1D3}">
+      <dsp:nvSpPr>
+        <dsp:cNvPr id="0" name=""/>
+        <dsp:cNvSpPr/>
+      </dsp:nvSpPr>
+      <dsp:spPr>
+        <a:xfrm flipV="1">
+          <a:off x="7750898" y="858034"/>
+          <a:ext cx="2459901" cy="43271"/>
+        </a:xfrm>
+        <a:prstGeom prst="rect">
+          <a:avLst/>
+        </a:prstGeom>
+        <a:solidFill>
+          <a:schemeClr val="accent1">
+            <a:hueOff val="0"/>
+            <a:satOff val="0"/>
+            <a:lumOff val="0"/>
+            <a:alphaOff val="0"/>
+          </a:schemeClr>
+        </a:solidFill>
+        <a:ln w="12700" cap="flat" cmpd="sng" algn="ctr">
+          <a:solidFill>
+            <a:schemeClr val="accent1">
+              <a:hueOff val="0"/>
+              <a:satOff val="0"/>
+              <a:lumOff val="0"/>
+              <a:alphaOff val="0"/>
+            </a:schemeClr>
+          </a:solidFill>
+          <a:prstDash val="solid"/>
+        </a:ln>
+        <a:effectLst/>
+      </dsp:spPr>
+      <dsp:style>
+        <a:lnRef idx="2">
+          <a:scrgbClr r="0" g="0" b="0"/>
+        </a:lnRef>
+        <a:fillRef idx="1">
+          <a:scrgbClr r="0" g="0" b="0"/>
+        </a:fillRef>
+        <a:effectRef idx="0">
+          <a:scrgbClr r="0" g="0" b="0"/>
+        </a:effectRef>
+        <a:fontRef idx="minor">
+          <a:schemeClr val="lt1"/>
+        </a:fontRef>
+      </dsp:style>
+    </dsp:sp>
+    <dsp:sp modelId="{6B05C14A-3B7D-7147-8BC0-4DF1A1C42235}">
+      <dsp:nvSpPr>
+        <dsp:cNvPr id="0" name=""/>
+        <dsp:cNvSpPr/>
+      </dsp:nvSpPr>
+      <dsp:spPr>
+        <a:xfrm>
+          <a:off x="10030086" y="249613"/>
+          <a:ext cx="180713" cy="180713"/>
+        </a:xfrm>
+        <a:prstGeom prst="rect">
+          <a:avLst/>
+        </a:prstGeom>
+        <a:noFill/>
+        <a:ln w="12700" cap="flat" cmpd="sng" algn="ctr">
+          <a:noFill/>
+          <a:prstDash val="solid"/>
+        </a:ln>
+        <a:effectLst/>
+      </dsp:spPr>
+      <dsp:style>
+        <a:lnRef idx="2">
+          <a:scrgbClr r="0" g="0" b="0"/>
+        </a:lnRef>
+        <a:fillRef idx="1">
+          <a:scrgbClr r="0" g="0" b="0"/>
+        </a:fillRef>
+        <a:effectRef idx="0">
+          <a:scrgbClr r="0" g="0" b="0"/>
+        </a:effectRef>
+        <a:fontRef idx="minor"/>
+      </dsp:style>
+    </dsp:sp>
+    <dsp:sp modelId="{293913E1-D279-6B48-B2EA-B30207BF146F}">
+      <dsp:nvSpPr>
+        <dsp:cNvPr id="0" name=""/>
+        <dsp:cNvSpPr/>
+      </dsp:nvSpPr>
+      <dsp:spPr>
+        <a:xfrm>
+          <a:off x="7749794" y="0"/>
+          <a:ext cx="2459901" cy="519884"/>
+        </a:xfrm>
+        <a:prstGeom prst="rect">
+          <a:avLst/>
+        </a:prstGeom>
+        <a:noFill/>
+        <a:ln>
+          <a:noFill/>
+        </a:ln>
+        <a:effectLst/>
+      </dsp:spPr>
+      <dsp:style>
+        <a:lnRef idx="0">
+          <a:scrgbClr r="0" g="0" b="0"/>
+        </a:lnRef>
+        <a:fillRef idx="0">
+          <a:scrgbClr r="0" g="0" b="0"/>
+        </a:fillRef>
+        <a:effectRef idx="0">
+          <a:scrgbClr r="0" g="0" b="0"/>
+        </a:effectRef>
+        <a:fontRef idx="minor"/>
+      </dsp:style>
+      <dsp:txBody>
+        <a:bodyPr spcFirstLastPara="0" vert="horz" wrap="square" lIns="34290" tIns="22860" rIns="34290" bIns="22860" numCol="1" spcCol="1270" anchor="ctr" anchorCtr="0">
+          <a:noAutofit/>
+        </a:bodyPr>
+        <a:lstStyle/>
+        <a:p>
+          <a:pPr marL="0" lvl="0" indent="0" algn="l" defTabSz="800100">
+            <a:lnSpc>
+              <a:spcPct val="90000"/>
+            </a:lnSpc>
+            <a:spcBef>
+              <a:spcPct val="0"/>
+            </a:spcBef>
+            <a:spcAft>
+              <a:spcPct val="35000"/>
+            </a:spcAft>
+            <a:buNone/>
+          </a:pPr>
+          <a:r>
+            <a:rPr lang="en-CA" sz="1800" b="0" i="0" u="none" kern="1200" dirty="0"/>
+            <a:t>Milestone 4:</a:t>
+          </a:r>
+        </a:p>
+        <a:p>
+          <a:pPr marL="0" lvl="0" indent="0" algn="l" defTabSz="800100">
+            <a:lnSpc>
+              <a:spcPct val="90000"/>
+            </a:lnSpc>
+            <a:spcBef>
+              <a:spcPct val="0"/>
+            </a:spcBef>
+            <a:spcAft>
+              <a:spcPct val="35000"/>
+            </a:spcAft>
+            <a:buNone/>
+          </a:pPr>
+          <a:r>
+            <a:rPr lang="en-CA" sz="1800" b="0" i="0" u="none" kern="1200" dirty="0"/>
+            <a:t>Advanced Features &amp; Polish</a:t>
+          </a:r>
+          <a:endParaRPr lang="en-US" sz="1800" kern="1200" dirty="0"/>
+        </a:p>
+      </dsp:txBody>
+      <dsp:txXfrm>
+        <a:off x="7749794" y="0"/>
+        <a:ext cx="2459901" cy="519884"/>
+      </dsp:txXfrm>
+    </dsp:sp>
+    <dsp:sp modelId="{650EAB57-DB6E-2E45-830E-A1054F37F5CD}">
+      <dsp:nvSpPr>
+        <dsp:cNvPr id="0" name=""/>
+        <dsp:cNvSpPr/>
+      </dsp:nvSpPr>
+      <dsp:spPr>
+        <a:xfrm>
+          <a:off x="7749794" y="1338797"/>
+          <a:ext cx="180708" cy="180708"/>
+        </a:xfrm>
+        <a:prstGeom prst="rect">
+          <a:avLst/>
+        </a:prstGeom>
+        <a:solidFill>
+          <a:schemeClr val="lt1">
+            <a:hueOff val="0"/>
+            <a:satOff val="0"/>
+            <a:lumOff val="0"/>
+            <a:alphaOff val="0"/>
+          </a:schemeClr>
+        </a:solidFill>
+        <a:ln w="12700" cap="flat" cmpd="sng" algn="ctr">
+          <a:solidFill>
+            <a:schemeClr val="accent1">
+              <a:hueOff val="0"/>
+              <a:satOff val="0"/>
+              <a:lumOff val="0"/>
+              <a:alphaOff val="0"/>
+            </a:schemeClr>
+          </a:solidFill>
+          <a:prstDash val="solid"/>
+        </a:ln>
+        <a:effectLst/>
+      </dsp:spPr>
+      <dsp:style>
+        <a:lnRef idx="2">
+          <a:scrgbClr r="0" g="0" b="0"/>
+        </a:lnRef>
+        <a:fillRef idx="1">
+          <a:scrgbClr r="0" g="0" b="0"/>
+        </a:fillRef>
+        <a:effectRef idx="0">
+          <a:scrgbClr r="0" g="0" b="0"/>
+        </a:effectRef>
+        <a:fontRef idx="minor"/>
+      </dsp:style>
+    </dsp:sp>
+    <dsp:sp modelId="{82C1BD92-1065-284C-84FA-0B66572711A5}">
+      <dsp:nvSpPr>
+        <dsp:cNvPr id="0" name=""/>
+        <dsp:cNvSpPr/>
+      </dsp:nvSpPr>
+      <dsp:spPr>
+        <a:xfrm>
+          <a:off x="7921987" y="929546"/>
+          <a:ext cx="2287708" cy="999210"/>
+        </a:xfrm>
+        <a:prstGeom prst="rect">
+          <a:avLst/>
+        </a:prstGeom>
+        <a:noFill/>
+        <a:ln>
+          <a:noFill/>
+        </a:ln>
+        <a:effectLst/>
+      </dsp:spPr>
+      <dsp:style>
+        <a:lnRef idx="0">
+          <a:scrgbClr r="0" g="0" b="0"/>
+        </a:lnRef>
+        <a:fillRef idx="0">
+          <a:scrgbClr r="0" g="0" b="0"/>
+        </a:fillRef>
+        <a:effectRef idx="0">
+          <a:scrgbClr r="0" g="0" b="0"/>
+        </a:effectRef>
+        <a:fontRef idx="minor"/>
+      </dsp:style>
+      <dsp:txBody>
+        <a:bodyPr spcFirstLastPara="0" vert="horz" wrap="square" lIns="99568" tIns="99568" rIns="99568" bIns="99568" numCol="1" spcCol="1270" anchor="ctr" anchorCtr="0">
+          <a:noAutofit/>
+        </a:bodyPr>
+        <a:lstStyle/>
+        <a:p>
+          <a:pPr marL="0" lvl="0" indent="0" algn="l" defTabSz="622300">
+            <a:lnSpc>
+              <a:spcPct val="90000"/>
+            </a:lnSpc>
+            <a:spcBef>
+              <a:spcPct val="0"/>
+            </a:spcBef>
+            <a:spcAft>
+              <a:spcPct val="35000"/>
+            </a:spcAft>
+            <a:buNone/>
+          </a:pPr>
+          <a:r>
+            <a:rPr lang="en-CA" sz="1400" b="0" i="0" u="none" kern="1200" dirty="0"/>
+            <a:t>Enhanced dashboards with real-time statistics and interactive visualizations</a:t>
+          </a:r>
+          <a:endParaRPr lang="en-US" sz="1400" kern="1200" dirty="0"/>
+        </a:p>
+      </dsp:txBody>
+      <dsp:txXfrm>
+        <a:off x="7921987" y="929546"/>
+        <a:ext cx="2287708" cy="999210"/>
+      </dsp:txXfrm>
+    </dsp:sp>
+    <dsp:sp modelId="{62D84D53-81F4-A844-9104-EF15A2697B61}">
+      <dsp:nvSpPr>
+        <dsp:cNvPr id="0" name=""/>
+        <dsp:cNvSpPr/>
+      </dsp:nvSpPr>
+      <dsp:spPr>
+        <a:xfrm>
+          <a:off x="7749794" y="2338007"/>
+          <a:ext cx="180708" cy="180708"/>
+        </a:xfrm>
+        <a:prstGeom prst="rect">
+          <a:avLst/>
+        </a:prstGeom>
+        <a:solidFill>
+          <a:schemeClr val="lt1">
+            <a:hueOff val="0"/>
+            <a:satOff val="0"/>
+            <a:lumOff val="0"/>
+            <a:alphaOff val="0"/>
+          </a:schemeClr>
+        </a:solidFill>
+        <a:ln w="12700" cap="flat" cmpd="sng" algn="ctr">
+          <a:solidFill>
+            <a:schemeClr val="accent1">
+              <a:hueOff val="0"/>
+              <a:satOff val="0"/>
+              <a:lumOff val="0"/>
+              <a:alphaOff val="0"/>
+            </a:schemeClr>
+          </a:solidFill>
+          <a:prstDash val="solid"/>
+        </a:ln>
+        <a:effectLst/>
+      </dsp:spPr>
+      <dsp:style>
+        <a:lnRef idx="2">
+          <a:scrgbClr r="0" g="0" b="0"/>
+        </a:lnRef>
+        <a:fillRef idx="1">
+          <a:scrgbClr r="0" g="0" b="0"/>
+        </a:fillRef>
+        <a:effectRef idx="0">
+          <a:scrgbClr r="0" g="0" b="0"/>
+        </a:effectRef>
+        <a:fontRef idx="minor"/>
+      </dsp:style>
+    </dsp:sp>
+    <dsp:sp modelId="{94ACD19A-7C27-974E-BF50-B424DA827679}">
+      <dsp:nvSpPr>
+        <dsp:cNvPr id="0" name=""/>
+        <dsp:cNvSpPr/>
+      </dsp:nvSpPr>
+      <dsp:spPr>
+        <a:xfrm>
+          <a:off x="7921987" y="1928756"/>
+          <a:ext cx="2287708" cy="999210"/>
+        </a:xfrm>
+        <a:prstGeom prst="rect">
+          <a:avLst/>
+        </a:prstGeom>
+        <a:noFill/>
+        <a:ln>
+          <a:noFill/>
+        </a:ln>
+        <a:effectLst/>
+      </dsp:spPr>
+      <dsp:style>
+        <a:lnRef idx="0">
+          <a:scrgbClr r="0" g="0" b="0"/>
+        </a:lnRef>
+        <a:fillRef idx="0">
+          <a:scrgbClr r="0" g="0" b="0"/>
+        </a:fillRef>
+        <a:effectRef idx="0">
+          <a:scrgbClr r="0" g="0" b="0"/>
+        </a:effectRef>
+        <a:fontRef idx="minor"/>
+      </dsp:style>
+      <dsp:txBody>
+        <a:bodyPr spcFirstLastPara="0" vert="horz" wrap="square" lIns="99568" tIns="99568" rIns="99568" bIns="99568" numCol="1" spcCol="1270" anchor="ctr" anchorCtr="0">
+          <a:noAutofit/>
+        </a:bodyPr>
+        <a:lstStyle/>
+        <a:p>
+          <a:pPr marL="0" lvl="0" indent="0" algn="l" defTabSz="622300">
+            <a:lnSpc>
+              <a:spcPct val="90000"/>
+            </a:lnSpc>
+            <a:spcBef>
+              <a:spcPct val="0"/>
+            </a:spcBef>
+            <a:spcAft>
+              <a:spcPct val="35000"/>
+            </a:spcAft>
+            <a:buNone/>
+          </a:pPr>
+          <a:r>
+            <a:rPr lang="en-CA" sz="1400" b="0" i="0" u="none" kern="1200" dirty="0"/>
+            <a:t>Developed interactive company hierarchy tree with search and department grouping</a:t>
+          </a:r>
+          <a:endParaRPr lang="en-US" sz="1400" kern="1200" dirty="0"/>
+        </a:p>
+      </dsp:txBody>
+      <dsp:txXfrm>
+        <a:off x="7921987" y="1928756"/>
+        <a:ext cx="2287708" cy="999210"/>
+      </dsp:txXfrm>
+    </dsp:sp>
+    <dsp:sp modelId="{F7C25027-8464-5642-AD05-FC6F45327F5A}">
+      <dsp:nvSpPr>
+        <dsp:cNvPr id="0" name=""/>
+        <dsp:cNvSpPr/>
+      </dsp:nvSpPr>
+      <dsp:spPr>
+        <a:xfrm>
+          <a:off x="7749794" y="3337217"/>
+          <a:ext cx="180708" cy="180708"/>
+        </a:xfrm>
+        <a:prstGeom prst="rect">
+          <a:avLst/>
+        </a:prstGeom>
+        <a:solidFill>
+          <a:schemeClr val="lt1">
+            <a:hueOff val="0"/>
+            <a:satOff val="0"/>
+            <a:lumOff val="0"/>
+            <a:alphaOff val="0"/>
+          </a:schemeClr>
+        </a:solidFill>
+        <a:ln w="12700" cap="flat" cmpd="sng" algn="ctr">
+          <a:solidFill>
+            <a:schemeClr val="accent1">
+              <a:hueOff val="0"/>
+              <a:satOff val="0"/>
+              <a:lumOff val="0"/>
+              <a:alphaOff val="0"/>
+            </a:schemeClr>
+          </a:solidFill>
+          <a:prstDash val="solid"/>
+        </a:ln>
+        <a:effectLst/>
+      </dsp:spPr>
+      <dsp:style>
+        <a:lnRef idx="2">
+          <a:scrgbClr r="0" g="0" b="0"/>
+        </a:lnRef>
+        <a:fillRef idx="1">
+          <a:scrgbClr r="0" g="0" b="0"/>
+        </a:fillRef>
+        <a:effectRef idx="0">
+          <a:scrgbClr r="0" g="0" b="0"/>
+        </a:effectRef>
+        <a:fontRef idx="minor"/>
+      </dsp:style>
+    </dsp:sp>
+    <dsp:sp modelId="{B1D092E4-E218-7640-A274-B1163A85FCB7}">
+      <dsp:nvSpPr>
+        <dsp:cNvPr id="0" name=""/>
+        <dsp:cNvSpPr/>
+      </dsp:nvSpPr>
+      <dsp:spPr>
+        <a:xfrm>
+          <a:off x="7921987" y="2927966"/>
+          <a:ext cx="2287708" cy="999210"/>
+        </a:xfrm>
+        <a:prstGeom prst="rect">
+          <a:avLst/>
+        </a:prstGeom>
+        <a:noFill/>
+        <a:ln>
+          <a:noFill/>
+        </a:ln>
+        <a:effectLst/>
+      </dsp:spPr>
+      <dsp:style>
+        <a:lnRef idx="0">
+          <a:scrgbClr r="0" g="0" b="0"/>
+        </a:lnRef>
+        <a:fillRef idx="0">
+          <a:scrgbClr r="0" g="0" b="0"/>
+        </a:fillRef>
+        <a:effectRef idx="0">
+          <a:scrgbClr r="0" g="0" b="0"/>
+        </a:effectRef>
+        <a:fontRef idx="minor"/>
+      </dsp:style>
+      <dsp:txBody>
+        <a:bodyPr spcFirstLastPara="0" vert="horz" wrap="square" lIns="99568" tIns="99568" rIns="99568" bIns="99568" numCol="1" spcCol="1270" anchor="ctr" anchorCtr="0">
+          <a:noAutofit/>
+        </a:bodyPr>
+        <a:lstStyle/>
+        <a:p>
+          <a:pPr marL="0" lvl="0" indent="0" algn="l" defTabSz="622300">
+            <a:lnSpc>
+              <a:spcPct val="90000"/>
+            </a:lnSpc>
+            <a:spcBef>
+              <a:spcPct val="0"/>
+            </a:spcBef>
+            <a:spcAft>
+              <a:spcPct val="35000"/>
+            </a:spcAft>
+            <a:buNone/>
+          </a:pPr>
+          <a:r>
+            <a:rPr lang="en-US" sz="1400" kern="1200" dirty="0"/>
+            <a:t>Robust testing for Service classes</a:t>
+          </a:r>
+        </a:p>
+      </dsp:txBody>
+      <dsp:txXfrm>
+        <a:off x="7921987" y="2927966"/>
+        <a:ext cx="2287708" cy="999210"/>
       </dsp:txXfrm>
     </dsp:sp>
   </dsp:spTree>
@@ -1644,6 +5882,394 @@
 </dgm:layoutDef>
 </file>
 
+<file path=ppt/diagrams/layout2.xml><?xml version="1.0" encoding="utf-8"?>
+<dgm:layoutDef xmlns:dgm="http://schemas.openxmlformats.org/drawingml/2006/diagram" xmlns:a="http://schemas.openxmlformats.org/drawingml/2006/main" uniqueId="urn:microsoft.com/office/officeart/2008/layout/SquareAccentList">
+  <dgm:title val=""/>
+  <dgm:desc val=""/>
+  <dgm:catLst>
+    <dgm:cat type="list" pri="5500"/>
+  </dgm:catLst>
+  <dgm:sampData>
+    <dgm:dataModel>
+      <dgm:ptLst>
+        <dgm:pt modelId="0" type="doc"/>
+        <dgm:pt modelId="10">
+          <dgm:prSet phldr="1"/>
+        </dgm:pt>
+        <dgm:pt modelId="11">
+          <dgm:prSet phldr="1"/>
+        </dgm:pt>
+        <dgm:pt modelId="12">
+          <dgm:prSet phldr="1"/>
+        </dgm:pt>
+        <dgm:pt modelId="13">
+          <dgm:prSet phldr="1"/>
+        </dgm:pt>
+        <dgm:pt modelId="20">
+          <dgm:prSet phldr="1"/>
+        </dgm:pt>
+        <dgm:pt modelId="21">
+          <dgm:prSet phldr="1"/>
+        </dgm:pt>
+        <dgm:pt modelId="22">
+          <dgm:prSet phldr="1"/>
+        </dgm:pt>
+        <dgm:pt modelId="23">
+          <dgm:prSet phldr="1"/>
+        </dgm:pt>
+      </dgm:ptLst>
+      <dgm:cxnLst>
+        <dgm:cxn modelId="1" srcId="0" destId="10" srcOrd="0" destOrd="0"/>
+        <dgm:cxn modelId="2" srcId="10" destId="11" srcOrd="0" destOrd="0"/>
+        <dgm:cxn modelId="3" srcId="10" destId="12" srcOrd="1" destOrd="0"/>
+        <dgm:cxn modelId="4" srcId="10" destId="13" srcOrd="2" destOrd="0"/>
+        <dgm:cxn modelId="5" srcId="0" destId="20" srcOrd="0" destOrd="0"/>
+        <dgm:cxn modelId="6" srcId="20" destId="21" srcOrd="0" destOrd="0"/>
+        <dgm:cxn modelId="7" srcId="20" destId="22" srcOrd="1" destOrd="0"/>
+        <dgm:cxn modelId="8" srcId="20" destId="23" srcOrd="2" destOrd="0"/>
+      </dgm:cxnLst>
+      <dgm:bg/>
+      <dgm:whole/>
+    </dgm:dataModel>
+  </dgm:sampData>
+  <dgm:styleData>
+    <dgm:dataModel>
+      <dgm:ptLst>
+        <dgm:pt modelId="0" type="doc"/>
+        <dgm:pt modelId="10">
+          <dgm:prSet phldr="1"/>
+        </dgm:pt>
+        <dgm:pt modelId="11">
+          <dgm:prSet phldr="1"/>
+        </dgm:pt>
+        <dgm:pt modelId="12">
+          <dgm:prSet phldr="1"/>
+        </dgm:pt>
+        <dgm:pt modelId="13">
+          <dgm:prSet phldr="1"/>
+        </dgm:pt>
+        <dgm:pt modelId="20">
+          <dgm:prSet phldr="1"/>
+        </dgm:pt>
+        <dgm:pt modelId="21">
+          <dgm:prSet phldr="1"/>
+        </dgm:pt>
+        <dgm:pt modelId="22">
+          <dgm:prSet phldr="1"/>
+        </dgm:pt>
+        <dgm:pt modelId="23">
+          <dgm:prSet phldr="1"/>
+        </dgm:pt>
+      </dgm:ptLst>
+      <dgm:cxnLst>
+        <dgm:cxn modelId="1" srcId="0" destId="10" srcOrd="0" destOrd="0"/>
+        <dgm:cxn modelId="2" srcId="10" destId="11" srcOrd="0" destOrd="0"/>
+        <dgm:cxn modelId="3" srcId="10" destId="12" srcOrd="1" destOrd="0"/>
+        <dgm:cxn modelId="4" srcId="10" destId="13" srcOrd="2" destOrd="0"/>
+        <dgm:cxn modelId="5" srcId="0" destId="20" srcOrd="0" destOrd="0"/>
+        <dgm:cxn modelId="6" srcId="20" destId="21" srcOrd="0" destOrd="0"/>
+        <dgm:cxn modelId="7" srcId="20" destId="22" srcOrd="1" destOrd="0"/>
+        <dgm:cxn modelId="8" srcId="20" destId="23" srcOrd="2" destOrd="0"/>
+      </dgm:cxnLst>
+      <dgm:bg/>
+      <dgm:whole/>
+    </dgm:dataModel>
+  </dgm:styleData>
+  <dgm:clrData>
+    <dgm:dataModel>
+      <dgm:ptLst>
+        <dgm:pt modelId="0" type="doc"/>
+        <dgm:pt modelId="10">
+          <dgm:prSet phldr="1"/>
+        </dgm:pt>
+        <dgm:pt modelId="11">
+          <dgm:prSet phldr="1"/>
+        </dgm:pt>
+        <dgm:pt modelId="12">
+          <dgm:prSet phldr="1"/>
+        </dgm:pt>
+        <dgm:pt modelId="13">
+          <dgm:prSet phldr="1"/>
+        </dgm:pt>
+        <dgm:pt modelId="20">
+          <dgm:prSet phldr="1"/>
+        </dgm:pt>
+        <dgm:pt modelId="21">
+          <dgm:prSet phldr="1"/>
+        </dgm:pt>
+        <dgm:pt modelId="22">
+          <dgm:prSet phldr="1"/>
+        </dgm:pt>
+        <dgm:pt modelId="23">
+          <dgm:prSet phldr="1"/>
+        </dgm:pt>
+      </dgm:ptLst>
+      <dgm:cxnLst>
+        <dgm:cxn modelId="1" srcId="0" destId="10" srcOrd="0" destOrd="0"/>
+        <dgm:cxn modelId="2" srcId="10" destId="11" srcOrd="0" destOrd="0"/>
+        <dgm:cxn modelId="3" srcId="10" destId="12" srcOrd="1" destOrd="0"/>
+        <dgm:cxn modelId="4" srcId="10" destId="13" srcOrd="2" destOrd="0"/>
+        <dgm:cxn modelId="5" srcId="0" destId="20" srcOrd="0" destOrd="0"/>
+        <dgm:cxn modelId="6" srcId="20" destId="21" srcOrd="0" destOrd="0"/>
+        <dgm:cxn modelId="7" srcId="20" destId="22" srcOrd="1" destOrd="0"/>
+        <dgm:cxn modelId="8" srcId="20" destId="23" srcOrd="2" destOrd="0"/>
+      </dgm:cxnLst>
+      <dgm:bg/>
+      <dgm:whole/>
+    </dgm:dataModel>
+  </dgm:clrData>
+  <dgm:layoutNode name="layout">
+    <dgm:varLst>
+      <dgm:chMax/>
+      <dgm:chPref/>
+      <dgm:dir/>
+      <dgm:resizeHandles/>
+    </dgm:varLst>
+    <dgm:choose name="Name0">
+      <dgm:if name="Name1" func="var" arg="dir" op="equ" val="norm">
+        <dgm:alg type="hierChild">
+          <dgm:param type="linDir" val="fromL"/>
+          <dgm:param type="vertAlign" val="t"/>
+          <dgm:param type="nodeVertAlign" val="t"/>
+          <dgm:param type="horzAlign" val="ctr"/>
+          <dgm:param type="fallback" val="1D"/>
+        </dgm:alg>
+      </dgm:if>
+      <dgm:else name="Name2">
+        <dgm:alg type="hierChild">
+          <dgm:param type="linDir" val="fromR"/>
+          <dgm:param type="vertAlign" val="t"/>
+          <dgm:param type="nodeVertAlign" val="t"/>
+          <dgm:param type="horzAlign" val="ctr"/>
+          <dgm:param type="fallback" val="1D"/>
+        </dgm:alg>
+      </dgm:else>
+    </dgm:choose>
+    <dgm:shape xmlns:r="http://schemas.openxmlformats.org/officeDocument/2006/relationships" r:blip="">
+      <dgm:adjLst/>
+    </dgm:shape>
+    <dgm:presOf/>
+    <dgm:constrLst>
+      <dgm:constr type="primFontSz" for="des" forName="Parent" op="equ" val="65"/>
+      <dgm:constr type="primFontSz" for="des" forName="Child" op="equ" val="65"/>
+      <dgm:constr type="primFontSz" for="des" forName="Child" refType="primFontSz" refFor="des" refForName="Parent" op="lte"/>
+      <dgm:constr type="w" for="des" forName="rootComposite" refType="h" refFor="des" refForName="rootComposite" fact="3.0396"/>
+      <dgm:constr type="h" for="des" forName="rootComposite" refType="h"/>
+      <dgm:constr type="w" for="des" forName="childComposite" refType="w" refFor="des" refForName="rootComposite"/>
+      <dgm:constr type="h" for="des" forName="childComposite" refType="h" refFor="des" refForName="rootComposite" fact="0.5205"/>
+      <dgm:constr type="sibSp" refType="w" refFor="des" refForName="rootComposite" fact="0.05"/>
+      <dgm:constr type="sp" for="des" forName="root" refType="h" refFor="des" refForName="childComposite" fact="0.2855"/>
+    </dgm:constrLst>
+    <dgm:ruleLst/>
+    <dgm:forEach name="Name3" axis="ch">
+      <dgm:forEach name="Name4" axis="self" ptType="node" cnt="1">
+        <dgm:layoutNode name="root">
+          <dgm:varLst>
+            <dgm:chMax/>
+            <dgm:chPref/>
+          </dgm:varLst>
+          <dgm:alg type="hierRoot">
+            <dgm:param type="hierAlign" val="tL"/>
+          </dgm:alg>
+          <dgm:shape xmlns:r="http://schemas.openxmlformats.org/officeDocument/2006/relationships" r:blip="">
+            <dgm:adjLst/>
+          </dgm:shape>
+          <dgm:presOf/>
+          <dgm:constrLst/>
+          <dgm:ruleLst/>
+          <dgm:layoutNode name="rootComposite">
+            <dgm:varLst/>
+            <dgm:alg type="composite"/>
+            <dgm:shape xmlns:r="http://schemas.openxmlformats.org/officeDocument/2006/relationships" r:blip="">
+              <dgm:adjLst/>
+            </dgm:shape>
+            <dgm:presOf axis="self" ptType="node" cnt="1"/>
+            <dgm:choose name="Name5">
+              <dgm:if name="Name6" func="var" arg="dir" op="equ" val="norm">
+                <dgm:constrLst>
+                  <dgm:constr type="l" for="ch" forName="Parent" refType="w" fact="0"/>
+                  <dgm:constr type="t" for="ch" forName="Parent" refType="h" fact="0"/>
+                  <dgm:constr type="w" for="ch" forName="Parent" refType="w"/>
+                  <dgm:constr type="h" for="ch" forName="Parent" refType="h" fact="0.6424"/>
+                  <dgm:constr type="l" for="ch" forName="ParentAccent" refType="w" fact="0"/>
+                  <dgm:constr type="b" for="ch" forName="ParentAccent" refType="h"/>
+                  <dgm:constr type="w" for="ch" forName="ParentAccent" refType="w"/>
+                  <dgm:constr type="h" for="ch" forName="ParentAccent" refType="h" fact="0.3576"/>
+                  <dgm:constr type="l" for="ch" forName="ParentSmallAccent" refType="w" fact="0"/>
+                  <dgm:constr type="b" for="ch" forName="ParentSmallAccent" refType="h"/>
+                  <dgm:constr type="w" for="ch" forName="ParentSmallAccent" refType="h" fact="0.2233"/>
+                  <dgm:constr type="h" for="ch" forName="ParentSmallAccent" refType="h" fact="0.2233"/>
+                </dgm:constrLst>
+              </dgm:if>
+              <dgm:else name="Name7">
+                <dgm:constrLst>
+                  <dgm:constr type="l" for="ch" forName="Parent" refType="w" fact="0"/>
+                  <dgm:constr type="t" for="ch" forName="Parent" refType="h" fact="0"/>
+                  <dgm:constr type="w" for="ch" forName="Parent" refType="w"/>
+                  <dgm:constr type="h" for="ch" forName="Parent" refType="h" fact="0.6424"/>
+                  <dgm:constr type="l" for="ch" forName="ParentAccent" refType="w" fact="0"/>
+                  <dgm:constr type="b" for="ch" forName="ParentAccent" refType="h"/>
+                  <dgm:constr type="w" for="ch" forName="ParentAccent" refType="w"/>
+                  <dgm:constr type="h" for="ch" forName="ParentAccent" refType="h" fact="0.3576"/>
+                  <dgm:constr type="r" for="ch" forName="ParentSmallAccent" refType="w"/>
+                  <dgm:constr type="b" for="ch" forName="ParentSmallAccent" refType="h"/>
+                  <dgm:constr type="w" for="ch" forName="ParentSmallAccent" refType="h" fact="0.2233"/>
+                  <dgm:constr type="h" for="ch" forName="ParentSmallAccent" refType="h" fact="0.2233"/>
+                </dgm:constrLst>
+              </dgm:else>
+            </dgm:choose>
+            <dgm:ruleLst/>
+            <dgm:layoutNode name="ParentAccent" styleLbl="alignNode1">
+              <dgm:alg type="sp"/>
+              <dgm:shape xmlns:r="http://schemas.openxmlformats.org/officeDocument/2006/relationships" type="rect" r:blip="">
+                <dgm:adjLst/>
+              </dgm:shape>
+              <dgm:presOf/>
+            </dgm:layoutNode>
+            <dgm:layoutNode name="ParentSmallAccent" styleLbl="fgAcc1">
+              <dgm:alg type="sp"/>
+              <dgm:shape xmlns:r="http://schemas.openxmlformats.org/officeDocument/2006/relationships" type="rect" r:blip="">
+                <dgm:adjLst/>
+              </dgm:shape>
+              <dgm:presOf/>
+            </dgm:layoutNode>
+            <dgm:layoutNode name="Parent" styleLbl="revTx">
+              <dgm:varLst>
+                <dgm:chMax/>
+                <dgm:chPref val="4"/>
+                <dgm:bulletEnabled val="1"/>
+              </dgm:varLst>
+              <dgm:choose name="Name8">
+                <dgm:if name="Name9" func="var" arg="dir" op="equ" val="norm">
+                  <dgm:alg type="tx">
+                    <dgm:param type="txAnchorVertCh" val="mid"/>
+                    <dgm:param type="parTxLTRAlign" val="l"/>
+                  </dgm:alg>
+                </dgm:if>
+                <dgm:else name="Name10">
+                  <dgm:alg type="tx">
+                    <dgm:param type="txAnchorVertCh" val="mid"/>
+                    <dgm:param type="parTxLTRAlign" val="r"/>
+                  </dgm:alg>
+                </dgm:else>
+              </dgm:choose>
+              <dgm:shape xmlns:r="http://schemas.openxmlformats.org/officeDocument/2006/relationships" type="rect" r:blip="">
+                <dgm:adjLst/>
+              </dgm:shape>
+              <dgm:presOf axis="self" ptType="node"/>
+              <dgm:constrLst>
+                <dgm:constr type="tMarg" refType="primFontSz" fact="0.1"/>
+                <dgm:constr type="bMarg" refType="primFontSz" fact="0.1"/>
+                <dgm:constr type="lMarg" refType="primFontSz" fact="0.15"/>
+                <dgm:constr type="rMarg" refType="primFontSz" fact="0.15"/>
+              </dgm:constrLst>
+              <dgm:ruleLst>
+                <dgm:rule type="primFontSz" val="5" fact="NaN" max="NaN"/>
+                <dgm:rule type="primFontSz" val="65" fact="NaN" max="NaN"/>
+              </dgm:ruleLst>
+            </dgm:layoutNode>
+          </dgm:layoutNode>
+          <dgm:layoutNode name="childShape">
+            <dgm:varLst>
+              <dgm:chMax val="0"/>
+              <dgm:chPref val="0"/>
+            </dgm:varLst>
+            <dgm:alg type="hierChild">
+              <dgm:param type="chAlign" val="r"/>
+              <dgm:param type="linDir" val="fromT"/>
+              <dgm:param type="fallback" val="2D"/>
+            </dgm:alg>
+            <dgm:shape xmlns:r="http://schemas.openxmlformats.org/officeDocument/2006/relationships" r:blip="">
+              <dgm:adjLst/>
+            </dgm:shape>
+            <dgm:presOf/>
+            <dgm:constrLst/>
+            <dgm:ruleLst/>
+            <dgm:forEach name="Name11" axis="ch">
+              <dgm:forEach name="Name12" axis="self" ptType="node">
+                <dgm:layoutNode name="childComposite">
+                  <dgm:varLst>
+                    <dgm:chMax val="0"/>
+                    <dgm:chPref val="0"/>
+                  </dgm:varLst>
+                  <dgm:alg type="composite"/>
+                  <dgm:shape xmlns:r="http://schemas.openxmlformats.org/officeDocument/2006/relationships" r:blip="">
+                    <dgm:adjLst/>
+                  </dgm:shape>
+                  <dgm:presOf/>
+                  <dgm:choose name="Name13">
+                    <dgm:if name="Name14" func="var" arg="dir" op="equ" val="norm">
+                      <dgm:constrLst>
+                        <dgm:constr type="w" for="ch" forName="ChildAccent" refType="h" fact="0.429"/>
+                        <dgm:constr type="h" for="ch" forName="ChildAccent" refType="h" fact="0.429"/>
+                        <dgm:constr type="l" for="ch" forName="ChildAccent" refType="w" fact="0"/>
+                        <dgm:constr type="t" for="ch" forName="ChildAccent" refType="h" fact="0.2855"/>
+                        <dgm:constr type="w" for="ch" forName="Child" refType="w" fact="0.93"/>
+                        <dgm:constr type="h" for="ch" forName="Child" refType="h"/>
+                        <dgm:constr type="l" for="ch" forName="Child" refType="w" fact="0.07"/>
+                        <dgm:constr type="t" for="ch" forName="Child" refType="h" fact="0"/>
+                      </dgm:constrLst>
+                    </dgm:if>
+                    <dgm:else name="Name15">
+                      <dgm:constrLst>
+                        <dgm:constr type="w" for="ch" forName="ChildAccent" refType="h" fact="0.429"/>
+                        <dgm:constr type="h" for="ch" forName="ChildAccent" refType="h" fact="0.429"/>
+                        <dgm:constr type="r" for="ch" forName="ChildAccent" refType="w"/>
+                        <dgm:constr type="t" for="ch" forName="ChildAccent" refType="h" fact="0.2855"/>
+                        <dgm:constr type="w" for="ch" forName="Child" refType="w" fact="0.93"/>
+                        <dgm:constr type="h" for="ch" forName="Child" refType="h"/>
+                        <dgm:constr type="r" for="ch" forName="Child" refType="w" fact="0.93"/>
+                        <dgm:constr type="t" for="ch" forName="Child" refType="h" fact="0"/>
+                      </dgm:constrLst>
+                    </dgm:else>
+                  </dgm:choose>
+                  <dgm:ruleLst/>
+                  <dgm:layoutNode name="ChildAccent" styleLbl="solidFgAcc1">
+                    <dgm:alg type="sp"/>
+                    <dgm:shape xmlns:r="http://schemas.openxmlformats.org/officeDocument/2006/relationships" type="rect" r:blip="">
+                      <dgm:adjLst/>
+                    </dgm:shape>
+                    <dgm:presOf/>
+                  </dgm:layoutNode>
+                  <dgm:layoutNode name="Child" styleLbl="revTx">
+                    <dgm:varLst>
+                      <dgm:chMax val="0"/>
+                      <dgm:chPref val="0"/>
+                      <dgm:bulletEnabled val="1"/>
+                    </dgm:varLst>
+                    <dgm:choose name="Name16">
+                      <dgm:if name="Name17" func="var" arg="dir" op="equ" val="norm">
+                        <dgm:alg type="tx">
+                          <dgm:param type="txAnchorVertCh" val="mid"/>
+                          <dgm:param type="parTxLTRAlign" val="l"/>
+                        </dgm:alg>
+                      </dgm:if>
+                      <dgm:else name="Name18">
+                        <dgm:alg type="tx">
+                          <dgm:param type="txAnchorVertCh" val="mid"/>
+                          <dgm:param type="parTxLTRAlign" val="r"/>
+                        </dgm:alg>
+                      </dgm:else>
+                    </dgm:choose>
+                    <dgm:shape xmlns:r="http://schemas.openxmlformats.org/officeDocument/2006/relationships" type="rect" r:blip="">
+                      <dgm:adjLst/>
+                    </dgm:shape>
+                    <dgm:presOf axis="desOrSelf" ptType="node node"/>
+                    <dgm:ruleLst>
+                      <dgm:rule type="primFontSz" val="5" fact="NaN" max="NaN"/>
+                    </dgm:ruleLst>
+                  </dgm:layoutNode>
+                </dgm:layoutNode>
+              </dgm:forEach>
+            </dgm:forEach>
+          </dgm:layoutNode>
+        </dgm:layoutNode>
+      </dgm:forEach>
+    </dgm:forEach>
+  </dgm:layoutNode>
+</dgm:layoutDef>
+</file>
+
 <file path=ppt/diagrams/quickStyle1.xml><?xml version="1.0" encoding="utf-8"?>
 <dgm:styleDef xmlns:dgm="http://schemas.openxmlformats.org/drawingml/2006/diagram" xmlns:a="http://schemas.openxmlformats.org/drawingml/2006/main" uniqueId="urn:microsoft.com/office/officeart/2005/8/quickstyle/simple1">
   <dgm:title val=""/>
@@ -2676,6 +7302,1473 @@
     </dgm:style>
   </dgm:styleLbl>
 </dgm:styleDef>
+</file>
+
+<file path=ppt/diagrams/quickStyle2.xml><?xml version="1.0" encoding="utf-8"?>
+<dgm:styleDef xmlns:dgm="http://schemas.openxmlformats.org/drawingml/2006/diagram" xmlns:a="http://schemas.openxmlformats.org/drawingml/2006/main" uniqueId="urn:microsoft.com/office/officeart/2005/8/quickstyle/simple1">
+  <dgm:title val=""/>
+  <dgm:desc val=""/>
+  <dgm:catLst>
+    <dgm:cat type="simple" pri="10100"/>
+  </dgm:catLst>
+  <dgm:scene3d>
+    <a:camera prst="orthographicFront"/>
+    <a:lightRig rig="threePt" dir="t"/>
+  </dgm:scene3d>
+  <dgm:styleLbl name="node0">
+    <dgm:scene3d>
+      <a:camera prst="orthographicFront"/>
+      <a:lightRig rig="threePt" dir="t"/>
+    </dgm:scene3d>
+    <dgm:sp3d/>
+    <dgm:txPr/>
+    <dgm:style>
+      <a:lnRef idx="2">
+        <a:scrgbClr r="0" g="0" b="0"/>
+      </a:lnRef>
+      <a:fillRef idx="1">
+        <a:scrgbClr r="0" g="0" b="0"/>
+      </a:fillRef>
+      <a:effectRef idx="0">
+        <a:scrgbClr r="0" g="0" b="0"/>
+      </a:effectRef>
+      <a:fontRef idx="minor">
+        <a:schemeClr val="lt1"/>
+      </a:fontRef>
+    </dgm:style>
+  </dgm:styleLbl>
+  <dgm:styleLbl name="lnNode1">
+    <dgm:scene3d>
+      <a:camera prst="orthographicFront"/>
+      <a:lightRig rig="threePt" dir="t"/>
+    </dgm:scene3d>
+    <dgm:sp3d/>
+    <dgm:txPr/>
+    <dgm:style>
+      <a:lnRef idx="2">
+        <a:scrgbClr r="0" g="0" b="0"/>
+      </a:lnRef>
+      <a:fillRef idx="1">
+        <a:scrgbClr r="0" g="0" b="0"/>
+      </a:fillRef>
+      <a:effectRef idx="0">
+        <a:scrgbClr r="0" g="0" b="0"/>
+      </a:effectRef>
+      <a:fontRef idx="minor">
+        <a:schemeClr val="lt1"/>
+      </a:fontRef>
+    </dgm:style>
+  </dgm:styleLbl>
+  <dgm:styleLbl name="vennNode1">
+    <dgm:scene3d>
+      <a:camera prst="orthographicFront"/>
+      <a:lightRig rig="threePt" dir="t"/>
+    </dgm:scene3d>
+    <dgm:sp3d/>
+    <dgm:txPr/>
+    <dgm:style>
+      <a:lnRef idx="2">
+        <a:scrgbClr r="0" g="0" b="0"/>
+      </a:lnRef>
+      <a:fillRef idx="1">
+        <a:scrgbClr r="0" g="0" b="0"/>
+      </a:fillRef>
+      <a:effectRef idx="0">
+        <a:scrgbClr r="0" g="0" b="0"/>
+      </a:effectRef>
+      <a:fontRef idx="minor">
+        <a:schemeClr val="tx1"/>
+      </a:fontRef>
+    </dgm:style>
+  </dgm:styleLbl>
+  <dgm:styleLbl name="alignNode1">
+    <dgm:scene3d>
+      <a:camera prst="orthographicFront"/>
+      <a:lightRig rig="threePt" dir="t"/>
+    </dgm:scene3d>
+    <dgm:sp3d/>
+    <dgm:txPr/>
+    <dgm:style>
+      <a:lnRef idx="2">
+        <a:scrgbClr r="0" g="0" b="0"/>
+      </a:lnRef>
+      <a:fillRef idx="1">
+        <a:scrgbClr r="0" g="0" b="0"/>
+      </a:fillRef>
+      <a:effectRef idx="0">
+        <a:scrgbClr r="0" g="0" b="0"/>
+      </a:effectRef>
+      <a:fontRef idx="minor">
+        <a:schemeClr val="lt1"/>
+      </a:fontRef>
+    </dgm:style>
+  </dgm:styleLbl>
+  <dgm:styleLbl name="node1">
+    <dgm:scene3d>
+      <a:camera prst="orthographicFront"/>
+      <a:lightRig rig="threePt" dir="t"/>
+    </dgm:scene3d>
+    <dgm:sp3d/>
+    <dgm:txPr/>
+    <dgm:style>
+      <a:lnRef idx="2">
+        <a:scrgbClr r="0" g="0" b="0"/>
+      </a:lnRef>
+      <a:fillRef idx="1">
+        <a:scrgbClr r="0" g="0" b="0"/>
+      </a:fillRef>
+      <a:effectRef idx="0">
+        <a:scrgbClr r="0" g="0" b="0"/>
+      </a:effectRef>
+      <a:fontRef idx="minor">
+        <a:schemeClr val="lt1"/>
+      </a:fontRef>
+    </dgm:style>
+  </dgm:styleLbl>
+  <dgm:styleLbl name="node2">
+    <dgm:scene3d>
+      <a:camera prst="orthographicFront"/>
+      <a:lightRig rig="threePt" dir="t"/>
+    </dgm:scene3d>
+    <dgm:sp3d/>
+    <dgm:txPr/>
+    <dgm:style>
+      <a:lnRef idx="2">
+        <a:scrgbClr r="0" g="0" b="0"/>
+      </a:lnRef>
+      <a:fillRef idx="1">
+        <a:scrgbClr r="0" g="0" b="0"/>
+      </a:fillRef>
+      <a:effectRef idx="0">
+        <a:scrgbClr r="0" g="0" b="0"/>
+      </a:effectRef>
+      <a:fontRef idx="minor">
+        <a:schemeClr val="lt1"/>
+      </a:fontRef>
+    </dgm:style>
+  </dgm:styleLbl>
+  <dgm:styleLbl name="node3">
+    <dgm:scene3d>
+      <a:camera prst="orthographicFront"/>
+      <a:lightRig rig="threePt" dir="t"/>
+    </dgm:scene3d>
+    <dgm:sp3d/>
+    <dgm:txPr/>
+    <dgm:style>
+      <a:lnRef idx="2">
+        <a:scrgbClr r="0" g="0" b="0"/>
+      </a:lnRef>
+      <a:fillRef idx="1">
+        <a:scrgbClr r="0" g="0" b="0"/>
+      </a:fillRef>
+      <a:effectRef idx="0">
+        <a:scrgbClr r="0" g="0" b="0"/>
+      </a:effectRef>
+      <a:fontRef idx="minor">
+        <a:schemeClr val="lt1"/>
+      </a:fontRef>
+    </dgm:style>
+  </dgm:styleLbl>
+  <dgm:styleLbl name="node4">
+    <dgm:scene3d>
+      <a:camera prst="orthographicFront"/>
+      <a:lightRig rig="threePt" dir="t"/>
+    </dgm:scene3d>
+    <dgm:sp3d/>
+    <dgm:txPr/>
+    <dgm:style>
+      <a:lnRef idx="2">
+        <a:scrgbClr r="0" g="0" b="0"/>
+      </a:lnRef>
+      <a:fillRef idx="1">
+        <a:scrgbClr r="0" g="0" b="0"/>
+      </a:fillRef>
+      <a:effectRef idx="0">
+        <a:scrgbClr r="0" g="0" b="0"/>
+      </a:effectRef>
+      <a:fontRef idx="minor">
+        <a:schemeClr val="lt1"/>
+      </a:fontRef>
+    </dgm:style>
+  </dgm:styleLbl>
+  <dgm:styleLbl name="fgImgPlace1">
+    <dgm:scene3d>
+      <a:camera prst="orthographicFront"/>
+      <a:lightRig rig="threePt" dir="t"/>
+    </dgm:scene3d>
+    <dgm:sp3d/>
+    <dgm:txPr/>
+    <dgm:style>
+      <a:lnRef idx="2">
+        <a:scrgbClr r="0" g="0" b="0"/>
+      </a:lnRef>
+      <a:fillRef idx="1">
+        <a:scrgbClr r="0" g="0" b="0"/>
+      </a:fillRef>
+      <a:effectRef idx="0">
+        <a:scrgbClr r="0" g="0" b="0"/>
+      </a:effectRef>
+      <a:fontRef idx="minor"/>
+    </dgm:style>
+  </dgm:styleLbl>
+  <dgm:styleLbl name="alignImgPlace1">
+    <dgm:scene3d>
+      <a:camera prst="orthographicFront"/>
+      <a:lightRig rig="threePt" dir="t"/>
+    </dgm:scene3d>
+    <dgm:sp3d/>
+    <dgm:txPr/>
+    <dgm:style>
+      <a:lnRef idx="2">
+        <a:scrgbClr r="0" g="0" b="0"/>
+      </a:lnRef>
+      <a:fillRef idx="1">
+        <a:scrgbClr r="0" g="0" b="0"/>
+      </a:fillRef>
+      <a:effectRef idx="0">
+        <a:scrgbClr r="0" g="0" b="0"/>
+      </a:effectRef>
+      <a:fontRef idx="minor"/>
+    </dgm:style>
+  </dgm:styleLbl>
+  <dgm:styleLbl name="bgImgPlace1">
+    <dgm:scene3d>
+      <a:camera prst="orthographicFront"/>
+      <a:lightRig rig="threePt" dir="t"/>
+    </dgm:scene3d>
+    <dgm:sp3d/>
+    <dgm:txPr/>
+    <dgm:style>
+      <a:lnRef idx="2">
+        <a:scrgbClr r="0" g="0" b="0"/>
+      </a:lnRef>
+      <a:fillRef idx="1">
+        <a:scrgbClr r="0" g="0" b="0"/>
+      </a:fillRef>
+      <a:effectRef idx="0">
+        <a:scrgbClr r="0" g="0" b="0"/>
+      </a:effectRef>
+      <a:fontRef idx="minor"/>
+    </dgm:style>
+  </dgm:styleLbl>
+  <dgm:styleLbl name="sibTrans2D1">
+    <dgm:scene3d>
+      <a:camera prst="orthographicFront"/>
+      <a:lightRig rig="threePt" dir="t"/>
+    </dgm:scene3d>
+    <dgm:sp3d/>
+    <dgm:txPr/>
+    <dgm:style>
+      <a:lnRef idx="0">
+        <a:scrgbClr r="0" g="0" b="0"/>
+      </a:lnRef>
+      <a:fillRef idx="1">
+        <a:scrgbClr r="0" g="0" b="0"/>
+      </a:fillRef>
+      <a:effectRef idx="0">
+        <a:scrgbClr r="0" g="0" b="0"/>
+      </a:effectRef>
+      <a:fontRef idx="minor">
+        <a:schemeClr val="lt1"/>
+      </a:fontRef>
+    </dgm:style>
+  </dgm:styleLbl>
+  <dgm:styleLbl name="fgSibTrans2D1">
+    <dgm:scene3d>
+      <a:camera prst="orthographicFront"/>
+      <a:lightRig rig="threePt" dir="t"/>
+    </dgm:scene3d>
+    <dgm:sp3d/>
+    <dgm:txPr/>
+    <dgm:style>
+      <a:lnRef idx="0">
+        <a:scrgbClr r="0" g="0" b="0"/>
+      </a:lnRef>
+      <a:fillRef idx="1">
+        <a:scrgbClr r="0" g="0" b="0"/>
+      </a:fillRef>
+      <a:effectRef idx="0">
+        <a:scrgbClr r="0" g="0" b="0"/>
+      </a:effectRef>
+      <a:fontRef idx="minor">
+        <a:schemeClr val="lt1"/>
+      </a:fontRef>
+    </dgm:style>
+  </dgm:styleLbl>
+  <dgm:styleLbl name="bgSibTrans2D1">
+    <dgm:scene3d>
+      <a:camera prst="orthographicFront"/>
+      <a:lightRig rig="threePt" dir="t"/>
+    </dgm:scene3d>
+    <dgm:sp3d/>
+    <dgm:txPr/>
+    <dgm:style>
+      <a:lnRef idx="0">
+        <a:scrgbClr r="0" g="0" b="0"/>
+      </a:lnRef>
+      <a:fillRef idx="1">
+        <a:scrgbClr r="0" g="0" b="0"/>
+      </a:fillRef>
+      <a:effectRef idx="0">
+        <a:scrgbClr r="0" g="0" b="0"/>
+      </a:effectRef>
+      <a:fontRef idx="minor">
+        <a:schemeClr val="lt1"/>
+      </a:fontRef>
+    </dgm:style>
+  </dgm:styleLbl>
+  <dgm:styleLbl name="sibTrans1D1">
+    <dgm:scene3d>
+      <a:camera prst="orthographicFront"/>
+      <a:lightRig rig="threePt" dir="t"/>
+    </dgm:scene3d>
+    <dgm:sp3d/>
+    <dgm:txPr/>
+    <dgm:style>
+      <a:lnRef idx="1">
+        <a:scrgbClr r="0" g="0" b="0"/>
+      </a:lnRef>
+      <a:fillRef idx="0">
+        <a:scrgbClr r="0" g="0" b="0"/>
+      </a:fillRef>
+      <a:effectRef idx="0">
+        <a:scrgbClr r="0" g="0" b="0"/>
+      </a:effectRef>
+      <a:fontRef idx="minor"/>
+    </dgm:style>
+  </dgm:styleLbl>
+  <dgm:styleLbl name="callout">
+    <dgm:scene3d>
+      <a:camera prst="orthographicFront"/>
+      <a:lightRig rig="threePt" dir="t"/>
+    </dgm:scene3d>
+    <dgm:sp3d/>
+    <dgm:txPr/>
+    <dgm:style>
+      <a:lnRef idx="2">
+        <a:scrgbClr r="0" g="0" b="0"/>
+      </a:lnRef>
+      <a:fillRef idx="1">
+        <a:scrgbClr r="0" g="0" b="0"/>
+      </a:fillRef>
+      <a:effectRef idx="0">
+        <a:scrgbClr r="0" g="0" b="0"/>
+      </a:effectRef>
+      <a:fontRef idx="minor"/>
+    </dgm:style>
+  </dgm:styleLbl>
+  <dgm:styleLbl name="asst0">
+    <dgm:scene3d>
+      <a:camera prst="orthographicFront"/>
+      <a:lightRig rig="threePt" dir="t"/>
+    </dgm:scene3d>
+    <dgm:sp3d/>
+    <dgm:txPr/>
+    <dgm:style>
+      <a:lnRef idx="2">
+        <a:scrgbClr r="0" g="0" b="0"/>
+      </a:lnRef>
+      <a:fillRef idx="1">
+        <a:scrgbClr r="0" g="0" b="0"/>
+      </a:fillRef>
+      <a:effectRef idx="0">
+        <a:scrgbClr r="0" g="0" b="0"/>
+      </a:effectRef>
+      <a:fontRef idx="minor">
+        <a:schemeClr val="lt1"/>
+      </a:fontRef>
+    </dgm:style>
+  </dgm:styleLbl>
+  <dgm:styleLbl name="asst1">
+    <dgm:scene3d>
+      <a:camera prst="orthographicFront"/>
+      <a:lightRig rig="threePt" dir="t"/>
+    </dgm:scene3d>
+    <dgm:sp3d/>
+    <dgm:txPr/>
+    <dgm:style>
+      <a:lnRef idx="2">
+        <a:scrgbClr r="0" g="0" b="0"/>
+      </a:lnRef>
+      <a:fillRef idx="1">
+        <a:scrgbClr r="0" g="0" b="0"/>
+      </a:fillRef>
+      <a:effectRef idx="0">
+        <a:scrgbClr r="0" g="0" b="0"/>
+      </a:effectRef>
+      <a:fontRef idx="minor">
+        <a:schemeClr val="lt1"/>
+      </a:fontRef>
+    </dgm:style>
+  </dgm:styleLbl>
+  <dgm:styleLbl name="asst2">
+    <dgm:scene3d>
+      <a:camera prst="orthographicFront"/>
+      <a:lightRig rig="threePt" dir="t"/>
+    </dgm:scene3d>
+    <dgm:sp3d/>
+    <dgm:txPr/>
+    <dgm:style>
+      <a:lnRef idx="2">
+        <a:scrgbClr r="0" g="0" b="0"/>
+      </a:lnRef>
+      <a:fillRef idx="1">
+        <a:scrgbClr r="0" g="0" b="0"/>
+      </a:fillRef>
+      <a:effectRef idx="0">
+        <a:scrgbClr r="0" g="0" b="0"/>
+      </a:effectRef>
+      <a:fontRef idx="minor">
+        <a:schemeClr val="lt1"/>
+      </a:fontRef>
+    </dgm:style>
+  </dgm:styleLbl>
+  <dgm:styleLbl name="asst3">
+    <dgm:scene3d>
+      <a:camera prst="orthographicFront"/>
+      <a:lightRig rig="threePt" dir="t"/>
+    </dgm:scene3d>
+    <dgm:sp3d/>
+    <dgm:txPr/>
+    <dgm:style>
+      <a:lnRef idx="2">
+        <a:scrgbClr r="0" g="0" b="0"/>
+      </a:lnRef>
+      <a:fillRef idx="1">
+        <a:scrgbClr r="0" g="0" b="0"/>
+      </a:fillRef>
+      <a:effectRef idx="0">
+        <a:scrgbClr r="0" g="0" b="0"/>
+      </a:effectRef>
+      <a:fontRef idx="minor">
+        <a:schemeClr val="lt1"/>
+      </a:fontRef>
+    </dgm:style>
+  </dgm:styleLbl>
+  <dgm:styleLbl name="asst4">
+    <dgm:scene3d>
+      <a:camera prst="orthographicFront"/>
+      <a:lightRig rig="threePt" dir="t"/>
+    </dgm:scene3d>
+    <dgm:sp3d/>
+    <dgm:txPr/>
+    <dgm:style>
+      <a:lnRef idx="2">
+        <a:scrgbClr r="0" g="0" b="0"/>
+      </a:lnRef>
+      <a:fillRef idx="1">
+        <a:scrgbClr r="0" g="0" b="0"/>
+      </a:fillRef>
+      <a:effectRef idx="0">
+        <a:scrgbClr r="0" g="0" b="0"/>
+      </a:effectRef>
+      <a:fontRef idx="minor">
+        <a:schemeClr val="lt1"/>
+      </a:fontRef>
+    </dgm:style>
+  </dgm:styleLbl>
+  <dgm:styleLbl name="parChTrans2D1">
+    <dgm:scene3d>
+      <a:camera prst="orthographicFront"/>
+      <a:lightRig rig="threePt" dir="t"/>
+    </dgm:scene3d>
+    <dgm:sp3d/>
+    <dgm:txPr/>
+    <dgm:style>
+      <a:lnRef idx="2">
+        <a:scrgbClr r="0" g="0" b="0"/>
+      </a:lnRef>
+      <a:fillRef idx="1">
+        <a:scrgbClr r="0" g="0" b="0"/>
+      </a:fillRef>
+      <a:effectRef idx="0">
+        <a:scrgbClr r="0" g="0" b="0"/>
+      </a:effectRef>
+      <a:fontRef idx="minor">
+        <a:schemeClr val="lt1"/>
+      </a:fontRef>
+    </dgm:style>
+  </dgm:styleLbl>
+  <dgm:styleLbl name="parChTrans2D2">
+    <dgm:scene3d>
+      <a:camera prst="orthographicFront"/>
+      <a:lightRig rig="threePt" dir="t"/>
+    </dgm:scene3d>
+    <dgm:sp3d/>
+    <dgm:txPr/>
+    <dgm:style>
+      <a:lnRef idx="2">
+        <a:scrgbClr r="0" g="0" b="0"/>
+      </a:lnRef>
+      <a:fillRef idx="1">
+        <a:scrgbClr r="0" g="0" b="0"/>
+      </a:fillRef>
+      <a:effectRef idx="0">
+        <a:scrgbClr r="0" g="0" b="0"/>
+      </a:effectRef>
+      <a:fontRef idx="minor">
+        <a:schemeClr val="lt1"/>
+      </a:fontRef>
+    </dgm:style>
+  </dgm:styleLbl>
+  <dgm:styleLbl name="parChTrans2D3">
+    <dgm:scene3d>
+      <a:camera prst="orthographicFront"/>
+      <a:lightRig rig="threePt" dir="t"/>
+    </dgm:scene3d>
+    <dgm:sp3d/>
+    <dgm:txPr/>
+    <dgm:style>
+      <a:lnRef idx="2">
+        <a:scrgbClr r="0" g="0" b="0"/>
+      </a:lnRef>
+      <a:fillRef idx="1">
+        <a:scrgbClr r="0" g="0" b="0"/>
+      </a:fillRef>
+      <a:effectRef idx="0">
+        <a:scrgbClr r="0" g="0" b="0"/>
+      </a:effectRef>
+      <a:fontRef idx="minor">
+        <a:schemeClr val="lt1"/>
+      </a:fontRef>
+    </dgm:style>
+  </dgm:styleLbl>
+  <dgm:styleLbl name="parChTrans2D4">
+    <dgm:scene3d>
+      <a:camera prst="orthographicFront"/>
+      <a:lightRig rig="threePt" dir="t"/>
+    </dgm:scene3d>
+    <dgm:sp3d/>
+    <dgm:txPr/>
+    <dgm:style>
+      <a:lnRef idx="2">
+        <a:scrgbClr r="0" g="0" b="0"/>
+      </a:lnRef>
+      <a:fillRef idx="1">
+        <a:scrgbClr r="0" g="0" b="0"/>
+      </a:fillRef>
+      <a:effectRef idx="0">
+        <a:scrgbClr r="0" g="0" b="0"/>
+      </a:effectRef>
+      <a:fontRef idx="minor">
+        <a:schemeClr val="lt1"/>
+      </a:fontRef>
+    </dgm:style>
+  </dgm:styleLbl>
+  <dgm:styleLbl name="parChTrans1D1">
+    <dgm:scene3d>
+      <a:camera prst="orthographicFront"/>
+      <a:lightRig rig="threePt" dir="t"/>
+    </dgm:scene3d>
+    <dgm:sp3d/>
+    <dgm:txPr/>
+    <dgm:style>
+      <a:lnRef idx="2">
+        <a:scrgbClr r="0" g="0" b="0"/>
+      </a:lnRef>
+      <a:fillRef idx="0">
+        <a:scrgbClr r="0" g="0" b="0"/>
+      </a:fillRef>
+      <a:effectRef idx="0">
+        <a:scrgbClr r="0" g="0" b="0"/>
+      </a:effectRef>
+      <a:fontRef idx="minor"/>
+    </dgm:style>
+  </dgm:styleLbl>
+  <dgm:styleLbl name="parChTrans1D2">
+    <dgm:scene3d>
+      <a:camera prst="orthographicFront"/>
+      <a:lightRig rig="threePt" dir="t"/>
+    </dgm:scene3d>
+    <dgm:sp3d/>
+    <dgm:txPr/>
+    <dgm:style>
+      <a:lnRef idx="2">
+        <a:scrgbClr r="0" g="0" b="0"/>
+      </a:lnRef>
+      <a:fillRef idx="0">
+        <a:scrgbClr r="0" g="0" b="0"/>
+      </a:fillRef>
+      <a:effectRef idx="0">
+        <a:scrgbClr r="0" g="0" b="0"/>
+      </a:effectRef>
+      <a:fontRef idx="minor"/>
+    </dgm:style>
+  </dgm:styleLbl>
+  <dgm:styleLbl name="parChTrans1D3">
+    <dgm:scene3d>
+      <a:camera prst="orthographicFront"/>
+      <a:lightRig rig="threePt" dir="t"/>
+    </dgm:scene3d>
+    <dgm:sp3d/>
+    <dgm:txPr/>
+    <dgm:style>
+      <a:lnRef idx="2">
+        <a:scrgbClr r="0" g="0" b="0"/>
+      </a:lnRef>
+      <a:fillRef idx="0">
+        <a:scrgbClr r="0" g="0" b="0"/>
+      </a:fillRef>
+      <a:effectRef idx="0">
+        <a:scrgbClr r="0" g="0" b="0"/>
+      </a:effectRef>
+      <a:fontRef idx="minor"/>
+    </dgm:style>
+  </dgm:styleLbl>
+  <dgm:styleLbl name="parChTrans1D4">
+    <dgm:scene3d>
+      <a:camera prst="orthographicFront"/>
+      <a:lightRig rig="threePt" dir="t"/>
+    </dgm:scene3d>
+    <dgm:sp3d/>
+    <dgm:txPr/>
+    <dgm:style>
+      <a:lnRef idx="2">
+        <a:scrgbClr r="0" g="0" b="0"/>
+      </a:lnRef>
+      <a:fillRef idx="0">
+        <a:scrgbClr r="0" g="0" b="0"/>
+      </a:fillRef>
+      <a:effectRef idx="0">
+        <a:scrgbClr r="0" g="0" b="0"/>
+      </a:effectRef>
+      <a:fontRef idx="minor"/>
+    </dgm:style>
+  </dgm:styleLbl>
+  <dgm:styleLbl name="fgAcc1">
+    <dgm:scene3d>
+      <a:camera prst="orthographicFront"/>
+      <a:lightRig rig="threePt" dir="t"/>
+    </dgm:scene3d>
+    <dgm:sp3d/>
+    <dgm:txPr/>
+    <dgm:style>
+      <a:lnRef idx="2">
+        <a:scrgbClr r="0" g="0" b="0"/>
+      </a:lnRef>
+      <a:fillRef idx="1">
+        <a:scrgbClr r="0" g="0" b="0"/>
+      </a:fillRef>
+      <a:effectRef idx="0">
+        <a:scrgbClr r="0" g="0" b="0"/>
+      </a:effectRef>
+      <a:fontRef idx="minor"/>
+    </dgm:style>
+  </dgm:styleLbl>
+  <dgm:styleLbl name="conFgAcc1">
+    <dgm:scene3d>
+      <a:camera prst="orthographicFront"/>
+      <a:lightRig rig="threePt" dir="t"/>
+    </dgm:scene3d>
+    <dgm:sp3d/>
+    <dgm:txPr/>
+    <dgm:style>
+      <a:lnRef idx="2">
+        <a:scrgbClr r="0" g="0" b="0"/>
+      </a:lnRef>
+      <a:fillRef idx="1">
+        <a:scrgbClr r="0" g="0" b="0"/>
+      </a:fillRef>
+      <a:effectRef idx="0">
+        <a:scrgbClr r="0" g="0" b="0"/>
+      </a:effectRef>
+      <a:fontRef idx="minor"/>
+    </dgm:style>
+  </dgm:styleLbl>
+  <dgm:styleLbl name="alignAcc1">
+    <dgm:scene3d>
+      <a:camera prst="orthographicFront"/>
+      <a:lightRig rig="threePt" dir="t"/>
+    </dgm:scene3d>
+    <dgm:sp3d/>
+    <dgm:txPr/>
+    <dgm:style>
+      <a:lnRef idx="2">
+        <a:scrgbClr r="0" g="0" b="0"/>
+      </a:lnRef>
+      <a:fillRef idx="1">
+        <a:scrgbClr r="0" g="0" b="0"/>
+      </a:fillRef>
+      <a:effectRef idx="0">
+        <a:scrgbClr r="0" g="0" b="0"/>
+      </a:effectRef>
+      <a:fontRef idx="minor"/>
+    </dgm:style>
+  </dgm:styleLbl>
+  <dgm:styleLbl name="trAlignAcc1">
+    <dgm:scene3d>
+      <a:camera prst="orthographicFront"/>
+      <a:lightRig rig="threePt" dir="t"/>
+    </dgm:scene3d>
+    <dgm:sp3d/>
+    <dgm:txPr/>
+    <dgm:style>
+      <a:lnRef idx="1">
+        <a:scrgbClr r="0" g="0" b="0"/>
+      </a:lnRef>
+      <a:fillRef idx="1">
+        <a:scrgbClr r="0" g="0" b="0"/>
+      </a:fillRef>
+      <a:effectRef idx="0">
+        <a:scrgbClr r="0" g="0" b="0"/>
+      </a:effectRef>
+      <a:fontRef idx="minor"/>
+    </dgm:style>
+  </dgm:styleLbl>
+  <dgm:styleLbl name="bgAcc1">
+    <dgm:scene3d>
+      <a:camera prst="orthographicFront"/>
+      <a:lightRig rig="threePt" dir="t"/>
+    </dgm:scene3d>
+    <dgm:sp3d/>
+    <dgm:txPr/>
+    <dgm:style>
+      <a:lnRef idx="2">
+        <a:scrgbClr r="0" g="0" b="0"/>
+      </a:lnRef>
+      <a:fillRef idx="1">
+        <a:scrgbClr r="0" g="0" b="0"/>
+      </a:fillRef>
+      <a:effectRef idx="0">
+        <a:scrgbClr r="0" g="0" b="0"/>
+      </a:effectRef>
+      <a:fontRef idx="minor"/>
+    </dgm:style>
+  </dgm:styleLbl>
+  <dgm:styleLbl name="solidFgAcc1">
+    <dgm:scene3d>
+      <a:camera prst="orthographicFront"/>
+      <a:lightRig rig="threePt" dir="t"/>
+    </dgm:scene3d>
+    <dgm:sp3d/>
+    <dgm:txPr/>
+    <dgm:style>
+      <a:lnRef idx="2">
+        <a:scrgbClr r="0" g="0" b="0"/>
+      </a:lnRef>
+      <a:fillRef idx="1">
+        <a:scrgbClr r="0" g="0" b="0"/>
+      </a:fillRef>
+      <a:effectRef idx="0">
+        <a:scrgbClr r="0" g="0" b="0"/>
+      </a:effectRef>
+      <a:fontRef idx="minor"/>
+    </dgm:style>
+  </dgm:styleLbl>
+  <dgm:styleLbl name="solidAlignAcc1">
+    <dgm:scene3d>
+      <a:camera prst="orthographicFront"/>
+      <a:lightRig rig="threePt" dir="t"/>
+    </dgm:scene3d>
+    <dgm:sp3d/>
+    <dgm:txPr/>
+    <dgm:style>
+      <a:lnRef idx="2">
+        <a:scrgbClr r="0" g="0" b="0"/>
+      </a:lnRef>
+      <a:fillRef idx="1">
+        <a:scrgbClr r="0" g="0" b="0"/>
+      </a:fillRef>
+      <a:effectRef idx="0">
+        <a:scrgbClr r="0" g="0" b="0"/>
+      </a:effectRef>
+      <a:fontRef idx="minor"/>
+    </dgm:style>
+  </dgm:styleLbl>
+  <dgm:styleLbl name="solidBgAcc1">
+    <dgm:scene3d>
+      <a:camera prst="orthographicFront"/>
+      <a:lightRig rig="threePt" dir="t"/>
+    </dgm:scene3d>
+    <dgm:sp3d/>
+    <dgm:txPr/>
+    <dgm:style>
+      <a:lnRef idx="2">
+        <a:scrgbClr r="0" g="0" b="0"/>
+      </a:lnRef>
+      <a:fillRef idx="1">
+        <a:scrgbClr r="0" g="0" b="0"/>
+      </a:fillRef>
+      <a:effectRef idx="0">
+        <a:scrgbClr r="0" g="0" b="0"/>
+      </a:effectRef>
+      <a:fontRef idx="minor"/>
+    </dgm:style>
+  </dgm:styleLbl>
+  <dgm:styleLbl name="fgAccFollowNode1">
+    <dgm:scene3d>
+      <a:camera prst="orthographicFront"/>
+      <a:lightRig rig="threePt" dir="t"/>
+    </dgm:scene3d>
+    <dgm:sp3d/>
+    <dgm:txPr/>
+    <dgm:style>
+      <a:lnRef idx="2">
+        <a:scrgbClr r="0" g="0" b="0"/>
+      </a:lnRef>
+      <a:fillRef idx="1">
+        <a:scrgbClr r="0" g="0" b="0"/>
+      </a:fillRef>
+      <a:effectRef idx="0">
+        <a:scrgbClr r="0" g="0" b="0"/>
+      </a:effectRef>
+      <a:fontRef idx="minor"/>
+    </dgm:style>
+  </dgm:styleLbl>
+  <dgm:styleLbl name="alignAccFollowNode1">
+    <dgm:scene3d>
+      <a:camera prst="orthographicFront"/>
+      <a:lightRig rig="threePt" dir="t"/>
+    </dgm:scene3d>
+    <dgm:sp3d/>
+    <dgm:txPr/>
+    <dgm:style>
+      <a:lnRef idx="2">
+        <a:scrgbClr r="0" g="0" b="0"/>
+      </a:lnRef>
+      <a:fillRef idx="1">
+        <a:scrgbClr r="0" g="0" b="0"/>
+      </a:fillRef>
+      <a:effectRef idx="0">
+        <a:scrgbClr r="0" g="0" b="0"/>
+      </a:effectRef>
+      <a:fontRef idx="minor"/>
+    </dgm:style>
+  </dgm:styleLbl>
+  <dgm:styleLbl name="bgAccFollowNode1">
+    <dgm:scene3d>
+      <a:camera prst="orthographicFront"/>
+      <a:lightRig rig="threePt" dir="t"/>
+    </dgm:scene3d>
+    <dgm:sp3d/>
+    <dgm:txPr/>
+    <dgm:style>
+      <a:lnRef idx="2">
+        <a:scrgbClr r="0" g="0" b="0"/>
+      </a:lnRef>
+      <a:fillRef idx="1">
+        <a:scrgbClr r="0" g="0" b="0"/>
+      </a:fillRef>
+      <a:effectRef idx="0">
+        <a:scrgbClr r="0" g="0" b="0"/>
+      </a:effectRef>
+      <a:fontRef idx="minor"/>
+    </dgm:style>
+  </dgm:styleLbl>
+  <dgm:styleLbl name="fgAcc0">
+    <dgm:scene3d>
+      <a:camera prst="orthographicFront"/>
+      <a:lightRig rig="threePt" dir="t"/>
+    </dgm:scene3d>
+    <dgm:sp3d/>
+    <dgm:txPr/>
+    <dgm:style>
+      <a:lnRef idx="2">
+        <a:scrgbClr r="0" g="0" b="0"/>
+      </a:lnRef>
+      <a:fillRef idx="1">
+        <a:scrgbClr r="0" g="0" b="0"/>
+      </a:fillRef>
+      <a:effectRef idx="0">
+        <a:scrgbClr r="0" g="0" b="0"/>
+      </a:effectRef>
+      <a:fontRef idx="minor"/>
+    </dgm:style>
+  </dgm:styleLbl>
+  <dgm:styleLbl name="fgAcc2">
+    <dgm:scene3d>
+      <a:camera prst="orthographicFront"/>
+      <a:lightRig rig="threePt" dir="t"/>
+    </dgm:scene3d>
+    <dgm:sp3d/>
+    <dgm:txPr/>
+    <dgm:style>
+      <a:lnRef idx="2">
+        <a:scrgbClr r="0" g="0" b="0"/>
+      </a:lnRef>
+      <a:fillRef idx="1">
+        <a:scrgbClr r="0" g="0" b="0"/>
+      </a:fillRef>
+      <a:effectRef idx="0">
+        <a:scrgbClr r="0" g="0" b="0"/>
+      </a:effectRef>
+      <a:fontRef idx="minor"/>
+    </dgm:style>
+  </dgm:styleLbl>
+  <dgm:styleLbl name="fgAcc3">
+    <dgm:scene3d>
+      <a:camera prst="orthographicFront"/>
+      <a:lightRig rig="threePt" dir="t"/>
+    </dgm:scene3d>
+    <dgm:sp3d/>
+    <dgm:txPr/>
+    <dgm:style>
+      <a:lnRef idx="2">
+        <a:scrgbClr r="0" g="0" b="0"/>
+      </a:lnRef>
+      <a:fillRef idx="1">
+        <a:scrgbClr r="0" g="0" b="0"/>
+      </a:fillRef>
+      <a:effectRef idx="0">
+        <a:scrgbClr r="0" g="0" b="0"/>
+      </a:effectRef>
+      <a:fontRef idx="minor"/>
+    </dgm:style>
+  </dgm:styleLbl>
+  <dgm:styleLbl name="fgAcc4">
+    <dgm:scene3d>
+      <a:camera prst="orthographicFront"/>
+      <a:lightRig rig="threePt" dir="t"/>
+    </dgm:scene3d>
+    <dgm:sp3d/>
+    <dgm:txPr/>
+    <dgm:style>
+      <a:lnRef idx="2">
+        <a:scrgbClr r="0" g="0" b="0"/>
+      </a:lnRef>
+      <a:fillRef idx="1">
+        <a:scrgbClr r="0" g="0" b="0"/>
+      </a:fillRef>
+      <a:effectRef idx="0">
+        <a:scrgbClr r="0" g="0" b="0"/>
+      </a:effectRef>
+      <a:fontRef idx="minor"/>
+    </dgm:style>
+  </dgm:styleLbl>
+  <dgm:styleLbl name="bgShp">
+    <dgm:scene3d>
+      <a:camera prst="orthographicFront"/>
+      <a:lightRig rig="threePt" dir="t"/>
+    </dgm:scene3d>
+    <dgm:sp3d/>
+    <dgm:txPr/>
+    <dgm:style>
+      <a:lnRef idx="0">
+        <a:scrgbClr r="0" g="0" b="0"/>
+      </a:lnRef>
+      <a:fillRef idx="1">
+        <a:scrgbClr r="0" g="0" b="0"/>
+      </a:fillRef>
+      <a:effectRef idx="0">
+        <a:scrgbClr r="0" g="0" b="0"/>
+      </a:effectRef>
+      <a:fontRef idx="minor"/>
+    </dgm:style>
+  </dgm:styleLbl>
+  <dgm:styleLbl name="dkBgShp">
+    <dgm:scene3d>
+      <a:camera prst="orthographicFront"/>
+      <a:lightRig rig="threePt" dir="t"/>
+    </dgm:scene3d>
+    <dgm:sp3d/>
+    <dgm:txPr/>
+    <dgm:style>
+      <a:lnRef idx="0">
+        <a:scrgbClr r="0" g="0" b="0"/>
+      </a:lnRef>
+      <a:fillRef idx="1">
+        <a:scrgbClr r="0" g="0" b="0"/>
+      </a:fillRef>
+      <a:effectRef idx="0">
+        <a:scrgbClr r="0" g="0" b="0"/>
+      </a:effectRef>
+      <a:fontRef idx="minor"/>
+    </dgm:style>
+  </dgm:styleLbl>
+  <dgm:styleLbl name="trBgShp">
+    <dgm:scene3d>
+      <a:camera prst="orthographicFront"/>
+      <a:lightRig rig="threePt" dir="t"/>
+    </dgm:scene3d>
+    <dgm:sp3d/>
+    <dgm:txPr/>
+    <dgm:style>
+      <a:lnRef idx="0">
+        <a:scrgbClr r="0" g="0" b="0"/>
+      </a:lnRef>
+      <a:fillRef idx="1">
+        <a:scrgbClr r="0" g="0" b="0"/>
+      </a:fillRef>
+      <a:effectRef idx="0">
+        <a:scrgbClr r="0" g="0" b="0"/>
+      </a:effectRef>
+      <a:fontRef idx="minor"/>
+    </dgm:style>
+  </dgm:styleLbl>
+  <dgm:styleLbl name="fgShp">
+    <dgm:scene3d>
+      <a:camera prst="orthographicFront"/>
+      <a:lightRig rig="threePt" dir="t"/>
+    </dgm:scene3d>
+    <dgm:sp3d/>
+    <dgm:txPr/>
+    <dgm:style>
+      <a:lnRef idx="2">
+        <a:scrgbClr r="0" g="0" b="0"/>
+      </a:lnRef>
+      <a:fillRef idx="1">
+        <a:scrgbClr r="0" g="0" b="0"/>
+      </a:fillRef>
+      <a:effectRef idx="0">
+        <a:scrgbClr r="0" g="0" b="0"/>
+      </a:effectRef>
+      <a:fontRef idx="minor"/>
+    </dgm:style>
+  </dgm:styleLbl>
+  <dgm:styleLbl name="revTx">
+    <dgm:scene3d>
+      <a:camera prst="orthographicFront"/>
+      <a:lightRig rig="threePt" dir="t"/>
+    </dgm:scene3d>
+    <dgm:sp3d/>
+    <dgm:txPr/>
+    <dgm:style>
+      <a:lnRef idx="0">
+        <a:scrgbClr r="0" g="0" b="0"/>
+      </a:lnRef>
+      <a:fillRef idx="0">
+        <a:scrgbClr r="0" g="0" b="0"/>
+      </a:fillRef>
+      <a:effectRef idx="0">
+        <a:scrgbClr r="0" g="0" b="0"/>
+      </a:effectRef>
+      <a:fontRef idx="minor"/>
+    </dgm:style>
+  </dgm:styleLbl>
+</dgm:styleDef>
+</file>
+
+<file path=ppt/notesMasters/notesMaster1.xml><?xml version="1.0" encoding="utf-8"?>
+<p:notesMaster xmlns:a="http://schemas.openxmlformats.org/drawingml/2006/main" xmlns:r="http://schemas.openxmlformats.org/officeDocument/2006/relationships" xmlns:p="http://schemas.openxmlformats.org/presentationml/2006/main">
+  <p:cSld>
+    <p:bg>
+      <p:bgRef idx="1001">
+        <a:schemeClr val="bg1"/>
+      </p:bgRef>
+    </p:bg>
+    <p:spTree>
+      <p:nvGrpSpPr>
+        <p:cNvPr id="1" name=""/>
+        <p:cNvGrpSpPr/>
+        <p:nvPr/>
+      </p:nvGrpSpPr>
+      <p:grpSpPr>
+        <a:xfrm>
+          <a:off x="0" y="0"/>
+          <a:ext cx="0" cy="0"/>
+          <a:chOff x="0" y="0"/>
+          <a:chExt cx="0" cy="0"/>
+        </a:xfrm>
+      </p:grpSpPr>
+      <p:sp>
+        <p:nvSpPr>
+          <p:cNvPr id="2" name="Header Placeholder 1"/>
+          <p:cNvSpPr>
+            <a:spLocks noGrp="1"/>
+          </p:cNvSpPr>
+          <p:nvPr>
+            <p:ph type="hdr" sz="quarter"/>
+          </p:nvPr>
+        </p:nvSpPr>
+        <p:spPr>
+          <a:xfrm>
+            <a:off x="0" y="0"/>
+            <a:ext cx="2971800" cy="458788"/>
+          </a:xfrm>
+          <a:prstGeom prst="rect">
+            <a:avLst/>
+          </a:prstGeom>
+        </p:spPr>
+        <p:txBody>
+          <a:bodyPr vert="horz" lIns="91440" tIns="45720" rIns="91440" bIns="45720" rtlCol="0"/>
+          <a:lstStyle>
+            <a:lvl1pPr algn="l">
+              <a:defRPr sz="1200"/>
+            </a:lvl1pPr>
+          </a:lstStyle>
+          <a:p>
+            <a:endParaRPr lang="en-US"/>
+          </a:p>
+        </p:txBody>
+      </p:sp>
+      <p:sp>
+        <p:nvSpPr>
+          <p:cNvPr id="3" name="Date Placeholder 2"/>
+          <p:cNvSpPr>
+            <a:spLocks noGrp="1"/>
+          </p:cNvSpPr>
+          <p:nvPr>
+            <p:ph type="dt" idx="1"/>
+          </p:nvPr>
+        </p:nvSpPr>
+        <p:spPr>
+          <a:xfrm>
+            <a:off x="3884613" y="0"/>
+            <a:ext cx="2971800" cy="458788"/>
+          </a:xfrm>
+          <a:prstGeom prst="rect">
+            <a:avLst/>
+          </a:prstGeom>
+        </p:spPr>
+        <p:txBody>
+          <a:bodyPr vert="horz" lIns="91440" tIns="45720" rIns="91440" bIns="45720" rtlCol="0"/>
+          <a:lstStyle>
+            <a:lvl1pPr algn="r">
+              <a:defRPr sz="1200"/>
+            </a:lvl1pPr>
+          </a:lstStyle>
+          <a:p>
+            <a:fld id="{06FF8C2D-1974-B34C-A9F7-2B6CC62826B6}" type="datetimeFigureOut">
+              <a:rPr lang="en-US" smtClean="0"/>
+              <a:t>12/8/25</a:t>
+            </a:fld>
+            <a:endParaRPr lang="en-US"/>
+          </a:p>
+        </p:txBody>
+      </p:sp>
+      <p:sp>
+        <p:nvSpPr>
+          <p:cNvPr id="4" name="Slide Image Placeholder 3"/>
+          <p:cNvSpPr>
+            <a:spLocks noGrp="1" noRot="1" noChangeAspect="1"/>
+          </p:cNvSpPr>
+          <p:nvPr>
+            <p:ph type="sldImg" idx="2"/>
+          </p:nvPr>
+        </p:nvSpPr>
+        <p:spPr>
+          <a:xfrm>
+            <a:off x="685800" y="1143000"/>
+            <a:ext cx="5486400" cy="3086100"/>
+          </a:xfrm>
+          <a:prstGeom prst="rect">
+            <a:avLst/>
+          </a:prstGeom>
+          <a:noFill/>
+          <a:ln w="12700">
+            <a:solidFill>
+              <a:prstClr val="black"/>
+            </a:solidFill>
+          </a:ln>
+        </p:spPr>
+        <p:txBody>
+          <a:bodyPr vert="horz" lIns="91440" tIns="45720" rIns="91440" bIns="45720" rtlCol="0" anchor="ctr"/>
+          <a:lstStyle/>
+          <a:p>
+            <a:endParaRPr lang="en-US"/>
+          </a:p>
+        </p:txBody>
+      </p:sp>
+      <p:sp>
+        <p:nvSpPr>
+          <p:cNvPr id="5" name="Notes Placeholder 4"/>
+          <p:cNvSpPr>
+            <a:spLocks noGrp="1"/>
+          </p:cNvSpPr>
+          <p:nvPr>
+            <p:ph type="body" sz="quarter" idx="3"/>
+          </p:nvPr>
+        </p:nvSpPr>
+        <p:spPr>
+          <a:xfrm>
+            <a:off x="685800" y="4400550"/>
+            <a:ext cx="5486400" cy="3600450"/>
+          </a:xfrm>
+          <a:prstGeom prst="rect">
+            <a:avLst/>
+          </a:prstGeom>
+        </p:spPr>
+        <p:txBody>
+          <a:bodyPr vert="horz" lIns="91440" tIns="45720" rIns="91440" bIns="45720" rtlCol="0"/>
+          <a:lstStyle/>
+          <a:p>
+            <a:pPr lvl="0"/>
+            <a:r>
+              <a:rPr lang="en-US"/>
+              <a:t>Click to edit Master text styles</a:t>
+            </a:r>
+          </a:p>
+          <a:p>
+            <a:pPr lvl="1"/>
+            <a:r>
+              <a:rPr lang="en-US"/>
+              <a:t>Second level</a:t>
+            </a:r>
+          </a:p>
+          <a:p>
+            <a:pPr lvl="2"/>
+            <a:r>
+              <a:rPr lang="en-US"/>
+              <a:t>Third level</a:t>
+            </a:r>
+          </a:p>
+          <a:p>
+            <a:pPr lvl="3"/>
+            <a:r>
+              <a:rPr lang="en-US"/>
+              <a:t>Fourth level</a:t>
+            </a:r>
+          </a:p>
+          <a:p>
+            <a:pPr lvl="4"/>
+            <a:r>
+              <a:rPr lang="en-US"/>
+              <a:t>Fifth level</a:t>
+            </a:r>
+          </a:p>
+        </p:txBody>
+      </p:sp>
+      <p:sp>
+        <p:nvSpPr>
+          <p:cNvPr id="6" name="Footer Placeholder 5"/>
+          <p:cNvSpPr>
+            <a:spLocks noGrp="1"/>
+          </p:cNvSpPr>
+          <p:nvPr>
+            <p:ph type="ftr" sz="quarter" idx="4"/>
+          </p:nvPr>
+        </p:nvSpPr>
+        <p:spPr>
+          <a:xfrm>
+            <a:off x="0" y="8685213"/>
+            <a:ext cx="2971800" cy="458787"/>
+          </a:xfrm>
+          <a:prstGeom prst="rect">
+            <a:avLst/>
+          </a:prstGeom>
+        </p:spPr>
+        <p:txBody>
+          <a:bodyPr vert="horz" lIns="91440" tIns="45720" rIns="91440" bIns="45720" rtlCol="0" anchor="b"/>
+          <a:lstStyle>
+            <a:lvl1pPr algn="l">
+              <a:defRPr sz="1200"/>
+            </a:lvl1pPr>
+          </a:lstStyle>
+          <a:p>
+            <a:endParaRPr lang="en-US"/>
+          </a:p>
+        </p:txBody>
+      </p:sp>
+      <p:sp>
+        <p:nvSpPr>
+          <p:cNvPr id="7" name="Slide Number Placeholder 6"/>
+          <p:cNvSpPr>
+            <a:spLocks noGrp="1"/>
+          </p:cNvSpPr>
+          <p:nvPr>
+            <p:ph type="sldNum" sz="quarter" idx="5"/>
+          </p:nvPr>
+        </p:nvSpPr>
+        <p:spPr>
+          <a:xfrm>
+            <a:off x="3884613" y="8685213"/>
+            <a:ext cx="2971800" cy="458787"/>
+          </a:xfrm>
+          <a:prstGeom prst="rect">
+            <a:avLst/>
+          </a:prstGeom>
+        </p:spPr>
+        <p:txBody>
+          <a:bodyPr vert="horz" lIns="91440" tIns="45720" rIns="91440" bIns="45720" rtlCol="0" anchor="b"/>
+          <a:lstStyle>
+            <a:lvl1pPr algn="r">
+              <a:defRPr sz="1200"/>
+            </a:lvl1pPr>
+          </a:lstStyle>
+          <a:p>
+            <a:fld id="{4DF98691-0A2B-F348-A9C5-26A053336D5C}" type="slidenum">
+              <a:rPr lang="en-US" smtClean="0"/>
+              <a:t>‹#›</a:t>
+            </a:fld>
+            <a:endParaRPr lang="en-US"/>
+          </a:p>
+        </p:txBody>
+      </p:sp>
+    </p:spTree>
+    <p:extLst>
+      <p:ext uri="{BB962C8B-B14F-4D97-AF65-F5344CB8AC3E}">
+        <p14:creationId xmlns:p14="http://schemas.microsoft.com/office/powerpoint/2010/main" val="2304378722"/>
+      </p:ext>
+    </p:extLst>
+  </p:cSld>
+  <p:clrMap bg1="lt1" tx1="dk1" bg2="lt2" tx2="dk2" accent1="accent1" accent2="accent2" accent3="accent3" accent4="accent4" accent5="accent5" accent6="accent6" hlink="hlink" folHlink="folHlink"/>
+  <p:notesStyle>
+    <a:lvl1pPr marL="0" algn="l" defTabSz="914400" rtl="0" eaLnBrk="1" latinLnBrk="0" hangingPunct="1">
+      <a:defRPr sz="1200" kern="1200">
+        <a:solidFill>
+          <a:schemeClr val="tx1"/>
+        </a:solidFill>
+        <a:latin typeface="+mn-lt"/>
+        <a:ea typeface="+mn-ea"/>
+        <a:cs typeface="+mn-cs"/>
+      </a:defRPr>
+    </a:lvl1pPr>
+    <a:lvl2pPr marL="457200" algn="l" defTabSz="914400" rtl="0" eaLnBrk="1" latinLnBrk="0" hangingPunct="1">
+      <a:defRPr sz="1200" kern="1200">
+        <a:solidFill>
+          <a:schemeClr val="tx1"/>
+        </a:solidFill>
+        <a:latin typeface="+mn-lt"/>
+        <a:ea typeface="+mn-ea"/>
+        <a:cs typeface="+mn-cs"/>
+      </a:defRPr>
+    </a:lvl2pPr>
+    <a:lvl3pPr marL="914400" algn="l" defTabSz="914400" rtl="0" eaLnBrk="1" latinLnBrk="0" hangingPunct="1">
+      <a:defRPr sz="1200" kern="1200">
+        <a:solidFill>
+          <a:schemeClr val="tx1"/>
+        </a:solidFill>
+        <a:latin typeface="+mn-lt"/>
+        <a:ea typeface="+mn-ea"/>
+        <a:cs typeface="+mn-cs"/>
+      </a:defRPr>
+    </a:lvl3pPr>
+    <a:lvl4pPr marL="1371600" algn="l" defTabSz="914400" rtl="0" eaLnBrk="1" latinLnBrk="0" hangingPunct="1">
+      <a:defRPr sz="1200" kern="1200">
+        <a:solidFill>
+          <a:schemeClr val="tx1"/>
+        </a:solidFill>
+        <a:latin typeface="+mn-lt"/>
+        <a:ea typeface="+mn-ea"/>
+        <a:cs typeface="+mn-cs"/>
+      </a:defRPr>
+    </a:lvl4pPr>
+    <a:lvl5pPr marL="1828800" algn="l" defTabSz="914400" rtl="0" eaLnBrk="1" latinLnBrk="0" hangingPunct="1">
+      <a:defRPr sz="1200" kern="1200">
+        <a:solidFill>
+          <a:schemeClr val="tx1"/>
+        </a:solidFill>
+        <a:latin typeface="+mn-lt"/>
+        <a:ea typeface="+mn-ea"/>
+        <a:cs typeface="+mn-cs"/>
+      </a:defRPr>
+    </a:lvl5pPr>
+    <a:lvl6pPr marL="2286000" algn="l" defTabSz="914400" rtl="0" eaLnBrk="1" latinLnBrk="0" hangingPunct="1">
+      <a:defRPr sz="1200" kern="1200">
+        <a:solidFill>
+          <a:schemeClr val="tx1"/>
+        </a:solidFill>
+        <a:latin typeface="+mn-lt"/>
+        <a:ea typeface="+mn-ea"/>
+        <a:cs typeface="+mn-cs"/>
+      </a:defRPr>
+    </a:lvl6pPr>
+    <a:lvl7pPr marL="2743200" algn="l" defTabSz="914400" rtl="0" eaLnBrk="1" latinLnBrk="0" hangingPunct="1">
+      <a:defRPr sz="1200" kern="1200">
+        <a:solidFill>
+          <a:schemeClr val="tx1"/>
+        </a:solidFill>
+        <a:latin typeface="+mn-lt"/>
+        <a:ea typeface="+mn-ea"/>
+        <a:cs typeface="+mn-cs"/>
+      </a:defRPr>
+    </a:lvl7pPr>
+    <a:lvl8pPr marL="3200400" algn="l" defTabSz="914400" rtl="0" eaLnBrk="1" latinLnBrk="0" hangingPunct="1">
+      <a:defRPr sz="1200" kern="1200">
+        <a:solidFill>
+          <a:schemeClr val="tx1"/>
+        </a:solidFill>
+        <a:latin typeface="+mn-lt"/>
+        <a:ea typeface="+mn-ea"/>
+        <a:cs typeface="+mn-cs"/>
+      </a:defRPr>
+    </a:lvl8pPr>
+    <a:lvl9pPr marL="3657600" algn="l" defTabSz="914400" rtl="0" eaLnBrk="1" latinLnBrk="0" hangingPunct="1">
+      <a:defRPr sz="1200" kern="1200">
+        <a:solidFill>
+          <a:schemeClr val="tx1"/>
+        </a:solidFill>
+        <a:latin typeface="+mn-lt"/>
+        <a:ea typeface="+mn-ea"/>
+        <a:cs typeface="+mn-cs"/>
+      </a:defRPr>
+    </a:lvl9pPr>
+  </p:notesStyle>
+</p:notesMaster>
+</file>
+
+<file path=ppt/notesSlides/notesSlide1.xml><?xml version="1.0" encoding="utf-8"?>
+<p:notes xmlns:a="http://schemas.openxmlformats.org/drawingml/2006/main" xmlns:r="http://schemas.openxmlformats.org/officeDocument/2006/relationships" xmlns:p="http://schemas.openxmlformats.org/presentationml/2006/main">
+  <p:cSld>
+    <p:spTree>
+      <p:nvGrpSpPr>
+        <p:cNvPr id="1" name=""/>
+        <p:cNvGrpSpPr/>
+        <p:nvPr/>
+      </p:nvGrpSpPr>
+      <p:grpSpPr>
+        <a:xfrm>
+          <a:off x="0" y="0"/>
+          <a:ext cx="0" cy="0"/>
+          <a:chOff x="0" y="0"/>
+          <a:chExt cx="0" cy="0"/>
+        </a:xfrm>
+      </p:grpSpPr>
+      <p:sp>
+        <p:nvSpPr>
+          <p:cNvPr id="2" name="Slide Image Placeholder 1"/>
+          <p:cNvSpPr>
+            <a:spLocks noGrp="1" noRot="1" noChangeAspect="1"/>
+          </p:cNvSpPr>
+          <p:nvPr>
+            <p:ph type="sldImg"/>
+          </p:nvPr>
+        </p:nvSpPr>
+        <p:spPr/>
+      </p:sp>
+      <p:sp>
+        <p:nvSpPr>
+          <p:cNvPr id="3" name="Notes Placeholder 2"/>
+          <p:cNvSpPr>
+            <a:spLocks noGrp="1"/>
+          </p:cNvSpPr>
+          <p:nvPr>
+            <p:ph type="body" idx="1"/>
+          </p:nvPr>
+        </p:nvSpPr>
+        <p:spPr/>
+        <p:txBody>
+          <a:bodyPr/>
+          <a:lstStyle/>
+          <a:p>
+            <a:endParaRPr lang="en-US" dirty="0"/>
+          </a:p>
+        </p:txBody>
+      </p:sp>
+      <p:sp>
+        <p:nvSpPr>
+          <p:cNvPr id="4" name="Slide Number Placeholder 3"/>
+          <p:cNvSpPr>
+            <a:spLocks noGrp="1"/>
+          </p:cNvSpPr>
+          <p:nvPr>
+            <p:ph type="sldNum" sz="quarter" idx="5"/>
+          </p:nvPr>
+        </p:nvSpPr>
+        <p:spPr/>
+        <p:txBody>
+          <a:bodyPr/>
+          <a:lstStyle/>
+          <a:p>
+            <a:fld id="{4DF98691-0A2B-F348-A9C5-26A053336D5C}" type="slidenum">
+              <a:rPr lang="en-US" smtClean="0"/>
+              <a:t>6</a:t>
+            </a:fld>
+            <a:endParaRPr lang="en-US"/>
+          </a:p>
+        </p:txBody>
+      </p:sp>
+    </p:spTree>
+    <p:extLst>
+      <p:ext uri="{BB962C8B-B14F-4D97-AF65-F5344CB8AC3E}">
+        <p14:creationId xmlns:p14="http://schemas.microsoft.com/office/powerpoint/2010/main" val="987005201"/>
+      </p:ext>
+    </p:extLst>
+  </p:cSld>
+  <p:clrMapOvr>
+    <a:masterClrMapping/>
+  </p:clrMapOvr>
+</p:notes>
 </file>
 
 <file path=ppt/slideLayouts/slideLayout1.xml><?xml version="1.0" encoding="utf-8"?>
@@ -3179,7 +9272,7 @@
           <a:p>
             <a:fld id="{83284890-85D2-4D7B-8EF5-15A9C1DB8F42}" type="datetimeFigureOut">
               <a:rPr lang="en-US" smtClean="0"/>
-              <a:t>12/6/25</a:t>
+              <a:t>12/7/25</a:t>
             </a:fld>
             <a:endParaRPr lang="en-US"/>
           </a:p>
@@ -3357,7 +9450,7 @@
           <a:p>
             <a:fld id="{87157CC2-0FC8-4686-B024-99790E0F5162}" type="datetimeFigureOut">
               <a:rPr lang="en-US" smtClean="0"/>
-              <a:t>12/6/25</a:t>
+              <a:t>12/7/25</a:t>
             </a:fld>
             <a:endParaRPr lang="en-US"/>
           </a:p>
@@ -3537,7 +9630,7 @@
           <a:p>
             <a:fld id="{F6764DA5-CD3D-4590-A511-FCD3BC7A793E}" type="datetimeFigureOut">
               <a:rPr lang="en-US" smtClean="0"/>
-              <a:t>12/6/25</a:t>
+              <a:t>12/7/25</a:t>
             </a:fld>
             <a:endParaRPr lang="en-US"/>
           </a:p>
@@ -3707,7 +9800,7 @@
           <a:p>
             <a:fld id="{82F5661D-6934-4B32-B92C-470368BF1EC6}" type="datetimeFigureOut">
               <a:rPr lang="en-US" smtClean="0"/>
-              <a:t>12/6/25</a:t>
+              <a:t>12/7/25</a:t>
             </a:fld>
             <a:endParaRPr lang="en-US"/>
           </a:p>
@@ -4028,7 +10121,7 @@
           <a:p>
             <a:fld id="{C6F822A4-8DA6-4447-9B1F-C5DB58435268}" type="datetimeFigureOut">
               <a:rPr lang="en-US" smtClean="0"/>
-              <a:t>12/6/25</a:t>
+              <a:t>12/7/25</a:t>
             </a:fld>
             <a:endParaRPr lang="en-US" dirty="0"/>
           </a:p>
@@ -4489,7 +10582,7 @@
           <a:p>
             <a:fld id="{E548D31E-DCDA-41A7-9C67-C4B11B94D21D}" type="datetimeFigureOut">
               <a:rPr lang="en-US" smtClean="0"/>
-              <a:t>12/6/25</a:t>
+              <a:t>12/7/25</a:t>
             </a:fld>
             <a:endParaRPr lang="en-US"/>
           </a:p>
@@ -4900,7 +10993,7 @@
           <a:p>
             <a:fld id="{9B3762C0-B258-48F1-ADE6-176B4174CCDD}" type="datetimeFigureOut">
               <a:rPr lang="en-US" smtClean="0"/>
-              <a:t>12/6/25</a:t>
+              <a:t>12/7/25</a:t>
             </a:fld>
             <a:endParaRPr lang="en-US"/>
           </a:p>
@@ -5018,7 +11111,7 @@
           <a:p>
             <a:fld id="{677919A6-33EB-49BD-A62F-1FA56B9F9712}" type="datetimeFigureOut">
               <a:rPr lang="en-US" smtClean="0"/>
-              <a:t>12/6/25</a:t>
+              <a:t>12/7/25</a:t>
             </a:fld>
             <a:endParaRPr lang="en-US"/>
           </a:p>
@@ -5135,7 +11228,7 @@
           <a:p>
             <a:fld id="{CA4E7D1B-D673-4CF6-8672-009D42ABD2A0}" type="datetimeFigureOut">
               <a:rPr lang="en-US" smtClean="0"/>
-              <a:t>12/6/25</a:t>
+              <a:t>12/7/25</a:t>
             </a:fld>
             <a:endParaRPr lang="en-US"/>
           </a:p>
@@ -5493,7 +11586,7 @@
           <a:p>
             <a:fld id="{DA16AA21-1863-4931-97CB-99D0A168701B}" type="datetimeFigureOut">
               <a:rPr lang="en-US" smtClean="0"/>
-              <a:t>12/6/25</a:t>
+              <a:t>12/7/25</a:t>
             </a:fld>
             <a:endParaRPr lang="en-US"/>
           </a:p>
@@ -6000,7 +12093,7 @@
           <a:p>
             <a:fld id="{3772C379-9A7C-4C87-A116-CBE9F58B04C5}" type="datetimeFigureOut">
               <a:rPr lang="en-US" smtClean="0"/>
-              <a:t>12/6/25</a:t>
+              <a:t>12/7/25</a:t>
             </a:fld>
             <a:endParaRPr lang="en-US"/>
           </a:p>
@@ -6355,7 +12448,7 @@
           <a:p>
             <a:fld id="{8664C608-40B1-4030-A28D-5B74BC98ADCE}" type="datetimeFigureOut">
               <a:rPr lang="en-US" smtClean="0"/>
-              <a:t>12/6/25</a:t>
+              <a:t>12/7/25</a:t>
             </a:fld>
             <a:endParaRPr lang="en-US" dirty="0"/>
           </a:p>
@@ -7431,6 +13524,529 @@
 </p:sld>
 </file>
 
+<file path=ppt/slides/slide10.xml><?xml version="1.0" encoding="utf-8"?>
+<p:sld xmlns:a="http://schemas.openxmlformats.org/drawingml/2006/main" xmlns:r="http://schemas.openxmlformats.org/officeDocument/2006/relationships" xmlns:p="http://schemas.openxmlformats.org/presentationml/2006/main">
+  <p:cSld>
+    <p:bg>
+      <p:bgPr>
+        <a:solidFill>
+          <a:schemeClr val="bg1"/>
+        </a:solidFill>
+        <a:effectLst/>
+      </p:bgPr>
+    </p:bg>
+    <p:spTree>
+      <p:nvGrpSpPr>
+        <p:cNvPr id="1" name=""/>
+        <p:cNvGrpSpPr/>
+        <p:nvPr/>
+      </p:nvGrpSpPr>
+      <p:grpSpPr>
+        <a:xfrm>
+          <a:off x="0" y="0"/>
+          <a:ext cx="0" cy="0"/>
+          <a:chOff x="0" y="0"/>
+          <a:chExt cx="0" cy="0"/>
+        </a:xfrm>
+      </p:grpSpPr>
+      <p:pic>
+        <p:nvPicPr>
+          <p:cNvPr id="4098" name="Picture 2" descr="200+ Key Takeaway Stock Illustrations ...">
+            <a:extLst>
+              <a:ext uri="{FF2B5EF4-FFF2-40B4-BE49-F238E27FC236}">
+                <a16:creationId xmlns:a16="http://schemas.microsoft.com/office/drawing/2014/main" id="{D5041ED2-9F0E-30FD-F6DE-CD2901F28B34}"/>
+              </a:ext>
+            </a:extLst>
+          </p:cNvPr>
+          <p:cNvPicPr>
+            <a:picLocks noChangeAspect="1" noChangeArrowheads="1"/>
+          </p:cNvPicPr>
+          <p:nvPr/>
+        </p:nvPicPr>
+        <p:blipFill>
+          <a:blip r:embed="rId2">
+            <a:extLst>
+              <a:ext uri="{28A0092B-C50C-407E-A947-70E740481C1C}">
+                <a14:useLocalDpi xmlns:a14="http://schemas.microsoft.com/office/drawing/2010/main" val="0"/>
+              </a:ext>
+            </a:extLst>
+          </a:blip>
+          <a:srcRect t="12960" r="2" b="12216"/>
+          <a:stretch>
+            <a:fillRect/>
+          </a:stretch>
+        </p:blipFill>
+        <p:spPr bwMode="auto">
+          <a:xfrm>
+            <a:off x="0" y="3509434"/>
+            <a:ext cx="4475150" cy="3348566"/>
+          </a:xfrm>
+          <a:prstGeom prst="rect">
+            <a:avLst/>
+          </a:prstGeom>
+          <a:noFill/>
+          <a:extLst>
+            <a:ext uri="{909E8E84-426E-40DD-AFC4-6F175D3DCCD1}">
+              <a14:hiddenFill xmlns:a14="http://schemas.microsoft.com/office/drawing/2010/main">
+                <a:solidFill>
+                  <a:srgbClr val="FFFFFF"/>
+                </a:solidFill>
+              </a14:hiddenFill>
+            </a:ext>
+          </a:extLst>
+        </p:spPr>
+      </p:pic>
+      <p:sp>
+        <p:nvSpPr>
+          <p:cNvPr id="4122" name="Rectangle 4121">
+            <a:extLst>
+              <a:ext uri="{FF2B5EF4-FFF2-40B4-BE49-F238E27FC236}">
+                <a16:creationId xmlns:a16="http://schemas.microsoft.com/office/drawing/2014/main" id="{881BB01C-2DAE-48BD-8E81-DAE2E1BC4DA8}"/>
+              </a:ext>
+              <a:ext uri="{C183D7F6-B498-43B3-948B-1728B52AA6E4}">
+                <adec:decorative xmlns:adec="http://schemas.microsoft.com/office/drawing/2017/decorative" val="1"/>
+              </a:ext>
+            </a:extLst>
+          </p:cNvPr>
+          <p:cNvSpPr>
+            <a:spLocks noGrp="1" noRot="1" noChangeAspect="1" noMove="1" noResize="1" noEditPoints="1" noAdjustHandles="1" noChangeArrowheads="1" noChangeShapeType="1" noTextEdit="1"/>
+          </p:cNvSpPr>
+          <p:nvPr>
+            <p:extLst>
+              <p:ext uri="{386F3935-93C4-4BCD-93E2-E3B085C9AB24}">
+                <p16:designElem xmlns:p16="http://schemas.microsoft.com/office/powerpoint/2015/main" val="1"/>
+              </p:ext>
+            </p:extLst>
+          </p:nvPr>
+        </p:nvSpPr>
+        <p:spPr>
+          <a:xfrm>
+            <a:off x="4650070" y="0"/>
+            <a:ext cx="7541930" cy="6857999"/>
+          </a:xfrm>
+          <a:prstGeom prst="rect">
+            <a:avLst/>
+          </a:prstGeom>
+          <a:blipFill dpi="0" rotWithShape="1">
+            <a:blip r:embed="rId3">
+              <a:alphaModFix amt="60000"/>
+              <a:lum bright="70000" contrast="-70000"/>
+              <a:extLst>
+                <a:ext uri="{BEBA8EAE-BF5A-486C-A8C5-ECC9F3942E4B}">
+                  <a14:imgProps xmlns:a14="http://schemas.microsoft.com/office/drawing/2010/main">
+                    <a14:imgLayer r:embed="rId4">
+                      <a14:imgEffect>
+                        <a14:sharpenSoften amount="61000"/>
+                      </a14:imgEffect>
+                    </a14:imgLayer>
+                  </a14:imgProps>
+                </a:ext>
+                <a:ext uri="{28A0092B-C50C-407E-A947-70E740481C1C}">
+                  <a14:useLocalDpi xmlns:a14="http://schemas.microsoft.com/office/drawing/2010/main" val="0"/>
+                </a:ext>
+              </a:extLst>
+            </a:blip>
+            <a:srcRect/>
+            <a:tile tx="0" ty="-704850" sx="92000" sy="89000" flip="xy" algn="ctr"/>
+          </a:blipFill>
+          <a:ln>
+            <a:noFill/>
+          </a:ln>
+        </p:spPr>
+        <p:style>
+          <a:lnRef idx="2">
+            <a:schemeClr val="accent1">
+              <a:shade val="50000"/>
+            </a:schemeClr>
+          </a:lnRef>
+          <a:fillRef idx="1">
+            <a:schemeClr val="accent1"/>
+          </a:fillRef>
+          <a:effectRef idx="0">
+            <a:schemeClr val="accent1"/>
+          </a:effectRef>
+          <a:fontRef idx="minor">
+            <a:schemeClr val="lt1"/>
+          </a:fontRef>
+        </p:style>
+        <p:txBody>
+          <a:bodyPr rtlCol="0" anchor="ctr"/>
+          <a:lstStyle/>
+          <a:p>
+            <a:pPr algn="ctr"/>
+            <a:endParaRPr lang="en-US"/>
+          </a:p>
+        </p:txBody>
+      </p:sp>
+      <p:sp>
+        <p:nvSpPr>
+          <p:cNvPr id="2" name="Title 1">
+            <a:extLst>
+              <a:ext uri="{FF2B5EF4-FFF2-40B4-BE49-F238E27FC236}">
+                <a16:creationId xmlns:a16="http://schemas.microsoft.com/office/drawing/2014/main" id="{CFB903F8-8982-ABD0-1DE2-E2D627862833}"/>
+              </a:ext>
+            </a:extLst>
+          </p:cNvPr>
+          <p:cNvSpPr>
+            <a:spLocks noGrp="1"/>
+          </p:cNvSpPr>
+          <p:nvPr>
+            <p:ph type="title"/>
+          </p:nvPr>
+        </p:nvSpPr>
+        <p:spPr>
+          <a:xfrm>
+            <a:off x="4970109" y="484632"/>
+            <a:ext cx="6730277" cy="1609344"/>
+          </a:xfrm>
+          <a:ln>
+            <a:noFill/>
+          </a:ln>
+        </p:spPr>
+        <p:txBody>
+          <a:bodyPr>
+            <a:normAutofit/>
+          </a:bodyPr>
+          <a:lstStyle/>
+          <a:p>
+            <a:r>
+              <a:rPr lang="en-US" sz="4800"/>
+              <a:t>Key Takeaways</a:t>
+            </a:r>
+          </a:p>
+        </p:txBody>
+      </p:sp>
+      <p:pic>
+        <p:nvPicPr>
+          <p:cNvPr id="4100" name="Picture 4" descr="Why Is Coffee Called Java?">
+            <a:extLst>
+              <a:ext uri="{FF2B5EF4-FFF2-40B4-BE49-F238E27FC236}">
+                <a16:creationId xmlns:a16="http://schemas.microsoft.com/office/drawing/2014/main" id="{27EC384D-901A-8B64-57AA-0F468FD52422}"/>
+              </a:ext>
+            </a:extLst>
+          </p:cNvPr>
+          <p:cNvPicPr>
+            <a:picLocks noChangeAspect="1" noChangeArrowheads="1"/>
+          </p:cNvPicPr>
+          <p:nvPr/>
+        </p:nvPicPr>
+        <p:blipFill>
+          <a:blip r:embed="rId5">
+            <a:extLst>
+              <a:ext uri="{28A0092B-C50C-407E-A947-70E740481C1C}">
+                <a14:useLocalDpi xmlns:a14="http://schemas.microsoft.com/office/drawing/2010/main" val="0"/>
+              </a:ext>
+            </a:extLst>
+          </a:blip>
+          <a:srcRect l="9437" r="11112" b="1"/>
+          <a:stretch>
+            <a:fillRect/>
+          </a:stretch>
+        </p:blipFill>
+        <p:spPr bwMode="auto">
+          <a:xfrm>
+            <a:off x="3344" y="10"/>
+            <a:ext cx="4475150" cy="3348557"/>
+          </a:xfrm>
+          <a:prstGeom prst="rect">
+            <a:avLst/>
+          </a:prstGeom>
+          <a:noFill/>
+          <a:extLst>
+            <a:ext uri="{909E8E84-426E-40DD-AFC4-6F175D3DCCD1}">
+              <a14:hiddenFill xmlns:a14="http://schemas.microsoft.com/office/drawing/2010/main">
+                <a:solidFill>
+                  <a:srgbClr val="FFFFFF"/>
+                </a:solidFill>
+              </a14:hiddenFill>
+            </a:ext>
+          </a:extLst>
+        </p:spPr>
+      </p:pic>
+      <p:sp>
+        <p:nvSpPr>
+          <p:cNvPr id="3" name="Content Placeholder 2">
+            <a:extLst>
+              <a:ext uri="{FF2B5EF4-FFF2-40B4-BE49-F238E27FC236}">
+                <a16:creationId xmlns:a16="http://schemas.microsoft.com/office/drawing/2014/main" id="{8B849C90-C36C-A21F-B8CD-3C46E7BBEB98}"/>
+              </a:ext>
+            </a:extLst>
+          </p:cNvPr>
+          <p:cNvSpPr>
+            <a:spLocks noGrp="1"/>
+          </p:cNvSpPr>
+          <p:nvPr>
+            <p:ph idx="1"/>
+          </p:nvPr>
+        </p:nvSpPr>
+        <p:spPr>
+          <a:xfrm>
+            <a:off x="4970109" y="2121408"/>
+            <a:ext cx="6730276" cy="4050792"/>
+          </a:xfrm>
+        </p:spPr>
+        <p:txBody>
+          <a:bodyPr>
+            <a:normAutofit/>
+          </a:bodyPr>
+          <a:lstStyle/>
+          <a:p>
+            <a:r>
+              <a:rPr lang="en-US" sz="1800" dirty="0"/>
+              <a:t>Jacob </a:t>
+            </a:r>
+            <a:r>
+              <a:rPr lang="en-US" sz="1800" dirty="0">
+                <a:sym typeface="Wingdings" pitchFamily="2" charset="2"/>
+              </a:rPr>
+              <a:t> learning similar information presented in a new manner allows us to learn and realize things we never did before</a:t>
+            </a:r>
+          </a:p>
+          <a:p>
+            <a:r>
+              <a:rPr lang="en-US" sz="1800">
+                <a:sym typeface="Wingdings" pitchFamily="2" charset="2"/>
+              </a:rPr>
+              <a:t>Qing </a:t>
+            </a:r>
+            <a:r>
+              <a:rPr lang="en-US" sz="1800" dirty="0">
+                <a:sym typeface="Wingdings" pitchFamily="2" charset="2"/>
+              </a:rPr>
+              <a:t> understanding how object-oriented design works like building blocks. You start with simple, well-defined models and entities, then combine them together using architectural patterns to create something complex and scalable. It's not just about writing code that works, but about thinking systematically how different pieces fit together.</a:t>
+            </a:r>
+          </a:p>
+          <a:p>
+            <a:r>
+              <a:rPr lang="en-US" sz="1800" dirty="0">
+                <a:sym typeface="Wingdings" pitchFamily="2" charset="2"/>
+              </a:rPr>
+              <a:t>Lotus  </a:t>
+            </a:r>
+            <a:r>
+              <a:rPr lang="en-US" sz="1800" dirty="0">
+                <a:solidFill>
+                  <a:srgbClr val="FF0000"/>
+                </a:solidFill>
+                <a:sym typeface="Wingdings" pitchFamily="2" charset="2"/>
+              </a:rPr>
+              <a:t>INSERT HERE PLEASE</a:t>
+            </a:r>
+            <a:endParaRPr lang="en-US" sz="1800" dirty="0">
+              <a:solidFill>
+                <a:srgbClr val="FF0000"/>
+              </a:solidFill>
+            </a:endParaRPr>
+          </a:p>
+        </p:txBody>
+      </p:sp>
+      <p:grpSp>
+        <p:nvGrpSpPr>
+          <p:cNvPr id="4119" name="Group 4118">
+            <a:extLst>
+              <a:ext uri="{FF2B5EF4-FFF2-40B4-BE49-F238E27FC236}">
+                <a16:creationId xmlns:a16="http://schemas.microsoft.com/office/drawing/2014/main" id="{AD55FF18-1979-4730-A345-E74E328F0777}"/>
+              </a:ext>
+              <a:ext uri="{C183D7F6-B498-43B3-948B-1728B52AA6E4}">
+                <adec:decorative xmlns:adec="http://schemas.microsoft.com/office/drawing/2017/decorative" val="1"/>
+              </a:ext>
+            </a:extLst>
+          </p:cNvPr>
+          <p:cNvGrpSpPr>
+            <a:grpSpLocks noGrp="1" noUngrp="1" noRot="1" noChangeAspect="1" noMove="1" noResize="1"/>
+          </p:cNvGrpSpPr>
+          <p:nvPr>
+            <p:extLst>
+              <p:ext uri="{386F3935-93C4-4BCD-93E2-E3B085C9AB24}">
+                <p16:designElem xmlns:p16="http://schemas.microsoft.com/office/powerpoint/2015/main" val="1"/>
+              </p:ext>
+            </p:extLst>
+          </p:nvPr>
+        </p:nvGrpSpPr>
+        <p:grpSpPr>
+          <a:xfrm>
+            <a:off x="11401725" y="6229681"/>
+            <a:ext cx="457200" cy="457200"/>
+            <a:chOff x="11361456" y="6195813"/>
+            <a:chExt cx="548640" cy="548640"/>
+          </a:xfrm>
+        </p:grpSpPr>
+        <p:sp>
+          <p:nvSpPr>
+            <p:cNvPr id="4120" name="Oval 4119">
+              <a:extLst>
+                <a:ext uri="{FF2B5EF4-FFF2-40B4-BE49-F238E27FC236}">
+                  <a16:creationId xmlns:a16="http://schemas.microsoft.com/office/drawing/2014/main" id="{6F8381C4-0751-4A6E-BFF7-48DF67BFA087}"/>
+                </a:ext>
+                <a:ext uri="{C183D7F6-B498-43B3-948B-1728B52AA6E4}">
+                  <adec:decorative xmlns:adec="http://schemas.microsoft.com/office/drawing/2017/decorative" val="1"/>
+                </a:ext>
+              </a:extLst>
+            </p:cNvPr>
+            <p:cNvSpPr/>
+            <p:nvPr>
+              <p:extLst>
+                <p:ext uri="{386F3935-93C4-4BCD-93E2-E3B085C9AB24}">
+                  <p16:designElem xmlns:p16="http://schemas.microsoft.com/office/powerpoint/2015/main" val="1"/>
+                </p:ext>
+              </p:extLst>
+            </p:nvPr>
+          </p:nvSpPr>
+          <p:spPr>
+            <a:xfrm>
+              <a:off x="11361456" y="6195813"/>
+              <a:ext cx="548640" cy="548640"/>
+            </a:xfrm>
+            <a:prstGeom prst="ellipse">
+              <a:avLst/>
+            </a:prstGeom>
+            <a:blipFill dpi="0" rotWithShape="1">
+              <a:blip r:embed="rId6">
+                <a:duotone>
+                  <a:schemeClr val="accent1">
+                    <a:shade val="45000"/>
+                    <a:satMod val="135000"/>
+                  </a:schemeClr>
+                  <a:prstClr val="white"/>
+                </a:duotone>
+              </a:blip>
+              <a:srcRect/>
+              <a:tile tx="50800" ty="0" sx="85000" sy="85000" flip="none" algn="tl"/>
+            </a:blipFill>
+            <a:ln w="25400" cap="flat" cmpd="sng" algn="ctr">
+              <a:noFill/>
+              <a:prstDash val="solid"/>
+            </a:ln>
+            <a:effectLst/>
+          </p:spPr>
+          <p:txBody>
+            <a:bodyPr lIns="0" tIns="0" rIns="0" bIns="0" rtlCol="0" anchor="ctr"/>
+            <a:lstStyle/>
+            <a:p>
+              <a:pPr marL="0" marR="0" lvl="0" indent="0" algn="ctr" defTabSz="914400" eaLnBrk="1" fontAlgn="auto" latinLnBrk="0" hangingPunct="1">
+                <a:lnSpc>
+                  <a:spcPct val="100000"/>
+                </a:lnSpc>
+                <a:spcBef>
+                  <a:spcPts val="0"/>
+                </a:spcBef>
+                <a:spcAft>
+                  <a:spcPts val="0"/>
+                </a:spcAft>
+                <a:buClrTx/>
+                <a:buSzTx/>
+                <a:buFontTx/>
+                <a:buNone/>
+                <a:tabLst/>
+                <a:defRPr/>
+              </a:pPr>
+              <a:endParaRPr kumimoji="0" lang="en-US" sz="2000" b="0" i="0" u="none" strike="noStrike" kern="0" cap="none" spc="0" normalizeH="0" baseline="0" noProof="0" dirty="0">
+                <a:ln>
+                  <a:noFill/>
+                </a:ln>
+                <a:solidFill>
+                  <a:prstClr val="white"/>
+                </a:solidFill>
+                <a:effectLst/>
+                <a:uLnTx/>
+                <a:uFillTx/>
+                <a:latin typeface="Rockwell Extra Bold" pitchFamily="18" charset="0"/>
+                <a:ea typeface="+mn-ea"/>
+                <a:cs typeface="+mn-cs"/>
+              </a:endParaRPr>
+            </a:p>
+          </p:txBody>
+        </p:sp>
+        <p:sp>
+          <p:nvSpPr>
+            <p:cNvPr id="4121" name="Oval 4120">
+              <a:extLst>
+                <a:ext uri="{FF2B5EF4-FFF2-40B4-BE49-F238E27FC236}">
+                  <a16:creationId xmlns:a16="http://schemas.microsoft.com/office/drawing/2014/main" id="{F7320C1D-D7A9-4392-B3B6-ACEF193A8D66}"/>
+                </a:ext>
+                <a:ext uri="{C183D7F6-B498-43B3-948B-1728B52AA6E4}">
+                  <adec:decorative xmlns:adec="http://schemas.microsoft.com/office/drawing/2017/decorative" val="1"/>
+                </a:ext>
+              </a:extLst>
+            </p:cNvPr>
+            <p:cNvSpPr/>
+            <p:nvPr>
+              <p:extLst>
+                <p:ext uri="{386F3935-93C4-4BCD-93E2-E3B085C9AB24}">
+                  <p16:designElem xmlns:p16="http://schemas.microsoft.com/office/powerpoint/2015/main" val="1"/>
+                </p:ext>
+              </p:extLst>
+            </p:nvPr>
+          </p:nvSpPr>
+          <p:spPr>
+            <a:xfrm>
+              <a:off x="11396488" y="6230844"/>
+              <a:ext cx="478576" cy="478578"/>
+            </a:xfrm>
+            <a:prstGeom prst="ellipse">
+              <a:avLst/>
+            </a:prstGeom>
+            <a:noFill/>
+            <a:ln w="12700" cap="flat" cmpd="sng" algn="ctr">
+              <a:solidFill>
+                <a:srgbClr val="FFFFFF"/>
+              </a:solidFill>
+              <a:prstDash val="solid"/>
+            </a:ln>
+            <a:effectLst/>
+          </p:spPr>
+          <p:txBody>
+            <a:bodyPr rtlCol="0" anchor="ctr"/>
+            <a:lstStyle/>
+            <a:p>
+              <a:pPr marL="0" marR="0" lvl="0" indent="0" algn="ctr" defTabSz="914400" eaLnBrk="1" fontAlgn="auto" latinLnBrk="0" hangingPunct="1">
+                <a:lnSpc>
+                  <a:spcPct val="100000"/>
+                </a:lnSpc>
+                <a:spcBef>
+                  <a:spcPts val="0"/>
+                </a:spcBef>
+                <a:spcAft>
+                  <a:spcPts val="0"/>
+                </a:spcAft>
+                <a:buClrTx/>
+                <a:buSzTx/>
+                <a:buFontTx/>
+                <a:buNone/>
+                <a:tabLst/>
+                <a:defRPr/>
+              </a:pPr>
+              <a:endParaRPr kumimoji="0" lang="en-US" sz="1800" b="0" i="0" u="none" strike="noStrike" kern="0" cap="none" spc="0" normalizeH="0" baseline="0" noProof="0" dirty="0">
+                <a:ln>
+                  <a:noFill/>
+                </a:ln>
+                <a:solidFill>
+                  <a:prstClr val="white"/>
+                </a:solidFill>
+                <a:effectLst/>
+                <a:uLnTx/>
+                <a:uFillTx/>
+                <a:latin typeface="Calibri"/>
+                <a:ea typeface="+mn-ea"/>
+                <a:cs typeface="+mn-cs"/>
+              </a:endParaRPr>
+            </a:p>
+          </p:txBody>
+        </p:sp>
+      </p:grpSp>
+    </p:spTree>
+    <p:extLst>
+      <p:ext uri="{BB962C8B-B14F-4D97-AF65-F5344CB8AC3E}">
+        <p14:creationId xmlns:p14="http://schemas.microsoft.com/office/powerpoint/2010/main" val="4007444431"/>
+      </p:ext>
+    </p:extLst>
+  </p:cSld>
+  <p:clrMapOvr>
+    <a:masterClrMapping/>
+  </p:clrMapOvr>
+</p:sld>
+</file>
+
 <file path=ppt/slides/slide2.xml><?xml version="1.0" encoding="utf-8"?>
 <p:sld xmlns:a="http://schemas.openxmlformats.org/drawingml/2006/main" xmlns:r="http://schemas.openxmlformats.org/officeDocument/2006/relationships" xmlns:p="http://schemas.openxmlformats.org/presentationml/2006/main">
   <p:cSld>
@@ -7996,12 +14612,12 @@
           <a:chExt cx="0" cy="0"/>
         </a:xfrm>
       </p:grpSpPr>
-      <p:sp>
+      <p:sp useBgFill="1">
         <p:nvSpPr>
-          <p:cNvPr id="10" name="Rectangle 9">
+          <p:cNvPr id="19" name="Rectangle 18">
             <a:extLst>
               <a:ext uri="{FF2B5EF4-FFF2-40B4-BE49-F238E27FC236}">
-                <a16:creationId xmlns:a16="http://schemas.microsoft.com/office/drawing/2014/main" id="{89C8D586-1ECD-4981-BED2-97336112C0AD}"/>
+                <a16:creationId xmlns:a16="http://schemas.microsoft.com/office/drawing/2014/main" id="{E009DD9B-5EE2-4C0D-8B2B-351C8C102205}"/>
               </a:ext>
               <a:ext uri="{C183D7F6-B498-43B3-948B-1728B52AA6E4}">
                 <adec:decorative xmlns:adec="http://schemas.microsoft.com/office/drawing/2017/decorative" val="1"/>
@@ -8022,16 +14638,195 @@
         <p:spPr>
           <a:xfrm>
             <a:off x="0" y="0"/>
-            <a:ext cx="12191999" cy="6857999"/>
+            <a:ext cx="12192000" cy="6858000"/>
+          </a:xfrm>
+          <a:prstGeom prst="rect">
+            <a:avLst/>
+          </a:prstGeom>
+          <a:ln>
+            <a:noFill/>
+          </a:ln>
+        </p:spPr>
+        <p:style>
+          <a:lnRef idx="2">
+            <a:schemeClr val="accent1">
+              <a:shade val="50000"/>
+            </a:schemeClr>
+          </a:lnRef>
+          <a:fillRef idx="1">
+            <a:schemeClr val="accent1"/>
+          </a:fillRef>
+          <a:effectRef idx="0">
+            <a:schemeClr val="accent1"/>
+          </a:effectRef>
+          <a:fontRef idx="minor">
+            <a:schemeClr val="lt1"/>
+          </a:fontRef>
+        </p:style>
+        <p:txBody>
+          <a:bodyPr rtlCol="0" anchor="ctr"/>
+          <a:lstStyle/>
+          <a:p>
+            <a:pPr marL="0" marR="0" lvl="0" indent="0" algn="ctr" defTabSz="914400" rtl="0" eaLnBrk="1" fontAlgn="auto" latinLnBrk="0" hangingPunct="1">
+              <a:lnSpc>
+                <a:spcPct val="100000"/>
+              </a:lnSpc>
+              <a:spcBef>
+                <a:spcPts val="0"/>
+              </a:spcBef>
+              <a:spcAft>
+                <a:spcPts val="0"/>
+              </a:spcAft>
+              <a:buClrTx/>
+              <a:buSzTx/>
+              <a:buFontTx/>
+              <a:buNone/>
+              <a:tabLst/>
+              <a:defRPr/>
+            </a:pPr>
+            <a:endParaRPr kumimoji="0" lang="en-US" sz="1800" b="0" i="0" u="none" strike="noStrike" kern="1200" cap="none" spc="0" normalizeH="0" baseline="0" noProof="0">
+              <a:ln>
+                <a:noFill/>
+              </a:ln>
+              <a:solidFill>
+                <a:prstClr val="white"/>
+              </a:solidFill>
+              <a:effectLst/>
+              <a:uLnTx/>
+              <a:uFillTx/>
+              <a:latin typeface="Rockwell" panose="02060603020205020403"/>
+              <a:ea typeface="+mn-ea"/>
+              <a:cs typeface="+mn-cs"/>
+            </a:endParaRPr>
+          </a:p>
+        </p:txBody>
+      </p:sp>
+      <p:sp>
+        <p:nvSpPr>
+          <p:cNvPr id="21" name="Rectangle 20">
+            <a:extLst>
+              <a:ext uri="{FF2B5EF4-FFF2-40B4-BE49-F238E27FC236}">
+                <a16:creationId xmlns:a16="http://schemas.microsoft.com/office/drawing/2014/main" id="{E720DB99-7745-4E75-9D96-AAB6D55C531E}"/>
+              </a:ext>
+              <a:ext uri="{C183D7F6-B498-43B3-948B-1728B52AA6E4}">
+                <adec:decorative xmlns:adec="http://schemas.microsoft.com/office/drawing/2017/decorative" val="1"/>
+              </a:ext>
+            </a:extLst>
+          </p:cNvPr>
+          <p:cNvSpPr>
+            <a:spLocks noGrp="1" noRot="1" noChangeAspect="1" noMove="1" noResize="1" noEditPoints="1" noAdjustHandles="1" noChangeArrowheads="1" noChangeShapeType="1" noTextEdit="1"/>
+          </p:cNvSpPr>
+          <p:nvPr>
+            <p:extLst>
+              <p:ext uri="{386F3935-93C4-4BCD-93E2-E3B085C9AB24}">
+                <p16:designElem xmlns:p16="http://schemas.microsoft.com/office/powerpoint/2015/main" val="1"/>
+              </p:ext>
+            </p:extLst>
+          </p:nvPr>
+        </p:nvSpPr>
+        <p:spPr>
+          <a:xfrm>
+            <a:off x="984504" y="3837459"/>
+            <a:ext cx="10222992" cy="80683"/>
           </a:xfrm>
           <a:prstGeom prst="rect">
             <a:avLst/>
           </a:prstGeom>
           <a:blipFill dpi="0" rotWithShape="1">
             <a:blip r:embed="rId2">
-              <a:alphaModFix amt="60000"/>
+              <a:alphaModFix amt="85000"/>
               <a:lum bright="70000" contrast="-70000"/>
               <a:extLst>
+                <a:ext uri="{BEBA8EAE-BF5A-486C-A8C5-ECC9F3942E4B}">
+                  <a14:imgProps xmlns:a14="http://schemas.microsoft.com/office/drawing/2010/main">
+                    <a14:imgLayer r:embed="rId3">
+                      <a14:imgEffect>
+                        <a14:sharpenSoften amount="61000"/>
+                      </a14:imgEffect>
+                    </a14:imgLayer>
+                  </a14:imgProps>
+                </a:ext>
+                <a:ext uri="{28A0092B-C50C-407E-A947-70E740481C1C}">
+                  <a14:useLocalDpi xmlns:a14="http://schemas.microsoft.com/office/drawing/2010/main" val="0"/>
+                </a:ext>
+              </a:extLst>
+            </a:blip>
+            <a:srcRect/>
+            <a:tile tx="0" ty="-762000" sx="92000" sy="89000" flip="xy" algn="ctr"/>
+          </a:blipFill>
+          <a:ln>
+            <a:noFill/>
+          </a:ln>
+        </p:spPr>
+        <p:style>
+          <a:lnRef idx="2">
+            <a:schemeClr val="accent1">
+              <a:shade val="50000"/>
+            </a:schemeClr>
+          </a:lnRef>
+          <a:fillRef idx="1">
+            <a:schemeClr val="accent1"/>
+          </a:fillRef>
+          <a:effectRef idx="0">
+            <a:schemeClr val="accent1"/>
+          </a:effectRef>
+          <a:fontRef idx="minor">
+            <a:schemeClr val="lt1"/>
+          </a:fontRef>
+        </p:style>
+        <p:txBody>
+          <a:bodyPr/>
+          <a:lstStyle/>
+          <a:p>
+            <a:endParaRPr lang="en-US"/>
+          </a:p>
+        </p:txBody>
+      </p:sp>
+      <p:sp>
+        <p:nvSpPr>
+          <p:cNvPr id="23" name="Rectangle 22">
+            <a:extLst>
+              <a:ext uri="{FF2B5EF4-FFF2-40B4-BE49-F238E27FC236}">
+                <a16:creationId xmlns:a16="http://schemas.microsoft.com/office/drawing/2014/main" id="{D68803C4-E159-4360-B7BB-74205C8F782D}"/>
+              </a:ext>
+              <a:ext uri="{C183D7F6-B498-43B3-948B-1728B52AA6E4}">
+                <adec:decorative xmlns:adec="http://schemas.microsoft.com/office/drawing/2017/decorative" val="1"/>
+              </a:ext>
+            </a:extLst>
+          </p:cNvPr>
+          <p:cNvSpPr>
+            <a:spLocks noGrp="1" noRot="1" noChangeAspect="1" noMove="1" noResize="1" noEditPoints="1" noAdjustHandles="1" noChangeArrowheads="1" noChangeShapeType="1" noTextEdit="1"/>
+          </p:cNvSpPr>
+          <p:nvPr>
+            <p:extLst>
+              <p:ext uri="{386F3935-93C4-4BCD-93E2-E3B085C9AB24}">
+                <p16:designElem xmlns:p16="http://schemas.microsoft.com/office/powerpoint/2015/main" val="1"/>
+              </p:ext>
+            </p:extLst>
+          </p:nvPr>
+        </p:nvSpPr>
+        <p:spPr>
+          <a:xfrm>
+            <a:off x="984504" y="3981573"/>
+            <a:ext cx="10222992" cy="2078335"/>
+          </a:xfrm>
+          <a:prstGeom prst="rect">
+            <a:avLst/>
+          </a:prstGeom>
+          <a:blipFill dpi="0" rotWithShape="1">
+            <a:blip r:embed="rId2">
+              <a:alphaModFix amt="95000"/>
+              <a:lum bright="70000" contrast="-70000"/>
+              <a:extLst>
+                <a:ext uri="{BEBA8EAE-BF5A-486C-A8C5-ECC9F3942E4B}">
+                  <a14:imgProps xmlns:a14="http://schemas.microsoft.com/office/drawing/2010/main">
+                    <a14:imgLayer r:embed="rId3">
+                      <a14:imgEffect>
+                        <a14:sharpenSoften amount="61000"/>
+                      </a14:imgEffect>
+                    </a14:imgLayer>
+                  </a14:imgProps>
+                </a:ext>
                 <a:ext uri="{28A0092B-C50C-407E-A947-70E740481C1C}">
                   <a14:useLocalDpi xmlns:a14="http://schemas.microsoft.com/office/drawing/2010/main" val="0"/>
                 </a:ext>
@@ -8061,10 +14856,9 @@
           </a:fontRef>
         </p:style>
         <p:txBody>
-          <a:bodyPr rtlCol="0" anchor="ctr"/>
+          <a:bodyPr/>
           <a:lstStyle/>
           <a:p>
-            <a:pPr algn="ctr"/>
             <a:endParaRPr lang="en-US"/>
           </a:p>
         </p:txBody>
@@ -8087,12 +14881,9 @@
         </p:nvSpPr>
         <p:spPr>
           <a:xfrm>
-            <a:off x="6400800" y="484632"/>
-            <a:ext cx="5299586" cy="1609344"/>
+            <a:off x="1285456" y="4162031"/>
+            <a:ext cx="4543683" cy="1767141"/>
           </a:xfrm>
-          <a:ln>
-            <a:noFill/>
-          </a:ln>
         </p:spPr>
         <p:txBody>
           <a:bodyPr>
@@ -8100,8 +14891,9 @@
           </a:bodyPr>
           <a:lstStyle/>
           <a:p>
+            <a:pPr algn="r"/>
             <a:r>
-              <a:rPr lang="en-US" sz="4000"/>
+              <a:rPr lang="en-US"/>
               <a:t>Who are We? </a:t>
             </a:r>
           </a:p>
@@ -8122,7 +14914,7 @@
           <p:nvPr/>
         </p:nvPicPr>
         <p:blipFill>
-          <a:blip r:embed="rId3">
+          <a:blip r:embed="rId4">
             <a:extLst>
               <a:ext uri="{28A0092B-C50C-407E-A947-70E740481C1C}">
                 <a14:useLocalDpi xmlns:a14="http://schemas.microsoft.com/office/drawing/2010/main" val="0"/>
@@ -8136,8 +14928,44 @@
         </p:blipFill>
         <p:spPr>
           <a:xfrm rot="16200000">
-            <a:off x="-395747" y="395748"/>
-            <a:ext cx="6857999" cy="6066502"/>
+            <a:off x="1075108" y="741394"/>
+            <a:ext cx="3064611" cy="2710905"/>
+          </a:xfrm>
+          <a:prstGeom prst="rect">
+            <a:avLst/>
+          </a:prstGeom>
+        </p:spPr>
+      </p:pic>
+      <p:pic>
+        <p:nvPicPr>
+          <p:cNvPr id="6" name="Picture 5" descr="A person in a black suit&#10;&#10;Description automatically generated">
+            <a:extLst>
+              <a:ext uri="{FF2B5EF4-FFF2-40B4-BE49-F238E27FC236}">
+                <a16:creationId xmlns:a16="http://schemas.microsoft.com/office/drawing/2014/main" id="{67A1D455-F561-E3FF-0AA7-B20814BD9A82}"/>
+              </a:ext>
+            </a:extLst>
+          </p:cNvPr>
+          <p:cNvPicPr>
+            <a:picLocks noChangeAspect="1"/>
+          </p:cNvPicPr>
+          <p:nvPr/>
+        </p:nvPicPr>
+        <p:blipFill>
+          <a:blip r:embed="rId5">
+            <a:extLst>
+              <a:ext uri="{28A0092B-C50C-407E-A947-70E740481C1C}">
+                <a14:useLocalDpi xmlns:a14="http://schemas.microsoft.com/office/drawing/2010/main" val="0"/>
+              </a:ext>
+            </a:extLst>
+          </a:blip>
+          <a:stretch>
+            <a:fillRect/>
+          </a:stretch>
+        </p:blipFill>
+        <p:spPr>
+          <a:xfrm>
+            <a:off x="4685614" y="520581"/>
+            <a:ext cx="3064611" cy="3064611"/>
           </a:xfrm>
           <a:prstGeom prst="rect">
             <a:avLst/>
@@ -8162,12 +14990,12 @@
         </p:nvSpPr>
         <p:spPr>
           <a:xfrm>
-            <a:off x="6400799" y="2121408"/>
-            <a:ext cx="5299585" cy="4050792"/>
+            <a:off x="6217920" y="4170410"/>
+            <a:ext cx="4699221" cy="1767141"/>
           </a:xfrm>
         </p:spPr>
         <p:txBody>
-          <a:bodyPr>
+          <a:bodyPr anchor="ctr">
             <a:normAutofit/>
           </a:bodyPr>
           <a:lstStyle/>
@@ -8191,21 +15019,21 @@
           </a:p>
         </p:txBody>
       </p:sp>
-      <p:grpSp>
-        <p:nvGrpSpPr>
-          <p:cNvPr id="12" name="Group 11">
+      <p:sp>
+        <p:nvSpPr>
+          <p:cNvPr id="25" name="Rectangle 24">
             <a:extLst>
               <a:ext uri="{FF2B5EF4-FFF2-40B4-BE49-F238E27FC236}">
-                <a16:creationId xmlns:a16="http://schemas.microsoft.com/office/drawing/2014/main" id="{AF001A23-2767-4A31-BD30-56112DE9527E}"/>
+                <a16:creationId xmlns:a16="http://schemas.microsoft.com/office/drawing/2014/main" id="{504B0465-3B07-49BF-BEA7-D81476246293}"/>
               </a:ext>
               <a:ext uri="{C183D7F6-B498-43B3-948B-1728B52AA6E4}">
                 <adec:decorative xmlns:adec="http://schemas.microsoft.com/office/drawing/2017/decorative" val="1"/>
               </a:ext>
             </a:extLst>
           </p:cNvPr>
-          <p:cNvGrpSpPr>
-            <a:grpSpLocks noGrp="1" noUngrp="1" noRot="1" noChangeAspect="1" noMove="1" noResize="1"/>
-          </p:cNvGrpSpPr>
+          <p:cNvSpPr>
+            <a:spLocks noGrp="1" noRot="1" noChangeAspect="1" noMove="1" noResize="1" noEditPoints="1" noAdjustHandles="1" noChangeArrowheads="1" noChangeShapeType="1" noTextEdit="1"/>
+          </p:cNvSpPr>
           <p:nvPr>
             <p:extLst>
               <p:ext uri="{386F3935-93C4-4BCD-93E2-E3B085C9AB24}">
@@ -8213,178 +15041,231 @@
               </p:ext>
             </p:extLst>
           </p:nvPr>
-        </p:nvGrpSpPr>
-        <p:grpSpPr>
+        </p:nvSpPr>
+        <p:spPr>
+          <a:xfrm>
+            <a:off x="984504" y="6128670"/>
+            <a:ext cx="10222992" cy="80683"/>
+          </a:xfrm>
+          <a:prstGeom prst="rect">
+            <a:avLst/>
+          </a:prstGeom>
+          <a:blipFill dpi="0" rotWithShape="1">
+            <a:blip r:embed="rId2">
+              <a:alphaModFix amt="85000"/>
+              <a:lum bright="70000" contrast="-70000"/>
+              <a:extLst>
+                <a:ext uri="{BEBA8EAE-BF5A-486C-A8C5-ECC9F3942E4B}">
+                  <a14:imgProps xmlns:a14="http://schemas.microsoft.com/office/drawing/2010/main">
+                    <a14:imgLayer r:embed="rId3">
+                      <a14:imgEffect>
+                        <a14:sharpenSoften amount="61000"/>
+                      </a14:imgEffect>
+                    </a14:imgLayer>
+                  </a14:imgProps>
+                </a:ext>
+                <a:ext uri="{28A0092B-C50C-407E-A947-70E740481C1C}">
+                  <a14:useLocalDpi xmlns:a14="http://schemas.microsoft.com/office/drawing/2010/main" val="0"/>
+                </a:ext>
+              </a:extLst>
+            </a:blip>
+            <a:srcRect/>
+            <a:tile tx="0" ty="-717550" sx="92000" sy="89000" flip="xy" algn="ctr"/>
+          </a:blipFill>
+          <a:ln>
+            <a:noFill/>
+          </a:ln>
+        </p:spPr>
+        <p:style>
+          <a:lnRef idx="2">
+            <a:schemeClr val="accent1">
+              <a:shade val="50000"/>
+            </a:schemeClr>
+          </a:lnRef>
+          <a:fillRef idx="1">
+            <a:schemeClr val="accent1"/>
+          </a:fillRef>
+          <a:effectRef idx="0">
+            <a:schemeClr val="accent1"/>
+          </a:effectRef>
+          <a:fontRef idx="minor">
+            <a:schemeClr val="lt1"/>
+          </a:fontRef>
+        </p:style>
+        <p:txBody>
+          <a:bodyPr/>
+          <a:lstStyle/>
+          <a:p>
+            <a:endParaRPr lang="en-US"/>
+          </a:p>
+        </p:txBody>
+      </p:sp>
+      <p:sp>
+        <p:nvSpPr>
+          <p:cNvPr id="27" name="Oval 26">
+            <a:extLst>
+              <a:ext uri="{FF2B5EF4-FFF2-40B4-BE49-F238E27FC236}">
+                <a16:creationId xmlns:a16="http://schemas.microsoft.com/office/drawing/2014/main" id="{49B7FFA5-14CB-4A4F-9BCC-CA3AA5D9D276}"/>
+              </a:ext>
+              <a:ext uri="{C183D7F6-B498-43B3-948B-1728B52AA6E4}">
+                <adec:decorative xmlns:adec="http://schemas.microsoft.com/office/drawing/2017/decorative" val="1"/>
+              </a:ext>
+            </a:extLst>
+          </p:cNvPr>
+          <p:cNvSpPr>
+            <a:spLocks noGrp="1" noRot="1" noChangeAspect="1" noMove="1" noResize="1" noEditPoints="1" noAdjustHandles="1" noChangeArrowheads="1" noChangeShapeType="1" noTextEdit="1"/>
+          </p:cNvSpPr>
+          <p:nvPr>
+            <p:extLst>
+              <p:ext uri="{386F3935-93C4-4BCD-93E2-E3B085C9AB24}">
+                <p16:designElem xmlns:p16="http://schemas.microsoft.com/office/powerpoint/2015/main" val="1"/>
+              </p:ext>
+            </p:extLst>
+          </p:nvPr>
+        </p:nvSpPr>
+        <p:spPr>
           <a:xfrm>
             <a:off x="11401725" y="6229681"/>
             <a:ext cx="457200" cy="457200"/>
-            <a:chOff x="11361456" y="6195813"/>
-            <a:chExt cx="548640" cy="548640"/>
           </a:xfrm>
-        </p:grpSpPr>
-        <p:sp>
-          <p:nvSpPr>
-            <p:cNvPr id="13" name="Oval 12">
-              <a:extLst>
-                <a:ext uri="{FF2B5EF4-FFF2-40B4-BE49-F238E27FC236}">
-                  <a16:creationId xmlns:a16="http://schemas.microsoft.com/office/drawing/2014/main" id="{C6BD30CE-7C6B-4C5B-8206-2A912062D667}"/>
-                </a:ext>
-                <a:ext uri="{C183D7F6-B498-43B3-948B-1728B52AA6E4}">
-                  <adec:decorative xmlns:adec="http://schemas.microsoft.com/office/drawing/2017/decorative" val="1"/>
-                </a:ext>
-              </a:extLst>
-            </p:cNvPr>
-            <p:cNvSpPr/>
-            <p:nvPr>
-              <p:extLst>
-                <p:ext uri="{386F3935-93C4-4BCD-93E2-E3B085C9AB24}">
-                  <p16:designElem xmlns:p16="http://schemas.microsoft.com/office/powerpoint/2015/main" val="1"/>
-                </p:ext>
-              </p:extLst>
-            </p:nvPr>
-          </p:nvSpPr>
-          <p:spPr>
-            <a:xfrm>
-              <a:off x="11361456" y="6195813"/>
-              <a:ext cx="548640" cy="548640"/>
-            </a:xfrm>
-            <a:prstGeom prst="ellipse">
-              <a:avLst/>
-            </a:prstGeom>
-            <a:blipFill dpi="0" rotWithShape="1">
-              <a:blip r:embed="rId4">
-                <a:duotone>
-                  <a:schemeClr val="accent1">
-                    <a:shade val="45000"/>
-                    <a:satMod val="135000"/>
-                  </a:schemeClr>
-                  <a:prstClr val="white"/>
-                </a:duotone>
-              </a:blip>
-              <a:srcRect/>
-              <a:tile tx="50800" ty="0" sx="85000" sy="85000" flip="none" algn="tl"/>
-            </a:blipFill>
-            <a:ln w="25400" cap="flat" cmpd="sng" algn="ctr">
-              <a:noFill/>
-              <a:prstDash val="solid"/>
-            </a:ln>
-            <a:effectLst/>
-          </p:spPr>
-          <p:txBody>
-            <a:bodyPr lIns="0" tIns="0" rIns="0" bIns="0" rtlCol="0" anchor="ctr"/>
-            <a:lstStyle/>
-            <a:p>
-              <a:pPr marL="0" marR="0" lvl="0" indent="0" algn="ctr" defTabSz="914400" eaLnBrk="1" fontAlgn="auto" latinLnBrk="0" hangingPunct="1">
-                <a:lnSpc>
-                  <a:spcPct val="100000"/>
-                </a:lnSpc>
-                <a:spcBef>
-                  <a:spcPts val="0"/>
-                </a:spcBef>
-                <a:spcAft>
-                  <a:spcPts val="0"/>
-                </a:spcAft>
-                <a:buClrTx/>
-                <a:buSzTx/>
-                <a:buFontTx/>
-                <a:buNone/>
-                <a:tabLst/>
-                <a:defRPr/>
-              </a:pPr>
-              <a:endParaRPr kumimoji="0" lang="en-US" sz="2000" b="0" i="0" u="none" strike="noStrike" kern="0" cap="none" spc="0" normalizeH="0" baseline="0" noProof="0" dirty="0">
-                <a:ln>
-                  <a:noFill/>
-                </a:ln>
-                <a:solidFill>
-                  <a:prstClr val="white"/>
-                </a:solidFill>
-                <a:effectLst/>
-                <a:uLnTx/>
-                <a:uFillTx/>
-                <a:latin typeface="Rockwell Extra Bold" pitchFamily="18" charset="0"/>
-                <a:ea typeface="+mn-ea"/>
-                <a:cs typeface="+mn-cs"/>
-              </a:endParaRPr>
-            </a:p>
-          </p:txBody>
-        </p:sp>
-        <p:sp>
-          <p:nvSpPr>
-            <p:cNvPr id="14" name="Oval 13">
-              <a:extLst>
-                <a:ext uri="{FF2B5EF4-FFF2-40B4-BE49-F238E27FC236}">
-                  <a16:creationId xmlns:a16="http://schemas.microsoft.com/office/drawing/2014/main" id="{7FA45EC6-AD58-4CAF-846D-46D82B614DDD}"/>
-                </a:ext>
-                <a:ext uri="{C183D7F6-B498-43B3-948B-1728B52AA6E4}">
-                  <adec:decorative xmlns:adec="http://schemas.microsoft.com/office/drawing/2017/decorative" val="1"/>
-                </a:ext>
-              </a:extLst>
-            </p:cNvPr>
-            <p:cNvSpPr/>
-            <p:nvPr>
-              <p:extLst>
-                <p:ext uri="{386F3935-93C4-4BCD-93E2-E3B085C9AB24}">
-                  <p16:designElem xmlns:p16="http://schemas.microsoft.com/office/powerpoint/2015/main" val="1"/>
-                </p:ext>
-              </p:extLst>
-            </p:nvPr>
-          </p:nvSpPr>
-          <p:spPr>
-            <a:xfrm>
-              <a:off x="11396488" y="6230844"/>
-              <a:ext cx="478576" cy="478578"/>
-            </a:xfrm>
-            <a:prstGeom prst="ellipse">
-              <a:avLst/>
-            </a:prstGeom>
+          <a:prstGeom prst="ellipse">
+            <a:avLst/>
+          </a:prstGeom>
+          <a:blipFill dpi="0" rotWithShape="1">
+            <a:blip r:embed="rId6">
+              <a:duotone>
+                <a:schemeClr val="accent1">
+                  <a:shade val="45000"/>
+                  <a:satMod val="135000"/>
+                </a:schemeClr>
+                <a:prstClr val="white"/>
+              </a:duotone>
+            </a:blip>
+            <a:srcRect/>
+            <a:tile tx="50800" ty="0" sx="85000" sy="85000" flip="none" algn="tl"/>
+          </a:blipFill>
+          <a:ln w="25400" cap="flat" cmpd="sng" algn="ctr">
             <a:noFill/>
-            <a:ln w="12700" cap="flat" cmpd="sng" algn="ctr">
+            <a:prstDash val="solid"/>
+          </a:ln>
+          <a:effectLst/>
+        </p:spPr>
+        <p:txBody>
+          <a:bodyPr lIns="0" tIns="0" rIns="0" bIns="0" rtlCol="0" anchor="ctr"/>
+          <a:lstStyle/>
+          <a:p>
+            <a:pPr marL="0" marR="0" lvl="0" indent="0" algn="ctr" defTabSz="914400" rtl="0" eaLnBrk="1" fontAlgn="auto" latinLnBrk="0" hangingPunct="1">
+              <a:lnSpc>
+                <a:spcPct val="100000"/>
+              </a:lnSpc>
+              <a:spcBef>
+                <a:spcPts val="0"/>
+              </a:spcBef>
+              <a:spcAft>
+                <a:spcPts val="0"/>
+              </a:spcAft>
+              <a:buClrTx/>
+              <a:buSzTx/>
+              <a:buFontTx/>
+              <a:buNone/>
+              <a:tabLst/>
+              <a:defRPr/>
+            </a:pPr>
+            <a:endParaRPr kumimoji="0" lang="en-US" sz="2000" b="0" i="0" u="none" strike="noStrike" kern="0" cap="none" spc="0" normalizeH="0" baseline="0" noProof="0" dirty="0">
+              <a:ln>
+                <a:noFill/>
+              </a:ln>
               <a:solidFill>
-                <a:srgbClr val="FFFFFF"/>
+                <a:prstClr val="white"/>
               </a:solidFill>
-              <a:prstDash val="solid"/>
-            </a:ln>
-            <a:effectLst/>
-          </p:spPr>
-          <p:txBody>
-            <a:bodyPr rtlCol="0" anchor="ctr"/>
-            <a:lstStyle/>
-            <a:p>
-              <a:pPr marL="0" marR="0" lvl="0" indent="0" algn="ctr" defTabSz="914400" eaLnBrk="1" fontAlgn="auto" latinLnBrk="0" hangingPunct="1">
-                <a:lnSpc>
-                  <a:spcPct val="100000"/>
-                </a:lnSpc>
-                <a:spcBef>
-                  <a:spcPts val="0"/>
-                </a:spcBef>
-                <a:spcAft>
-                  <a:spcPts val="0"/>
-                </a:spcAft>
-                <a:buClrTx/>
-                <a:buSzTx/>
-                <a:buFontTx/>
-                <a:buNone/>
-                <a:tabLst/>
-                <a:defRPr/>
-              </a:pPr>
-              <a:endParaRPr kumimoji="0" lang="en-US" sz="1800" b="0" i="0" u="none" strike="noStrike" kern="0" cap="none" spc="0" normalizeH="0" baseline="0" noProof="0" dirty="0">
-                <a:ln>
-                  <a:noFill/>
-                </a:ln>
-                <a:solidFill>
-                  <a:prstClr val="white"/>
-                </a:solidFill>
-                <a:effectLst/>
-                <a:uLnTx/>
-                <a:uFillTx/>
-                <a:latin typeface="Calibri"/>
-                <a:ea typeface="+mn-ea"/>
-                <a:cs typeface="+mn-cs"/>
-              </a:endParaRPr>
-            </a:p>
-          </p:txBody>
-        </p:sp>
-      </p:grpSp>
+              <a:effectLst/>
+              <a:uLnTx/>
+              <a:uFillTx/>
+              <a:latin typeface="Rockwell Extra Bold" pitchFamily="18" charset="0"/>
+              <a:ea typeface="+mn-ea"/>
+              <a:cs typeface="+mn-cs"/>
+            </a:endParaRPr>
+          </a:p>
+        </p:txBody>
+      </p:sp>
+      <p:sp>
+        <p:nvSpPr>
+          <p:cNvPr id="29" name="Oval 28">
+            <a:extLst>
+              <a:ext uri="{FF2B5EF4-FFF2-40B4-BE49-F238E27FC236}">
+                <a16:creationId xmlns:a16="http://schemas.microsoft.com/office/drawing/2014/main" id="{04E48745-7512-4EC2-9E20-9092D12150CA}"/>
+              </a:ext>
+              <a:ext uri="{C183D7F6-B498-43B3-948B-1728B52AA6E4}">
+                <adec:decorative xmlns:adec="http://schemas.microsoft.com/office/drawing/2017/decorative" val="1"/>
+              </a:ext>
+            </a:extLst>
+          </p:cNvPr>
+          <p:cNvSpPr>
+            <a:spLocks noGrp="1" noRot="1" noChangeAspect="1" noMove="1" noResize="1" noEditPoints="1" noAdjustHandles="1" noChangeArrowheads="1" noChangeShapeType="1" noTextEdit="1"/>
+          </p:cNvSpPr>
+          <p:nvPr>
+            <p:extLst>
+              <p:ext uri="{386F3935-93C4-4BCD-93E2-E3B085C9AB24}">
+                <p16:designElem xmlns:p16="http://schemas.microsoft.com/office/powerpoint/2015/main" val="1"/>
+              </p:ext>
+            </p:extLst>
+          </p:nvPr>
+        </p:nvSpPr>
+        <p:spPr>
+          <a:xfrm>
+            <a:off x="11430918" y="6258874"/>
+            <a:ext cx="398813" cy="398815"/>
+          </a:xfrm>
+          <a:prstGeom prst="ellipse">
+            <a:avLst/>
+          </a:prstGeom>
+          <a:noFill/>
+          <a:ln w="12700" cap="flat" cmpd="sng" algn="ctr">
+            <a:solidFill>
+              <a:srgbClr val="FFFFFF"/>
+            </a:solidFill>
+            <a:prstDash val="solid"/>
+          </a:ln>
+          <a:effectLst/>
+        </p:spPr>
+        <p:txBody>
+          <a:bodyPr rtlCol="0" anchor="ctr"/>
+          <a:lstStyle/>
+          <a:p>
+            <a:pPr marL="0" marR="0" lvl="0" indent="0" algn="ctr" defTabSz="914400" rtl="0" eaLnBrk="1" fontAlgn="auto" latinLnBrk="0" hangingPunct="1">
+              <a:lnSpc>
+                <a:spcPct val="100000"/>
+              </a:lnSpc>
+              <a:spcBef>
+                <a:spcPts val="0"/>
+              </a:spcBef>
+              <a:spcAft>
+                <a:spcPts val="0"/>
+              </a:spcAft>
+              <a:buClrTx/>
+              <a:buSzTx/>
+              <a:buFontTx/>
+              <a:buNone/>
+              <a:tabLst/>
+              <a:defRPr/>
+            </a:pPr>
+            <a:endParaRPr kumimoji="0" lang="en-US" sz="1800" b="0" i="0" u="none" strike="noStrike" kern="0" cap="none" spc="0" normalizeH="0" baseline="0" noProof="0" dirty="0">
+              <a:ln>
+                <a:noFill/>
+              </a:ln>
+              <a:solidFill>
+                <a:prstClr val="white"/>
+              </a:solidFill>
+              <a:effectLst/>
+              <a:uLnTx/>
+              <a:uFillTx/>
+              <a:latin typeface="Calibri"/>
+              <a:ea typeface="+mn-ea"/>
+              <a:cs typeface="+mn-cs"/>
+            </a:endParaRPr>
+          </a:p>
+        </p:txBody>
+      </p:sp>
     </p:spTree>
     <p:extLst>
       <p:ext uri="{BB962C8B-B14F-4D97-AF65-F5344CB8AC3E}">
@@ -8789,28 +15670,40 @@
           <a:lstStyle/>
           <a:p>
             <a:r>
-              <a:rPr lang="en-US"/>
-              <a:t>Backend: Springboot</a:t>
+              <a:rPr lang="en-US" dirty="0"/>
+              <a:t>Backend: </a:t>
             </a:r>
+            <a:r>
+              <a:rPr lang="en-US" dirty="0" err="1"/>
+              <a:t>Springboot</a:t>
+            </a:r>
+            <a:endParaRPr lang="en-US" dirty="0"/>
           </a:p>
           <a:p>
             <a:r>
-              <a:rPr lang="en-US"/>
+              <a:rPr lang="en-US" dirty="0"/>
               <a:t>Frontend: TS w/React and Tailwind CSS</a:t>
             </a:r>
           </a:p>
           <a:p>
             <a:r>
-              <a:rPr lang="en-US"/>
-              <a:t>Testing Framework:  jUnit and Mockito</a:t>
+              <a:rPr lang="en-US" dirty="0"/>
+              <a:t>Testing Framework:  </a:t>
+            </a:r>
+            <a:r>
+              <a:rPr lang="en-US" dirty="0" err="1"/>
+              <a:t>jUnit</a:t>
+            </a:r>
+            <a:r>
+              <a:rPr lang="en-US" dirty="0"/>
+              <a:t> and Mockito</a:t>
             </a:r>
           </a:p>
           <a:p>
             <a:r>
-              <a:rPr lang="en-US"/>
+              <a:rPr lang="en-US" dirty="0"/>
               <a:t>Database: MySQL</a:t>
             </a:r>
-            <a:endParaRPr lang="en-US" dirty="0"/>
           </a:p>
         </p:txBody>
       </p:sp>
@@ -10402,7 +17295,7 @@
             <p:ph idx="1"/>
             <p:extLst>
               <p:ext uri="{D42A27DB-BD31-4B8C-83A1-F6EECF244321}">
-                <p14:modId xmlns:p14="http://schemas.microsoft.com/office/powerpoint/2010/main" val="2442207561"/>
+                <p14:modId xmlns:p14="http://schemas.microsoft.com/office/powerpoint/2010/main" val="3707976523"/>
               </p:ext>
             </p:extLst>
           </p:nvPr>
@@ -10436,7 +17329,7 @@
     <p:bg>
       <p:bgPr>
         <a:solidFill>
-          <a:schemeClr val="bg1"/>
+          <a:schemeClr val="bg2"/>
         </a:solidFill>
         <a:effectLst/>
       </p:bgPr>
@@ -10455,6 +17348,66 @@
           <a:chExt cx="0" cy="0"/>
         </a:xfrm>
       </p:grpSpPr>
+      <p:sp useBgFill="1">
+        <p:nvSpPr>
+          <p:cNvPr id="14" name="Rectangle 13">
+            <a:extLst>
+              <a:ext uri="{FF2B5EF4-FFF2-40B4-BE49-F238E27FC236}">
+                <a16:creationId xmlns:a16="http://schemas.microsoft.com/office/drawing/2014/main" id="{2A0E4E09-FC02-4ADC-951A-3FFA90B6FE39}"/>
+              </a:ext>
+              <a:ext uri="{C183D7F6-B498-43B3-948B-1728B52AA6E4}">
+                <adec:decorative xmlns:adec="http://schemas.microsoft.com/office/drawing/2017/decorative" val="1"/>
+              </a:ext>
+            </a:extLst>
+          </p:cNvPr>
+          <p:cNvSpPr>
+            <a:spLocks noGrp="1" noRot="1" noChangeAspect="1" noMove="1" noResize="1" noEditPoints="1" noAdjustHandles="1" noChangeArrowheads="1" noChangeShapeType="1" noTextEdit="1"/>
+          </p:cNvSpPr>
+          <p:nvPr>
+            <p:extLst>
+              <p:ext uri="{386F3935-93C4-4BCD-93E2-E3B085C9AB24}">
+                <p16:designElem xmlns:p16="http://schemas.microsoft.com/office/powerpoint/2015/main" val="1"/>
+              </p:ext>
+            </p:extLst>
+          </p:nvPr>
+        </p:nvSpPr>
+        <p:spPr>
+          <a:xfrm>
+            <a:off x="0" y="0"/>
+            <a:ext cx="12191695" cy="6858000"/>
+          </a:xfrm>
+          <a:prstGeom prst="rect">
+            <a:avLst/>
+          </a:prstGeom>
+          <a:ln>
+            <a:noFill/>
+          </a:ln>
+        </p:spPr>
+        <p:style>
+          <a:lnRef idx="2">
+            <a:schemeClr val="accent1">
+              <a:shade val="50000"/>
+            </a:schemeClr>
+          </a:lnRef>
+          <a:fillRef idx="1">
+            <a:schemeClr val="accent1"/>
+          </a:fillRef>
+          <a:effectRef idx="0">
+            <a:schemeClr val="accent1"/>
+          </a:effectRef>
+          <a:fontRef idx="minor">
+            <a:schemeClr val="lt1"/>
+          </a:fontRef>
+        </p:style>
+        <p:txBody>
+          <a:bodyPr rtlCol="0" anchor="ctr"/>
+          <a:lstStyle/>
+          <a:p>
+            <a:pPr algn="ctr"/>
+            <a:endParaRPr lang="en-US"/>
+          </a:p>
+        </p:txBody>
+      </p:sp>
       <p:sp>
         <p:nvSpPr>
           <p:cNvPr id="2" name="Title 1">
@@ -10473,8 +17426,8 @@
         </p:nvSpPr>
         <p:spPr>
           <a:xfrm>
-            <a:off x="7865806" y="484632"/>
-            <a:ext cx="3677264" cy="1609344"/>
+            <a:off x="6797232" y="0"/>
+            <a:ext cx="4920019" cy="2021553"/>
           </a:xfrm>
         </p:spPr>
         <p:txBody>
@@ -10484,9 +17437,238 @@
           <a:lstStyle/>
           <a:p>
             <a:r>
-              <a:rPr lang="en-US" sz="3600" dirty="0"/>
+              <a:rPr lang="en-US" dirty="0">
+                <a:solidFill>
+                  <a:schemeClr val="tx1"/>
+                </a:solidFill>
+              </a:rPr>
               <a:t>Design Patterns</a:t>
             </a:r>
+          </a:p>
+        </p:txBody>
+      </p:sp>
+      <p:sp>
+        <p:nvSpPr>
+          <p:cNvPr id="16" name="Freeform: Shape 15">
+            <a:extLst>
+              <a:ext uri="{FF2B5EF4-FFF2-40B4-BE49-F238E27FC236}">
+                <a16:creationId xmlns:a16="http://schemas.microsoft.com/office/drawing/2014/main" id="{9453FF84-60C1-4EA8-B49B-1B8C2D0C589F}"/>
+              </a:ext>
+              <a:ext uri="{C183D7F6-B498-43B3-948B-1728B52AA6E4}">
+                <adec:decorative xmlns:adec="http://schemas.microsoft.com/office/drawing/2017/decorative" val="1"/>
+              </a:ext>
+            </a:extLst>
+          </p:cNvPr>
+          <p:cNvSpPr>
+            <a:spLocks noGrp="1" noRot="1" noChangeAspect="1" noMove="1" noResize="1" noEditPoints="1" noAdjustHandles="1" noChangeArrowheads="1" noChangeShapeType="1" noTextEdit="1"/>
+          </p:cNvSpPr>
+          <p:nvPr>
+            <p:extLst>
+              <p:ext uri="{386F3935-93C4-4BCD-93E2-E3B085C9AB24}">
+                <p16:designElem xmlns:p16="http://schemas.microsoft.com/office/powerpoint/2015/main" val="1"/>
+              </p:ext>
+            </p:extLst>
+          </p:nvPr>
+        </p:nvSpPr>
+        <p:spPr>
+          <a:xfrm>
+            <a:off x="0" y="3"/>
+            <a:ext cx="5859484" cy="6857997"/>
+          </a:xfrm>
+          <a:custGeom>
+            <a:avLst/>
+            <a:gdLst>
+              <a:gd name="connsiteX0" fmla="*/ 3198825 w 5859484"/>
+              <a:gd name="connsiteY0" fmla="*/ 0 h 6857997"/>
+              <a:gd name="connsiteX1" fmla="*/ 3962351 w 5859484"/>
+              <a:gd name="connsiteY1" fmla="*/ 0 h 6857997"/>
+              <a:gd name="connsiteX2" fmla="*/ 4129776 w 5859484"/>
+              <a:gd name="connsiteY2" fmla="*/ 128761 h 6857997"/>
+              <a:gd name="connsiteX3" fmla="*/ 5859484 w 5859484"/>
+              <a:gd name="connsiteY3" fmla="*/ 3718209 h 6857997"/>
+              <a:gd name="connsiteX4" fmla="*/ 4624700 w 5859484"/>
+              <a:gd name="connsiteY4" fmla="*/ 6845880 h 6857997"/>
+              <a:gd name="connsiteX5" fmla="*/ 4612896 w 5859484"/>
+              <a:gd name="connsiteY5" fmla="*/ 6857997 h 6857997"/>
+              <a:gd name="connsiteX6" fmla="*/ 4017658 w 5859484"/>
+              <a:gd name="connsiteY6" fmla="*/ 6857997 h 6857997"/>
+              <a:gd name="connsiteX7" fmla="*/ 4173230 w 5859484"/>
+              <a:gd name="connsiteY7" fmla="*/ 6719623 h 6857997"/>
+              <a:gd name="connsiteX8" fmla="*/ 5443583 w 5859484"/>
+              <a:gd name="connsiteY8" fmla="*/ 3718209 h 6857997"/>
+              <a:gd name="connsiteX9" fmla="*/ 3355352 w 5859484"/>
+              <a:gd name="connsiteY9" fmla="*/ 88079 h 6857997"/>
+              <a:gd name="connsiteX10" fmla="*/ 0 w 5859484"/>
+              <a:gd name="connsiteY10" fmla="*/ 0 h 6857997"/>
+              <a:gd name="connsiteX11" fmla="*/ 2941255 w 5859484"/>
+              <a:gd name="connsiteY11" fmla="*/ 0 h 6857997"/>
+              <a:gd name="connsiteX12" fmla="*/ 3117080 w 5859484"/>
+              <a:gd name="connsiteY12" fmla="*/ 88129 h 6857997"/>
+              <a:gd name="connsiteX13" fmla="*/ 5324754 w 5859484"/>
+              <a:gd name="connsiteY13" fmla="*/ 3718209 h 6857997"/>
+              <a:gd name="connsiteX14" fmla="*/ 4089206 w 5859484"/>
+              <a:gd name="connsiteY14" fmla="*/ 6637392 h 6857997"/>
+              <a:gd name="connsiteX15" fmla="*/ 3841183 w 5859484"/>
+              <a:gd name="connsiteY15" fmla="*/ 6857997 h 6857997"/>
+              <a:gd name="connsiteX16" fmla="*/ 0 w 5859484"/>
+              <a:gd name="connsiteY16" fmla="*/ 6857997 h 6857997"/>
+            </a:gdLst>
+            <a:ahLst/>
+            <a:cxnLst>
+              <a:cxn ang="0">
+                <a:pos x="connsiteX0" y="connsiteY0"/>
+              </a:cxn>
+              <a:cxn ang="0">
+                <a:pos x="connsiteX1" y="connsiteY1"/>
+              </a:cxn>
+              <a:cxn ang="0">
+                <a:pos x="connsiteX2" y="connsiteY2"/>
+              </a:cxn>
+              <a:cxn ang="0">
+                <a:pos x="connsiteX3" y="connsiteY3"/>
+              </a:cxn>
+              <a:cxn ang="0">
+                <a:pos x="connsiteX4" y="connsiteY4"/>
+              </a:cxn>
+              <a:cxn ang="0">
+                <a:pos x="connsiteX5" y="connsiteY5"/>
+              </a:cxn>
+              <a:cxn ang="0">
+                <a:pos x="connsiteX6" y="connsiteY6"/>
+              </a:cxn>
+              <a:cxn ang="0">
+                <a:pos x="connsiteX7" y="connsiteY7"/>
+              </a:cxn>
+              <a:cxn ang="0">
+                <a:pos x="connsiteX8" y="connsiteY8"/>
+              </a:cxn>
+              <a:cxn ang="0">
+                <a:pos x="connsiteX9" y="connsiteY9"/>
+              </a:cxn>
+              <a:cxn ang="0">
+                <a:pos x="connsiteX10" y="connsiteY10"/>
+              </a:cxn>
+              <a:cxn ang="0">
+                <a:pos x="connsiteX11" y="connsiteY11"/>
+              </a:cxn>
+              <a:cxn ang="0">
+                <a:pos x="connsiteX12" y="connsiteY12"/>
+              </a:cxn>
+              <a:cxn ang="0">
+                <a:pos x="connsiteX13" y="connsiteY13"/>
+              </a:cxn>
+              <a:cxn ang="0">
+                <a:pos x="connsiteX14" y="connsiteY14"/>
+              </a:cxn>
+              <a:cxn ang="0">
+                <a:pos x="connsiteX15" y="connsiteY15"/>
+              </a:cxn>
+              <a:cxn ang="0">
+                <a:pos x="connsiteX16" y="connsiteY16"/>
+              </a:cxn>
+            </a:cxnLst>
+            <a:rect l="l" t="t" r="r" b="b"/>
+            <a:pathLst>
+              <a:path w="5859484" h="6857997">
+                <a:moveTo>
+                  <a:pt x="3198825" y="0"/>
+                </a:moveTo>
+                <a:lnTo>
+                  <a:pt x="3962351" y="0"/>
+                </a:lnTo>
+                <a:lnTo>
+                  <a:pt x="4129776" y="128761"/>
+                </a:lnTo>
+                <a:cubicBezTo>
+                  <a:pt x="5186152" y="981944"/>
+                  <a:pt x="5859484" y="2273123"/>
+                  <a:pt x="5859484" y="3718209"/>
+                </a:cubicBezTo>
+                <a:cubicBezTo>
+                  <a:pt x="5859484" y="4922447"/>
+                  <a:pt x="5391893" y="6019805"/>
+                  <a:pt x="4624700" y="6845880"/>
+                </a:cubicBezTo>
+                <a:lnTo>
+                  <a:pt x="4612896" y="6857997"/>
+                </a:lnTo>
+                <a:lnTo>
+                  <a:pt x="4017658" y="6857997"/>
+                </a:lnTo>
+                <a:lnTo>
+                  <a:pt x="4173230" y="6719623"/>
+                </a:lnTo>
+                <a:cubicBezTo>
+                  <a:pt x="4958119" y="5951494"/>
+                  <a:pt x="5443583" y="4890334"/>
+                  <a:pt x="5443583" y="3718209"/>
+                </a:cubicBezTo>
+                <a:cubicBezTo>
+                  <a:pt x="5443583" y="2179795"/>
+                  <a:pt x="4607295" y="832535"/>
+                  <a:pt x="3355352" y="88079"/>
+                </a:cubicBezTo>
+                <a:close/>
+                <a:moveTo>
+                  <a:pt x="0" y="0"/>
+                </a:moveTo>
+                <a:lnTo>
+                  <a:pt x="2941255" y="0"/>
+                </a:lnTo>
+                <a:lnTo>
+                  <a:pt x="3117080" y="88129"/>
+                </a:lnTo>
+                <a:cubicBezTo>
+                  <a:pt x="4432070" y="787221"/>
+                  <a:pt x="5324754" y="2150692"/>
+                  <a:pt x="5324754" y="3718209"/>
+                </a:cubicBezTo>
+                <a:cubicBezTo>
+                  <a:pt x="5324754" y="4858221"/>
+                  <a:pt x="4852591" y="5890308"/>
+                  <a:pt x="4089206" y="6637392"/>
+                </a:cubicBezTo>
+                <a:lnTo>
+                  <a:pt x="3841183" y="6857997"/>
+                </a:lnTo>
+                <a:lnTo>
+                  <a:pt x="0" y="6857997"/>
+                </a:lnTo>
+                <a:close/>
+              </a:path>
+            </a:pathLst>
+          </a:custGeom>
+          <a:solidFill>
+            <a:srgbClr val="FFFFFF"/>
+          </a:solidFill>
+          <a:ln>
+            <a:noFill/>
+          </a:ln>
+        </p:spPr>
+        <p:style>
+          <a:lnRef idx="2">
+            <a:schemeClr val="accent1">
+              <a:shade val="50000"/>
+            </a:schemeClr>
+          </a:lnRef>
+          <a:fillRef idx="1">
+            <a:schemeClr val="accent1"/>
+          </a:fillRef>
+          <a:effectRef idx="0">
+            <a:schemeClr val="accent1"/>
+          </a:effectRef>
+          <a:fontRef idx="minor">
+            <a:schemeClr val="lt1"/>
+          </a:fontRef>
+        </p:style>
+        <p:txBody>
+          <a:bodyPr wrap="square" rtlCol="0" anchor="ctr">
+            <a:noAutofit/>
+          </a:bodyPr>
+          <a:lstStyle/>
+          <a:p>
+            <a:pPr algn="ctr"/>
+            <a:endParaRPr lang="en-US"/>
           </a:p>
         </p:txBody>
       </p:sp>
@@ -10505,26 +17687,99 @@
           <p:nvPr/>
         </p:nvPicPr>
         <p:blipFill>
-          <a:blip r:embed="rId2">
+          <a:blip r:embed="rId3">
             <a:extLst>
               <a:ext uri="{28A0092B-C50C-407E-A947-70E740481C1C}">
                 <a14:useLocalDpi xmlns:a14="http://schemas.microsoft.com/office/drawing/2010/main" val="0"/>
               </a:ext>
             </a:extLst>
           </a:blip>
-          <a:srcRect l="25207" r="11799" b="1"/>
+          <a:srcRect l="31018" r="18096" b="1"/>
           <a:stretch>
             <a:fillRect/>
           </a:stretch>
         </p:blipFill>
         <p:spPr>
           <a:xfrm>
-            <a:off x="1" y="10"/>
-            <a:ext cx="7546216" cy="6857990"/>
+            <a:off x="-4559" y="0"/>
+            <a:ext cx="6095695" cy="6857997"/>
           </a:xfrm>
-          <a:prstGeom prst="rect">
+          <a:custGeom>
             <a:avLst/>
-          </a:prstGeom>
+            <a:gdLst/>
+            <a:ahLst/>
+            <a:cxnLst/>
+            <a:rect l="l" t="t" r="r" b="b"/>
+            <a:pathLst>
+              <a:path w="6095695" h="6857997">
+                <a:moveTo>
+                  <a:pt x="3435036" y="0"/>
+                </a:moveTo>
+                <a:lnTo>
+                  <a:pt x="4198562" y="0"/>
+                </a:lnTo>
+                <a:lnTo>
+                  <a:pt x="4365987" y="128761"/>
+                </a:lnTo>
+                <a:cubicBezTo>
+                  <a:pt x="5422363" y="981944"/>
+                  <a:pt x="6095695" y="2273123"/>
+                  <a:pt x="6095695" y="3718209"/>
+                </a:cubicBezTo>
+                <a:cubicBezTo>
+                  <a:pt x="6095695" y="4922447"/>
+                  <a:pt x="5628104" y="6019805"/>
+                  <a:pt x="4860911" y="6845880"/>
+                </a:cubicBezTo>
+                <a:lnTo>
+                  <a:pt x="4849107" y="6857997"/>
+                </a:lnTo>
+                <a:lnTo>
+                  <a:pt x="4253869" y="6857997"/>
+                </a:lnTo>
+                <a:lnTo>
+                  <a:pt x="4409441" y="6719623"/>
+                </a:lnTo>
+                <a:cubicBezTo>
+                  <a:pt x="5194330" y="5951494"/>
+                  <a:pt x="5679794" y="4890334"/>
+                  <a:pt x="5679794" y="3718209"/>
+                </a:cubicBezTo>
+                <a:cubicBezTo>
+                  <a:pt x="5679794" y="2179795"/>
+                  <a:pt x="4843506" y="832535"/>
+                  <a:pt x="3591563" y="88079"/>
+                </a:cubicBezTo>
+                <a:close/>
+                <a:moveTo>
+                  <a:pt x="0" y="0"/>
+                </a:moveTo>
+                <a:lnTo>
+                  <a:pt x="3177466" y="0"/>
+                </a:lnTo>
+                <a:lnTo>
+                  <a:pt x="3353291" y="88129"/>
+                </a:lnTo>
+                <a:cubicBezTo>
+                  <a:pt x="4668281" y="787221"/>
+                  <a:pt x="5560965" y="2150692"/>
+                  <a:pt x="5560965" y="3718209"/>
+                </a:cubicBezTo>
+                <a:cubicBezTo>
+                  <a:pt x="5560965" y="4858221"/>
+                  <a:pt x="5088802" y="5890308"/>
+                  <a:pt x="4325417" y="6637392"/>
+                </a:cubicBezTo>
+                <a:lnTo>
+                  <a:pt x="4077394" y="6857997"/>
+                </a:lnTo>
+                <a:lnTo>
+                  <a:pt x="0" y="6857997"/>
+                </a:lnTo>
+                <a:close/>
+              </a:path>
+            </a:pathLst>
+          </a:custGeom>
         </p:spPr>
       </p:pic>
       <p:sp>
@@ -10545,13 +17800,13 @@
         </p:nvSpPr>
         <p:spPr>
           <a:xfrm>
-            <a:off x="7865805" y="2121408"/>
-            <a:ext cx="3677263" cy="4092579"/>
+            <a:off x="6209547" y="1530093"/>
+            <a:ext cx="5982453" cy="5327904"/>
           </a:xfrm>
         </p:spPr>
         <p:txBody>
           <a:bodyPr>
-            <a:normAutofit fontScale="77500" lnSpcReduction="20000"/>
+            <a:normAutofit fontScale="85000" lnSpcReduction="20000"/>
           </a:bodyPr>
           <a:lstStyle/>
           <a:p>
@@ -10563,70 +17818,109 @@
           <a:p>
             <a:pPr lvl="1"/>
             <a:r>
-              <a:rPr lang="en-US" sz="1400" dirty="0"/>
-              <a:t>Enums in Java are by default Singletons!</a:t>
+              <a:rPr lang="en-US" sz="1600" dirty="0"/>
+              <a:t>Enums in Java and Spring boot beans are by default Singletons!</a:t>
+            </a:r>
+          </a:p>
+          <a:p>
+            <a:pPr lvl="1"/>
+            <a:r>
+              <a:rPr lang="en-US" sz="1600" dirty="0"/>
+              <a:t>`</a:t>
+            </a:r>
+            <a:r>
+              <a:rPr lang="en-US" sz="1600" dirty="0" err="1"/>
+              <a:t>DTOFactory</a:t>
+            </a:r>
+            <a:r>
+              <a:rPr lang="en-US" sz="1600" dirty="0"/>
+              <a:t>`, `</a:t>
+            </a:r>
+            <a:r>
+              <a:rPr lang="en-US" sz="1600" dirty="0" err="1"/>
+              <a:t>JwtTokenProvider</a:t>
+            </a:r>
+            <a:r>
+              <a:rPr lang="en-US" sz="1600" dirty="0"/>
+              <a:t>`, `</a:t>
+            </a:r>
+            <a:r>
+              <a:rPr lang="en-US" sz="1600" dirty="0" err="1"/>
+              <a:t>PasswordEncoder</a:t>
+            </a:r>
+            <a:r>
+              <a:rPr lang="en-US" sz="1600" dirty="0"/>
+              <a:t>` as singletons</a:t>
             </a:r>
           </a:p>
           <a:p>
             <a:r>
-              <a:rPr lang="en-US" sz="1400" dirty="0"/>
+              <a:rPr lang="en-US" sz="1600" dirty="0"/>
               <a:t>Builder</a:t>
             </a:r>
           </a:p>
           <a:p>
             <a:pPr lvl="1"/>
             <a:r>
-              <a:rPr lang="en-US" sz="1200" dirty="0"/>
+              <a:rPr lang="en-US" sz="1600" dirty="0"/>
               <a:t>Most if not all Data Type Objects (DTOs) follow the Builder pattern</a:t>
             </a:r>
           </a:p>
           <a:p>
             <a:r>
-              <a:rPr lang="en-US" sz="1400" dirty="0"/>
+              <a:rPr lang="en-US" sz="1600" dirty="0"/>
               <a:t>Factory</a:t>
             </a:r>
           </a:p>
           <a:p>
             <a:pPr lvl="1"/>
             <a:r>
-              <a:rPr lang="en-US" sz="1200" dirty="0"/>
-              <a:t>We have factory classes for model and Data Type Objects</a:t>
+              <a:rPr lang="en-US" sz="1600" dirty="0"/>
+              <a:t>We have factory classes for ‘</a:t>
+            </a:r>
+            <a:r>
+              <a:rPr lang="en-US" sz="1600" dirty="0" err="1"/>
+              <a:t>BusinessPersonFactory</a:t>
+            </a:r>
+            <a:r>
+              <a:rPr lang="en-US" sz="1600" dirty="0"/>
+              <a:t>’ and Data Type Objects</a:t>
             </a:r>
           </a:p>
           <a:p>
             <a:r>
-              <a:rPr lang="en-US" sz="1400" dirty="0"/>
+              <a:rPr lang="en-US" sz="1600" dirty="0"/>
               <a:t>Strategy</a:t>
             </a:r>
           </a:p>
           <a:p>
             <a:pPr lvl="1"/>
             <a:r>
-              <a:rPr lang="en-US" sz="1200" dirty="0"/>
+              <a:rPr lang="en-US" sz="1600" dirty="0"/>
               <a:t>Taxation, payroll, and bonuses all follow the strategy pattern to promote runtime polymorphism</a:t>
             </a:r>
           </a:p>
           <a:p>
             <a:r>
-              <a:rPr lang="en-US" sz="1400" dirty="0"/>
+              <a:rPr lang="en-US" sz="1600" dirty="0"/>
               <a:t>MVC Architecture (not a design pattern, but still used)</a:t>
             </a:r>
           </a:p>
           <a:p>
             <a:pPr lvl="1"/>
             <a:r>
-              <a:rPr lang="en-US" sz="1200" dirty="0"/>
+              <a:rPr lang="en-US" sz="1600" dirty="0"/>
               <a:t>Spring-boot inherently follows MVC arch. and our program is designed as such</a:t>
             </a:r>
           </a:p>
           <a:p>
             <a:pPr lvl="1"/>
             <a:r>
-              <a:rPr lang="en-US" sz="1200" dirty="0"/>
+              <a:rPr lang="en-US" sz="1600" dirty="0"/>
               <a:t>Controllers </a:t>
             </a:r>
             <a:r>
-              <a:rPr lang="en-US" sz="1200" dirty="0">
+              <a:rPr lang="en-US" sz="1600" dirty="0">
                 <a:sym typeface="Wingdings" pitchFamily="2" charset="2"/>
               </a:rPr>
               <a:t> Service  Repository</a:t>
@@ -10635,7 +17929,7 @@
           <a:p>
             <a:pPr lvl="2"/>
             <a:r>
-              <a:rPr lang="en-US" sz="1000" dirty="0">
+              <a:rPr lang="en-US" dirty="0">
                 <a:sym typeface="Wingdings" pitchFamily="2" charset="2"/>
               </a:rPr>
               <a:t>Models are the low-level data contained within a Repository and thus are not exactly part of the data flow</a:t>
@@ -10643,7 +17937,7 @@
           </a:p>
           <a:p>
             <a:r>
-              <a:rPr lang="en-US" sz="1400" dirty="0">
+              <a:rPr lang="en-US" sz="1600" dirty="0">
                 <a:sym typeface="Wingdings" pitchFamily="2" charset="2"/>
               </a:rPr>
               <a:t>Streams (also not a design pattern, but still used)</a:t>
@@ -10652,7 +17946,7 @@
           <a:p>
             <a:pPr lvl="1"/>
             <a:r>
-              <a:rPr lang="en-US" sz="1200" dirty="0">
+              <a:rPr lang="en-US" sz="1600" dirty="0">
                 <a:sym typeface="Wingdings" pitchFamily="2" charset="2"/>
               </a:rPr>
               <a:t>Anywhere possible when handling data, streams are used to condense the parsing logic</a:t>
@@ -10661,7 +17955,7 @@
           <a:p>
             <a:pPr lvl="1"/>
             <a:r>
-              <a:rPr lang="en-US" sz="1200" dirty="0">
+              <a:rPr lang="en-US" sz="1600" dirty="0">
                 <a:sym typeface="Wingdings" pitchFamily="2" charset="2"/>
               </a:rPr>
               <a:t>This is especially true in Controllers</a:t>
@@ -10677,7 +17971,7 @@
     </p:extLst>
   </p:cSld>
   <p:clrMapOvr>
-    <a:masterClrMapping/>
+    <a:overrideClrMapping bg1="dk1" tx1="lt1" bg2="dk2" tx2="lt2" accent1="accent1" accent2="accent2" accent3="accent3" accent4="accent4" accent5="accent5" accent6="accent6" hlink="hlink" folHlink="folHlink"/>
   </p:clrMapOvr>
 </p:sld>
 </file>
@@ -11831,8 +19125,8 @@
         </p:blipFill>
         <p:spPr>
           <a:xfrm>
-            <a:off x="2695179" y="948036"/>
-            <a:ext cx="2505802" cy="4201789"/>
+            <a:off x="2359378" y="948036"/>
+            <a:ext cx="2841603" cy="4764868"/>
           </a:xfrm>
           <a:prstGeom prst="rect">
             <a:avLst/>
@@ -12062,68 +19356,68 @@
         </p:nvSpPr>
         <p:spPr>
           <a:xfrm>
-            <a:off x="7883611" y="2121408"/>
-            <a:ext cx="3816774" cy="4050792"/>
+            <a:off x="7883611" y="1719943"/>
+            <a:ext cx="3816774" cy="4538930"/>
           </a:xfrm>
         </p:spPr>
         <p:txBody>
           <a:bodyPr>
-            <a:normAutofit/>
+            <a:normAutofit fontScale="92500" lnSpcReduction="10000"/>
           </a:bodyPr>
           <a:lstStyle/>
           <a:p>
             <a:r>
-              <a:rPr lang="en-US" sz="1200" dirty="0"/>
+              <a:rPr lang="en-US" sz="1400" dirty="0"/>
               <a:t>Hiring Logic </a:t>
             </a:r>
             <a:r>
-              <a:rPr lang="en-US" sz="1200" dirty="0">
+              <a:rPr lang="en-US" sz="1400" dirty="0">
                 <a:sym typeface="Wingdings" pitchFamily="2" charset="2"/>
               </a:rPr>
               <a:t> </a:t>
             </a:r>
             <a:r>
-              <a:rPr lang="en-US" sz="1200" dirty="0" err="1"/>
+              <a:rPr lang="en-US" sz="1400" dirty="0" err="1"/>
               <a:t>Buzy</a:t>
             </a:r>
             <a:r>
-              <a:rPr lang="en-US" sz="1200" dirty="0"/>
+              <a:rPr lang="en-US" sz="1400" dirty="0"/>
               <a:t> has perfect integration capabilities for a candidate manager</a:t>
             </a:r>
           </a:p>
           <a:p>
             <a:pPr lvl="1"/>
             <a:r>
-              <a:rPr lang="en-US" sz="1200" dirty="0"/>
+              <a:rPr lang="en-US" sz="1400" dirty="0"/>
               <a:t>Hiring can always be a complex, time-consuming, and expensive process for companies who usually cannot afford the cost nor the money away from the business</a:t>
             </a:r>
           </a:p>
           <a:p>
             <a:pPr lvl="1"/>
             <a:r>
-              <a:rPr lang="en-US" sz="1200" dirty="0"/>
+              <a:rPr lang="en-US" sz="1400" dirty="0"/>
               <a:t>We can: Connect to the LinkedIn API, provide AI generated summaries of the candidate’s portfolio, likeness to the job, and so forth</a:t>
             </a:r>
           </a:p>
           <a:p>
             <a:r>
-              <a:rPr lang="en-US" sz="1200" dirty="0"/>
+              <a:rPr lang="en-US" sz="1400" dirty="0"/>
               <a:t>Company Socials </a:t>
             </a:r>
             <a:r>
-              <a:rPr lang="en-US" sz="1200" dirty="0">
+              <a:rPr lang="en-US" sz="1400" dirty="0">
                 <a:sym typeface="Wingdings" pitchFamily="2" charset="2"/>
               </a:rPr>
               <a:t> Since </a:t>
             </a:r>
             <a:r>
-              <a:rPr lang="en-US" sz="1200" dirty="0" err="1">
+              <a:rPr lang="en-US" sz="1400" dirty="0" err="1">
                 <a:sym typeface="Wingdings" pitchFamily="2" charset="2"/>
               </a:rPr>
               <a:t>Buzy</a:t>
             </a:r>
             <a:r>
-              <a:rPr lang="en-US" sz="1200" dirty="0">
+              <a:rPr lang="en-US" sz="1400" dirty="0">
                 <a:sym typeface="Wingdings" pitchFamily="2" charset="2"/>
               </a:rPr>
               <a:t> collects so much data on small business, it is a great platform for small businesses to connect with one another</a:t>
@@ -12132,7 +19426,7 @@
           <a:p>
             <a:pPr lvl="1"/>
             <a:r>
-              <a:rPr lang="en-US" sz="1200" dirty="0">
+              <a:rPr lang="en-US" sz="1400" dirty="0">
                 <a:sym typeface="Wingdings" pitchFamily="2" charset="2"/>
               </a:rPr>
               <a:t>Collaborations among small-businesses are rare, but do boost the profits of both companies alike</a:t>
@@ -12141,7 +19435,7 @@
           <a:p>
             <a:pPr lvl="1"/>
             <a:r>
-              <a:rPr lang="en-US" sz="1200" dirty="0">
+              <a:rPr lang="en-US" sz="1400" dirty="0">
                 <a:sym typeface="Wingdings" pitchFamily="2" charset="2"/>
               </a:rPr>
               <a:t>Finding companies who share the same values as your own is a difficult and again time- consuming process</a:t>
@@ -12150,18 +19444,18 @@
           <a:p>
             <a:pPr lvl="1"/>
             <a:r>
-              <a:rPr lang="en-US" sz="1200" dirty="0" err="1">
+              <a:rPr lang="en-US" sz="1400" dirty="0" err="1">
                 <a:sym typeface="Wingdings" pitchFamily="2" charset="2"/>
               </a:rPr>
               <a:t>Buzy</a:t>
             </a:r>
             <a:r>
-              <a:rPr lang="en-US" sz="1200" dirty="0">
+              <a:rPr lang="en-US" sz="1400" dirty="0">
                 <a:sym typeface="Wingdings" pitchFamily="2" charset="2"/>
               </a:rPr>
               <a:t> can make this easier with a matching-like extension of the application</a:t>
             </a:r>
-            <a:endParaRPr lang="en-US" sz="1200" dirty="0"/>
+            <a:endParaRPr lang="en-US" sz="1400" dirty="0"/>
           </a:p>
         </p:txBody>
       </p:sp>
@@ -12375,14 +19669,6 @@
 <file path=ppt/slides/slide9.xml><?xml version="1.0" encoding="utf-8"?>
 <p:sld xmlns:a="http://schemas.openxmlformats.org/drawingml/2006/main" xmlns:r="http://schemas.openxmlformats.org/officeDocument/2006/relationships" xmlns:p="http://schemas.openxmlformats.org/presentationml/2006/main">
   <p:cSld>
-    <p:bg>
-      <p:bgPr>
-        <a:solidFill>
-          <a:schemeClr val="bg1"/>
-        </a:solidFill>
-        <a:effectLst/>
-      </p:bgPr>
-    </p:bg>
     <p:spTree>
       <p:nvGrpSpPr>
         <p:cNvPr id="1" name=""/>
@@ -12397,141 +19683,12 @@
           <a:chExt cx="0" cy="0"/>
         </a:xfrm>
       </p:grpSpPr>
-      <p:pic>
-        <p:nvPicPr>
-          <p:cNvPr id="4098" name="Picture 2" descr="200+ Key Takeaway Stock Illustrations ...">
-            <a:extLst>
-              <a:ext uri="{FF2B5EF4-FFF2-40B4-BE49-F238E27FC236}">
-                <a16:creationId xmlns:a16="http://schemas.microsoft.com/office/drawing/2014/main" id="{D5041ED2-9F0E-30FD-F6DE-CD2901F28B34}"/>
-              </a:ext>
-            </a:extLst>
-          </p:cNvPr>
-          <p:cNvPicPr>
-            <a:picLocks noChangeAspect="1" noChangeArrowheads="1"/>
-          </p:cNvPicPr>
-          <p:nvPr/>
-        </p:nvPicPr>
-        <p:blipFill>
-          <a:blip r:embed="rId2">
-            <a:extLst>
-              <a:ext uri="{28A0092B-C50C-407E-A947-70E740481C1C}">
-                <a14:useLocalDpi xmlns:a14="http://schemas.microsoft.com/office/drawing/2010/main" val="0"/>
-              </a:ext>
-            </a:extLst>
-          </a:blip>
-          <a:srcRect t="12960" r="2" b="12216"/>
-          <a:stretch>
-            <a:fillRect/>
-          </a:stretch>
-        </p:blipFill>
-        <p:spPr bwMode="auto">
-          <a:xfrm>
-            <a:off x="0" y="3509434"/>
-            <a:ext cx="4475150" cy="3348566"/>
-          </a:xfrm>
-          <a:prstGeom prst="rect">
-            <a:avLst/>
-          </a:prstGeom>
-          <a:noFill/>
-          <a:extLst>
-            <a:ext uri="{909E8E84-426E-40DD-AFC4-6F175D3DCCD1}">
-              <a14:hiddenFill xmlns:a14="http://schemas.microsoft.com/office/drawing/2010/main">
-                <a:solidFill>
-                  <a:srgbClr val="FFFFFF"/>
-                </a:solidFill>
-              </a14:hiddenFill>
-            </a:ext>
-          </a:extLst>
-        </p:spPr>
-      </p:pic>
-      <p:sp>
-        <p:nvSpPr>
-          <p:cNvPr id="4122" name="Rectangle 4121">
-            <a:extLst>
-              <a:ext uri="{FF2B5EF4-FFF2-40B4-BE49-F238E27FC236}">
-                <a16:creationId xmlns:a16="http://schemas.microsoft.com/office/drawing/2014/main" id="{881BB01C-2DAE-48BD-8E81-DAE2E1BC4DA8}"/>
-              </a:ext>
-              <a:ext uri="{C183D7F6-B498-43B3-948B-1728B52AA6E4}">
-                <adec:decorative xmlns:adec="http://schemas.microsoft.com/office/drawing/2017/decorative" val="1"/>
-              </a:ext>
-            </a:extLst>
-          </p:cNvPr>
-          <p:cNvSpPr>
-            <a:spLocks noGrp="1" noRot="1" noChangeAspect="1" noMove="1" noResize="1" noEditPoints="1" noAdjustHandles="1" noChangeArrowheads="1" noChangeShapeType="1" noTextEdit="1"/>
-          </p:cNvSpPr>
-          <p:nvPr>
-            <p:extLst>
-              <p:ext uri="{386F3935-93C4-4BCD-93E2-E3B085C9AB24}">
-                <p16:designElem xmlns:p16="http://schemas.microsoft.com/office/powerpoint/2015/main" val="1"/>
-              </p:ext>
-            </p:extLst>
-          </p:nvPr>
-        </p:nvSpPr>
-        <p:spPr>
-          <a:xfrm>
-            <a:off x="4650070" y="0"/>
-            <a:ext cx="7541930" cy="6857999"/>
-          </a:xfrm>
-          <a:prstGeom prst="rect">
-            <a:avLst/>
-          </a:prstGeom>
-          <a:blipFill dpi="0" rotWithShape="1">
-            <a:blip r:embed="rId3">
-              <a:alphaModFix amt="60000"/>
-              <a:lum bright="70000" contrast="-70000"/>
-              <a:extLst>
-                <a:ext uri="{BEBA8EAE-BF5A-486C-A8C5-ECC9F3942E4B}">
-                  <a14:imgProps xmlns:a14="http://schemas.microsoft.com/office/drawing/2010/main">
-                    <a14:imgLayer r:embed="rId4">
-                      <a14:imgEffect>
-                        <a14:sharpenSoften amount="61000"/>
-                      </a14:imgEffect>
-                    </a14:imgLayer>
-                  </a14:imgProps>
-                </a:ext>
-                <a:ext uri="{28A0092B-C50C-407E-A947-70E740481C1C}">
-                  <a14:useLocalDpi xmlns:a14="http://schemas.microsoft.com/office/drawing/2010/main" val="0"/>
-                </a:ext>
-              </a:extLst>
-            </a:blip>
-            <a:srcRect/>
-            <a:tile tx="0" ty="-704850" sx="92000" sy="89000" flip="xy" algn="ctr"/>
-          </a:blipFill>
-          <a:ln>
-            <a:noFill/>
-          </a:ln>
-        </p:spPr>
-        <p:style>
-          <a:lnRef idx="2">
-            <a:schemeClr val="accent1">
-              <a:shade val="50000"/>
-            </a:schemeClr>
-          </a:lnRef>
-          <a:fillRef idx="1">
-            <a:schemeClr val="accent1"/>
-          </a:fillRef>
-          <a:effectRef idx="0">
-            <a:schemeClr val="accent1"/>
-          </a:effectRef>
-          <a:fontRef idx="minor">
-            <a:schemeClr val="lt1"/>
-          </a:fontRef>
-        </p:style>
-        <p:txBody>
-          <a:bodyPr rtlCol="0" anchor="ctr"/>
-          <a:lstStyle/>
-          <a:p>
-            <a:pPr algn="ctr"/>
-            <a:endParaRPr lang="en-US"/>
-          </a:p>
-        </p:txBody>
-      </p:sp>
       <p:sp>
         <p:nvSpPr>
           <p:cNvPr id="2" name="Title 1">
             <a:extLst>
               <a:ext uri="{FF2B5EF4-FFF2-40B4-BE49-F238E27FC236}">
-                <a16:creationId xmlns:a16="http://schemas.microsoft.com/office/drawing/2014/main" id="{CFB903F8-8982-ABD0-1DE2-E2D627862833}"/>
+                <a16:creationId xmlns:a16="http://schemas.microsoft.com/office/drawing/2014/main" id="{19E64EA4-92E7-78B8-F2E7-0C378C4AD811}"/>
               </a:ext>
             </a:extLst>
           </p:cNvPr>
@@ -12544,351 +19701,56 @@
         </p:nvSpPr>
         <p:spPr>
           <a:xfrm>
-            <a:off x="4970109" y="484632"/>
-            <a:ext cx="6730277" cy="1609344"/>
+            <a:off x="1069848" y="484632"/>
+            <a:ext cx="10058400" cy="1376825"/>
           </a:xfrm>
-          <a:ln>
-            <a:noFill/>
-          </a:ln>
         </p:spPr>
         <p:txBody>
-          <a:bodyPr>
-            <a:normAutofit/>
-          </a:bodyPr>
+          <a:bodyPr/>
           <a:lstStyle/>
           <a:p>
             <a:r>
-              <a:rPr lang="en-US" sz="4800"/>
-              <a:t>Key Takeaways</a:t>
+              <a:rPr lang="en-US" dirty="0"/>
+              <a:t>Summarized milestones</a:t>
             </a:r>
           </a:p>
         </p:txBody>
       </p:sp>
-      <p:pic>
-        <p:nvPicPr>
-          <p:cNvPr id="4100" name="Picture 4" descr="Why Is Coffee Called Java?">
+      <p:graphicFrame>
+        <p:nvGraphicFramePr>
+          <p:cNvPr id="7" name="Content Placeholder 6">
             <a:extLst>
               <a:ext uri="{FF2B5EF4-FFF2-40B4-BE49-F238E27FC236}">
-                <a16:creationId xmlns:a16="http://schemas.microsoft.com/office/drawing/2014/main" id="{27EC384D-901A-8B64-57AA-0F468FD52422}"/>
+                <a16:creationId xmlns:a16="http://schemas.microsoft.com/office/drawing/2014/main" id="{78E656FF-45E2-59D8-3728-8B1BA611A6E4}"/>
               </a:ext>
             </a:extLst>
           </p:cNvPr>
-          <p:cNvPicPr>
-            <a:picLocks noChangeAspect="1" noChangeArrowheads="1"/>
-          </p:cNvPicPr>
-          <p:nvPr/>
-        </p:nvPicPr>
-        <p:blipFill>
-          <a:blip r:embed="rId5">
-            <a:extLst>
-              <a:ext uri="{28A0092B-C50C-407E-A947-70E740481C1C}">
-                <a14:useLocalDpi xmlns:a14="http://schemas.microsoft.com/office/drawing/2010/main" val="0"/>
-              </a:ext>
-            </a:extLst>
-          </a:blip>
-          <a:srcRect l="9437" r="11112" b="1"/>
-          <a:stretch>
-            <a:fillRect/>
-          </a:stretch>
-        </p:blipFill>
-        <p:spPr bwMode="auto">
-          <a:xfrm>
-            <a:off x="3344" y="10"/>
-            <a:ext cx="4475150" cy="3348557"/>
-          </a:xfrm>
-          <a:prstGeom prst="rect">
-            <a:avLst/>
-          </a:prstGeom>
-          <a:noFill/>
-          <a:extLst>
-            <a:ext uri="{909E8E84-426E-40DD-AFC4-6F175D3DCCD1}">
-              <a14:hiddenFill xmlns:a14="http://schemas.microsoft.com/office/drawing/2010/main">
-                <a:solidFill>
-                  <a:srgbClr val="FFFFFF"/>
-                </a:solidFill>
-              </a14:hiddenFill>
-            </a:ext>
-          </a:extLst>
-        </p:spPr>
-      </p:pic>
-      <p:sp>
-        <p:nvSpPr>
-          <p:cNvPr id="3" name="Content Placeholder 2">
-            <a:extLst>
-              <a:ext uri="{FF2B5EF4-FFF2-40B4-BE49-F238E27FC236}">
-                <a16:creationId xmlns:a16="http://schemas.microsoft.com/office/drawing/2014/main" id="{8B849C90-C36C-A21F-B8CD-3C46E7BBEB98}"/>
-              </a:ext>
-            </a:extLst>
-          </p:cNvPr>
-          <p:cNvSpPr>
-            <a:spLocks noGrp="1"/>
-          </p:cNvSpPr>
+          <p:cNvGraphicFramePr>
+            <a:graphicFrameLocks noGrp="1"/>
+          </p:cNvGraphicFramePr>
           <p:nvPr>
             <p:ph idx="1"/>
-          </p:nvPr>
-        </p:nvSpPr>
-        <p:spPr>
-          <a:xfrm>
-            <a:off x="4970109" y="2121408"/>
-            <a:ext cx="6730276" cy="4050792"/>
-          </a:xfrm>
-        </p:spPr>
-        <p:txBody>
-          <a:bodyPr>
-            <a:normAutofit/>
-          </a:bodyPr>
-          <a:lstStyle/>
-          <a:p>
-            <a:r>
-              <a:rPr lang="en-US" sz="1800" dirty="0"/>
-              <a:t>Jacob </a:t>
-            </a:r>
-            <a:r>
-              <a:rPr lang="en-US" sz="1800" dirty="0">
-                <a:sym typeface="Wingdings" pitchFamily="2" charset="2"/>
-              </a:rPr>
-              <a:t> learning similar information presented in a new manner allows us to learn and realize things we never did before</a:t>
-            </a:r>
-          </a:p>
-          <a:p>
-            <a:r>
-              <a:rPr lang="en-US" sz="1800" dirty="0">
-                <a:sym typeface="Wingdings" pitchFamily="2" charset="2"/>
-              </a:rPr>
-              <a:t>Kaitlyn  </a:t>
-            </a:r>
-            <a:r>
-              <a:rPr lang="en-US" sz="1800" dirty="0">
-                <a:solidFill>
-                  <a:srgbClr val="FF0000"/>
-                </a:solidFill>
-                <a:sym typeface="Wingdings" pitchFamily="2" charset="2"/>
-              </a:rPr>
-              <a:t>INSERT HERE PLEASE</a:t>
-            </a:r>
-          </a:p>
-          <a:p>
-            <a:r>
-              <a:rPr lang="en-US" sz="1800" dirty="0">
-                <a:sym typeface="Wingdings" pitchFamily="2" charset="2"/>
-              </a:rPr>
-              <a:t>Lotus  </a:t>
-            </a:r>
-            <a:r>
-              <a:rPr lang="en-US" sz="1800" dirty="0">
-                <a:solidFill>
-                  <a:srgbClr val="FF0000"/>
-                </a:solidFill>
-                <a:sym typeface="Wingdings" pitchFamily="2" charset="2"/>
-              </a:rPr>
-              <a:t>INSERT HERE PLEASE</a:t>
-            </a:r>
-            <a:endParaRPr lang="en-US" sz="1800" dirty="0">
-              <a:solidFill>
-                <a:srgbClr val="FF0000"/>
-              </a:solidFill>
-            </a:endParaRPr>
-          </a:p>
-        </p:txBody>
-      </p:sp>
-      <p:grpSp>
-        <p:nvGrpSpPr>
-          <p:cNvPr id="4119" name="Group 4118">
-            <a:extLst>
-              <a:ext uri="{FF2B5EF4-FFF2-40B4-BE49-F238E27FC236}">
-                <a16:creationId xmlns:a16="http://schemas.microsoft.com/office/drawing/2014/main" id="{AD55FF18-1979-4730-A345-E74E328F0777}"/>
-              </a:ext>
-              <a:ext uri="{C183D7F6-B498-43B3-948B-1728B52AA6E4}">
-                <adec:decorative xmlns:adec="http://schemas.microsoft.com/office/drawing/2017/decorative" val="1"/>
-              </a:ext>
-            </a:extLst>
-          </p:cNvPr>
-          <p:cNvGrpSpPr>
-            <a:grpSpLocks noGrp="1" noUngrp="1" noRot="1" noChangeAspect="1" noMove="1" noResize="1"/>
-          </p:cNvGrpSpPr>
-          <p:nvPr>
             <p:extLst>
-              <p:ext uri="{386F3935-93C4-4BCD-93E2-E3B085C9AB24}">
-                <p16:designElem xmlns:p16="http://schemas.microsoft.com/office/powerpoint/2015/main" val="1"/>
+              <p:ext uri="{D42A27DB-BD31-4B8C-83A1-F6EECF244321}">
+                <p14:modId xmlns:p14="http://schemas.microsoft.com/office/powerpoint/2010/main" val="2073424627"/>
               </p:ext>
             </p:extLst>
           </p:nvPr>
-        </p:nvGrpSpPr>
-        <p:grpSpPr>
-          <a:xfrm>
-            <a:off x="11401725" y="6229681"/>
-            <a:ext cx="457200" cy="457200"/>
-            <a:chOff x="11361456" y="6195813"/>
-            <a:chExt cx="548640" cy="548640"/>
-          </a:xfrm>
-        </p:grpSpPr>
-        <p:sp>
-          <p:nvSpPr>
-            <p:cNvPr id="4120" name="Oval 4119">
-              <a:extLst>
-                <a:ext uri="{FF2B5EF4-FFF2-40B4-BE49-F238E27FC236}">
-                  <a16:creationId xmlns:a16="http://schemas.microsoft.com/office/drawing/2014/main" id="{6F8381C4-0751-4A6E-BFF7-48DF67BFA087}"/>
-                </a:ext>
-                <a:ext uri="{C183D7F6-B498-43B3-948B-1728B52AA6E4}">
-                  <adec:decorative xmlns:adec="http://schemas.microsoft.com/office/drawing/2017/decorative" val="1"/>
-                </a:ext>
-              </a:extLst>
-            </p:cNvPr>
-            <p:cNvSpPr/>
-            <p:nvPr>
-              <p:extLst>
-                <p:ext uri="{386F3935-93C4-4BCD-93E2-E3B085C9AB24}">
-                  <p16:designElem xmlns:p16="http://schemas.microsoft.com/office/powerpoint/2015/main" val="1"/>
-                </p:ext>
-              </p:extLst>
-            </p:nvPr>
-          </p:nvSpPr>
-          <p:spPr>
-            <a:xfrm>
-              <a:off x="11361456" y="6195813"/>
-              <a:ext cx="548640" cy="548640"/>
-            </a:xfrm>
-            <a:prstGeom prst="ellipse">
-              <a:avLst/>
-            </a:prstGeom>
-            <a:blipFill dpi="0" rotWithShape="1">
-              <a:blip r:embed="rId6">
-                <a:duotone>
-                  <a:schemeClr val="accent1">
-                    <a:shade val="45000"/>
-                    <a:satMod val="135000"/>
-                  </a:schemeClr>
-                  <a:prstClr val="white"/>
-                </a:duotone>
-              </a:blip>
-              <a:srcRect/>
-              <a:tile tx="50800" ty="0" sx="85000" sy="85000" flip="none" algn="tl"/>
-            </a:blipFill>
-            <a:ln w="25400" cap="flat" cmpd="sng" algn="ctr">
-              <a:noFill/>
-              <a:prstDash val="solid"/>
-            </a:ln>
-            <a:effectLst/>
-          </p:spPr>
-          <p:txBody>
-            <a:bodyPr lIns="0" tIns="0" rIns="0" bIns="0" rtlCol="0" anchor="ctr"/>
-            <a:lstStyle/>
-            <a:p>
-              <a:pPr marL="0" marR="0" lvl="0" indent="0" algn="ctr" defTabSz="914400" eaLnBrk="1" fontAlgn="auto" latinLnBrk="0" hangingPunct="1">
-                <a:lnSpc>
-                  <a:spcPct val="100000"/>
-                </a:lnSpc>
-                <a:spcBef>
-                  <a:spcPts val="0"/>
-                </a:spcBef>
-                <a:spcAft>
-                  <a:spcPts val="0"/>
-                </a:spcAft>
-                <a:buClrTx/>
-                <a:buSzTx/>
-                <a:buFontTx/>
-                <a:buNone/>
-                <a:tabLst/>
-                <a:defRPr/>
-              </a:pPr>
-              <a:endParaRPr kumimoji="0" lang="en-US" sz="2000" b="0" i="0" u="none" strike="noStrike" kern="0" cap="none" spc="0" normalizeH="0" baseline="0" noProof="0" dirty="0">
-                <a:ln>
-                  <a:noFill/>
-                </a:ln>
-                <a:solidFill>
-                  <a:prstClr val="white"/>
-                </a:solidFill>
-                <a:effectLst/>
-                <a:uLnTx/>
-                <a:uFillTx/>
-                <a:latin typeface="Rockwell Extra Bold" pitchFamily="18" charset="0"/>
-                <a:ea typeface="+mn-ea"/>
-                <a:cs typeface="+mn-cs"/>
-              </a:endParaRPr>
-            </a:p>
-          </p:txBody>
-        </p:sp>
-        <p:sp>
-          <p:nvSpPr>
-            <p:cNvPr id="4121" name="Oval 4120">
-              <a:extLst>
-                <a:ext uri="{FF2B5EF4-FFF2-40B4-BE49-F238E27FC236}">
-                  <a16:creationId xmlns:a16="http://schemas.microsoft.com/office/drawing/2014/main" id="{F7320C1D-D7A9-4392-B3B6-ACEF193A8D66}"/>
-                </a:ext>
-                <a:ext uri="{C183D7F6-B498-43B3-948B-1728B52AA6E4}">
-                  <adec:decorative xmlns:adec="http://schemas.microsoft.com/office/drawing/2017/decorative" val="1"/>
-                </a:ext>
-              </a:extLst>
-            </p:cNvPr>
-            <p:cNvSpPr/>
-            <p:nvPr>
-              <p:extLst>
-                <p:ext uri="{386F3935-93C4-4BCD-93E2-E3B085C9AB24}">
-                  <p16:designElem xmlns:p16="http://schemas.microsoft.com/office/powerpoint/2015/main" val="1"/>
-                </p:ext>
-              </p:extLst>
-            </p:nvPr>
-          </p:nvSpPr>
-          <p:spPr>
-            <a:xfrm>
-              <a:off x="11396488" y="6230844"/>
-              <a:ext cx="478576" cy="478578"/>
-            </a:xfrm>
-            <a:prstGeom prst="ellipse">
-              <a:avLst/>
-            </a:prstGeom>
-            <a:noFill/>
-            <a:ln w="12700" cap="flat" cmpd="sng" algn="ctr">
-              <a:solidFill>
-                <a:srgbClr val="FFFFFF"/>
-              </a:solidFill>
-              <a:prstDash val="solid"/>
-            </a:ln>
-            <a:effectLst/>
-          </p:spPr>
-          <p:txBody>
-            <a:bodyPr rtlCol="0" anchor="ctr"/>
-            <a:lstStyle/>
-            <a:p>
-              <a:pPr marL="0" marR="0" lvl="0" indent="0" algn="ctr" defTabSz="914400" eaLnBrk="1" fontAlgn="auto" latinLnBrk="0" hangingPunct="1">
-                <a:lnSpc>
-                  <a:spcPct val="100000"/>
-                </a:lnSpc>
-                <a:spcBef>
-                  <a:spcPts val="0"/>
-                </a:spcBef>
-                <a:spcAft>
-                  <a:spcPts val="0"/>
-                </a:spcAft>
-                <a:buClrTx/>
-                <a:buSzTx/>
-                <a:buFontTx/>
-                <a:buNone/>
-                <a:tabLst/>
-                <a:defRPr/>
-              </a:pPr>
-              <a:endParaRPr kumimoji="0" lang="en-US" sz="1800" b="0" i="0" u="none" strike="noStrike" kern="0" cap="none" spc="0" normalizeH="0" baseline="0" noProof="0" dirty="0">
-                <a:ln>
-                  <a:noFill/>
-                </a:ln>
-                <a:solidFill>
-                  <a:prstClr val="white"/>
-                </a:solidFill>
-                <a:effectLst/>
-                <a:uLnTx/>
-                <a:uFillTx/>
-                <a:latin typeface="Calibri"/>
-                <a:ea typeface="+mn-ea"/>
-                <a:cs typeface="+mn-cs"/>
-              </a:endParaRPr>
-            </a:p>
-          </p:txBody>
-        </p:sp>
-      </p:grpSp>
+        </p:nvGraphicFramePr>
+        <p:xfrm>
+          <a:off x="990600" y="2025251"/>
+          <a:ext cx="10210800" cy="4528456"/>
+        </p:xfrm>
+        <a:graphic>
+          <a:graphicData uri="http://schemas.openxmlformats.org/drawingml/2006/diagram">
+            <dgm:relIds xmlns:dgm="http://schemas.openxmlformats.org/drawingml/2006/diagram" xmlns:r="http://schemas.openxmlformats.org/officeDocument/2006/relationships" r:dm="rId2" r:lo="rId3" r:qs="rId4" r:cs="rId5"/>
+          </a:graphicData>
+        </a:graphic>
+      </p:graphicFrame>
     </p:spTree>
     <p:extLst>
       <p:ext uri="{BB962C8B-B14F-4D97-AF65-F5344CB8AC3E}">
-        <p14:creationId xmlns:p14="http://schemas.microsoft.com/office/powerpoint/2010/main" val="4007444431"/>
+        <p14:creationId xmlns:p14="http://schemas.microsoft.com/office/powerpoint/2010/main" val="660320767"/>
       </p:ext>
     </p:extLst>
   </p:cSld>
@@ -13125,4 +19987,319 @@
     </a:ext>
   </a:extLst>
 </a:theme>
+</file>
+
+<file path=ppt/theme/theme2.xml><?xml version="1.0" encoding="utf-8"?>
+<a:theme xmlns:a="http://schemas.openxmlformats.org/drawingml/2006/main" name="Office Theme">
+  <a:themeElements>
+    <a:clrScheme name="Office">
+      <a:dk1>
+        <a:sysClr val="windowText" lastClr="000000"/>
+      </a:dk1>
+      <a:lt1>
+        <a:sysClr val="window" lastClr="FFFFFF"/>
+      </a:lt1>
+      <a:dk2>
+        <a:srgbClr val="0E2841"/>
+      </a:dk2>
+      <a:lt2>
+        <a:srgbClr val="E8E8E8"/>
+      </a:lt2>
+      <a:accent1>
+        <a:srgbClr val="156082"/>
+      </a:accent1>
+      <a:accent2>
+        <a:srgbClr val="E97132"/>
+      </a:accent2>
+      <a:accent3>
+        <a:srgbClr val="196B24"/>
+      </a:accent3>
+      <a:accent4>
+        <a:srgbClr val="0F9ED5"/>
+      </a:accent4>
+      <a:accent5>
+        <a:srgbClr val="A02B93"/>
+      </a:accent5>
+      <a:accent6>
+        <a:srgbClr val="4EA72E"/>
+      </a:accent6>
+      <a:hlink>
+        <a:srgbClr val="467886"/>
+      </a:hlink>
+      <a:folHlink>
+        <a:srgbClr val="96607D"/>
+      </a:folHlink>
+    </a:clrScheme>
+    <a:fontScheme name="Office">
+      <a:majorFont>
+        <a:latin typeface="Aptos Display" panose="02110004020202020204"/>
+        <a:ea typeface=""/>
+        <a:cs typeface=""/>
+        <a:font script="Jpan" typeface="游ゴシック Light"/>
+        <a:font script="Hang" typeface="맑은 고딕"/>
+        <a:font script="Hans" typeface="等线 Light"/>
+        <a:font script="Hant" typeface="新細明體"/>
+        <a:font script="Arab" typeface="Times New Roman"/>
+        <a:font script="Hebr" typeface="Times New Roman"/>
+        <a:font script="Thai" typeface="Angsana New"/>
+        <a:font script="Ethi" typeface="Nyala"/>
+        <a:font script="Beng" typeface="Vrinda"/>
+        <a:font script="Gujr" typeface="Shruti"/>
+        <a:font script="Khmr" typeface="MoolBoran"/>
+        <a:font script="Knda" typeface="Tunga"/>
+        <a:font script="Guru" typeface="Raavi"/>
+        <a:font script="Cans" typeface="Euphemia"/>
+        <a:font script="Cher" typeface="Plantagenet Cherokee"/>
+        <a:font script="Yiii" typeface="Microsoft Yi Baiti"/>
+        <a:font script="Tibt" typeface="Microsoft Himalaya"/>
+        <a:font script="Thaa" typeface="MV Boli"/>
+        <a:font script="Deva" typeface="Mangal"/>
+        <a:font script="Telu" typeface="Gautami"/>
+        <a:font script="Taml" typeface="Latha"/>
+        <a:font script="Syrc" typeface="Estrangelo Edessa"/>
+        <a:font script="Orya" typeface="Kalinga"/>
+        <a:font script="Mlym" typeface="Kartika"/>
+        <a:font script="Laoo" typeface="DokChampa"/>
+        <a:font script="Sinh" typeface="Iskoola Pota"/>
+        <a:font script="Mong" typeface="Mongolian Baiti"/>
+        <a:font script="Viet" typeface="Times New Roman"/>
+        <a:font script="Uigh" typeface="Microsoft Uighur"/>
+        <a:font script="Geor" typeface="Sylfaen"/>
+        <a:font script="Armn" typeface="Arial"/>
+        <a:font script="Bugi" typeface="Leelawadee UI"/>
+        <a:font script="Bopo" typeface="Microsoft JhengHei"/>
+        <a:font script="Java" typeface="Javanese Text"/>
+        <a:font script="Lisu" typeface="Segoe UI"/>
+        <a:font script="Mymr" typeface="Myanmar Text"/>
+        <a:font script="Nkoo" typeface="Ebrima"/>
+        <a:font script="Olck" typeface="Nirmala UI"/>
+        <a:font script="Osma" typeface="Ebrima"/>
+        <a:font script="Phag" typeface="Phagspa"/>
+        <a:font script="Syrn" typeface="Estrangelo Edessa"/>
+        <a:font script="Syrj" typeface="Estrangelo Edessa"/>
+        <a:font script="Syre" typeface="Estrangelo Edessa"/>
+        <a:font script="Sora" typeface="Nirmala UI"/>
+        <a:font script="Tale" typeface="Microsoft Tai Le"/>
+        <a:font script="Talu" typeface="Microsoft New Tai Lue"/>
+        <a:font script="Tfng" typeface="Ebrima"/>
+      </a:majorFont>
+      <a:minorFont>
+        <a:latin typeface="Aptos" panose="02110004020202020204"/>
+        <a:ea typeface=""/>
+        <a:cs typeface=""/>
+        <a:font script="Jpan" typeface="游ゴシック"/>
+        <a:font script="Hang" typeface="맑은 고딕"/>
+        <a:font script="Hans" typeface="等线"/>
+        <a:font script="Hant" typeface="新細明體"/>
+        <a:font script="Arab" typeface="Arial"/>
+        <a:font script="Hebr" typeface="Arial"/>
+        <a:font script="Thai" typeface="Cordia New"/>
+        <a:font script="Ethi" typeface="Nyala"/>
+        <a:font script="Beng" typeface="Vrinda"/>
+        <a:font script="Gujr" typeface="Shruti"/>
+        <a:font script="Khmr" typeface="DaunPenh"/>
+        <a:font script="Knda" typeface="Tunga"/>
+        <a:font script="Guru" typeface="Raavi"/>
+        <a:font script="Cans" typeface="Euphemia"/>
+        <a:font script="Cher" typeface="Plantagenet Cherokee"/>
+        <a:font script="Yiii" typeface="Microsoft Yi Baiti"/>
+        <a:font script="Tibt" typeface="Microsoft Himalaya"/>
+        <a:font script="Thaa" typeface="MV Boli"/>
+        <a:font script="Deva" typeface="Mangal"/>
+        <a:font script="Telu" typeface="Gautami"/>
+        <a:font script="Taml" typeface="Latha"/>
+        <a:font script="Syrc" typeface="Estrangelo Edessa"/>
+        <a:font script="Orya" typeface="Kalinga"/>
+        <a:font script="Mlym" typeface="Kartika"/>
+        <a:font script="Laoo" typeface="DokChampa"/>
+        <a:font script="Sinh" typeface="Iskoola Pota"/>
+        <a:font script="Mong" typeface="Mongolian Baiti"/>
+        <a:font script="Viet" typeface="Arial"/>
+        <a:font script="Uigh" typeface="Microsoft Uighur"/>
+        <a:font script="Geor" typeface="Sylfaen"/>
+        <a:font script="Armn" typeface="Arial"/>
+        <a:font script="Bugi" typeface="Leelawadee UI"/>
+        <a:font script="Bopo" typeface="Microsoft JhengHei"/>
+        <a:font script="Java" typeface="Javanese Text"/>
+        <a:font script="Lisu" typeface="Segoe UI"/>
+        <a:font script="Mymr" typeface="Myanmar Text"/>
+        <a:font script="Nkoo" typeface="Ebrima"/>
+        <a:font script="Olck" typeface="Nirmala UI"/>
+        <a:font script="Osma" typeface="Ebrima"/>
+        <a:font script="Phag" typeface="Phagspa"/>
+        <a:font script="Syrn" typeface="Estrangelo Edessa"/>
+        <a:font script="Syrj" typeface="Estrangelo Edessa"/>
+        <a:font script="Syre" typeface="Estrangelo Edessa"/>
+        <a:font script="Sora" typeface="Nirmala UI"/>
+        <a:font script="Tale" typeface="Microsoft Tai Le"/>
+        <a:font script="Talu" typeface="Microsoft New Tai Lue"/>
+        <a:font script="Tfng" typeface="Ebrima"/>
+      </a:minorFont>
+    </a:fontScheme>
+    <a:fmtScheme name="Office">
+      <a:fillStyleLst>
+        <a:solidFill>
+          <a:schemeClr val="phClr"/>
+        </a:solidFill>
+        <a:gradFill rotWithShape="1">
+          <a:gsLst>
+            <a:gs pos="0">
+              <a:schemeClr val="phClr">
+                <a:lumMod val="110000"/>
+                <a:satMod val="105000"/>
+                <a:tint val="67000"/>
+              </a:schemeClr>
+            </a:gs>
+            <a:gs pos="50000">
+              <a:schemeClr val="phClr">
+                <a:lumMod val="105000"/>
+                <a:satMod val="103000"/>
+                <a:tint val="73000"/>
+              </a:schemeClr>
+            </a:gs>
+            <a:gs pos="100000">
+              <a:schemeClr val="phClr">
+                <a:lumMod val="105000"/>
+                <a:satMod val="109000"/>
+                <a:tint val="81000"/>
+              </a:schemeClr>
+            </a:gs>
+          </a:gsLst>
+          <a:lin ang="5400000" scaled="0"/>
+        </a:gradFill>
+        <a:gradFill rotWithShape="1">
+          <a:gsLst>
+            <a:gs pos="0">
+              <a:schemeClr val="phClr">
+                <a:satMod val="103000"/>
+                <a:lumMod val="102000"/>
+                <a:tint val="94000"/>
+              </a:schemeClr>
+            </a:gs>
+            <a:gs pos="50000">
+              <a:schemeClr val="phClr">
+                <a:satMod val="110000"/>
+                <a:lumMod val="100000"/>
+                <a:shade val="100000"/>
+              </a:schemeClr>
+            </a:gs>
+            <a:gs pos="100000">
+              <a:schemeClr val="phClr">
+                <a:lumMod val="99000"/>
+                <a:satMod val="120000"/>
+                <a:shade val="78000"/>
+              </a:schemeClr>
+            </a:gs>
+          </a:gsLst>
+          <a:lin ang="5400000" scaled="0"/>
+        </a:gradFill>
+      </a:fillStyleLst>
+      <a:lnStyleLst>
+        <a:ln w="12700" cap="flat" cmpd="sng" algn="ctr">
+          <a:solidFill>
+            <a:schemeClr val="phClr"/>
+          </a:solidFill>
+          <a:prstDash val="solid"/>
+          <a:miter lim="800000"/>
+        </a:ln>
+        <a:ln w="19050" cap="flat" cmpd="sng" algn="ctr">
+          <a:solidFill>
+            <a:schemeClr val="phClr"/>
+          </a:solidFill>
+          <a:prstDash val="solid"/>
+          <a:miter lim="800000"/>
+        </a:ln>
+        <a:ln w="25400" cap="flat" cmpd="sng" algn="ctr">
+          <a:solidFill>
+            <a:schemeClr val="phClr"/>
+          </a:solidFill>
+          <a:prstDash val="solid"/>
+          <a:miter lim="800000"/>
+        </a:ln>
+      </a:lnStyleLst>
+      <a:effectStyleLst>
+        <a:effectStyle>
+          <a:effectLst/>
+        </a:effectStyle>
+        <a:effectStyle>
+          <a:effectLst/>
+        </a:effectStyle>
+        <a:effectStyle>
+          <a:effectLst>
+            <a:outerShdw blurRad="57150" dist="19050" dir="5400000" algn="ctr" rotWithShape="0">
+              <a:srgbClr val="000000">
+                <a:alpha val="63000"/>
+              </a:srgbClr>
+            </a:outerShdw>
+          </a:effectLst>
+        </a:effectStyle>
+      </a:effectStyleLst>
+      <a:bgFillStyleLst>
+        <a:solidFill>
+          <a:schemeClr val="phClr"/>
+        </a:solidFill>
+        <a:solidFill>
+          <a:schemeClr val="phClr">
+            <a:tint val="95000"/>
+            <a:satMod val="170000"/>
+          </a:schemeClr>
+        </a:solidFill>
+        <a:gradFill rotWithShape="1">
+          <a:gsLst>
+            <a:gs pos="0">
+              <a:schemeClr val="phClr">
+                <a:tint val="93000"/>
+                <a:satMod val="150000"/>
+                <a:shade val="98000"/>
+                <a:lumMod val="102000"/>
+              </a:schemeClr>
+            </a:gs>
+            <a:gs pos="50000">
+              <a:schemeClr val="phClr">
+                <a:tint val="98000"/>
+                <a:satMod val="130000"/>
+                <a:shade val="90000"/>
+                <a:lumMod val="103000"/>
+              </a:schemeClr>
+            </a:gs>
+            <a:gs pos="100000">
+              <a:schemeClr val="phClr">
+                <a:shade val="63000"/>
+                <a:satMod val="120000"/>
+              </a:schemeClr>
+            </a:gs>
+          </a:gsLst>
+          <a:lin ang="5400000" scaled="0"/>
+        </a:gradFill>
+      </a:bgFillStyleLst>
+    </a:fmtScheme>
+  </a:themeElements>
+  <a:objectDefaults>
+    <a:lnDef>
+      <a:spPr/>
+      <a:bodyPr/>
+      <a:lstStyle/>
+      <a:style>
+        <a:lnRef idx="2">
+          <a:schemeClr val="accent1"/>
+        </a:lnRef>
+        <a:fillRef idx="0">
+          <a:schemeClr val="accent1"/>
+        </a:fillRef>
+        <a:effectRef idx="1">
+          <a:schemeClr val="accent1"/>
+        </a:effectRef>
+        <a:fontRef idx="minor">
+          <a:schemeClr val="tx1"/>
+        </a:fontRef>
+      </a:style>
+    </a:lnDef>
+  </a:objectDefaults>
+  <a:extraClrSchemeLst/>
+  <a:extLst>
+    <a:ext uri="{05A4C25C-085E-4340-85A3-A5531E510DB2}">
+      <thm15:themeFamily xmlns:thm15="http://schemas.microsoft.com/office/thememl/2012/main" name="Office Theme" id="{2E142A2C-CD16-42D6-873A-C26D2A0506FA}" vid="{1BDDFF52-6CD6-40A5-AB3C-68EB2F1E4D0A}"/>
+    </a:ext>
+  </a:extLst>
+</a:theme>
 </file>